--- a/client.pptx
+++ b/client.pptx
@@ -1502,7 +1502,7 @@
           <a:p>
             <a:fld id="{22EE6207-6821-4DAB-B818-E4F4F6AB12F5}" type="datetimeFigureOut">
               <a:rPr lang="en-GB" smtClean="0"/>
-              <a:t>01/10/2024</a:t>
+              <a:t>02/10/2024</a:t>
             </a:fld>
             <a:endParaRPr lang="en-GB"/>
           </a:p>
@@ -1695,7 +1695,7 @@
           <a:p>
             <a:fld id="{5B936EE0-4F6D-274D-8902-95CDFEF84C8C}" type="datetimeFigureOut">
               <a:rPr lang="en-US" smtClean="0"/>
-              <a:t>10/1/2024</a:t>
+              <a:t>10/2/2024</a:t>
             </a:fld>
             <a:endParaRPr lang="en-US"/>
           </a:p>
@@ -2419,7 +2419,7 @@
           <a:p>
             <a:fld id="{98FAEBFC-AF3F-6E47-9766-48C2D7B36252}" type="datetime1">
               <a:rPr lang="en-GB" smtClean="0"/>
-              <a:t>01/10/2024</a:t>
+              <a:t>02/10/2024</a:t>
             </a:fld>
             <a:endParaRPr lang="en-GB"/>
           </a:p>
@@ -2734,7 +2734,7 @@
           <a:p>
             <a:fld id="{C7EFF3D0-6BED-D444-BEB4-872DDA21BA8D}" type="datetime1">
               <a:rPr lang="en-GB" smtClean="0"/>
-              <a:t>01/10/2024</a:t>
+              <a:t>02/10/2024</a:t>
             </a:fld>
             <a:endParaRPr lang="en-US"/>
           </a:p>
@@ -3852,7 +3852,7 @@
           <a:p>
             <a:fld id="{C7EFF3D0-6BED-D444-BEB4-872DDA21BA8D}" type="datetime1">
               <a:rPr lang="en-GB" smtClean="0"/>
-              <a:t>01/10/2024</a:t>
+              <a:t>02/10/2024</a:t>
             </a:fld>
             <a:endParaRPr lang="en-US"/>
           </a:p>
@@ -4319,7 +4319,7 @@
           <a:p>
             <a:fld id="{C7EFF3D0-6BED-D444-BEB4-872DDA21BA8D}" type="datetime1">
               <a:rPr lang="en-GB" smtClean="0"/>
-              <a:t>01/10/2024</a:t>
+              <a:t>02/10/2024</a:t>
             </a:fld>
             <a:endParaRPr lang="en-US"/>
           </a:p>
@@ -4970,7 +4970,7 @@
           <a:p>
             <a:fld id="{C7EFF3D0-6BED-D444-BEB4-872DDA21BA8D}" type="datetime1">
               <a:rPr lang="en-GB" smtClean="0"/>
-              <a:t>01/10/2024</a:t>
+              <a:t>02/10/2024</a:t>
             </a:fld>
             <a:endParaRPr lang="en-US"/>
           </a:p>
@@ -5381,7 +5381,7 @@
           <a:p>
             <a:fld id="{C7EFF3D0-6BED-D444-BEB4-872DDA21BA8D}" type="datetime1">
               <a:rPr lang="en-GB" smtClean="0"/>
-              <a:t>01/10/2024</a:t>
+              <a:t>02/10/2024</a:t>
             </a:fld>
             <a:endParaRPr lang="en-US"/>
           </a:p>
@@ -5882,7 +5882,7 @@
           <a:p>
             <a:fld id="{C7EFF3D0-6BED-D444-BEB4-872DDA21BA8D}" type="datetime1">
               <a:rPr lang="en-GB" smtClean="0"/>
-              <a:t>01/10/2024</a:t>
+              <a:t>02/10/2024</a:t>
             </a:fld>
             <a:endParaRPr lang="en-US"/>
           </a:p>
@@ -6612,7 +6612,7 @@
           <a:p>
             <a:fld id="{C7EFF3D0-6BED-D444-BEB4-872DDA21BA8D}" type="datetime1">
               <a:rPr lang="en-GB" smtClean="0"/>
-              <a:t>01/10/2024</a:t>
+              <a:t>02/10/2024</a:t>
             </a:fld>
             <a:endParaRPr lang="en-US"/>
           </a:p>
@@ -7438,7 +7438,7 @@
           <a:p>
             <a:fld id="{C7EFF3D0-6BED-D444-BEB4-872DDA21BA8D}" type="datetime1">
               <a:rPr lang="en-GB" smtClean="0"/>
-              <a:t>01/10/2024</a:t>
+              <a:t>02/10/2024</a:t>
             </a:fld>
             <a:endParaRPr lang="en-US"/>
           </a:p>
@@ -9461,7 +9461,7 @@
           <a:p>
             <a:fld id="{C7EFF3D0-6BED-D444-BEB4-872DDA21BA8D}" type="datetime1">
               <a:rPr lang="en-GB" smtClean="0"/>
-              <a:t>01/10/2024</a:t>
+              <a:t>02/10/2024</a:t>
             </a:fld>
             <a:endParaRPr lang="en-US"/>
           </a:p>
@@ -10087,7 +10087,7 @@
           <a:p>
             <a:fld id="{C7EFF3D0-6BED-D444-BEB4-872DDA21BA8D}" type="datetime1">
               <a:rPr lang="en-GB" smtClean="0"/>
-              <a:t>01/10/2024</a:t>
+              <a:t>02/10/2024</a:t>
             </a:fld>
             <a:endParaRPr lang="en-US"/>
           </a:p>
@@ -11060,7 +11060,7 @@
           <a:p>
             <a:fld id="{98FAEBFC-AF3F-6E47-9766-48C2D7B36252}" type="datetime1">
               <a:rPr lang="en-GB" smtClean="0"/>
-              <a:t>01/10/2024</a:t>
+              <a:t>02/10/2024</a:t>
             </a:fld>
             <a:endParaRPr lang="en-GB"/>
           </a:p>
@@ -11779,7 +11779,7 @@
           <a:p>
             <a:fld id="{C7EFF3D0-6BED-D444-BEB4-872DDA21BA8D}" type="datetime1">
               <a:rPr lang="en-GB" smtClean="0"/>
-              <a:t>01/10/2024</a:t>
+              <a:t>02/10/2024</a:t>
             </a:fld>
             <a:endParaRPr lang="en-US"/>
           </a:p>
@@ -12599,7 +12599,7 @@
           <a:p>
             <a:fld id="{C7EFF3D0-6BED-D444-BEB4-872DDA21BA8D}" type="datetime1">
               <a:rPr lang="en-GB" smtClean="0"/>
-              <a:t>01/10/2024</a:t>
+              <a:t>02/10/2024</a:t>
             </a:fld>
             <a:endParaRPr lang="en-US"/>
           </a:p>
@@ -13398,7 +13398,7 @@
           <a:p>
             <a:fld id="{C7EFF3D0-6BED-D444-BEB4-872DDA21BA8D}" type="datetime1">
               <a:rPr lang="en-GB" smtClean="0"/>
-              <a:t>01/10/2024</a:t>
+              <a:t>02/10/2024</a:t>
             </a:fld>
             <a:endParaRPr lang="en-US"/>
           </a:p>
@@ -14165,7 +14165,7 @@
           <a:p>
             <a:fld id="{C7EFF3D0-6BED-D444-BEB4-872DDA21BA8D}" type="datetime1">
               <a:rPr lang="en-GB" smtClean="0"/>
-              <a:t>01/10/2024</a:t>
+              <a:t>02/10/2024</a:t>
             </a:fld>
             <a:endParaRPr lang="en-US"/>
           </a:p>
@@ -14732,7 +14732,7 @@
           <a:p>
             <a:fld id="{C7EFF3D0-6BED-D444-BEB4-872DDA21BA8D}" type="datetime1">
               <a:rPr lang="en-GB" smtClean="0"/>
-              <a:t>01/10/2024</a:t>
+              <a:t>02/10/2024</a:t>
             </a:fld>
             <a:endParaRPr lang="en-US"/>
           </a:p>
@@ -15296,7 +15296,7 @@
           <a:p>
             <a:fld id="{C7EFF3D0-6BED-D444-BEB4-872DDA21BA8D}" type="datetime1">
               <a:rPr lang="en-GB" smtClean="0"/>
-              <a:t>01/10/2024</a:t>
+              <a:t>02/10/2024</a:t>
             </a:fld>
             <a:endParaRPr lang="en-US"/>
           </a:p>
@@ -15907,7 +15907,7 @@
           <a:p>
             <a:fld id="{C7EFF3D0-6BED-D444-BEB4-872DDA21BA8D}" type="datetime1">
               <a:rPr lang="en-GB" smtClean="0"/>
-              <a:t>01/10/2024</a:t>
+              <a:t>02/10/2024</a:t>
             </a:fld>
             <a:endParaRPr lang="en-US"/>
           </a:p>
@@ -16643,7 +16643,7 @@
           <a:p>
             <a:fld id="{C7EFF3D0-6BED-D444-BEB4-872DDA21BA8D}" type="datetime1">
               <a:rPr lang="en-GB" smtClean="0"/>
-              <a:t>01/10/2024</a:t>
+              <a:t>02/10/2024</a:t>
             </a:fld>
             <a:endParaRPr lang="en-US"/>
           </a:p>
@@ -17014,7 +17014,7 @@
           <a:p>
             <a:fld id="{C7EFF3D0-6BED-D444-BEB4-872DDA21BA8D}" type="datetime1">
               <a:rPr lang="en-GB" smtClean="0"/>
-              <a:t>01/10/2024</a:t>
+              <a:t>02/10/2024</a:t>
             </a:fld>
             <a:endParaRPr lang="en-US"/>
           </a:p>
@@ -17414,7 +17414,7 @@
           <a:p>
             <a:fld id="{C7EFF3D0-6BED-D444-BEB4-872DDA21BA8D}" type="datetime1">
               <a:rPr lang="en-GB" smtClean="0"/>
-              <a:t>01/10/2024</a:t>
+              <a:t>02/10/2024</a:t>
             </a:fld>
             <a:endParaRPr lang="en-US"/>
           </a:p>
@@ -18412,7 +18412,7 @@
           <a:p>
             <a:fld id="{98FAEBFC-AF3F-6E47-9766-48C2D7B36252}" type="datetime1">
               <a:rPr lang="en-GB" smtClean="0"/>
-              <a:t>01/10/2024</a:t>
+              <a:t>02/10/2024</a:t>
             </a:fld>
             <a:endParaRPr lang="en-GB"/>
           </a:p>
@@ -18966,7 +18966,7 @@
           <a:p>
             <a:fld id="{C7EFF3D0-6BED-D444-BEB4-872DDA21BA8D}" type="datetime1">
               <a:rPr lang="en-GB" smtClean="0"/>
-              <a:t>01/10/2024</a:t>
+              <a:t>02/10/2024</a:t>
             </a:fld>
             <a:endParaRPr lang="en-US"/>
           </a:p>
@@ -19708,7 +19708,7 @@
           <a:p>
             <a:fld id="{C7EFF3D0-6BED-D444-BEB4-872DDA21BA8D}" type="datetime1">
               <a:rPr lang="en-GB" smtClean="0"/>
-              <a:t>01/10/2024</a:t>
+              <a:t>02/10/2024</a:t>
             </a:fld>
             <a:endParaRPr lang="en-US"/>
           </a:p>
@@ -20651,7 +20651,7 @@
           <a:p>
             <a:fld id="{C7EFF3D0-6BED-D444-BEB4-872DDA21BA8D}" type="datetime1">
               <a:rPr lang="en-GB" smtClean="0"/>
-              <a:t>01/10/2024</a:t>
+              <a:t>02/10/2024</a:t>
             </a:fld>
             <a:endParaRPr lang="en-US"/>
           </a:p>
@@ -21207,7 +21207,7 @@
           <a:p>
             <a:fld id="{C7EFF3D0-6BED-D444-BEB4-872DDA21BA8D}" type="datetime1">
               <a:rPr lang="en-GB" smtClean="0"/>
-              <a:t>01/10/2024</a:t>
+              <a:t>02/10/2024</a:t>
             </a:fld>
             <a:endParaRPr lang="en-US"/>
           </a:p>
@@ -21757,7 +21757,7 @@
           <a:p>
             <a:fld id="{C7EFF3D0-6BED-D444-BEB4-872DDA21BA8D}" type="datetime1">
               <a:rPr lang="en-GB" smtClean="0"/>
-              <a:t>01/10/2024</a:t>
+              <a:t>02/10/2024</a:t>
             </a:fld>
             <a:endParaRPr lang="en-US"/>
           </a:p>
@@ -22542,7 +22542,7 @@
           <a:p>
             <a:fld id="{C7EFF3D0-6BED-D444-BEB4-872DDA21BA8D}" type="datetime1">
               <a:rPr lang="en-GB" smtClean="0"/>
-              <a:t>01/10/2024</a:t>
+              <a:t>02/10/2024</a:t>
             </a:fld>
             <a:endParaRPr lang="en-US"/>
           </a:p>
@@ -23306,7 +23306,7 @@
           <a:p>
             <a:fld id="{C7EFF3D0-6BED-D444-BEB4-872DDA21BA8D}" type="datetime1">
               <a:rPr lang="en-GB" smtClean="0"/>
-              <a:t>01/10/2024</a:t>
+              <a:t>02/10/2024</a:t>
             </a:fld>
             <a:endParaRPr lang="en-US"/>
           </a:p>
@@ -24022,7 +24022,7 @@
           <a:p>
             <a:fld id="{C7EFF3D0-6BED-D444-BEB4-872DDA21BA8D}" type="datetime1">
               <a:rPr lang="en-GB" smtClean="0"/>
-              <a:t>01/10/2024</a:t>
+              <a:t>02/10/2024</a:t>
             </a:fld>
             <a:endParaRPr lang="en-US"/>
           </a:p>
@@ -24421,7 +24421,7 @@
           <a:p>
             <a:fld id="{C7EFF3D0-6BED-D444-BEB4-872DDA21BA8D}" type="datetime1">
               <a:rPr lang="en-GB" smtClean="0"/>
-              <a:t>01/10/2024</a:t>
+              <a:t>02/10/2024</a:t>
             </a:fld>
             <a:endParaRPr lang="en-US"/>
           </a:p>
@@ -24733,7 +24733,7 @@
           <a:p>
             <a:fld id="{C7EFF3D0-6BED-D444-BEB4-872DDA21BA8D}" type="datetime1">
               <a:rPr lang="en-GB" smtClean="0"/>
-              <a:t>01/10/2024</a:t>
+              <a:t>02/10/2024</a:t>
             </a:fld>
             <a:endParaRPr lang="en-US"/>
           </a:p>
@@ -25203,7 +25203,7 @@
           <a:p>
             <a:fld id="{D3ECCBB8-735C-914B-8E67-7852CBBDF7EA}" type="datetime1">
               <a:rPr lang="en-GB" smtClean="0"/>
-              <a:t>01/10/2024</a:t>
+              <a:t>02/10/2024</a:t>
             </a:fld>
             <a:endParaRPr lang="en-GB"/>
           </a:p>
@@ -25889,7 +25889,7 @@
           <a:p>
             <a:fld id="{C7EFF3D0-6BED-D444-BEB4-872DDA21BA8D}" type="datetime1">
               <a:rPr lang="en-GB" smtClean="0"/>
-              <a:t>01/10/2024</a:t>
+              <a:t>02/10/2024</a:t>
             </a:fld>
             <a:endParaRPr lang="en-US"/>
           </a:p>
@@ -26162,7 +26162,7 @@
           <a:p>
             <a:fld id="{C7EFF3D0-6BED-D444-BEB4-872DDA21BA8D}" type="datetime1">
               <a:rPr lang="en-GB" smtClean="0"/>
-              <a:t>01/10/2024</a:t>
+              <a:t>02/10/2024</a:t>
             </a:fld>
             <a:endParaRPr lang="en-US"/>
           </a:p>
@@ -26427,7 +26427,7 @@
           <a:p>
             <a:fld id="{C7EFF3D0-6BED-D444-BEB4-872DDA21BA8D}" type="datetime1">
               <a:rPr lang="en-GB" smtClean="0"/>
-              <a:t>01/10/2024</a:t>
+              <a:t>02/10/2024</a:t>
             </a:fld>
             <a:endParaRPr lang="en-US"/>
           </a:p>
@@ -26819,7 +26819,7 @@
           <a:p>
             <a:fld id="{C7EFF3D0-6BED-D444-BEB4-872DDA21BA8D}" type="datetime1">
               <a:rPr lang="en-GB" smtClean="0"/>
-              <a:t>01/10/2024</a:t>
+              <a:t>02/10/2024</a:t>
             </a:fld>
             <a:endParaRPr lang="en-US"/>
           </a:p>
@@ -27211,7 +27211,7 @@
           <a:p>
             <a:fld id="{C7EFF3D0-6BED-D444-BEB4-872DDA21BA8D}" type="datetime1">
               <a:rPr lang="en-GB" smtClean="0"/>
-              <a:t>01/10/2024</a:t>
+              <a:t>02/10/2024</a:t>
             </a:fld>
             <a:endParaRPr lang="en-US"/>
           </a:p>
@@ -28092,7 +28092,7 @@
           <a:p>
             <a:fld id="{C7EFF3D0-6BED-D444-BEB4-872DDA21BA8D}" type="datetime1">
               <a:rPr lang="en-GB" smtClean="0"/>
-              <a:t>01/10/2024</a:t>
+              <a:t>02/10/2024</a:t>
             </a:fld>
             <a:endParaRPr lang="en-US"/>
           </a:p>
@@ -28253,7 +28253,7 @@
           <a:p>
             <a:fld id="{C7EFF3D0-6BED-D444-BEB4-872DDA21BA8D}" type="datetime1">
               <a:rPr lang="en-GB" smtClean="0"/>
-              <a:t>01/10/2024</a:t>
+              <a:t>02/10/2024</a:t>
             </a:fld>
             <a:endParaRPr lang="en-US"/>
           </a:p>
@@ -29010,7 +29010,7 @@
           <a:p>
             <a:fld id="{C7EFF3D0-6BED-D444-BEB4-872DDA21BA8D}" type="datetime1">
               <a:rPr lang="en-GB" smtClean="0"/>
-              <a:t>01/10/2024</a:t>
+              <a:t>02/10/2024</a:t>
             </a:fld>
             <a:endParaRPr lang="en-US"/>
           </a:p>
@@ -29296,7 +29296,7 @@
           <a:p>
             <a:fld id="{C7EFF3D0-6BED-D444-BEB4-872DDA21BA8D}" type="datetime1">
               <a:rPr lang="en-GB" smtClean="0"/>
-              <a:t>01/10/2024</a:t>
+              <a:t>02/10/2024</a:t>
             </a:fld>
             <a:endParaRPr lang="en-US"/>
           </a:p>
@@ -30062,7 +30062,7 @@
           <a:p>
             <a:fld id="{C7EFF3D0-6BED-D444-BEB4-872DDA21BA8D}" type="datetime1">
               <a:rPr lang="en-GB" smtClean="0"/>
-              <a:t>01/10/2024</a:t>
+              <a:t>02/10/2024</a:t>
             </a:fld>
             <a:endParaRPr lang="en-US"/>
           </a:p>
@@ -30985,7 +30985,7 @@
           <a:p>
             <a:fld id="{D3ECCBB8-735C-914B-8E67-7852CBBDF7EA}" type="datetime1">
               <a:rPr lang="en-GB" smtClean="0"/>
-              <a:t>01/10/2024</a:t>
+              <a:t>02/10/2024</a:t>
             </a:fld>
             <a:endParaRPr lang="en-GB"/>
           </a:p>
@@ -31923,7 +31923,7 @@
           <a:p>
             <a:fld id="{D3ECCBB8-735C-914B-8E67-7852CBBDF7EA}" type="datetime1">
               <a:rPr lang="en-GB" smtClean="0"/>
-              <a:t>01/10/2024</a:t>
+              <a:t>02/10/2024</a:t>
             </a:fld>
             <a:endParaRPr lang="en-GB"/>
           </a:p>
@@ -32869,7 +32869,7 @@
           <a:p>
             <a:fld id="{D3ECCBB8-735C-914B-8E67-7852CBBDF7EA}" type="datetime1">
               <a:rPr lang="en-GB" smtClean="0"/>
-              <a:t>01/10/2024</a:t>
+              <a:t>02/10/2024</a:t>
             </a:fld>
             <a:endParaRPr lang="en-GB"/>
           </a:p>
@@ -33580,7 +33580,7 @@
           <a:p>
             <a:fld id="{C7EFF3D0-6BED-D444-BEB4-872DDA21BA8D}" type="datetime1">
               <a:rPr lang="en-GB" smtClean="0"/>
-              <a:t>01/10/2024</a:t>
+              <a:t>02/10/2024</a:t>
             </a:fld>
             <a:endParaRPr lang="en-US"/>
           </a:p>
@@ -35584,7 +35584,7 @@
           <a:p>
             <a:fld id="{C7EFF3D0-6BED-D444-BEB4-872DDA21BA8D}" type="datetime1">
               <a:rPr lang="en-GB" smtClean="0"/>
-              <a:t>01/10/2024</a:t>
+              <a:t>02/10/2024</a:t>
             </a:fld>
             <a:endParaRPr lang="en-US"/>
           </a:p>
@@ -38689,7 +38689,7 @@
           <a:p>
             <a:fld id="{D63005AE-A14B-7B48-9AF5-01E333747121}" type="datetime1">
               <a:rPr lang="en-GB" smtClean="0"/>
-              <a:t>01/10/2024</a:t>
+              <a:t>02/10/2024</a:t>
             </a:fld>
             <a:endParaRPr lang="en-GB"/>
           </a:p>
@@ -39584,10 +39584,10 @@
       </p:sp>
       <p:grpSp>
         <p:nvGrpSpPr>
-          <p:cNvPr id="23" name="Grup 22">
-            <a:extLst>
-              <a:ext uri="{FF2B5EF4-FFF2-40B4-BE49-F238E27FC236}">
-                <a16:creationId xmlns:a16="http://schemas.microsoft.com/office/drawing/2014/main" id="{3D309B6B-7791-6CF2-0569-C70256165209}"/>
+          <p:cNvPr id="22" name="Grup 21">
+            <a:extLst>
+              <a:ext uri="{FF2B5EF4-FFF2-40B4-BE49-F238E27FC236}">
+                <a16:creationId xmlns:a16="http://schemas.microsoft.com/office/drawing/2014/main" id="{25E84DF7-F74A-68A0-71AD-C714787E6F2C}"/>
               </a:ext>
             </a:extLst>
           </p:cNvPr>
@@ -39596,1798 +39596,7 @@
         </p:nvGrpSpPr>
         <p:grpSpPr>
           <a:xfrm>
-            <a:off x="5018915" y="1556836"/>
-            <a:ext cx="1946626" cy="3991330"/>
-            <a:chOff x="4961745" y="1556836"/>
-            <a:chExt cx="1946626" cy="3991330"/>
-          </a:xfrm>
-        </p:grpSpPr>
-        <p:sp>
-          <p:nvSpPr>
-            <p:cNvPr id="59" name="Rectangle: Rounded Corners 58">
-              <a:extLst>
-                <a:ext uri="{FF2B5EF4-FFF2-40B4-BE49-F238E27FC236}">
-                  <a16:creationId xmlns:a16="http://schemas.microsoft.com/office/drawing/2014/main" id="{483145D9-A5D5-4A29-9000-3FD97569E5F5}"/>
-                </a:ext>
-              </a:extLst>
-            </p:cNvPr>
-            <p:cNvSpPr/>
-            <p:nvPr/>
-          </p:nvSpPr>
-          <p:spPr>
-            <a:xfrm>
-              <a:off x="4970154" y="4999173"/>
-              <a:ext cx="1930036" cy="548993"/>
-            </a:xfrm>
-            <a:prstGeom prst="roundRect">
-              <a:avLst/>
-            </a:prstGeom>
-            <a:solidFill>
-              <a:schemeClr val="accent2">
-                <a:alpha val="26000"/>
-              </a:schemeClr>
-            </a:solidFill>
-            <a:ln>
-              <a:solidFill>
-                <a:schemeClr val="accent1"/>
-              </a:solidFill>
-            </a:ln>
-          </p:spPr>
-          <p:style>
-            <a:lnRef idx="2">
-              <a:schemeClr val="accent1">
-                <a:shade val="50000"/>
-              </a:schemeClr>
-            </a:lnRef>
-            <a:fillRef idx="1">
-              <a:schemeClr val="accent1"/>
-            </a:fillRef>
-            <a:effectRef idx="0">
-              <a:schemeClr val="accent1"/>
-            </a:effectRef>
-            <a:fontRef idx="minor">
-              <a:schemeClr val="lt1"/>
-            </a:fontRef>
-          </p:style>
-          <p:txBody>
-            <a:bodyPr rtlCol="0" anchor="ctr"/>
-            <a:lstStyle/>
-            <a:p>
-              <a:pPr algn="ctr"/>
-              <a:endParaRPr lang="en-GB"/>
-            </a:p>
-          </p:txBody>
-        </p:sp>
-        <p:sp>
-          <p:nvSpPr>
-            <p:cNvPr id="49" name="Off-page Connector 9">
-              <a:extLst>
-                <a:ext uri="{FF2B5EF4-FFF2-40B4-BE49-F238E27FC236}">
-                  <a16:creationId xmlns:a16="http://schemas.microsoft.com/office/drawing/2014/main" id="{A97AE63F-0C53-AB7A-E6A8-5650E994B32B}"/>
-                </a:ext>
-              </a:extLst>
-            </p:cNvPr>
-            <p:cNvSpPr/>
-            <p:nvPr/>
-          </p:nvSpPr>
-          <p:spPr>
-            <a:xfrm>
-              <a:off x="4978335" y="1903894"/>
-              <a:ext cx="1930036" cy="2548563"/>
-            </a:xfrm>
-            <a:prstGeom prst="roundRect">
-              <a:avLst/>
-            </a:prstGeom>
-            <a:solidFill>
-              <a:schemeClr val="accent4">
-                <a:alpha val="10000"/>
-              </a:schemeClr>
-            </a:solidFill>
-            <a:ln>
-              <a:noFill/>
-            </a:ln>
-          </p:spPr>
-          <p:style>
-            <a:lnRef idx="2">
-              <a:schemeClr val="accent1">
-                <a:shade val="50000"/>
-              </a:schemeClr>
-            </a:lnRef>
-            <a:fillRef idx="1">
-              <a:schemeClr val="accent1"/>
-            </a:fillRef>
-            <a:effectRef idx="0">
-              <a:schemeClr val="accent1"/>
-            </a:effectRef>
-            <a:fontRef idx="minor">
-              <a:schemeClr val="lt1"/>
-            </a:fontRef>
-          </p:style>
-          <p:txBody>
-            <a:bodyPr rtlCol="0" anchor="ctr"/>
-            <a:lstStyle/>
-            <a:p>
-              <a:pPr marL="171450" indent="-171450" algn="ctr">
-                <a:lnSpc>
-                  <a:spcPct val="107000"/>
-                </a:lnSpc>
-                <a:spcAft>
-                  <a:spcPts val="800"/>
-                </a:spcAft>
-                <a:buFont typeface="Wingdings" panose="05000000000000000000" pitchFamily="2" charset="2"/>
-                <a:buChar char="ü"/>
-              </a:pPr>
-              <a:endParaRPr lang="en-GB" sz="900" dirty="0">
-                <a:solidFill>
-                  <a:schemeClr val="tx1">
-                    <a:lumMod val="75000"/>
-                    <a:lumOff val="25000"/>
-                  </a:schemeClr>
-                </a:solidFill>
-                <a:latin typeface="Open Sans" panose="020B0606030504020204" pitchFamily="34" charset="0"/>
-                <a:ea typeface="Open Sans" panose="020B0606030504020204" pitchFamily="34" charset="0"/>
-                <a:cs typeface="Open Sans" panose="020B0606030504020204" pitchFamily="34" charset="0"/>
-              </a:endParaRPr>
-            </a:p>
-            <a:p>
-              <a:pPr marL="171450" indent="-171450" algn="ctr">
-                <a:lnSpc>
-                  <a:spcPct val="107000"/>
-                </a:lnSpc>
-                <a:spcAft>
-                  <a:spcPts val="800"/>
-                </a:spcAft>
-                <a:buFont typeface="Wingdings" panose="05000000000000000000" pitchFamily="2" charset="2"/>
-                <a:buChar char="ü"/>
-              </a:pPr>
-              <a:endParaRPr lang="en-GB" sz="900" dirty="0">
-                <a:solidFill>
-                  <a:schemeClr val="tx1">
-                    <a:lumMod val="75000"/>
-                    <a:lumOff val="25000"/>
-                  </a:schemeClr>
-                </a:solidFill>
-                <a:latin typeface="Open Sans" panose="020B0606030504020204" pitchFamily="34" charset="0"/>
-                <a:ea typeface="Open Sans" panose="020B0606030504020204" pitchFamily="34" charset="0"/>
-                <a:cs typeface="Open Sans" panose="020B0606030504020204" pitchFamily="34" charset="0"/>
-              </a:endParaRPr>
-            </a:p>
-            <a:p>
-              <a:pPr marL="171450" indent="-171450" algn="ctr">
-                <a:lnSpc>
-                  <a:spcPct val="107000"/>
-                </a:lnSpc>
-                <a:spcAft>
-                  <a:spcPts val="800"/>
-                </a:spcAft>
-                <a:buFont typeface="Wingdings" panose="05000000000000000000" pitchFamily="2" charset="2"/>
-                <a:buChar char="ü"/>
-              </a:pPr>
-              <a:r>
-                <a:rPr lang="en-GB" sz="900" dirty="0">
-                  <a:solidFill>
-                    <a:schemeClr val="tx1">
-                      <a:lumMod val="75000"/>
-                      <a:lumOff val="25000"/>
-                    </a:schemeClr>
-                  </a:solidFill>
-                  <a:latin typeface="Open Sans" panose="020B0606030504020204" pitchFamily="34" charset="0"/>
-                  <a:ea typeface="Open Sans" panose="020B0606030504020204" pitchFamily="34" charset="0"/>
-                  <a:cs typeface="Open Sans" panose="020B0606030504020204" pitchFamily="34" charset="0"/>
-                </a:rPr>
-                <a:t>Inefficient processes </a:t>
-              </a:r>
-            </a:p>
-            <a:p>
-              <a:pPr marL="171450" indent="-171450" algn="ctr">
-                <a:lnSpc>
-                  <a:spcPct val="107000"/>
-                </a:lnSpc>
-                <a:spcAft>
-                  <a:spcPts val="800"/>
-                </a:spcAft>
-                <a:buFont typeface="Wingdings" panose="05000000000000000000" pitchFamily="2" charset="2"/>
-                <a:buChar char="ü"/>
-              </a:pPr>
-              <a:r>
-                <a:rPr lang="en-GB" sz="900" dirty="0">
-                  <a:solidFill>
-                    <a:schemeClr val="tx1">
-                      <a:lumMod val="75000"/>
-                      <a:lumOff val="25000"/>
-                    </a:schemeClr>
-                  </a:solidFill>
-                  <a:latin typeface="Open Sans" panose="020B0606030504020204" pitchFamily="34" charset="0"/>
-                  <a:ea typeface="Open Sans" panose="020B0606030504020204" pitchFamily="34" charset="0"/>
-                  <a:cs typeface="Open Sans" panose="020B0606030504020204" pitchFamily="34" charset="0"/>
-                </a:rPr>
-                <a:t>Lack of self-serve solutions</a:t>
-              </a:r>
-            </a:p>
-          </p:txBody>
-        </p:sp>
-        <p:sp>
-          <p:nvSpPr>
-            <p:cNvPr id="48" name="Freeform 50">
-              <a:extLst>
-                <a:ext uri="{FF2B5EF4-FFF2-40B4-BE49-F238E27FC236}">
-                  <a16:creationId xmlns:a16="http://schemas.microsoft.com/office/drawing/2014/main" id="{13C7AA69-72E1-AD20-DD7E-436E6E31F470}"/>
-                </a:ext>
-              </a:extLst>
-            </p:cNvPr>
-            <p:cNvSpPr/>
-            <p:nvPr/>
-          </p:nvSpPr>
-          <p:spPr>
-            <a:xfrm rot="10800000">
-              <a:off x="4961745" y="2139161"/>
-              <a:ext cx="1944972" cy="2971025"/>
-            </a:xfrm>
-            <a:custGeom>
-              <a:avLst/>
-              <a:gdLst>
-                <a:gd name="connsiteX0" fmla="*/ 0 w 4855912"/>
-                <a:gd name="connsiteY0" fmla="*/ 9143998 h 9144000"/>
-                <a:gd name="connsiteX1" fmla="*/ 4855912 w 4855912"/>
-                <a:gd name="connsiteY1" fmla="*/ 9143998 h 9144000"/>
-                <a:gd name="connsiteX2" fmla="*/ 4855912 w 4855912"/>
-                <a:gd name="connsiteY2" fmla="*/ 9144000 h 9144000"/>
-                <a:gd name="connsiteX3" fmla="*/ 0 w 4855912"/>
-                <a:gd name="connsiteY3" fmla="*/ 9144000 h 9144000"/>
-                <a:gd name="connsiteX4" fmla="*/ 0 w 4855912"/>
-                <a:gd name="connsiteY4" fmla="*/ 0 h 9144000"/>
-                <a:gd name="connsiteX5" fmla="*/ 4855912 w 4855912"/>
-                <a:gd name="connsiteY5" fmla="*/ 0 h 9144000"/>
-                <a:gd name="connsiteX6" fmla="*/ 4855912 w 4855912"/>
-                <a:gd name="connsiteY6" fmla="*/ 4215866 h 9144000"/>
-                <a:gd name="connsiteX7" fmla="*/ 2427956 w 4855912"/>
-                <a:gd name="connsiteY7" fmla="*/ 2983833 h 9144000"/>
-                <a:gd name="connsiteX8" fmla="*/ 0 w 4855912"/>
-                <a:gd name="connsiteY8" fmla="*/ 4215866 h 9144000"/>
-                <a:gd name="connsiteX0" fmla="*/ 0 w 4855912"/>
-                <a:gd name="connsiteY0" fmla="*/ 9143998 h 9144000"/>
-                <a:gd name="connsiteX1" fmla="*/ 4855912 w 4855912"/>
-                <a:gd name="connsiteY1" fmla="*/ 9143998 h 9144000"/>
-                <a:gd name="connsiteX2" fmla="*/ 4855912 w 4855912"/>
-                <a:gd name="connsiteY2" fmla="*/ 9144000 h 9144000"/>
-                <a:gd name="connsiteX3" fmla="*/ 0 w 4855912"/>
-                <a:gd name="connsiteY3" fmla="*/ 9144000 h 9144000"/>
-                <a:gd name="connsiteX4" fmla="*/ 0 w 4855912"/>
-                <a:gd name="connsiteY4" fmla="*/ 9143998 h 9144000"/>
-                <a:gd name="connsiteX5" fmla="*/ 0 w 4855912"/>
-                <a:gd name="connsiteY5" fmla="*/ 794048 h 9144000"/>
-                <a:gd name="connsiteX6" fmla="*/ 4855912 w 4855912"/>
-                <a:gd name="connsiteY6" fmla="*/ 0 h 9144000"/>
-                <a:gd name="connsiteX7" fmla="*/ 4855912 w 4855912"/>
-                <a:gd name="connsiteY7" fmla="*/ 4215866 h 9144000"/>
-                <a:gd name="connsiteX8" fmla="*/ 2427956 w 4855912"/>
-                <a:gd name="connsiteY8" fmla="*/ 2983833 h 9144000"/>
-                <a:gd name="connsiteX9" fmla="*/ 0 w 4855912"/>
-                <a:gd name="connsiteY9" fmla="*/ 4215866 h 9144000"/>
-                <a:gd name="connsiteX10" fmla="*/ 0 w 4855912"/>
-                <a:gd name="connsiteY10" fmla="*/ 794048 h 9144000"/>
-                <a:gd name="connsiteX0" fmla="*/ 0 w 4855912"/>
-                <a:gd name="connsiteY0" fmla="*/ 8366845 h 8366847"/>
-                <a:gd name="connsiteX1" fmla="*/ 4855912 w 4855912"/>
-                <a:gd name="connsiteY1" fmla="*/ 8366845 h 8366847"/>
-                <a:gd name="connsiteX2" fmla="*/ 4855912 w 4855912"/>
-                <a:gd name="connsiteY2" fmla="*/ 8366847 h 8366847"/>
-                <a:gd name="connsiteX3" fmla="*/ 0 w 4855912"/>
-                <a:gd name="connsiteY3" fmla="*/ 8366847 h 8366847"/>
-                <a:gd name="connsiteX4" fmla="*/ 0 w 4855912"/>
-                <a:gd name="connsiteY4" fmla="*/ 8366845 h 8366847"/>
-                <a:gd name="connsiteX5" fmla="*/ 0 w 4855912"/>
-                <a:gd name="connsiteY5" fmla="*/ 16895 h 8366847"/>
-                <a:gd name="connsiteX6" fmla="*/ 4839134 w 4855912"/>
-                <a:gd name="connsiteY6" fmla="*/ 0 h 8366847"/>
-                <a:gd name="connsiteX7" fmla="*/ 4855912 w 4855912"/>
-                <a:gd name="connsiteY7" fmla="*/ 3438713 h 8366847"/>
-                <a:gd name="connsiteX8" fmla="*/ 2427956 w 4855912"/>
-                <a:gd name="connsiteY8" fmla="*/ 2206680 h 8366847"/>
-                <a:gd name="connsiteX9" fmla="*/ 0 w 4855912"/>
-                <a:gd name="connsiteY9" fmla="*/ 3438713 h 8366847"/>
-                <a:gd name="connsiteX10" fmla="*/ 0 w 4855912"/>
-                <a:gd name="connsiteY10" fmla="*/ 16895 h 8366847"/>
-                <a:gd name="connsiteX0" fmla="*/ 0 w 4857526"/>
-                <a:gd name="connsiteY0" fmla="*/ 8349950 h 8349952"/>
-                <a:gd name="connsiteX1" fmla="*/ 4855912 w 4857526"/>
-                <a:gd name="connsiteY1" fmla="*/ 8349950 h 8349952"/>
-                <a:gd name="connsiteX2" fmla="*/ 4855912 w 4857526"/>
-                <a:gd name="connsiteY2" fmla="*/ 8349952 h 8349952"/>
-                <a:gd name="connsiteX3" fmla="*/ 0 w 4857526"/>
-                <a:gd name="connsiteY3" fmla="*/ 8349952 h 8349952"/>
-                <a:gd name="connsiteX4" fmla="*/ 0 w 4857526"/>
-                <a:gd name="connsiteY4" fmla="*/ 8349950 h 8349952"/>
-                <a:gd name="connsiteX5" fmla="*/ 0 w 4857526"/>
-                <a:gd name="connsiteY5" fmla="*/ 0 h 8349952"/>
-                <a:gd name="connsiteX6" fmla="*/ 4855912 w 4857526"/>
-                <a:gd name="connsiteY6" fmla="*/ 0 h 8349952"/>
-                <a:gd name="connsiteX7" fmla="*/ 4855912 w 4857526"/>
-                <a:gd name="connsiteY7" fmla="*/ 3421818 h 8349952"/>
-                <a:gd name="connsiteX8" fmla="*/ 2427956 w 4857526"/>
-                <a:gd name="connsiteY8" fmla="*/ 2189785 h 8349952"/>
-                <a:gd name="connsiteX9" fmla="*/ 0 w 4857526"/>
-                <a:gd name="connsiteY9" fmla="*/ 3421818 h 8349952"/>
-                <a:gd name="connsiteX10" fmla="*/ 0 w 4857526"/>
-                <a:gd name="connsiteY10" fmla="*/ 0 h 8349952"/>
-              </a:gdLst>
-              <a:ahLst/>
-              <a:cxnLst>
-                <a:cxn ang="0">
-                  <a:pos x="connsiteX0" y="connsiteY0"/>
-                </a:cxn>
-                <a:cxn ang="0">
-                  <a:pos x="connsiteX1" y="connsiteY1"/>
-                </a:cxn>
-                <a:cxn ang="0">
-                  <a:pos x="connsiteX2" y="connsiteY2"/>
-                </a:cxn>
-                <a:cxn ang="0">
-                  <a:pos x="connsiteX3" y="connsiteY3"/>
-                </a:cxn>
-                <a:cxn ang="0">
-                  <a:pos x="connsiteX4" y="connsiteY4"/>
-                </a:cxn>
-                <a:cxn ang="0">
-                  <a:pos x="connsiteX5" y="connsiteY5"/>
-                </a:cxn>
-                <a:cxn ang="0">
-                  <a:pos x="connsiteX6" y="connsiteY6"/>
-                </a:cxn>
-                <a:cxn ang="0">
-                  <a:pos x="connsiteX7" y="connsiteY7"/>
-                </a:cxn>
-                <a:cxn ang="0">
-                  <a:pos x="connsiteX8" y="connsiteY8"/>
-                </a:cxn>
-                <a:cxn ang="0">
-                  <a:pos x="connsiteX9" y="connsiteY9"/>
-                </a:cxn>
-                <a:cxn ang="0">
-                  <a:pos x="connsiteX10" y="connsiteY10"/>
-                </a:cxn>
-              </a:cxnLst>
-              <a:rect l="l" t="t" r="r" b="b"/>
-              <a:pathLst>
-                <a:path w="4857526" h="8349952">
-                  <a:moveTo>
-                    <a:pt x="0" y="8349950"/>
-                  </a:moveTo>
-                  <a:lnTo>
-                    <a:pt x="4855912" y="8349950"/>
-                  </a:lnTo>
-                  <a:lnTo>
-                    <a:pt x="4855912" y="8349952"/>
-                  </a:lnTo>
-                  <a:lnTo>
-                    <a:pt x="0" y="8349952"/>
-                  </a:lnTo>
-                  <a:lnTo>
-                    <a:pt x="0" y="8349950"/>
-                  </a:lnTo>
-                  <a:close/>
-                  <a:moveTo>
-                    <a:pt x="0" y="0"/>
-                  </a:moveTo>
-                  <a:lnTo>
-                    <a:pt x="4855912" y="0"/>
-                  </a:lnTo>
-                  <a:cubicBezTo>
-                    <a:pt x="4861505" y="1146238"/>
-                    <a:pt x="4850319" y="2275580"/>
-                    <a:pt x="4855912" y="3421818"/>
-                  </a:cubicBezTo>
-                  <a:lnTo>
-                    <a:pt x="2427956" y="2189785"/>
-                  </a:lnTo>
-                  <a:lnTo>
-                    <a:pt x="0" y="3421818"/>
-                  </a:lnTo>
-                  <a:lnTo>
-                    <a:pt x="0" y="0"/>
-                  </a:lnTo>
-                  <a:close/>
-                </a:path>
-              </a:pathLst>
-            </a:custGeom>
-            <a:solidFill>
-              <a:schemeClr val="accent2"/>
-            </a:solidFill>
-            <a:ln>
-              <a:noFill/>
-            </a:ln>
-          </p:spPr>
-          <p:style>
-            <a:lnRef idx="2">
-              <a:schemeClr val="accent1">
-                <a:shade val="50000"/>
-              </a:schemeClr>
-            </a:lnRef>
-            <a:fillRef idx="1">
-              <a:schemeClr val="accent1"/>
-            </a:fillRef>
-            <a:effectRef idx="0">
-              <a:schemeClr val="accent1"/>
-            </a:effectRef>
-            <a:fontRef idx="minor">
-              <a:schemeClr val="lt1"/>
-            </a:fontRef>
-          </p:style>
-          <p:txBody>
-            <a:bodyPr rtlCol="0" anchor="ctr"/>
-            <a:lstStyle/>
-            <a:p>
-              <a:pPr algn="ctr"/>
-              <a:endParaRPr lang="en-US" sz="900"/>
-            </a:p>
-          </p:txBody>
-        </p:sp>
-        <p:sp>
-          <p:nvSpPr>
-            <p:cNvPr id="50" name="TextBox 49">
-              <a:extLst>
-                <a:ext uri="{FF2B5EF4-FFF2-40B4-BE49-F238E27FC236}">
-                  <a16:creationId xmlns:a16="http://schemas.microsoft.com/office/drawing/2014/main" id="{7B34D05C-D2DC-8FEC-1A30-2541B1BBDE4B}"/>
-                </a:ext>
-              </a:extLst>
-            </p:cNvPr>
-            <p:cNvSpPr txBox="1"/>
-            <p:nvPr/>
-          </p:nvSpPr>
-          <p:spPr>
-            <a:xfrm>
-              <a:off x="4986193" y="1590252"/>
-              <a:ext cx="1914319" cy="1323439"/>
-            </a:xfrm>
-            <a:prstGeom prst="rect">
-              <a:avLst/>
-            </a:prstGeom>
-            <a:noFill/>
-          </p:spPr>
-          <p:txBody>
-            <a:bodyPr wrap="square" rtlCol="0" anchor="b" anchorCtr="0">
-              <a:spAutoFit/>
-            </a:bodyPr>
-            <a:lstStyle/>
-            <a:p>
-              <a:pPr algn="ctr"/>
-              <a:endParaRPr lang="en-US" sz="1600" b="1" dirty="0">
-                <a:latin typeface="Montserrat SemiBold" panose="00000700000000000000" pitchFamily="2" charset="0"/>
-                <a:ea typeface="League Spartan" charset="0"/>
-                <a:cs typeface="Poppins" pitchFamily="2" charset="77"/>
-              </a:endParaRPr>
-            </a:p>
-            <a:p>
-              <a:pPr algn="ctr"/>
-              <a:endParaRPr lang="en-US" sz="1600" b="1" dirty="0">
-                <a:latin typeface="Montserrat SemiBold" panose="00000700000000000000" pitchFamily="2" charset="0"/>
-                <a:ea typeface="League Spartan" charset="0"/>
-                <a:cs typeface="Poppins" pitchFamily="2" charset="77"/>
-              </a:endParaRPr>
-            </a:p>
-            <a:p>
-              <a:pPr algn="ctr"/>
-              <a:r>
-                <a:rPr lang="en-US" sz="1600" b="1" dirty="0">
-                  <a:latin typeface="Montserrat SemiBold" panose="00000700000000000000" pitchFamily="2" charset="0"/>
-                  <a:ea typeface="League Spartan" charset="0"/>
-                  <a:cs typeface="Poppins" pitchFamily="2" charset="77"/>
-                </a:rPr>
-                <a:t>Debt collection administration processes</a:t>
-              </a:r>
-            </a:p>
-          </p:txBody>
-        </p:sp>
-        <p:sp>
-          <p:nvSpPr>
-            <p:cNvPr id="51" name="Freeform 1015">
-              <a:extLst>
-                <a:ext uri="{FF2B5EF4-FFF2-40B4-BE49-F238E27FC236}">
-                  <a16:creationId xmlns:a16="http://schemas.microsoft.com/office/drawing/2014/main" id="{063F48A3-FD39-6FB1-4A70-698D0FF8C694}"/>
-                </a:ext>
-              </a:extLst>
-            </p:cNvPr>
-            <p:cNvSpPr>
-              <a:spLocks noChangeAspect="1"/>
-            </p:cNvSpPr>
-            <p:nvPr/>
-          </p:nvSpPr>
-          <p:spPr bwMode="auto">
-            <a:xfrm>
-              <a:off x="5676016" y="1556836"/>
-              <a:ext cx="495898" cy="495898"/>
-            </a:xfrm>
-            <a:custGeom>
-              <a:avLst/>
-              <a:gdLst>
-                <a:gd name="T0" fmla="*/ 7726423 w 293329"/>
-                <a:gd name="T1" fmla="*/ 9850932 h 293332"/>
-                <a:gd name="T2" fmla="*/ 2935958 w 293329"/>
-                <a:gd name="T3" fmla="*/ 9676341 h 293332"/>
-                <a:gd name="T4" fmla="*/ 8633732 w 293329"/>
-                <a:gd name="T5" fmla="*/ 8887648 h 293332"/>
-                <a:gd name="T6" fmla="*/ 8503163 w 293329"/>
-                <a:gd name="T7" fmla="*/ 10333017 h 293332"/>
-                <a:gd name="T8" fmla="*/ 10187033 w 293329"/>
-                <a:gd name="T9" fmla="*/ 9107071 h 293332"/>
-                <a:gd name="T10" fmla="*/ 10656909 w 293329"/>
-                <a:gd name="T11" fmla="*/ 9507104 h 293332"/>
-                <a:gd name="T12" fmla="*/ 8346597 w 293329"/>
-                <a:gd name="T13" fmla="*/ 10655613 h 293332"/>
-                <a:gd name="T14" fmla="*/ 8398777 w 293329"/>
-                <a:gd name="T15" fmla="*/ 8900613 h 293332"/>
-                <a:gd name="T16" fmla="*/ 456778 w 293329"/>
-                <a:gd name="T17" fmla="*/ 9107071 h 293332"/>
-                <a:gd name="T18" fmla="*/ 2153785 w 293329"/>
-                <a:gd name="T19" fmla="*/ 10333017 h 293332"/>
-                <a:gd name="T20" fmla="*/ 2023134 w 293329"/>
-                <a:gd name="T21" fmla="*/ 8887648 h 293332"/>
-                <a:gd name="T22" fmla="*/ 2466970 w 293329"/>
-                <a:gd name="T23" fmla="*/ 10500789 h 293332"/>
-                <a:gd name="T24" fmla="*/ 0 w 293329"/>
-                <a:gd name="T25" fmla="*/ 10500789 h 293332"/>
-                <a:gd name="T26" fmla="*/ 443780 w 293329"/>
-                <a:gd name="T27" fmla="*/ 8887648 h 293332"/>
-                <a:gd name="T28" fmla="*/ 9388267 w 293329"/>
-                <a:gd name="T29" fmla="*/ 8605304 h 293332"/>
-                <a:gd name="T30" fmla="*/ 1198367 w 293329"/>
-                <a:gd name="T31" fmla="*/ 7874844 h 293332"/>
-                <a:gd name="T32" fmla="*/ 1570072 w 293329"/>
-                <a:gd name="T33" fmla="*/ 8233637 h 293332"/>
-                <a:gd name="T34" fmla="*/ 10080391 w 293329"/>
-                <a:gd name="T35" fmla="*/ 8233637 h 293332"/>
-                <a:gd name="T36" fmla="*/ 9388267 w 293329"/>
-                <a:gd name="T37" fmla="*/ 7554479 h 293332"/>
-                <a:gd name="T38" fmla="*/ 1198367 w 293329"/>
-                <a:gd name="T39" fmla="*/ 8925645 h 293332"/>
-                <a:gd name="T40" fmla="*/ 5130248 w 293329"/>
-                <a:gd name="T41" fmla="*/ 6689459 h 293332"/>
-                <a:gd name="T42" fmla="*/ 6635580 w 293329"/>
-                <a:gd name="T43" fmla="*/ 7022186 h 293332"/>
-                <a:gd name="T44" fmla="*/ 5130248 w 293329"/>
-                <a:gd name="T45" fmla="*/ 6689459 h 293332"/>
-                <a:gd name="T46" fmla="*/ 6792622 w 293329"/>
-                <a:gd name="T47" fmla="*/ 5753460 h 293332"/>
-                <a:gd name="T48" fmla="*/ 4960060 w 293329"/>
-                <a:gd name="T49" fmla="*/ 5753460 h 293332"/>
-                <a:gd name="T50" fmla="*/ 4394049 w 293329"/>
-                <a:gd name="T51" fmla="*/ 8425350 h 293332"/>
-                <a:gd name="T52" fmla="*/ 4394049 w 293329"/>
-                <a:gd name="T53" fmla="*/ 4434924 h 293332"/>
-                <a:gd name="T54" fmla="*/ 3801866 w 293329"/>
-                <a:gd name="T55" fmla="*/ 8425350 h 293332"/>
-                <a:gd name="T56" fmla="*/ 3801866 w 293329"/>
-                <a:gd name="T57" fmla="*/ 4434924 h 293332"/>
-                <a:gd name="T58" fmla="*/ 10173087 w 293329"/>
-                <a:gd name="T59" fmla="*/ 3648251 h 293332"/>
-                <a:gd name="T60" fmla="*/ 9880272 w 293329"/>
-                <a:gd name="T61" fmla="*/ 7355373 h 293332"/>
-                <a:gd name="T62" fmla="*/ 9960128 w 293329"/>
-                <a:gd name="T63" fmla="*/ 3543768 h 293332"/>
-                <a:gd name="T64" fmla="*/ 882485 w 293329"/>
-                <a:gd name="T65" fmla="*/ 7043025 h 293332"/>
-                <a:gd name="T66" fmla="*/ 572838 w 293329"/>
-                <a:gd name="T67" fmla="*/ 7161164 h 293332"/>
-                <a:gd name="T68" fmla="*/ 3801866 w 293329"/>
-                <a:gd name="T69" fmla="*/ 3139719 h 293332"/>
-                <a:gd name="T70" fmla="*/ 6999706 w 293329"/>
-                <a:gd name="T71" fmla="*/ 4120936 h 293332"/>
-                <a:gd name="T72" fmla="*/ 3801866 w 293329"/>
-                <a:gd name="T73" fmla="*/ 2825664 h 293332"/>
-                <a:gd name="T74" fmla="*/ 7486601 w 293329"/>
-                <a:gd name="T75" fmla="*/ 3139719 h 293332"/>
-                <a:gd name="T76" fmla="*/ 7486601 w 293329"/>
-                <a:gd name="T77" fmla="*/ 4120936 h 293332"/>
-                <a:gd name="T78" fmla="*/ 7486601 w 293329"/>
-                <a:gd name="T79" fmla="*/ 8752426 h 293332"/>
-                <a:gd name="T80" fmla="*/ 2999112 w 293329"/>
-                <a:gd name="T81" fmla="*/ 3623786 h 293332"/>
-                <a:gd name="T82" fmla="*/ 8646767 w 293329"/>
-                <a:gd name="T83" fmla="*/ 1554601 h 293332"/>
-                <a:gd name="T84" fmla="*/ 10330586 w 293329"/>
-                <a:gd name="T85" fmla="*/ 2789136 h 293332"/>
-                <a:gd name="T86" fmla="*/ 10213098 w 293329"/>
-                <a:gd name="T87" fmla="*/ 1333651 h 293332"/>
-                <a:gd name="T88" fmla="*/ 10656909 w 293329"/>
-                <a:gd name="T89" fmla="*/ 2945074 h 293332"/>
-                <a:gd name="T90" fmla="*/ 8189923 w 293329"/>
-                <a:gd name="T91" fmla="*/ 2945074 h 293332"/>
-                <a:gd name="T92" fmla="*/ 8633732 w 293329"/>
-                <a:gd name="T93" fmla="*/ 1333651 h 293332"/>
-                <a:gd name="T94" fmla="*/ 313320 w 293329"/>
-                <a:gd name="T95" fmla="*/ 1957394 h 293332"/>
-                <a:gd name="T96" fmla="*/ 2153785 w 293329"/>
-                <a:gd name="T97" fmla="*/ 1957394 h 293332"/>
-                <a:gd name="T98" fmla="*/ 2245154 w 293329"/>
-                <a:gd name="T99" fmla="*/ 1346649 h 293332"/>
-                <a:gd name="T100" fmla="*/ 2310348 w 293329"/>
-                <a:gd name="T101" fmla="*/ 3101058 h 293332"/>
-                <a:gd name="T102" fmla="*/ 0 w 293329"/>
-                <a:gd name="T103" fmla="*/ 1957394 h 293332"/>
-                <a:gd name="T104" fmla="*/ 9388267 w 293329"/>
-                <a:gd name="T105" fmla="*/ 307485 h 293332"/>
-                <a:gd name="T106" fmla="*/ 9759991 w 293329"/>
-                <a:gd name="T107" fmla="*/ 679246 h 293332"/>
-                <a:gd name="T108" fmla="*/ 826690 w 293329"/>
-                <a:gd name="T109" fmla="*/ 679246 h 293332"/>
-                <a:gd name="T110" fmla="*/ 1198367 w 293329"/>
-                <a:gd name="T111" fmla="*/ 307485 h 293332"/>
-                <a:gd name="T112" fmla="*/ 8022361 w 293329"/>
-                <a:gd name="T113" fmla="*/ 1208071 h 293332"/>
-                <a:gd name="T114" fmla="*/ 2720558 w 293329"/>
-                <a:gd name="T115" fmla="*/ 1286932 h 293332"/>
-                <a:gd name="T116" fmla="*/ 5293109 w 293329"/>
-                <a:gd name="T117" fmla="*/ 246183 h 293332"/>
-                <a:gd name="T118" fmla="*/ 9388267 w 293329"/>
-                <a:gd name="T119" fmla="*/ 1371250 h 293332"/>
-                <a:gd name="T120" fmla="*/ 1198367 w 293329"/>
-                <a:gd name="T121" fmla="*/ 0 h 293332"/>
-                <a:gd name="T122" fmla="*/ 519153 w 293329"/>
-                <a:gd name="T123" fmla="*/ 679246 h 293332"/>
-                <a:gd name="T124" fmla="*/ 0 60000 65536"/>
-                <a:gd name="T125" fmla="*/ 0 60000 65536"/>
-                <a:gd name="T126" fmla="*/ 0 60000 65536"/>
-                <a:gd name="T127" fmla="*/ 0 60000 65536"/>
-                <a:gd name="T128" fmla="*/ 0 60000 65536"/>
-                <a:gd name="T129" fmla="*/ 0 60000 65536"/>
-                <a:gd name="T130" fmla="*/ 0 60000 65536"/>
-                <a:gd name="T131" fmla="*/ 0 60000 65536"/>
-                <a:gd name="T132" fmla="*/ 0 60000 65536"/>
-                <a:gd name="T133" fmla="*/ 0 60000 65536"/>
-                <a:gd name="T134" fmla="*/ 0 60000 65536"/>
-                <a:gd name="T135" fmla="*/ 0 60000 65536"/>
-                <a:gd name="T136" fmla="*/ 0 60000 65536"/>
-                <a:gd name="T137" fmla="*/ 0 60000 65536"/>
-                <a:gd name="T138" fmla="*/ 0 60000 65536"/>
-                <a:gd name="T139" fmla="*/ 0 60000 65536"/>
-                <a:gd name="T140" fmla="*/ 0 60000 65536"/>
-                <a:gd name="T141" fmla="*/ 0 60000 65536"/>
-                <a:gd name="T142" fmla="*/ 0 60000 65536"/>
-                <a:gd name="T143" fmla="*/ 0 60000 65536"/>
-                <a:gd name="T144" fmla="*/ 0 60000 65536"/>
-                <a:gd name="T145" fmla="*/ 0 60000 65536"/>
-                <a:gd name="T146" fmla="*/ 0 60000 65536"/>
-                <a:gd name="T147" fmla="*/ 0 60000 65536"/>
-                <a:gd name="T148" fmla="*/ 0 60000 65536"/>
-                <a:gd name="T149" fmla="*/ 0 60000 65536"/>
-                <a:gd name="T150" fmla="*/ 0 60000 65536"/>
-                <a:gd name="T151" fmla="*/ 0 60000 65536"/>
-                <a:gd name="T152" fmla="*/ 0 60000 65536"/>
-                <a:gd name="T153" fmla="*/ 0 60000 65536"/>
-                <a:gd name="T154" fmla="*/ 0 60000 65536"/>
-                <a:gd name="T155" fmla="*/ 0 60000 65536"/>
-                <a:gd name="T156" fmla="*/ 0 60000 65536"/>
-                <a:gd name="T157" fmla="*/ 0 60000 65536"/>
-                <a:gd name="T158" fmla="*/ 0 60000 65536"/>
-                <a:gd name="T159" fmla="*/ 0 60000 65536"/>
-                <a:gd name="T160" fmla="*/ 0 60000 65536"/>
-                <a:gd name="T161" fmla="*/ 0 60000 65536"/>
-                <a:gd name="T162" fmla="*/ 0 60000 65536"/>
-                <a:gd name="T163" fmla="*/ 0 60000 65536"/>
-                <a:gd name="T164" fmla="*/ 0 60000 65536"/>
-                <a:gd name="T165" fmla="*/ 0 60000 65536"/>
-                <a:gd name="T166" fmla="*/ 0 60000 65536"/>
-                <a:gd name="T167" fmla="*/ 0 60000 65536"/>
-                <a:gd name="T168" fmla="*/ 0 60000 65536"/>
-                <a:gd name="T169" fmla="*/ 0 60000 65536"/>
-                <a:gd name="T170" fmla="*/ 0 60000 65536"/>
-                <a:gd name="T171" fmla="*/ 0 60000 65536"/>
-                <a:gd name="T172" fmla="*/ 0 60000 65536"/>
-                <a:gd name="T173" fmla="*/ 0 60000 65536"/>
-                <a:gd name="T174" fmla="*/ 0 60000 65536"/>
-                <a:gd name="T175" fmla="*/ 0 60000 65536"/>
-                <a:gd name="T176" fmla="*/ 0 60000 65536"/>
-                <a:gd name="T177" fmla="*/ 0 60000 65536"/>
-                <a:gd name="T178" fmla="*/ 0 60000 65536"/>
-                <a:gd name="T179" fmla="*/ 0 60000 65536"/>
-                <a:gd name="T180" fmla="*/ 0 60000 65536"/>
-                <a:gd name="T181" fmla="*/ 0 60000 65536"/>
-                <a:gd name="T182" fmla="*/ 0 60000 65536"/>
-                <a:gd name="T183" fmla="*/ 0 60000 65536"/>
-                <a:gd name="T184" fmla="*/ 0 60000 65536"/>
-                <a:gd name="T185" fmla="*/ 0 60000 65536"/>
-              </a:gdLst>
-              <a:ahLst/>
-              <a:cxnLst>
-                <a:cxn ang="T124">
-                  <a:pos x="T0" y="T1"/>
-                </a:cxn>
-                <a:cxn ang="T125">
-                  <a:pos x="T2" y="T3"/>
-                </a:cxn>
-                <a:cxn ang="T126">
-                  <a:pos x="T4" y="T5"/>
-                </a:cxn>
-                <a:cxn ang="T127">
-                  <a:pos x="T6" y="T7"/>
-                </a:cxn>
-                <a:cxn ang="T128">
-                  <a:pos x="T8" y="T9"/>
-                </a:cxn>
-                <a:cxn ang="T129">
-                  <a:pos x="T10" y="T11"/>
-                </a:cxn>
-                <a:cxn ang="T130">
-                  <a:pos x="T12" y="T13"/>
-                </a:cxn>
-                <a:cxn ang="T131">
-                  <a:pos x="T14" y="T15"/>
-                </a:cxn>
-                <a:cxn ang="T132">
-                  <a:pos x="T16" y="T17"/>
-                </a:cxn>
-                <a:cxn ang="T133">
-                  <a:pos x="T18" y="T19"/>
-                </a:cxn>
-                <a:cxn ang="T134">
-                  <a:pos x="T20" y="T21"/>
-                </a:cxn>
-                <a:cxn ang="T135">
-                  <a:pos x="T22" y="T23"/>
-                </a:cxn>
-                <a:cxn ang="T136">
-                  <a:pos x="T24" y="T25"/>
-                </a:cxn>
-                <a:cxn ang="T137">
-                  <a:pos x="T26" y="T27"/>
-                </a:cxn>
-                <a:cxn ang="T138">
-                  <a:pos x="T28" y="T29"/>
-                </a:cxn>
-                <a:cxn ang="T139">
-                  <a:pos x="T30" y="T31"/>
-                </a:cxn>
-                <a:cxn ang="T140">
-                  <a:pos x="T32" y="T33"/>
-                </a:cxn>
-                <a:cxn ang="T141">
-                  <a:pos x="T34" y="T35"/>
-                </a:cxn>
-                <a:cxn ang="T142">
-                  <a:pos x="T36" y="T37"/>
-                </a:cxn>
-                <a:cxn ang="T143">
-                  <a:pos x="T38" y="T39"/>
-                </a:cxn>
-                <a:cxn ang="T144">
-                  <a:pos x="T40" y="T41"/>
-                </a:cxn>
-                <a:cxn ang="T145">
-                  <a:pos x="T42" y="T43"/>
-                </a:cxn>
-                <a:cxn ang="T146">
-                  <a:pos x="T44" y="T45"/>
-                </a:cxn>
-                <a:cxn ang="T147">
-                  <a:pos x="T46" y="T47"/>
-                </a:cxn>
-                <a:cxn ang="T148">
-                  <a:pos x="T48" y="T49"/>
-                </a:cxn>
-                <a:cxn ang="T149">
-                  <a:pos x="T50" y="T51"/>
-                </a:cxn>
-                <a:cxn ang="T150">
-                  <a:pos x="T52" y="T53"/>
-                </a:cxn>
-                <a:cxn ang="T151">
-                  <a:pos x="T54" y="T55"/>
-                </a:cxn>
-                <a:cxn ang="T152">
-                  <a:pos x="T56" y="T57"/>
-                </a:cxn>
-                <a:cxn ang="T153">
-                  <a:pos x="T58" y="T59"/>
-                </a:cxn>
-                <a:cxn ang="T154">
-                  <a:pos x="T60" y="T61"/>
-                </a:cxn>
-                <a:cxn ang="T155">
-                  <a:pos x="T62" y="T63"/>
-                </a:cxn>
-                <a:cxn ang="T156">
-                  <a:pos x="T64" y="T65"/>
-                </a:cxn>
-                <a:cxn ang="T157">
-                  <a:pos x="T66" y="T67"/>
-                </a:cxn>
-                <a:cxn ang="T158">
-                  <a:pos x="T68" y="T69"/>
-                </a:cxn>
-                <a:cxn ang="T159">
-                  <a:pos x="T70" y="T71"/>
-                </a:cxn>
-                <a:cxn ang="T160">
-                  <a:pos x="T72" y="T73"/>
-                </a:cxn>
-                <a:cxn ang="T161">
-                  <a:pos x="T74" y="T75"/>
-                </a:cxn>
-                <a:cxn ang="T162">
-                  <a:pos x="T76" y="T77"/>
-                </a:cxn>
-                <a:cxn ang="T163">
-                  <a:pos x="T78" y="T79"/>
-                </a:cxn>
-                <a:cxn ang="T164">
-                  <a:pos x="T80" y="T81"/>
-                </a:cxn>
-                <a:cxn ang="T165">
-                  <a:pos x="T82" y="T83"/>
-                </a:cxn>
-                <a:cxn ang="T166">
-                  <a:pos x="T84" y="T85"/>
-                </a:cxn>
-                <a:cxn ang="T167">
-                  <a:pos x="T86" y="T87"/>
-                </a:cxn>
-                <a:cxn ang="T168">
-                  <a:pos x="T88" y="T89"/>
-                </a:cxn>
-                <a:cxn ang="T169">
-                  <a:pos x="T90" y="T91"/>
-                </a:cxn>
-                <a:cxn ang="T170">
-                  <a:pos x="T92" y="T93"/>
-                </a:cxn>
-                <a:cxn ang="T171">
-                  <a:pos x="T94" y="T95"/>
-                </a:cxn>
-                <a:cxn ang="T172">
-                  <a:pos x="T96" y="T97"/>
-                </a:cxn>
-                <a:cxn ang="T173">
-                  <a:pos x="T98" y="T99"/>
-                </a:cxn>
-                <a:cxn ang="T174">
-                  <a:pos x="T100" y="T101"/>
-                </a:cxn>
-                <a:cxn ang="T175">
-                  <a:pos x="T102" y="T103"/>
-                </a:cxn>
-                <a:cxn ang="T176">
-                  <a:pos x="T104" y="T105"/>
-                </a:cxn>
-                <a:cxn ang="T177">
-                  <a:pos x="T106" y="T107"/>
-                </a:cxn>
-                <a:cxn ang="T178">
-                  <a:pos x="T108" y="T109"/>
-                </a:cxn>
-                <a:cxn ang="T179">
-                  <a:pos x="T110" y="T111"/>
-                </a:cxn>
-                <a:cxn ang="T180">
-                  <a:pos x="T112" y="T113"/>
-                </a:cxn>
-                <a:cxn ang="T181">
-                  <a:pos x="T114" y="T115"/>
-                </a:cxn>
-                <a:cxn ang="T182">
-                  <a:pos x="T116" y="T117"/>
-                </a:cxn>
-                <a:cxn ang="T183">
-                  <a:pos x="T118" y="T119"/>
-                </a:cxn>
-                <a:cxn ang="T184">
-                  <a:pos x="T120" y="T121"/>
-                </a:cxn>
-                <a:cxn ang="T185">
-                  <a:pos x="T122" y="T123"/>
-                </a:cxn>
-              </a:cxnLst>
-              <a:rect l="0" t="0" r="r" b="b"/>
-              <a:pathLst>
-                <a:path w="293329" h="293332">
-                  <a:moveTo>
-                    <a:pt x="208355" y="263416"/>
-                  </a:moveTo>
-                  <a:cubicBezTo>
-                    <a:pt x="210511" y="261937"/>
-                    <a:pt x="213385" y="262677"/>
-                    <a:pt x="214822" y="264895"/>
-                  </a:cubicBezTo>
-                  <a:cubicBezTo>
-                    <a:pt x="215541" y="267483"/>
-                    <a:pt x="214822" y="270071"/>
-                    <a:pt x="212667" y="271180"/>
-                  </a:cubicBezTo>
-                  <a:cubicBezTo>
-                    <a:pt x="192188" y="282640"/>
-                    <a:pt x="169194" y="288556"/>
-                    <a:pt x="146201" y="288556"/>
-                  </a:cubicBezTo>
-                  <a:cubicBezTo>
-                    <a:pt x="124284" y="288556"/>
-                    <a:pt x="102728" y="283010"/>
-                    <a:pt x="82608" y="272659"/>
-                  </a:cubicBezTo>
-                  <a:cubicBezTo>
-                    <a:pt x="80093" y="271549"/>
-                    <a:pt x="79375" y="268592"/>
-                    <a:pt x="80812" y="266374"/>
-                  </a:cubicBezTo>
-                  <a:cubicBezTo>
-                    <a:pt x="81530" y="264155"/>
-                    <a:pt x="84405" y="263416"/>
-                    <a:pt x="86560" y="264525"/>
-                  </a:cubicBezTo>
-                  <a:cubicBezTo>
-                    <a:pt x="125003" y="284859"/>
-                    <a:pt x="170631" y="284119"/>
-                    <a:pt x="208355" y="263416"/>
-                  </a:cubicBezTo>
-                  <a:close/>
-                  <a:moveTo>
-                    <a:pt x="237641" y="244663"/>
-                  </a:moveTo>
-                  <a:cubicBezTo>
-                    <a:pt x="239437" y="246084"/>
-                    <a:pt x="239796" y="248926"/>
-                    <a:pt x="238000" y="250703"/>
-                  </a:cubicBezTo>
-                  <a:cubicBezTo>
-                    <a:pt x="235485" y="253900"/>
-                    <a:pt x="234048" y="257808"/>
-                    <a:pt x="234048" y="261715"/>
-                  </a:cubicBezTo>
-                  <a:lnTo>
-                    <a:pt x="234048" y="284451"/>
-                  </a:lnTo>
-                  <a:lnTo>
-                    <a:pt x="284347" y="284451"/>
-                  </a:lnTo>
-                  <a:lnTo>
-                    <a:pt x="284347" y="261715"/>
-                  </a:lnTo>
-                  <a:cubicBezTo>
-                    <a:pt x="284347" y="257808"/>
-                    <a:pt x="283269" y="253900"/>
-                    <a:pt x="280395" y="250703"/>
-                  </a:cubicBezTo>
-                  <a:cubicBezTo>
-                    <a:pt x="278958" y="248926"/>
-                    <a:pt x="278958" y="246084"/>
-                    <a:pt x="281113" y="244663"/>
-                  </a:cubicBezTo>
-                  <a:cubicBezTo>
-                    <a:pt x="282910" y="242887"/>
-                    <a:pt x="285784" y="243242"/>
-                    <a:pt x="287221" y="245019"/>
-                  </a:cubicBezTo>
-                  <a:cubicBezTo>
-                    <a:pt x="291173" y="249992"/>
-                    <a:pt x="293329" y="255676"/>
-                    <a:pt x="293329" y="261715"/>
-                  </a:cubicBezTo>
-                  <a:lnTo>
-                    <a:pt x="293329" y="289069"/>
-                  </a:lnTo>
-                  <a:cubicBezTo>
-                    <a:pt x="293329" y="291201"/>
-                    <a:pt x="291533" y="293332"/>
-                    <a:pt x="288658" y="293332"/>
-                  </a:cubicBezTo>
-                  <a:lnTo>
-                    <a:pt x="229737" y="293332"/>
-                  </a:lnTo>
-                  <a:cubicBezTo>
-                    <a:pt x="227222" y="293332"/>
-                    <a:pt x="225425" y="291201"/>
-                    <a:pt x="225425" y="289069"/>
-                  </a:cubicBezTo>
-                  <a:lnTo>
-                    <a:pt x="225425" y="261715"/>
-                  </a:lnTo>
-                  <a:cubicBezTo>
-                    <a:pt x="225425" y="255676"/>
-                    <a:pt x="227222" y="249992"/>
-                    <a:pt x="231174" y="245019"/>
-                  </a:cubicBezTo>
-                  <a:cubicBezTo>
-                    <a:pt x="232611" y="243242"/>
-                    <a:pt x="235844" y="242887"/>
-                    <a:pt x="237641" y="244663"/>
-                  </a:cubicBezTo>
-                  <a:close/>
-                  <a:moveTo>
-                    <a:pt x="12215" y="244663"/>
-                  </a:moveTo>
-                  <a:cubicBezTo>
-                    <a:pt x="14012" y="246084"/>
-                    <a:pt x="14371" y="248926"/>
-                    <a:pt x="12575" y="250703"/>
-                  </a:cubicBezTo>
-                  <a:cubicBezTo>
-                    <a:pt x="10419" y="253900"/>
-                    <a:pt x="8622" y="257808"/>
-                    <a:pt x="8622" y="261715"/>
-                  </a:cubicBezTo>
-                  <a:lnTo>
-                    <a:pt x="8622" y="284451"/>
-                  </a:lnTo>
-                  <a:lnTo>
-                    <a:pt x="59281" y="284451"/>
-                  </a:lnTo>
-                  <a:lnTo>
-                    <a:pt x="59281" y="261715"/>
-                  </a:lnTo>
-                  <a:cubicBezTo>
-                    <a:pt x="59281" y="257808"/>
-                    <a:pt x="57844" y="253900"/>
-                    <a:pt x="54969" y="250703"/>
-                  </a:cubicBezTo>
-                  <a:cubicBezTo>
-                    <a:pt x="53532" y="248926"/>
-                    <a:pt x="53892" y="246084"/>
-                    <a:pt x="55688" y="244663"/>
-                  </a:cubicBezTo>
-                  <a:cubicBezTo>
-                    <a:pt x="57844" y="242887"/>
-                    <a:pt x="60359" y="243242"/>
-                    <a:pt x="61796" y="245019"/>
-                  </a:cubicBezTo>
-                  <a:cubicBezTo>
-                    <a:pt x="65748" y="249992"/>
-                    <a:pt x="67903" y="255676"/>
-                    <a:pt x="67903" y="261715"/>
-                  </a:cubicBezTo>
-                  <a:lnTo>
-                    <a:pt x="67903" y="289069"/>
-                  </a:lnTo>
-                  <a:cubicBezTo>
-                    <a:pt x="67903" y="291201"/>
-                    <a:pt x="65748" y="293332"/>
-                    <a:pt x="63592" y="293332"/>
-                  </a:cubicBezTo>
-                  <a:lnTo>
-                    <a:pt x="4311" y="293332"/>
-                  </a:lnTo>
-                  <a:cubicBezTo>
-                    <a:pt x="1796" y="293332"/>
-                    <a:pt x="0" y="291201"/>
-                    <a:pt x="0" y="289069"/>
-                  </a:cubicBezTo>
-                  <a:lnTo>
-                    <a:pt x="0" y="261715"/>
-                  </a:lnTo>
-                  <a:cubicBezTo>
-                    <a:pt x="0" y="255676"/>
-                    <a:pt x="1796" y="249992"/>
-                    <a:pt x="6107" y="245019"/>
-                  </a:cubicBezTo>
-                  <a:cubicBezTo>
-                    <a:pt x="7545" y="243242"/>
-                    <a:pt x="10419" y="242887"/>
-                    <a:pt x="12215" y="244663"/>
-                  </a:cubicBezTo>
-                  <a:close/>
-                  <a:moveTo>
-                    <a:pt x="258410" y="216782"/>
-                  </a:moveTo>
-                  <a:cubicBezTo>
-                    <a:pt x="252766" y="216782"/>
-                    <a:pt x="248180" y="221368"/>
-                    <a:pt x="248180" y="226659"/>
-                  </a:cubicBezTo>
-                  <a:cubicBezTo>
-                    <a:pt x="248180" y="232304"/>
-                    <a:pt x="252766" y="236890"/>
-                    <a:pt x="258410" y="236890"/>
-                  </a:cubicBezTo>
-                  <a:cubicBezTo>
-                    <a:pt x="264055" y="236890"/>
-                    <a:pt x="268641" y="232304"/>
-                    <a:pt x="268641" y="226659"/>
-                  </a:cubicBezTo>
-                  <a:cubicBezTo>
-                    <a:pt x="268641" y="221368"/>
-                    <a:pt x="264055" y="216782"/>
-                    <a:pt x="258410" y="216782"/>
-                  </a:cubicBezTo>
-                  <a:close/>
-                  <a:moveTo>
-                    <a:pt x="32985" y="216782"/>
-                  </a:moveTo>
-                  <a:cubicBezTo>
-                    <a:pt x="27341" y="216782"/>
-                    <a:pt x="22754" y="221368"/>
-                    <a:pt x="22754" y="226659"/>
-                  </a:cubicBezTo>
-                  <a:cubicBezTo>
-                    <a:pt x="22754" y="232304"/>
-                    <a:pt x="27341" y="236890"/>
-                    <a:pt x="32985" y="236890"/>
-                  </a:cubicBezTo>
-                  <a:cubicBezTo>
-                    <a:pt x="38629" y="236890"/>
-                    <a:pt x="43216" y="232304"/>
-                    <a:pt x="43216" y="226659"/>
-                  </a:cubicBezTo>
-                  <a:cubicBezTo>
-                    <a:pt x="43216" y="221368"/>
-                    <a:pt x="38629" y="216782"/>
-                    <a:pt x="32985" y="216782"/>
-                  </a:cubicBezTo>
-                  <a:close/>
-                  <a:moveTo>
-                    <a:pt x="258410" y="207962"/>
-                  </a:moveTo>
-                  <a:cubicBezTo>
-                    <a:pt x="268994" y="207962"/>
-                    <a:pt x="277460" y="216429"/>
-                    <a:pt x="277460" y="226659"/>
-                  </a:cubicBezTo>
-                  <a:cubicBezTo>
-                    <a:pt x="277460" y="237243"/>
-                    <a:pt x="268994" y="245709"/>
-                    <a:pt x="258410" y="245709"/>
-                  </a:cubicBezTo>
-                  <a:cubicBezTo>
-                    <a:pt x="248180" y="245709"/>
-                    <a:pt x="239713" y="237243"/>
-                    <a:pt x="239713" y="226659"/>
-                  </a:cubicBezTo>
-                  <a:cubicBezTo>
-                    <a:pt x="239713" y="216429"/>
-                    <a:pt x="248180" y="207962"/>
-                    <a:pt x="258410" y="207962"/>
-                  </a:cubicBezTo>
-                  <a:close/>
-                  <a:moveTo>
-                    <a:pt x="32985" y="207962"/>
-                  </a:moveTo>
-                  <a:cubicBezTo>
-                    <a:pt x="43568" y="207962"/>
-                    <a:pt x="52035" y="216429"/>
-                    <a:pt x="52035" y="226659"/>
-                  </a:cubicBezTo>
-                  <a:cubicBezTo>
-                    <a:pt x="52035" y="237243"/>
-                    <a:pt x="43568" y="245709"/>
-                    <a:pt x="32985" y="245709"/>
-                  </a:cubicBezTo>
-                  <a:cubicBezTo>
-                    <a:pt x="22754" y="245709"/>
-                    <a:pt x="14288" y="237243"/>
-                    <a:pt x="14288" y="226659"/>
-                  </a:cubicBezTo>
-                  <a:cubicBezTo>
-                    <a:pt x="14288" y="216429"/>
-                    <a:pt x="22754" y="207962"/>
-                    <a:pt x="32985" y="207962"/>
-                  </a:cubicBezTo>
-                  <a:close/>
-                  <a:moveTo>
-                    <a:pt x="141209" y="184150"/>
-                  </a:moveTo>
-                  <a:lnTo>
-                    <a:pt x="182642" y="184150"/>
-                  </a:lnTo>
-                  <a:cubicBezTo>
-                    <a:pt x="185164" y="184150"/>
-                    <a:pt x="186965" y="186348"/>
-                    <a:pt x="186965" y="188913"/>
-                  </a:cubicBezTo>
-                  <a:cubicBezTo>
-                    <a:pt x="186965" y="191477"/>
-                    <a:pt x="185164" y="193309"/>
-                    <a:pt x="182642" y="193309"/>
-                  </a:cubicBezTo>
-                  <a:lnTo>
-                    <a:pt x="141209" y="193309"/>
-                  </a:lnTo>
-                  <a:cubicBezTo>
-                    <a:pt x="138687" y="193309"/>
-                    <a:pt x="136525" y="191477"/>
-                    <a:pt x="136525" y="188913"/>
-                  </a:cubicBezTo>
-                  <a:cubicBezTo>
-                    <a:pt x="136525" y="186348"/>
-                    <a:pt x="138687" y="184150"/>
-                    <a:pt x="141209" y="184150"/>
-                  </a:cubicBezTo>
-                  <a:close/>
-                  <a:moveTo>
-                    <a:pt x="141209" y="153987"/>
-                  </a:moveTo>
-                  <a:lnTo>
-                    <a:pt x="182642" y="153987"/>
-                  </a:lnTo>
-                  <a:cubicBezTo>
-                    <a:pt x="185164" y="153987"/>
-                    <a:pt x="186965" y="155818"/>
-                    <a:pt x="186965" y="158383"/>
-                  </a:cubicBezTo>
-                  <a:cubicBezTo>
-                    <a:pt x="186965" y="160947"/>
-                    <a:pt x="185164" y="163145"/>
-                    <a:pt x="182642" y="163145"/>
-                  </a:cubicBezTo>
-                  <a:lnTo>
-                    <a:pt x="141209" y="163145"/>
-                  </a:lnTo>
-                  <a:cubicBezTo>
-                    <a:pt x="138687" y="163145"/>
-                    <a:pt x="136525" y="160947"/>
-                    <a:pt x="136525" y="158383"/>
-                  </a:cubicBezTo>
-                  <a:cubicBezTo>
-                    <a:pt x="136525" y="155818"/>
-                    <a:pt x="138687" y="153987"/>
-                    <a:pt x="141209" y="153987"/>
-                  </a:cubicBezTo>
-                  <a:close/>
-                  <a:moveTo>
-                    <a:pt x="120945" y="122087"/>
-                  </a:moveTo>
-                  <a:lnTo>
-                    <a:pt x="120945" y="231936"/>
-                  </a:lnTo>
-                  <a:lnTo>
-                    <a:pt x="201721" y="231936"/>
-                  </a:lnTo>
-                  <a:lnTo>
-                    <a:pt x="201721" y="122087"/>
-                  </a:lnTo>
-                  <a:lnTo>
-                    <a:pt x="120945" y="122087"/>
-                  </a:lnTo>
-                  <a:close/>
-                  <a:moveTo>
-                    <a:pt x="91243" y="117765"/>
-                  </a:moveTo>
-                  <a:lnTo>
-                    <a:pt x="91243" y="218610"/>
-                  </a:lnTo>
-                  <a:cubicBezTo>
-                    <a:pt x="91243" y="225813"/>
-                    <a:pt x="97401" y="231936"/>
-                    <a:pt x="104645" y="231936"/>
-                  </a:cubicBezTo>
-                  <a:lnTo>
-                    <a:pt x="112252" y="231936"/>
-                  </a:lnTo>
-                  <a:lnTo>
-                    <a:pt x="112252" y="122087"/>
-                  </a:lnTo>
-                  <a:lnTo>
-                    <a:pt x="104645" y="122087"/>
-                  </a:lnTo>
-                  <a:cubicBezTo>
-                    <a:pt x="99574" y="122087"/>
-                    <a:pt x="94865" y="120286"/>
-                    <a:pt x="91243" y="117765"/>
-                  </a:cubicBezTo>
-                  <a:close/>
-                  <a:moveTo>
-                    <a:pt x="274150" y="97555"/>
-                  </a:moveTo>
-                  <a:cubicBezTo>
-                    <a:pt x="276714" y="96837"/>
-                    <a:pt x="279278" y="98274"/>
-                    <a:pt x="280011" y="100430"/>
-                  </a:cubicBezTo>
-                  <a:cubicBezTo>
-                    <a:pt x="291734" y="132770"/>
-                    <a:pt x="291001" y="168344"/>
-                    <a:pt x="277813" y="199966"/>
-                  </a:cubicBezTo>
-                  <a:cubicBezTo>
-                    <a:pt x="277080" y="201763"/>
-                    <a:pt x="275249" y="202841"/>
-                    <a:pt x="273783" y="202841"/>
-                  </a:cubicBezTo>
-                  <a:cubicBezTo>
-                    <a:pt x="273051" y="202841"/>
-                    <a:pt x="272684" y="202841"/>
-                    <a:pt x="271952" y="202482"/>
-                  </a:cubicBezTo>
-                  <a:cubicBezTo>
-                    <a:pt x="269387" y="201404"/>
-                    <a:pt x="268288" y="198888"/>
-                    <a:pt x="269387" y="196732"/>
-                  </a:cubicBezTo>
-                  <a:cubicBezTo>
-                    <a:pt x="281843" y="166907"/>
-                    <a:pt x="282209" y="133848"/>
-                    <a:pt x="271585" y="103305"/>
-                  </a:cubicBezTo>
-                  <a:cubicBezTo>
-                    <a:pt x="270853" y="101149"/>
-                    <a:pt x="271952" y="98633"/>
-                    <a:pt x="274150" y="97555"/>
-                  </a:cubicBezTo>
-                  <a:close/>
-                  <a:moveTo>
-                    <a:pt x="20584" y="95972"/>
-                  </a:moveTo>
-                  <a:cubicBezTo>
-                    <a:pt x="22807" y="96695"/>
-                    <a:pt x="24289" y="99224"/>
-                    <a:pt x="23177" y="101753"/>
-                  </a:cubicBezTo>
-                  <a:cubicBezTo>
-                    <a:pt x="12435" y="131379"/>
-                    <a:pt x="12806" y="164257"/>
-                    <a:pt x="24289" y="193883"/>
-                  </a:cubicBezTo>
-                  <a:cubicBezTo>
-                    <a:pt x="25029" y="196051"/>
-                    <a:pt x="23918" y="198580"/>
-                    <a:pt x="21696" y="199664"/>
-                  </a:cubicBezTo>
-                  <a:cubicBezTo>
-                    <a:pt x="20955" y="199664"/>
-                    <a:pt x="20584" y="199664"/>
-                    <a:pt x="19844" y="199664"/>
-                  </a:cubicBezTo>
-                  <a:cubicBezTo>
-                    <a:pt x="17991" y="199664"/>
-                    <a:pt x="16510" y="198580"/>
-                    <a:pt x="15769" y="197135"/>
-                  </a:cubicBezTo>
-                  <a:cubicBezTo>
-                    <a:pt x="3545" y="165341"/>
-                    <a:pt x="3175" y="130656"/>
-                    <a:pt x="14658" y="98863"/>
-                  </a:cubicBezTo>
-                  <a:cubicBezTo>
-                    <a:pt x="15399" y="96334"/>
-                    <a:pt x="17991" y="95250"/>
-                    <a:pt x="20584" y="95972"/>
-                  </a:cubicBezTo>
-                  <a:close/>
-                  <a:moveTo>
-                    <a:pt x="104645" y="86431"/>
-                  </a:moveTo>
-                  <a:cubicBezTo>
-                    <a:pt x="97401" y="86431"/>
-                    <a:pt x="91243" y="92553"/>
-                    <a:pt x="91243" y="99757"/>
-                  </a:cubicBezTo>
-                  <a:cubicBezTo>
-                    <a:pt x="91243" y="107320"/>
-                    <a:pt x="97401" y="113443"/>
-                    <a:pt x="104645" y="113443"/>
-                  </a:cubicBezTo>
-                  <a:lnTo>
-                    <a:pt x="192665" y="113443"/>
-                  </a:lnTo>
-                  <a:cubicBezTo>
-                    <a:pt x="189405" y="104799"/>
-                    <a:pt x="189405" y="95435"/>
-                    <a:pt x="192665" y="86431"/>
-                  </a:cubicBezTo>
-                  <a:lnTo>
-                    <a:pt x="104645" y="86431"/>
-                  </a:lnTo>
-                  <a:close/>
-                  <a:moveTo>
-                    <a:pt x="104645" y="77787"/>
-                  </a:moveTo>
-                  <a:lnTo>
-                    <a:pt x="206067" y="77787"/>
-                  </a:lnTo>
-                  <a:cubicBezTo>
-                    <a:pt x="208603" y="77787"/>
-                    <a:pt x="210776" y="79948"/>
-                    <a:pt x="210776" y="82109"/>
-                  </a:cubicBezTo>
-                  <a:cubicBezTo>
-                    <a:pt x="210776" y="84630"/>
-                    <a:pt x="208603" y="86431"/>
-                    <a:pt x="206067" y="86431"/>
-                  </a:cubicBezTo>
-                  <a:lnTo>
-                    <a:pt x="202807" y="86431"/>
-                  </a:lnTo>
-                  <a:cubicBezTo>
-                    <a:pt x="198098" y="95074"/>
-                    <a:pt x="198098" y="104799"/>
-                    <a:pt x="202807" y="113443"/>
-                  </a:cubicBezTo>
-                  <a:lnTo>
-                    <a:pt x="206067" y="113443"/>
-                  </a:lnTo>
-                  <a:cubicBezTo>
-                    <a:pt x="208603" y="113443"/>
-                    <a:pt x="210776" y="115243"/>
-                    <a:pt x="210776" y="117765"/>
-                  </a:cubicBezTo>
-                  <a:lnTo>
-                    <a:pt x="210776" y="236258"/>
-                  </a:lnTo>
-                  <a:cubicBezTo>
-                    <a:pt x="210776" y="238779"/>
-                    <a:pt x="208603" y="240940"/>
-                    <a:pt x="206067" y="240940"/>
-                  </a:cubicBezTo>
-                  <a:lnTo>
-                    <a:pt x="104645" y="240940"/>
-                  </a:lnTo>
-                  <a:cubicBezTo>
-                    <a:pt x="92330" y="240940"/>
-                    <a:pt x="82550" y="230856"/>
-                    <a:pt x="82550" y="218610"/>
-                  </a:cubicBezTo>
-                  <a:lnTo>
-                    <a:pt x="82550" y="99757"/>
-                  </a:lnTo>
-                  <a:cubicBezTo>
-                    <a:pt x="82550" y="87511"/>
-                    <a:pt x="92330" y="77787"/>
-                    <a:pt x="104645" y="77787"/>
-                  </a:cubicBezTo>
-                  <a:close/>
-                  <a:moveTo>
-                    <a:pt x="237641" y="36713"/>
-                  </a:moveTo>
-                  <a:cubicBezTo>
-                    <a:pt x="239437" y="37787"/>
-                    <a:pt x="239796" y="40649"/>
-                    <a:pt x="238000" y="42795"/>
-                  </a:cubicBezTo>
-                  <a:cubicBezTo>
-                    <a:pt x="235485" y="45657"/>
-                    <a:pt x="234048" y="49950"/>
-                    <a:pt x="234048" y="53885"/>
-                  </a:cubicBezTo>
-                  <a:lnTo>
-                    <a:pt x="234048" y="76781"/>
-                  </a:lnTo>
-                  <a:lnTo>
-                    <a:pt x="284347" y="76781"/>
-                  </a:lnTo>
-                  <a:lnTo>
-                    <a:pt x="284347" y="53885"/>
-                  </a:lnTo>
-                  <a:cubicBezTo>
-                    <a:pt x="284347" y="49950"/>
-                    <a:pt x="282910" y="45657"/>
-                    <a:pt x="280395" y="42795"/>
-                  </a:cubicBezTo>
-                  <a:cubicBezTo>
-                    <a:pt x="278958" y="40649"/>
-                    <a:pt x="278958" y="37787"/>
-                    <a:pt x="281113" y="36713"/>
-                  </a:cubicBezTo>
-                  <a:cubicBezTo>
-                    <a:pt x="282910" y="34925"/>
-                    <a:pt x="285784" y="35282"/>
-                    <a:pt x="287221" y="37071"/>
-                  </a:cubicBezTo>
-                  <a:cubicBezTo>
-                    <a:pt x="291173" y="41722"/>
-                    <a:pt x="293329" y="47804"/>
-                    <a:pt x="293329" y="53885"/>
-                  </a:cubicBezTo>
-                  <a:lnTo>
-                    <a:pt x="293329" y="81074"/>
-                  </a:lnTo>
-                  <a:cubicBezTo>
-                    <a:pt x="293329" y="83578"/>
-                    <a:pt x="291533" y="85367"/>
-                    <a:pt x="288658" y="85367"/>
-                  </a:cubicBezTo>
-                  <a:lnTo>
-                    <a:pt x="229737" y="85367"/>
-                  </a:lnTo>
-                  <a:cubicBezTo>
-                    <a:pt x="227222" y="85367"/>
-                    <a:pt x="225425" y="83578"/>
-                    <a:pt x="225425" y="81074"/>
-                  </a:cubicBezTo>
-                  <a:lnTo>
-                    <a:pt x="225425" y="53885"/>
-                  </a:lnTo>
-                  <a:cubicBezTo>
-                    <a:pt x="225425" y="47804"/>
-                    <a:pt x="227222" y="41722"/>
-                    <a:pt x="231174" y="37071"/>
-                  </a:cubicBezTo>
-                  <a:cubicBezTo>
-                    <a:pt x="232970" y="35282"/>
-                    <a:pt x="235844" y="34925"/>
-                    <a:pt x="237641" y="36713"/>
-                  </a:cubicBezTo>
-                  <a:close/>
-                  <a:moveTo>
-                    <a:pt x="12215" y="36713"/>
-                  </a:moveTo>
-                  <a:cubicBezTo>
-                    <a:pt x="14012" y="37787"/>
-                    <a:pt x="14371" y="40649"/>
-                    <a:pt x="12575" y="42795"/>
-                  </a:cubicBezTo>
-                  <a:cubicBezTo>
-                    <a:pt x="10419" y="45657"/>
-                    <a:pt x="8622" y="49950"/>
-                    <a:pt x="8622" y="53885"/>
-                  </a:cubicBezTo>
-                  <a:lnTo>
-                    <a:pt x="8622" y="76781"/>
-                  </a:lnTo>
-                  <a:lnTo>
-                    <a:pt x="59281" y="76781"/>
-                  </a:lnTo>
-                  <a:lnTo>
-                    <a:pt x="59281" y="53885"/>
-                  </a:lnTo>
-                  <a:cubicBezTo>
-                    <a:pt x="59281" y="49950"/>
-                    <a:pt x="57844" y="45657"/>
-                    <a:pt x="54969" y="42795"/>
-                  </a:cubicBezTo>
-                  <a:cubicBezTo>
-                    <a:pt x="53532" y="40649"/>
-                    <a:pt x="53892" y="37787"/>
-                    <a:pt x="55688" y="36713"/>
-                  </a:cubicBezTo>
-                  <a:cubicBezTo>
-                    <a:pt x="57844" y="34925"/>
-                    <a:pt x="60359" y="35282"/>
-                    <a:pt x="61796" y="37071"/>
-                  </a:cubicBezTo>
-                  <a:cubicBezTo>
-                    <a:pt x="65748" y="41722"/>
-                    <a:pt x="67903" y="47804"/>
-                    <a:pt x="67903" y="53885"/>
-                  </a:cubicBezTo>
-                  <a:lnTo>
-                    <a:pt x="67903" y="81074"/>
-                  </a:lnTo>
-                  <a:cubicBezTo>
-                    <a:pt x="67903" y="83578"/>
-                    <a:pt x="65748" y="85367"/>
-                    <a:pt x="63592" y="85367"/>
-                  </a:cubicBezTo>
-                  <a:lnTo>
-                    <a:pt x="4311" y="85367"/>
-                  </a:lnTo>
-                  <a:cubicBezTo>
-                    <a:pt x="1796" y="85367"/>
-                    <a:pt x="0" y="83578"/>
-                    <a:pt x="0" y="81074"/>
-                  </a:cubicBezTo>
-                  <a:lnTo>
-                    <a:pt x="0" y="53885"/>
-                  </a:lnTo>
-                  <a:cubicBezTo>
-                    <a:pt x="0" y="47804"/>
-                    <a:pt x="1796" y="41722"/>
-                    <a:pt x="6107" y="37071"/>
-                  </a:cubicBezTo>
-                  <a:cubicBezTo>
-                    <a:pt x="7545" y="35282"/>
-                    <a:pt x="10419" y="34925"/>
-                    <a:pt x="12215" y="36713"/>
-                  </a:cubicBezTo>
-                  <a:close/>
-                  <a:moveTo>
-                    <a:pt x="258410" y="8466"/>
-                  </a:moveTo>
-                  <a:cubicBezTo>
-                    <a:pt x="252766" y="8466"/>
-                    <a:pt x="248180" y="13405"/>
-                    <a:pt x="248180" y="18697"/>
-                  </a:cubicBezTo>
-                  <a:cubicBezTo>
-                    <a:pt x="248180" y="24341"/>
-                    <a:pt x="252766" y="28928"/>
-                    <a:pt x="258410" y="28928"/>
-                  </a:cubicBezTo>
-                  <a:cubicBezTo>
-                    <a:pt x="264055" y="28928"/>
-                    <a:pt x="268641" y="24341"/>
-                    <a:pt x="268641" y="18697"/>
-                  </a:cubicBezTo>
-                  <a:cubicBezTo>
-                    <a:pt x="268641" y="13405"/>
-                    <a:pt x="264055" y="8466"/>
-                    <a:pt x="258410" y="8466"/>
-                  </a:cubicBezTo>
-                  <a:close/>
-                  <a:moveTo>
-                    <a:pt x="32985" y="8466"/>
-                  </a:moveTo>
-                  <a:cubicBezTo>
-                    <a:pt x="27341" y="8466"/>
-                    <a:pt x="22754" y="13405"/>
-                    <a:pt x="22754" y="18697"/>
-                  </a:cubicBezTo>
-                  <a:cubicBezTo>
-                    <a:pt x="22754" y="24341"/>
-                    <a:pt x="27341" y="28928"/>
-                    <a:pt x="32985" y="28928"/>
-                  </a:cubicBezTo>
-                  <a:cubicBezTo>
-                    <a:pt x="38629" y="28928"/>
-                    <a:pt x="43216" y="24341"/>
-                    <a:pt x="43216" y="18697"/>
-                  </a:cubicBezTo>
-                  <a:cubicBezTo>
-                    <a:pt x="43216" y="13405"/>
-                    <a:pt x="38629" y="8466"/>
-                    <a:pt x="32985" y="8466"/>
-                  </a:cubicBezTo>
-                  <a:close/>
-                  <a:moveTo>
-                    <a:pt x="145691" y="6778"/>
-                  </a:moveTo>
-                  <a:cubicBezTo>
-                    <a:pt x="171211" y="6778"/>
-                    <a:pt x="196731" y="13556"/>
-                    <a:pt x="219015" y="27113"/>
-                  </a:cubicBezTo>
-                  <a:cubicBezTo>
-                    <a:pt x="221531" y="28559"/>
-                    <a:pt x="221891" y="31089"/>
-                    <a:pt x="220813" y="33258"/>
-                  </a:cubicBezTo>
-                  <a:cubicBezTo>
-                    <a:pt x="219015" y="35427"/>
-                    <a:pt x="216499" y="36150"/>
-                    <a:pt x="214702" y="34704"/>
-                  </a:cubicBezTo>
-                  <a:cubicBezTo>
-                    <a:pt x="172648" y="9037"/>
-                    <a:pt x="118733" y="9037"/>
-                    <a:pt x="77038" y="34704"/>
-                  </a:cubicBezTo>
-                  <a:cubicBezTo>
-                    <a:pt x="76320" y="35427"/>
-                    <a:pt x="75601" y="35427"/>
-                    <a:pt x="74882" y="35427"/>
-                  </a:cubicBezTo>
-                  <a:cubicBezTo>
-                    <a:pt x="73444" y="35427"/>
-                    <a:pt x="72006" y="34704"/>
-                    <a:pt x="70928" y="33258"/>
-                  </a:cubicBezTo>
-                  <a:cubicBezTo>
-                    <a:pt x="69850" y="31089"/>
-                    <a:pt x="70209" y="28559"/>
-                    <a:pt x="72366" y="27113"/>
-                  </a:cubicBezTo>
-                  <a:cubicBezTo>
-                    <a:pt x="94651" y="13556"/>
-                    <a:pt x="120171" y="6778"/>
-                    <a:pt x="145691" y="6778"/>
-                  </a:cubicBezTo>
-                  <a:close/>
-                  <a:moveTo>
-                    <a:pt x="258410" y="0"/>
-                  </a:moveTo>
-                  <a:cubicBezTo>
-                    <a:pt x="268994" y="0"/>
-                    <a:pt x="277460" y="8466"/>
-                    <a:pt x="277460" y="18697"/>
-                  </a:cubicBezTo>
-                  <a:cubicBezTo>
-                    <a:pt x="277460" y="29280"/>
-                    <a:pt x="268994" y="37747"/>
-                    <a:pt x="258410" y="37747"/>
-                  </a:cubicBezTo>
-                  <a:cubicBezTo>
-                    <a:pt x="248180" y="37747"/>
-                    <a:pt x="239713" y="29280"/>
-                    <a:pt x="239713" y="18697"/>
-                  </a:cubicBezTo>
-                  <a:cubicBezTo>
-                    <a:pt x="239713" y="8466"/>
-                    <a:pt x="248180" y="0"/>
-                    <a:pt x="258410" y="0"/>
-                  </a:cubicBezTo>
-                  <a:close/>
-                  <a:moveTo>
-                    <a:pt x="32985" y="0"/>
-                  </a:moveTo>
-                  <a:cubicBezTo>
-                    <a:pt x="43568" y="0"/>
-                    <a:pt x="52035" y="8466"/>
-                    <a:pt x="52035" y="18697"/>
-                  </a:cubicBezTo>
-                  <a:cubicBezTo>
-                    <a:pt x="52035" y="29280"/>
-                    <a:pt x="43568" y="37747"/>
-                    <a:pt x="32985" y="37747"/>
-                  </a:cubicBezTo>
-                  <a:cubicBezTo>
-                    <a:pt x="22754" y="37747"/>
-                    <a:pt x="14288" y="29280"/>
-                    <a:pt x="14288" y="18697"/>
-                  </a:cubicBezTo>
-                  <a:cubicBezTo>
-                    <a:pt x="14288" y="8466"/>
-                    <a:pt x="22754" y="0"/>
-                    <a:pt x="32985" y="0"/>
-                  </a:cubicBezTo>
-                  <a:close/>
-                </a:path>
-              </a:pathLst>
-            </a:custGeom>
-            <a:solidFill>
-              <a:srgbClr val="ED8B00"/>
-            </a:solidFill>
-            <a:ln>
-              <a:noFill/>
-            </a:ln>
-          </p:spPr>
-          <p:txBody>
-            <a:bodyPr anchor="ctr"/>
-            <a:lstStyle/>
-            <a:p>
-              <a:endParaRPr lang="en-US" sz="900"/>
-            </a:p>
-          </p:txBody>
-        </p:sp>
-        <p:sp>
-          <p:nvSpPr>
-            <p:cNvPr id="65" name="TextBox 64">
-              <a:extLst>
-                <a:ext uri="{FF2B5EF4-FFF2-40B4-BE49-F238E27FC236}">
-                  <a16:creationId xmlns:a16="http://schemas.microsoft.com/office/drawing/2014/main" id="{CCDBA8E2-2E49-D3DC-8F70-3EBC50517161}"/>
-                </a:ext>
-              </a:extLst>
-            </p:cNvPr>
-            <p:cNvSpPr txBox="1"/>
-            <p:nvPr/>
-          </p:nvSpPr>
-          <p:spPr>
-            <a:xfrm>
-              <a:off x="4974332" y="4365181"/>
-              <a:ext cx="1914319" cy="675570"/>
-            </a:xfrm>
-            <a:prstGeom prst="rect">
-              <a:avLst/>
-            </a:prstGeom>
-            <a:noFill/>
-          </p:spPr>
-          <p:txBody>
-            <a:bodyPr wrap="square" rtlCol="0">
-              <a:spAutoFit/>
-            </a:bodyPr>
-            <a:lstStyle/>
-            <a:p>
-              <a:pPr algn="ctr">
-                <a:lnSpc>
-                  <a:spcPct val="107000"/>
-                </a:lnSpc>
-                <a:spcAft>
-                  <a:spcPts val="800"/>
-                </a:spcAft>
-              </a:pPr>
-              <a:r>
-                <a:rPr lang="en-GB" sz="1200" dirty="0">
-                  <a:solidFill>
-                    <a:schemeClr val="bg1"/>
-                  </a:solidFill>
-                  <a:latin typeface="Open Sans" panose="020B0606030504020204" pitchFamily="34" charset="0"/>
-                  <a:ea typeface="Open Sans" panose="020B0606030504020204" pitchFamily="34" charset="0"/>
-                  <a:cs typeface="Open Sans" panose="020B0606030504020204" pitchFamily="34" charset="0"/>
-                </a:rPr>
-                <a:t>Debt collection processes could be costing you</a:t>
-              </a:r>
-            </a:p>
-          </p:txBody>
-        </p:sp>
-      </p:grpSp>
-      <p:grpSp>
-        <p:nvGrpSpPr>
-          <p:cNvPr id="22" name="Grup 21">
-            <a:extLst>
-              <a:ext uri="{FF2B5EF4-FFF2-40B4-BE49-F238E27FC236}">
-                <a16:creationId xmlns:a16="http://schemas.microsoft.com/office/drawing/2014/main" id="{25E84DF7-F74A-68A0-71AD-C714787E6F2C}"/>
-              </a:ext>
-            </a:extLst>
-          </p:cNvPr>
-          <p:cNvGrpSpPr/>
-          <p:nvPr/>
-        </p:nvGrpSpPr>
-        <p:grpSpPr>
-          <a:xfrm>
-            <a:off x="2861471" y="1556836"/>
+            <a:off x="5155200" y="1508400"/>
             <a:ext cx="1960575" cy="4157426"/>
             <a:chOff x="711457" y="1552929"/>
             <a:chExt cx="1960575" cy="4157426"/>
@@ -43331,82 +41540,1894 @@
           </p:txBody>
         </p:sp>
       </p:grpSp>
-      <p:sp>
-        <p:nvSpPr>
-          <p:cNvPr id="69" name="TextBox 68">
-            <a:extLst>
-              <a:ext uri="{FF2B5EF4-FFF2-40B4-BE49-F238E27FC236}">
-                <a16:creationId xmlns:a16="http://schemas.microsoft.com/office/drawing/2014/main" id="{3C634A47-D927-FE8D-6324-130A75E52781}"/>
-              </a:ext>
-            </a:extLst>
-          </p:cNvPr>
-          <p:cNvSpPr txBox="1"/>
+      <p:grpSp>
+        <p:nvGrpSpPr>
+          <p:cNvPr id="5" name="Grup 4">
+            <a:extLst>
+              <a:ext uri="{FF2B5EF4-FFF2-40B4-BE49-F238E27FC236}">
+                <a16:creationId xmlns:a16="http://schemas.microsoft.com/office/drawing/2014/main" id="{2CC8DEE5-26D6-A15C-CB5C-661C8D83F5AF}"/>
+              </a:ext>
+            </a:extLst>
+          </p:cNvPr>
+          <p:cNvGrpSpPr/>
           <p:nvPr/>
-        </p:nvSpPr>
-        <p:spPr>
+        </p:nvGrpSpPr>
+        <p:grpSpPr>
           <a:xfrm>
-            <a:off x="5007860" y="5093095"/>
-            <a:ext cx="1891272" cy="600164"/>
+            <a:off x="7732800" y="1508400"/>
+            <a:ext cx="1957681" cy="4201867"/>
+            <a:chOff x="7305186" y="1508400"/>
+            <a:chExt cx="1957681" cy="4201867"/>
           </a:xfrm>
-          <a:prstGeom prst="rect">
-            <a:avLst/>
-          </a:prstGeom>
-          <a:noFill/>
-        </p:spPr>
-        <p:txBody>
-          <a:bodyPr wrap="square" rtlCol="0">
-            <a:spAutoFit/>
-          </a:bodyPr>
-          <a:lstStyle/>
-          <a:p>
-            <a:pPr algn="ctr"/>
-            <a:r>
-              <a:rPr lang="en-GB" sz="2400" dirty="0">
-                <a:solidFill>
-                  <a:schemeClr val="accent2"/>
-                </a:solidFill>
-                <a:latin typeface="Open Sans" panose="020B0606030504020204" pitchFamily="34" charset="0"/>
-                <a:ea typeface="Open Sans" panose="020B0606030504020204" pitchFamily="34" charset="0"/>
-                <a:cs typeface="Open Sans" panose="020B0606030504020204" pitchFamily="34" charset="0"/>
-              </a:rPr>
-              <a:t>£</a:t>
-            </a:r>
-            <a:r>
-              <a:rPr lang="tr-TR" sz="2400" dirty="0" err="1">
-                <a:solidFill>
-                  <a:schemeClr val="accent2"/>
-                </a:solidFill>
-                <a:latin typeface="Open Sans" panose="020B0606030504020204" pitchFamily="34" charset="0"/>
-                <a:ea typeface="Open Sans" panose="020B0606030504020204" pitchFamily="34" charset="0"/>
-                <a:cs typeface="Open Sans" panose="020B0606030504020204" pitchFamily="34" charset="0"/>
-              </a:rPr>
-              <a:t>valdcap</a:t>
-            </a:r>
-            <a:r>
-              <a:rPr lang="en-GB" sz="2400" dirty="0">
-                <a:solidFill>
-                  <a:schemeClr val="accent2"/>
-                </a:solidFill>
-                <a:latin typeface="Open Sans" panose="020B0606030504020204" pitchFamily="34" charset="0"/>
-                <a:ea typeface="Open Sans" panose="020B0606030504020204" pitchFamily="34" charset="0"/>
-                <a:cs typeface="Open Sans" panose="020B0606030504020204" pitchFamily="34" charset="0"/>
-              </a:rPr>
-              <a:t> </a:t>
-            </a:r>
-            <a:r>
-              <a:rPr lang="en-GB" sz="900" dirty="0">
-                <a:solidFill>
-                  <a:schemeClr val="accent2"/>
-                </a:solidFill>
-                <a:latin typeface="Open Sans" panose="020B0606030504020204" pitchFamily="34" charset="0"/>
-                <a:ea typeface="Open Sans" panose="020B0606030504020204" pitchFamily="34" charset="0"/>
-                <a:cs typeface="Open Sans" panose="020B0606030504020204" pitchFamily="34" charset="0"/>
-              </a:rPr>
-              <a:t>annually</a:t>
-            </a:r>
-          </a:p>
-        </p:txBody>
-      </p:sp>
+        </p:grpSpPr>
+        <p:grpSp>
+          <p:nvGrpSpPr>
+            <p:cNvPr id="23" name="Grup 22">
+              <a:extLst>
+                <a:ext uri="{FF2B5EF4-FFF2-40B4-BE49-F238E27FC236}">
+                  <a16:creationId xmlns:a16="http://schemas.microsoft.com/office/drawing/2014/main" id="{3D309B6B-7791-6CF2-0569-C70256165209}"/>
+                </a:ext>
+              </a:extLst>
+            </p:cNvPr>
+            <p:cNvGrpSpPr/>
+            <p:nvPr/>
+          </p:nvGrpSpPr>
+          <p:grpSpPr>
+            <a:xfrm>
+              <a:off x="7316241" y="1508400"/>
+              <a:ext cx="1946626" cy="3991330"/>
+              <a:chOff x="4961745" y="1556836"/>
+              <a:chExt cx="1946626" cy="3991330"/>
+            </a:xfrm>
+          </p:grpSpPr>
+          <p:sp>
+            <p:nvSpPr>
+              <p:cNvPr id="59" name="Rectangle: Rounded Corners 58">
+                <a:extLst>
+                  <a:ext uri="{FF2B5EF4-FFF2-40B4-BE49-F238E27FC236}">
+                    <a16:creationId xmlns:a16="http://schemas.microsoft.com/office/drawing/2014/main" id="{483145D9-A5D5-4A29-9000-3FD97569E5F5}"/>
+                  </a:ext>
+                </a:extLst>
+              </p:cNvPr>
+              <p:cNvSpPr/>
+              <p:nvPr/>
+            </p:nvSpPr>
+            <p:spPr>
+              <a:xfrm>
+                <a:off x="4970154" y="4999173"/>
+                <a:ext cx="1930036" cy="548993"/>
+              </a:xfrm>
+              <a:prstGeom prst="roundRect">
+                <a:avLst/>
+              </a:prstGeom>
+              <a:solidFill>
+                <a:schemeClr val="accent2">
+                  <a:alpha val="26000"/>
+                </a:schemeClr>
+              </a:solidFill>
+              <a:ln>
+                <a:solidFill>
+                  <a:schemeClr val="accent1"/>
+                </a:solidFill>
+              </a:ln>
+            </p:spPr>
+            <p:style>
+              <a:lnRef idx="2">
+                <a:schemeClr val="accent1">
+                  <a:shade val="50000"/>
+                </a:schemeClr>
+              </a:lnRef>
+              <a:fillRef idx="1">
+                <a:schemeClr val="accent1"/>
+              </a:fillRef>
+              <a:effectRef idx="0">
+                <a:schemeClr val="accent1"/>
+              </a:effectRef>
+              <a:fontRef idx="minor">
+                <a:schemeClr val="lt1"/>
+              </a:fontRef>
+            </p:style>
+            <p:txBody>
+              <a:bodyPr rtlCol="0" anchor="ctr"/>
+              <a:lstStyle/>
+              <a:p>
+                <a:pPr algn="ctr"/>
+                <a:endParaRPr lang="en-GB"/>
+              </a:p>
+            </p:txBody>
+          </p:sp>
+          <p:sp>
+            <p:nvSpPr>
+              <p:cNvPr id="49" name="Off-page Connector 9">
+                <a:extLst>
+                  <a:ext uri="{FF2B5EF4-FFF2-40B4-BE49-F238E27FC236}">
+                    <a16:creationId xmlns:a16="http://schemas.microsoft.com/office/drawing/2014/main" id="{A97AE63F-0C53-AB7A-E6A8-5650E994B32B}"/>
+                  </a:ext>
+                </a:extLst>
+              </p:cNvPr>
+              <p:cNvSpPr/>
+              <p:nvPr/>
+            </p:nvSpPr>
+            <p:spPr>
+              <a:xfrm>
+                <a:off x="4978335" y="1903894"/>
+                <a:ext cx="1930036" cy="2548563"/>
+              </a:xfrm>
+              <a:prstGeom prst="roundRect">
+                <a:avLst/>
+              </a:prstGeom>
+              <a:solidFill>
+                <a:schemeClr val="accent4">
+                  <a:alpha val="10000"/>
+                </a:schemeClr>
+              </a:solidFill>
+              <a:ln>
+                <a:noFill/>
+              </a:ln>
+            </p:spPr>
+            <p:style>
+              <a:lnRef idx="2">
+                <a:schemeClr val="accent1">
+                  <a:shade val="50000"/>
+                </a:schemeClr>
+              </a:lnRef>
+              <a:fillRef idx="1">
+                <a:schemeClr val="accent1"/>
+              </a:fillRef>
+              <a:effectRef idx="0">
+                <a:schemeClr val="accent1"/>
+              </a:effectRef>
+              <a:fontRef idx="minor">
+                <a:schemeClr val="lt1"/>
+              </a:fontRef>
+            </p:style>
+            <p:txBody>
+              <a:bodyPr rtlCol="0" anchor="ctr"/>
+              <a:lstStyle/>
+              <a:p>
+                <a:pPr marL="171450" indent="-171450" algn="ctr">
+                  <a:lnSpc>
+                    <a:spcPct val="107000"/>
+                  </a:lnSpc>
+                  <a:spcAft>
+                    <a:spcPts val="800"/>
+                  </a:spcAft>
+                  <a:buFont typeface="Wingdings" panose="05000000000000000000" pitchFamily="2" charset="2"/>
+                  <a:buChar char="ü"/>
+                </a:pPr>
+                <a:endParaRPr lang="en-GB" sz="900" dirty="0">
+                  <a:solidFill>
+                    <a:schemeClr val="tx1">
+                      <a:lumMod val="75000"/>
+                      <a:lumOff val="25000"/>
+                    </a:schemeClr>
+                  </a:solidFill>
+                  <a:latin typeface="Open Sans" panose="020B0606030504020204" pitchFamily="34" charset="0"/>
+                  <a:ea typeface="Open Sans" panose="020B0606030504020204" pitchFamily="34" charset="0"/>
+                  <a:cs typeface="Open Sans" panose="020B0606030504020204" pitchFamily="34" charset="0"/>
+                </a:endParaRPr>
+              </a:p>
+              <a:p>
+                <a:pPr marL="171450" indent="-171450" algn="ctr">
+                  <a:lnSpc>
+                    <a:spcPct val="107000"/>
+                  </a:lnSpc>
+                  <a:spcAft>
+                    <a:spcPts val="800"/>
+                  </a:spcAft>
+                  <a:buFont typeface="Wingdings" panose="05000000000000000000" pitchFamily="2" charset="2"/>
+                  <a:buChar char="ü"/>
+                </a:pPr>
+                <a:endParaRPr lang="en-GB" sz="900" dirty="0">
+                  <a:solidFill>
+                    <a:schemeClr val="tx1">
+                      <a:lumMod val="75000"/>
+                      <a:lumOff val="25000"/>
+                    </a:schemeClr>
+                  </a:solidFill>
+                  <a:latin typeface="Open Sans" panose="020B0606030504020204" pitchFamily="34" charset="0"/>
+                  <a:ea typeface="Open Sans" panose="020B0606030504020204" pitchFamily="34" charset="0"/>
+                  <a:cs typeface="Open Sans" panose="020B0606030504020204" pitchFamily="34" charset="0"/>
+                </a:endParaRPr>
+              </a:p>
+              <a:p>
+                <a:pPr marL="171450" indent="-171450" algn="ctr">
+                  <a:lnSpc>
+                    <a:spcPct val="107000"/>
+                  </a:lnSpc>
+                  <a:spcAft>
+                    <a:spcPts val="800"/>
+                  </a:spcAft>
+                  <a:buFont typeface="Wingdings" panose="05000000000000000000" pitchFamily="2" charset="2"/>
+                  <a:buChar char="ü"/>
+                </a:pPr>
+                <a:r>
+                  <a:rPr lang="en-GB" sz="900" dirty="0">
+                    <a:solidFill>
+                      <a:schemeClr val="tx1">
+                        <a:lumMod val="75000"/>
+                        <a:lumOff val="25000"/>
+                      </a:schemeClr>
+                    </a:solidFill>
+                    <a:latin typeface="Open Sans" panose="020B0606030504020204" pitchFamily="34" charset="0"/>
+                    <a:ea typeface="Open Sans" panose="020B0606030504020204" pitchFamily="34" charset="0"/>
+                    <a:cs typeface="Open Sans" panose="020B0606030504020204" pitchFamily="34" charset="0"/>
+                  </a:rPr>
+                  <a:t>Inefficient processes </a:t>
+                </a:r>
+              </a:p>
+              <a:p>
+                <a:pPr marL="171450" indent="-171450" algn="ctr">
+                  <a:lnSpc>
+                    <a:spcPct val="107000"/>
+                  </a:lnSpc>
+                  <a:spcAft>
+                    <a:spcPts val="800"/>
+                  </a:spcAft>
+                  <a:buFont typeface="Wingdings" panose="05000000000000000000" pitchFamily="2" charset="2"/>
+                  <a:buChar char="ü"/>
+                </a:pPr>
+                <a:r>
+                  <a:rPr lang="en-GB" sz="900" dirty="0">
+                    <a:solidFill>
+                      <a:schemeClr val="tx1">
+                        <a:lumMod val="75000"/>
+                        <a:lumOff val="25000"/>
+                      </a:schemeClr>
+                    </a:solidFill>
+                    <a:latin typeface="Open Sans" panose="020B0606030504020204" pitchFamily="34" charset="0"/>
+                    <a:ea typeface="Open Sans" panose="020B0606030504020204" pitchFamily="34" charset="0"/>
+                    <a:cs typeface="Open Sans" panose="020B0606030504020204" pitchFamily="34" charset="0"/>
+                  </a:rPr>
+                  <a:t>Lack of self-serve solutions</a:t>
+                </a:r>
+              </a:p>
+            </p:txBody>
+          </p:sp>
+          <p:sp>
+            <p:nvSpPr>
+              <p:cNvPr id="48" name="Freeform 50">
+                <a:extLst>
+                  <a:ext uri="{FF2B5EF4-FFF2-40B4-BE49-F238E27FC236}">
+                    <a16:creationId xmlns:a16="http://schemas.microsoft.com/office/drawing/2014/main" id="{13C7AA69-72E1-AD20-DD7E-436E6E31F470}"/>
+                  </a:ext>
+                </a:extLst>
+              </p:cNvPr>
+              <p:cNvSpPr/>
+              <p:nvPr/>
+            </p:nvSpPr>
+            <p:spPr>
+              <a:xfrm rot="10800000">
+                <a:off x="4961745" y="2139161"/>
+                <a:ext cx="1944972" cy="2971025"/>
+              </a:xfrm>
+              <a:custGeom>
+                <a:avLst/>
+                <a:gdLst>
+                  <a:gd name="connsiteX0" fmla="*/ 0 w 4855912"/>
+                  <a:gd name="connsiteY0" fmla="*/ 9143998 h 9144000"/>
+                  <a:gd name="connsiteX1" fmla="*/ 4855912 w 4855912"/>
+                  <a:gd name="connsiteY1" fmla="*/ 9143998 h 9144000"/>
+                  <a:gd name="connsiteX2" fmla="*/ 4855912 w 4855912"/>
+                  <a:gd name="connsiteY2" fmla="*/ 9144000 h 9144000"/>
+                  <a:gd name="connsiteX3" fmla="*/ 0 w 4855912"/>
+                  <a:gd name="connsiteY3" fmla="*/ 9144000 h 9144000"/>
+                  <a:gd name="connsiteX4" fmla="*/ 0 w 4855912"/>
+                  <a:gd name="connsiteY4" fmla="*/ 0 h 9144000"/>
+                  <a:gd name="connsiteX5" fmla="*/ 4855912 w 4855912"/>
+                  <a:gd name="connsiteY5" fmla="*/ 0 h 9144000"/>
+                  <a:gd name="connsiteX6" fmla="*/ 4855912 w 4855912"/>
+                  <a:gd name="connsiteY6" fmla="*/ 4215866 h 9144000"/>
+                  <a:gd name="connsiteX7" fmla="*/ 2427956 w 4855912"/>
+                  <a:gd name="connsiteY7" fmla="*/ 2983833 h 9144000"/>
+                  <a:gd name="connsiteX8" fmla="*/ 0 w 4855912"/>
+                  <a:gd name="connsiteY8" fmla="*/ 4215866 h 9144000"/>
+                  <a:gd name="connsiteX0" fmla="*/ 0 w 4855912"/>
+                  <a:gd name="connsiteY0" fmla="*/ 9143998 h 9144000"/>
+                  <a:gd name="connsiteX1" fmla="*/ 4855912 w 4855912"/>
+                  <a:gd name="connsiteY1" fmla="*/ 9143998 h 9144000"/>
+                  <a:gd name="connsiteX2" fmla="*/ 4855912 w 4855912"/>
+                  <a:gd name="connsiteY2" fmla="*/ 9144000 h 9144000"/>
+                  <a:gd name="connsiteX3" fmla="*/ 0 w 4855912"/>
+                  <a:gd name="connsiteY3" fmla="*/ 9144000 h 9144000"/>
+                  <a:gd name="connsiteX4" fmla="*/ 0 w 4855912"/>
+                  <a:gd name="connsiteY4" fmla="*/ 9143998 h 9144000"/>
+                  <a:gd name="connsiteX5" fmla="*/ 0 w 4855912"/>
+                  <a:gd name="connsiteY5" fmla="*/ 794048 h 9144000"/>
+                  <a:gd name="connsiteX6" fmla="*/ 4855912 w 4855912"/>
+                  <a:gd name="connsiteY6" fmla="*/ 0 h 9144000"/>
+                  <a:gd name="connsiteX7" fmla="*/ 4855912 w 4855912"/>
+                  <a:gd name="connsiteY7" fmla="*/ 4215866 h 9144000"/>
+                  <a:gd name="connsiteX8" fmla="*/ 2427956 w 4855912"/>
+                  <a:gd name="connsiteY8" fmla="*/ 2983833 h 9144000"/>
+                  <a:gd name="connsiteX9" fmla="*/ 0 w 4855912"/>
+                  <a:gd name="connsiteY9" fmla="*/ 4215866 h 9144000"/>
+                  <a:gd name="connsiteX10" fmla="*/ 0 w 4855912"/>
+                  <a:gd name="connsiteY10" fmla="*/ 794048 h 9144000"/>
+                  <a:gd name="connsiteX0" fmla="*/ 0 w 4855912"/>
+                  <a:gd name="connsiteY0" fmla="*/ 8366845 h 8366847"/>
+                  <a:gd name="connsiteX1" fmla="*/ 4855912 w 4855912"/>
+                  <a:gd name="connsiteY1" fmla="*/ 8366845 h 8366847"/>
+                  <a:gd name="connsiteX2" fmla="*/ 4855912 w 4855912"/>
+                  <a:gd name="connsiteY2" fmla="*/ 8366847 h 8366847"/>
+                  <a:gd name="connsiteX3" fmla="*/ 0 w 4855912"/>
+                  <a:gd name="connsiteY3" fmla="*/ 8366847 h 8366847"/>
+                  <a:gd name="connsiteX4" fmla="*/ 0 w 4855912"/>
+                  <a:gd name="connsiteY4" fmla="*/ 8366845 h 8366847"/>
+                  <a:gd name="connsiteX5" fmla="*/ 0 w 4855912"/>
+                  <a:gd name="connsiteY5" fmla="*/ 16895 h 8366847"/>
+                  <a:gd name="connsiteX6" fmla="*/ 4839134 w 4855912"/>
+                  <a:gd name="connsiteY6" fmla="*/ 0 h 8366847"/>
+                  <a:gd name="connsiteX7" fmla="*/ 4855912 w 4855912"/>
+                  <a:gd name="connsiteY7" fmla="*/ 3438713 h 8366847"/>
+                  <a:gd name="connsiteX8" fmla="*/ 2427956 w 4855912"/>
+                  <a:gd name="connsiteY8" fmla="*/ 2206680 h 8366847"/>
+                  <a:gd name="connsiteX9" fmla="*/ 0 w 4855912"/>
+                  <a:gd name="connsiteY9" fmla="*/ 3438713 h 8366847"/>
+                  <a:gd name="connsiteX10" fmla="*/ 0 w 4855912"/>
+                  <a:gd name="connsiteY10" fmla="*/ 16895 h 8366847"/>
+                  <a:gd name="connsiteX0" fmla="*/ 0 w 4857526"/>
+                  <a:gd name="connsiteY0" fmla="*/ 8349950 h 8349952"/>
+                  <a:gd name="connsiteX1" fmla="*/ 4855912 w 4857526"/>
+                  <a:gd name="connsiteY1" fmla="*/ 8349950 h 8349952"/>
+                  <a:gd name="connsiteX2" fmla="*/ 4855912 w 4857526"/>
+                  <a:gd name="connsiteY2" fmla="*/ 8349952 h 8349952"/>
+                  <a:gd name="connsiteX3" fmla="*/ 0 w 4857526"/>
+                  <a:gd name="connsiteY3" fmla="*/ 8349952 h 8349952"/>
+                  <a:gd name="connsiteX4" fmla="*/ 0 w 4857526"/>
+                  <a:gd name="connsiteY4" fmla="*/ 8349950 h 8349952"/>
+                  <a:gd name="connsiteX5" fmla="*/ 0 w 4857526"/>
+                  <a:gd name="connsiteY5" fmla="*/ 0 h 8349952"/>
+                  <a:gd name="connsiteX6" fmla="*/ 4855912 w 4857526"/>
+                  <a:gd name="connsiteY6" fmla="*/ 0 h 8349952"/>
+                  <a:gd name="connsiteX7" fmla="*/ 4855912 w 4857526"/>
+                  <a:gd name="connsiteY7" fmla="*/ 3421818 h 8349952"/>
+                  <a:gd name="connsiteX8" fmla="*/ 2427956 w 4857526"/>
+                  <a:gd name="connsiteY8" fmla="*/ 2189785 h 8349952"/>
+                  <a:gd name="connsiteX9" fmla="*/ 0 w 4857526"/>
+                  <a:gd name="connsiteY9" fmla="*/ 3421818 h 8349952"/>
+                  <a:gd name="connsiteX10" fmla="*/ 0 w 4857526"/>
+                  <a:gd name="connsiteY10" fmla="*/ 0 h 8349952"/>
+                </a:gdLst>
+                <a:ahLst/>
+                <a:cxnLst>
+                  <a:cxn ang="0">
+                    <a:pos x="connsiteX0" y="connsiteY0"/>
+                  </a:cxn>
+                  <a:cxn ang="0">
+                    <a:pos x="connsiteX1" y="connsiteY1"/>
+                  </a:cxn>
+                  <a:cxn ang="0">
+                    <a:pos x="connsiteX2" y="connsiteY2"/>
+                  </a:cxn>
+                  <a:cxn ang="0">
+                    <a:pos x="connsiteX3" y="connsiteY3"/>
+                  </a:cxn>
+                  <a:cxn ang="0">
+                    <a:pos x="connsiteX4" y="connsiteY4"/>
+                  </a:cxn>
+                  <a:cxn ang="0">
+                    <a:pos x="connsiteX5" y="connsiteY5"/>
+                  </a:cxn>
+                  <a:cxn ang="0">
+                    <a:pos x="connsiteX6" y="connsiteY6"/>
+                  </a:cxn>
+                  <a:cxn ang="0">
+                    <a:pos x="connsiteX7" y="connsiteY7"/>
+                  </a:cxn>
+                  <a:cxn ang="0">
+                    <a:pos x="connsiteX8" y="connsiteY8"/>
+                  </a:cxn>
+                  <a:cxn ang="0">
+                    <a:pos x="connsiteX9" y="connsiteY9"/>
+                  </a:cxn>
+                  <a:cxn ang="0">
+                    <a:pos x="connsiteX10" y="connsiteY10"/>
+                  </a:cxn>
+                </a:cxnLst>
+                <a:rect l="l" t="t" r="r" b="b"/>
+                <a:pathLst>
+                  <a:path w="4857526" h="8349952">
+                    <a:moveTo>
+                      <a:pt x="0" y="8349950"/>
+                    </a:moveTo>
+                    <a:lnTo>
+                      <a:pt x="4855912" y="8349950"/>
+                    </a:lnTo>
+                    <a:lnTo>
+                      <a:pt x="4855912" y="8349952"/>
+                    </a:lnTo>
+                    <a:lnTo>
+                      <a:pt x="0" y="8349952"/>
+                    </a:lnTo>
+                    <a:lnTo>
+                      <a:pt x="0" y="8349950"/>
+                    </a:lnTo>
+                    <a:close/>
+                    <a:moveTo>
+                      <a:pt x="0" y="0"/>
+                    </a:moveTo>
+                    <a:lnTo>
+                      <a:pt x="4855912" y="0"/>
+                    </a:lnTo>
+                    <a:cubicBezTo>
+                      <a:pt x="4861505" y="1146238"/>
+                      <a:pt x="4850319" y="2275580"/>
+                      <a:pt x="4855912" y="3421818"/>
+                    </a:cubicBezTo>
+                    <a:lnTo>
+                      <a:pt x="2427956" y="2189785"/>
+                    </a:lnTo>
+                    <a:lnTo>
+                      <a:pt x="0" y="3421818"/>
+                    </a:lnTo>
+                    <a:lnTo>
+                      <a:pt x="0" y="0"/>
+                    </a:lnTo>
+                    <a:close/>
+                  </a:path>
+                </a:pathLst>
+              </a:custGeom>
+              <a:solidFill>
+                <a:schemeClr val="accent2"/>
+              </a:solidFill>
+              <a:ln>
+                <a:noFill/>
+              </a:ln>
+            </p:spPr>
+            <p:style>
+              <a:lnRef idx="2">
+                <a:schemeClr val="accent1">
+                  <a:shade val="50000"/>
+                </a:schemeClr>
+              </a:lnRef>
+              <a:fillRef idx="1">
+                <a:schemeClr val="accent1"/>
+              </a:fillRef>
+              <a:effectRef idx="0">
+                <a:schemeClr val="accent1"/>
+              </a:effectRef>
+              <a:fontRef idx="minor">
+                <a:schemeClr val="lt1"/>
+              </a:fontRef>
+            </p:style>
+            <p:txBody>
+              <a:bodyPr rtlCol="0" anchor="ctr"/>
+              <a:lstStyle/>
+              <a:p>
+                <a:pPr algn="ctr"/>
+                <a:endParaRPr lang="en-US" sz="900"/>
+              </a:p>
+            </p:txBody>
+          </p:sp>
+          <p:sp>
+            <p:nvSpPr>
+              <p:cNvPr id="50" name="TextBox 49">
+                <a:extLst>
+                  <a:ext uri="{FF2B5EF4-FFF2-40B4-BE49-F238E27FC236}">
+                    <a16:creationId xmlns:a16="http://schemas.microsoft.com/office/drawing/2014/main" id="{7B34D05C-D2DC-8FEC-1A30-2541B1BBDE4B}"/>
+                  </a:ext>
+                </a:extLst>
+              </p:cNvPr>
+              <p:cNvSpPr txBox="1"/>
+              <p:nvPr/>
+            </p:nvSpPr>
+            <p:spPr>
+              <a:xfrm>
+                <a:off x="4986193" y="1590252"/>
+                <a:ext cx="1914319" cy="1323439"/>
+              </a:xfrm>
+              <a:prstGeom prst="rect">
+                <a:avLst/>
+              </a:prstGeom>
+              <a:noFill/>
+            </p:spPr>
+            <p:txBody>
+              <a:bodyPr wrap="square" rtlCol="0" anchor="b" anchorCtr="0">
+                <a:spAutoFit/>
+              </a:bodyPr>
+              <a:lstStyle/>
+              <a:p>
+                <a:pPr algn="ctr"/>
+                <a:endParaRPr lang="en-US" sz="1600" b="1" dirty="0">
+                  <a:latin typeface="Montserrat SemiBold" panose="00000700000000000000" pitchFamily="2" charset="0"/>
+                  <a:ea typeface="League Spartan" charset="0"/>
+                  <a:cs typeface="Poppins" pitchFamily="2" charset="77"/>
+                </a:endParaRPr>
+              </a:p>
+              <a:p>
+                <a:pPr algn="ctr"/>
+                <a:endParaRPr lang="en-US" sz="1600" b="1" dirty="0">
+                  <a:latin typeface="Montserrat SemiBold" panose="00000700000000000000" pitchFamily="2" charset="0"/>
+                  <a:ea typeface="League Spartan" charset="0"/>
+                  <a:cs typeface="Poppins" pitchFamily="2" charset="77"/>
+                </a:endParaRPr>
+              </a:p>
+              <a:p>
+                <a:pPr algn="ctr"/>
+                <a:r>
+                  <a:rPr lang="en-US" sz="1600" b="1" dirty="0">
+                    <a:latin typeface="Montserrat SemiBold" panose="00000700000000000000" pitchFamily="2" charset="0"/>
+                    <a:ea typeface="League Spartan" charset="0"/>
+                    <a:cs typeface="Poppins" pitchFamily="2" charset="77"/>
+                  </a:rPr>
+                  <a:t>Debt collection administration processes</a:t>
+                </a:r>
+              </a:p>
+            </p:txBody>
+          </p:sp>
+          <p:sp>
+            <p:nvSpPr>
+              <p:cNvPr id="51" name="Freeform 1015">
+                <a:extLst>
+                  <a:ext uri="{FF2B5EF4-FFF2-40B4-BE49-F238E27FC236}">
+                    <a16:creationId xmlns:a16="http://schemas.microsoft.com/office/drawing/2014/main" id="{063F48A3-FD39-6FB1-4A70-698D0FF8C694}"/>
+                  </a:ext>
+                </a:extLst>
+              </p:cNvPr>
+              <p:cNvSpPr>
+                <a:spLocks noChangeAspect="1"/>
+              </p:cNvSpPr>
+              <p:nvPr/>
+            </p:nvSpPr>
+            <p:spPr bwMode="auto">
+              <a:xfrm>
+                <a:off x="5676016" y="1556836"/>
+                <a:ext cx="495898" cy="495898"/>
+              </a:xfrm>
+              <a:custGeom>
+                <a:avLst/>
+                <a:gdLst>
+                  <a:gd name="T0" fmla="*/ 7726423 w 293329"/>
+                  <a:gd name="T1" fmla="*/ 9850932 h 293332"/>
+                  <a:gd name="T2" fmla="*/ 2935958 w 293329"/>
+                  <a:gd name="T3" fmla="*/ 9676341 h 293332"/>
+                  <a:gd name="T4" fmla="*/ 8633732 w 293329"/>
+                  <a:gd name="T5" fmla="*/ 8887648 h 293332"/>
+                  <a:gd name="T6" fmla="*/ 8503163 w 293329"/>
+                  <a:gd name="T7" fmla="*/ 10333017 h 293332"/>
+                  <a:gd name="T8" fmla="*/ 10187033 w 293329"/>
+                  <a:gd name="T9" fmla="*/ 9107071 h 293332"/>
+                  <a:gd name="T10" fmla="*/ 10656909 w 293329"/>
+                  <a:gd name="T11" fmla="*/ 9507104 h 293332"/>
+                  <a:gd name="T12" fmla="*/ 8346597 w 293329"/>
+                  <a:gd name="T13" fmla="*/ 10655613 h 293332"/>
+                  <a:gd name="T14" fmla="*/ 8398777 w 293329"/>
+                  <a:gd name="T15" fmla="*/ 8900613 h 293332"/>
+                  <a:gd name="T16" fmla="*/ 456778 w 293329"/>
+                  <a:gd name="T17" fmla="*/ 9107071 h 293332"/>
+                  <a:gd name="T18" fmla="*/ 2153785 w 293329"/>
+                  <a:gd name="T19" fmla="*/ 10333017 h 293332"/>
+                  <a:gd name="T20" fmla="*/ 2023134 w 293329"/>
+                  <a:gd name="T21" fmla="*/ 8887648 h 293332"/>
+                  <a:gd name="T22" fmla="*/ 2466970 w 293329"/>
+                  <a:gd name="T23" fmla="*/ 10500789 h 293332"/>
+                  <a:gd name="T24" fmla="*/ 0 w 293329"/>
+                  <a:gd name="T25" fmla="*/ 10500789 h 293332"/>
+                  <a:gd name="T26" fmla="*/ 443780 w 293329"/>
+                  <a:gd name="T27" fmla="*/ 8887648 h 293332"/>
+                  <a:gd name="T28" fmla="*/ 9388267 w 293329"/>
+                  <a:gd name="T29" fmla="*/ 8605304 h 293332"/>
+                  <a:gd name="T30" fmla="*/ 1198367 w 293329"/>
+                  <a:gd name="T31" fmla="*/ 7874844 h 293332"/>
+                  <a:gd name="T32" fmla="*/ 1570072 w 293329"/>
+                  <a:gd name="T33" fmla="*/ 8233637 h 293332"/>
+                  <a:gd name="T34" fmla="*/ 10080391 w 293329"/>
+                  <a:gd name="T35" fmla="*/ 8233637 h 293332"/>
+                  <a:gd name="T36" fmla="*/ 9388267 w 293329"/>
+                  <a:gd name="T37" fmla="*/ 7554479 h 293332"/>
+                  <a:gd name="T38" fmla="*/ 1198367 w 293329"/>
+                  <a:gd name="T39" fmla="*/ 8925645 h 293332"/>
+                  <a:gd name="T40" fmla="*/ 5130248 w 293329"/>
+                  <a:gd name="T41" fmla="*/ 6689459 h 293332"/>
+                  <a:gd name="T42" fmla="*/ 6635580 w 293329"/>
+                  <a:gd name="T43" fmla="*/ 7022186 h 293332"/>
+                  <a:gd name="T44" fmla="*/ 5130248 w 293329"/>
+                  <a:gd name="T45" fmla="*/ 6689459 h 293332"/>
+                  <a:gd name="T46" fmla="*/ 6792622 w 293329"/>
+                  <a:gd name="T47" fmla="*/ 5753460 h 293332"/>
+                  <a:gd name="T48" fmla="*/ 4960060 w 293329"/>
+                  <a:gd name="T49" fmla="*/ 5753460 h 293332"/>
+                  <a:gd name="T50" fmla="*/ 4394049 w 293329"/>
+                  <a:gd name="T51" fmla="*/ 8425350 h 293332"/>
+                  <a:gd name="T52" fmla="*/ 4394049 w 293329"/>
+                  <a:gd name="T53" fmla="*/ 4434924 h 293332"/>
+                  <a:gd name="T54" fmla="*/ 3801866 w 293329"/>
+                  <a:gd name="T55" fmla="*/ 8425350 h 293332"/>
+                  <a:gd name="T56" fmla="*/ 3801866 w 293329"/>
+                  <a:gd name="T57" fmla="*/ 4434924 h 293332"/>
+                  <a:gd name="T58" fmla="*/ 10173087 w 293329"/>
+                  <a:gd name="T59" fmla="*/ 3648251 h 293332"/>
+                  <a:gd name="T60" fmla="*/ 9880272 w 293329"/>
+                  <a:gd name="T61" fmla="*/ 7355373 h 293332"/>
+                  <a:gd name="T62" fmla="*/ 9960128 w 293329"/>
+                  <a:gd name="T63" fmla="*/ 3543768 h 293332"/>
+                  <a:gd name="T64" fmla="*/ 882485 w 293329"/>
+                  <a:gd name="T65" fmla="*/ 7043025 h 293332"/>
+                  <a:gd name="T66" fmla="*/ 572838 w 293329"/>
+                  <a:gd name="T67" fmla="*/ 7161164 h 293332"/>
+                  <a:gd name="T68" fmla="*/ 3801866 w 293329"/>
+                  <a:gd name="T69" fmla="*/ 3139719 h 293332"/>
+                  <a:gd name="T70" fmla="*/ 6999706 w 293329"/>
+                  <a:gd name="T71" fmla="*/ 4120936 h 293332"/>
+                  <a:gd name="T72" fmla="*/ 3801866 w 293329"/>
+                  <a:gd name="T73" fmla="*/ 2825664 h 293332"/>
+                  <a:gd name="T74" fmla="*/ 7486601 w 293329"/>
+                  <a:gd name="T75" fmla="*/ 3139719 h 293332"/>
+                  <a:gd name="T76" fmla="*/ 7486601 w 293329"/>
+                  <a:gd name="T77" fmla="*/ 4120936 h 293332"/>
+                  <a:gd name="T78" fmla="*/ 7486601 w 293329"/>
+                  <a:gd name="T79" fmla="*/ 8752426 h 293332"/>
+                  <a:gd name="T80" fmla="*/ 2999112 w 293329"/>
+                  <a:gd name="T81" fmla="*/ 3623786 h 293332"/>
+                  <a:gd name="T82" fmla="*/ 8646767 w 293329"/>
+                  <a:gd name="T83" fmla="*/ 1554601 h 293332"/>
+                  <a:gd name="T84" fmla="*/ 10330586 w 293329"/>
+                  <a:gd name="T85" fmla="*/ 2789136 h 293332"/>
+                  <a:gd name="T86" fmla="*/ 10213098 w 293329"/>
+                  <a:gd name="T87" fmla="*/ 1333651 h 293332"/>
+                  <a:gd name="T88" fmla="*/ 10656909 w 293329"/>
+                  <a:gd name="T89" fmla="*/ 2945074 h 293332"/>
+                  <a:gd name="T90" fmla="*/ 8189923 w 293329"/>
+                  <a:gd name="T91" fmla="*/ 2945074 h 293332"/>
+                  <a:gd name="T92" fmla="*/ 8633732 w 293329"/>
+                  <a:gd name="T93" fmla="*/ 1333651 h 293332"/>
+                  <a:gd name="T94" fmla="*/ 313320 w 293329"/>
+                  <a:gd name="T95" fmla="*/ 1957394 h 293332"/>
+                  <a:gd name="T96" fmla="*/ 2153785 w 293329"/>
+                  <a:gd name="T97" fmla="*/ 1957394 h 293332"/>
+                  <a:gd name="T98" fmla="*/ 2245154 w 293329"/>
+                  <a:gd name="T99" fmla="*/ 1346649 h 293332"/>
+                  <a:gd name="T100" fmla="*/ 2310348 w 293329"/>
+                  <a:gd name="T101" fmla="*/ 3101058 h 293332"/>
+                  <a:gd name="T102" fmla="*/ 0 w 293329"/>
+                  <a:gd name="T103" fmla="*/ 1957394 h 293332"/>
+                  <a:gd name="T104" fmla="*/ 9388267 w 293329"/>
+                  <a:gd name="T105" fmla="*/ 307485 h 293332"/>
+                  <a:gd name="T106" fmla="*/ 9759991 w 293329"/>
+                  <a:gd name="T107" fmla="*/ 679246 h 293332"/>
+                  <a:gd name="T108" fmla="*/ 826690 w 293329"/>
+                  <a:gd name="T109" fmla="*/ 679246 h 293332"/>
+                  <a:gd name="T110" fmla="*/ 1198367 w 293329"/>
+                  <a:gd name="T111" fmla="*/ 307485 h 293332"/>
+                  <a:gd name="T112" fmla="*/ 8022361 w 293329"/>
+                  <a:gd name="T113" fmla="*/ 1208071 h 293332"/>
+                  <a:gd name="T114" fmla="*/ 2720558 w 293329"/>
+                  <a:gd name="T115" fmla="*/ 1286932 h 293332"/>
+                  <a:gd name="T116" fmla="*/ 5293109 w 293329"/>
+                  <a:gd name="T117" fmla="*/ 246183 h 293332"/>
+                  <a:gd name="T118" fmla="*/ 9388267 w 293329"/>
+                  <a:gd name="T119" fmla="*/ 1371250 h 293332"/>
+                  <a:gd name="T120" fmla="*/ 1198367 w 293329"/>
+                  <a:gd name="T121" fmla="*/ 0 h 293332"/>
+                  <a:gd name="T122" fmla="*/ 519153 w 293329"/>
+                  <a:gd name="T123" fmla="*/ 679246 h 293332"/>
+                  <a:gd name="T124" fmla="*/ 0 60000 65536"/>
+                  <a:gd name="T125" fmla="*/ 0 60000 65536"/>
+                  <a:gd name="T126" fmla="*/ 0 60000 65536"/>
+                  <a:gd name="T127" fmla="*/ 0 60000 65536"/>
+                  <a:gd name="T128" fmla="*/ 0 60000 65536"/>
+                  <a:gd name="T129" fmla="*/ 0 60000 65536"/>
+                  <a:gd name="T130" fmla="*/ 0 60000 65536"/>
+                  <a:gd name="T131" fmla="*/ 0 60000 65536"/>
+                  <a:gd name="T132" fmla="*/ 0 60000 65536"/>
+                  <a:gd name="T133" fmla="*/ 0 60000 65536"/>
+                  <a:gd name="T134" fmla="*/ 0 60000 65536"/>
+                  <a:gd name="T135" fmla="*/ 0 60000 65536"/>
+                  <a:gd name="T136" fmla="*/ 0 60000 65536"/>
+                  <a:gd name="T137" fmla="*/ 0 60000 65536"/>
+                  <a:gd name="T138" fmla="*/ 0 60000 65536"/>
+                  <a:gd name="T139" fmla="*/ 0 60000 65536"/>
+                  <a:gd name="T140" fmla="*/ 0 60000 65536"/>
+                  <a:gd name="T141" fmla="*/ 0 60000 65536"/>
+                  <a:gd name="T142" fmla="*/ 0 60000 65536"/>
+                  <a:gd name="T143" fmla="*/ 0 60000 65536"/>
+                  <a:gd name="T144" fmla="*/ 0 60000 65536"/>
+                  <a:gd name="T145" fmla="*/ 0 60000 65536"/>
+                  <a:gd name="T146" fmla="*/ 0 60000 65536"/>
+                  <a:gd name="T147" fmla="*/ 0 60000 65536"/>
+                  <a:gd name="T148" fmla="*/ 0 60000 65536"/>
+                  <a:gd name="T149" fmla="*/ 0 60000 65536"/>
+                  <a:gd name="T150" fmla="*/ 0 60000 65536"/>
+                  <a:gd name="T151" fmla="*/ 0 60000 65536"/>
+                  <a:gd name="T152" fmla="*/ 0 60000 65536"/>
+                  <a:gd name="T153" fmla="*/ 0 60000 65536"/>
+                  <a:gd name="T154" fmla="*/ 0 60000 65536"/>
+                  <a:gd name="T155" fmla="*/ 0 60000 65536"/>
+                  <a:gd name="T156" fmla="*/ 0 60000 65536"/>
+                  <a:gd name="T157" fmla="*/ 0 60000 65536"/>
+                  <a:gd name="T158" fmla="*/ 0 60000 65536"/>
+                  <a:gd name="T159" fmla="*/ 0 60000 65536"/>
+                  <a:gd name="T160" fmla="*/ 0 60000 65536"/>
+                  <a:gd name="T161" fmla="*/ 0 60000 65536"/>
+                  <a:gd name="T162" fmla="*/ 0 60000 65536"/>
+                  <a:gd name="T163" fmla="*/ 0 60000 65536"/>
+                  <a:gd name="T164" fmla="*/ 0 60000 65536"/>
+                  <a:gd name="T165" fmla="*/ 0 60000 65536"/>
+                  <a:gd name="T166" fmla="*/ 0 60000 65536"/>
+                  <a:gd name="T167" fmla="*/ 0 60000 65536"/>
+                  <a:gd name="T168" fmla="*/ 0 60000 65536"/>
+                  <a:gd name="T169" fmla="*/ 0 60000 65536"/>
+                  <a:gd name="T170" fmla="*/ 0 60000 65536"/>
+                  <a:gd name="T171" fmla="*/ 0 60000 65536"/>
+                  <a:gd name="T172" fmla="*/ 0 60000 65536"/>
+                  <a:gd name="T173" fmla="*/ 0 60000 65536"/>
+                  <a:gd name="T174" fmla="*/ 0 60000 65536"/>
+                  <a:gd name="T175" fmla="*/ 0 60000 65536"/>
+                  <a:gd name="T176" fmla="*/ 0 60000 65536"/>
+                  <a:gd name="T177" fmla="*/ 0 60000 65536"/>
+                  <a:gd name="T178" fmla="*/ 0 60000 65536"/>
+                  <a:gd name="T179" fmla="*/ 0 60000 65536"/>
+                  <a:gd name="T180" fmla="*/ 0 60000 65536"/>
+                  <a:gd name="T181" fmla="*/ 0 60000 65536"/>
+                  <a:gd name="T182" fmla="*/ 0 60000 65536"/>
+                  <a:gd name="T183" fmla="*/ 0 60000 65536"/>
+                  <a:gd name="T184" fmla="*/ 0 60000 65536"/>
+                  <a:gd name="T185" fmla="*/ 0 60000 65536"/>
+                </a:gdLst>
+                <a:ahLst/>
+                <a:cxnLst>
+                  <a:cxn ang="T124">
+                    <a:pos x="T0" y="T1"/>
+                  </a:cxn>
+                  <a:cxn ang="T125">
+                    <a:pos x="T2" y="T3"/>
+                  </a:cxn>
+                  <a:cxn ang="T126">
+                    <a:pos x="T4" y="T5"/>
+                  </a:cxn>
+                  <a:cxn ang="T127">
+                    <a:pos x="T6" y="T7"/>
+                  </a:cxn>
+                  <a:cxn ang="T128">
+                    <a:pos x="T8" y="T9"/>
+                  </a:cxn>
+                  <a:cxn ang="T129">
+                    <a:pos x="T10" y="T11"/>
+                  </a:cxn>
+                  <a:cxn ang="T130">
+                    <a:pos x="T12" y="T13"/>
+                  </a:cxn>
+                  <a:cxn ang="T131">
+                    <a:pos x="T14" y="T15"/>
+                  </a:cxn>
+                  <a:cxn ang="T132">
+                    <a:pos x="T16" y="T17"/>
+                  </a:cxn>
+                  <a:cxn ang="T133">
+                    <a:pos x="T18" y="T19"/>
+                  </a:cxn>
+                  <a:cxn ang="T134">
+                    <a:pos x="T20" y="T21"/>
+                  </a:cxn>
+                  <a:cxn ang="T135">
+                    <a:pos x="T22" y="T23"/>
+                  </a:cxn>
+                  <a:cxn ang="T136">
+                    <a:pos x="T24" y="T25"/>
+                  </a:cxn>
+                  <a:cxn ang="T137">
+                    <a:pos x="T26" y="T27"/>
+                  </a:cxn>
+                  <a:cxn ang="T138">
+                    <a:pos x="T28" y="T29"/>
+                  </a:cxn>
+                  <a:cxn ang="T139">
+                    <a:pos x="T30" y="T31"/>
+                  </a:cxn>
+                  <a:cxn ang="T140">
+                    <a:pos x="T32" y="T33"/>
+                  </a:cxn>
+                  <a:cxn ang="T141">
+                    <a:pos x="T34" y="T35"/>
+                  </a:cxn>
+                  <a:cxn ang="T142">
+                    <a:pos x="T36" y="T37"/>
+                  </a:cxn>
+                  <a:cxn ang="T143">
+                    <a:pos x="T38" y="T39"/>
+                  </a:cxn>
+                  <a:cxn ang="T144">
+                    <a:pos x="T40" y="T41"/>
+                  </a:cxn>
+                  <a:cxn ang="T145">
+                    <a:pos x="T42" y="T43"/>
+                  </a:cxn>
+                  <a:cxn ang="T146">
+                    <a:pos x="T44" y="T45"/>
+                  </a:cxn>
+                  <a:cxn ang="T147">
+                    <a:pos x="T46" y="T47"/>
+                  </a:cxn>
+                  <a:cxn ang="T148">
+                    <a:pos x="T48" y="T49"/>
+                  </a:cxn>
+                  <a:cxn ang="T149">
+                    <a:pos x="T50" y="T51"/>
+                  </a:cxn>
+                  <a:cxn ang="T150">
+                    <a:pos x="T52" y="T53"/>
+                  </a:cxn>
+                  <a:cxn ang="T151">
+                    <a:pos x="T54" y="T55"/>
+                  </a:cxn>
+                  <a:cxn ang="T152">
+                    <a:pos x="T56" y="T57"/>
+                  </a:cxn>
+                  <a:cxn ang="T153">
+                    <a:pos x="T58" y="T59"/>
+                  </a:cxn>
+                  <a:cxn ang="T154">
+                    <a:pos x="T60" y="T61"/>
+                  </a:cxn>
+                  <a:cxn ang="T155">
+                    <a:pos x="T62" y="T63"/>
+                  </a:cxn>
+                  <a:cxn ang="T156">
+                    <a:pos x="T64" y="T65"/>
+                  </a:cxn>
+                  <a:cxn ang="T157">
+                    <a:pos x="T66" y="T67"/>
+                  </a:cxn>
+                  <a:cxn ang="T158">
+                    <a:pos x="T68" y="T69"/>
+                  </a:cxn>
+                  <a:cxn ang="T159">
+                    <a:pos x="T70" y="T71"/>
+                  </a:cxn>
+                  <a:cxn ang="T160">
+                    <a:pos x="T72" y="T73"/>
+                  </a:cxn>
+                  <a:cxn ang="T161">
+                    <a:pos x="T74" y="T75"/>
+                  </a:cxn>
+                  <a:cxn ang="T162">
+                    <a:pos x="T76" y="T77"/>
+                  </a:cxn>
+                  <a:cxn ang="T163">
+                    <a:pos x="T78" y="T79"/>
+                  </a:cxn>
+                  <a:cxn ang="T164">
+                    <a:pos x="T80" y="T81"/>
+                  </a:cxn>
+                  <a:cxn ang="T165">
+                    <a:pos x="T82" y="T83"/>
+                  </a:cxn>
+                  <a:cxn ang="T166">
+                    <a:pos x="T84" y="T85"/>
+                  </a:cxn>
+                  <a:cxn ang="T167">
+                    <a:pos x="T86" y="T87"/>
+                  </a:cxn>
+                  <a:cxn ang="T168">
+                    <a:pos x="T88" y="T89"/>
+                  </a:cxn>
+                  <a:cxn ang="T169">
+                    <a:pos x="T90" y="T91"/>
+                  </a:cxn>
+                  <a:cxn ang="T170">
+                    <a:pos x="T92" y="T93"/>
+                  </a:cxn>
+                  <a:cxn ang="T171">
+                    <a:pos x="T94" y="T95"/>
+                  </a:cxn>
+                  <a:cxn ang="T172">
+                    <a:pos x="T96" y="T97"/>
+                  </a:cxn>
+                  <a:cxn ang="T173">
+                    <a:pos x="T98" y="T99"/>
+                  </a:cxn>
+                  <a:cxn ang="T174">
+                    <a:pos x="T100" y="T101"/>
+                  </a:cxn>
+                  <a:cxn ang="T175">
+                    <a:pos x="T102" y="T103"/>
+                  </a:cxn>
+                  <a:cxn ang="T176">
+                    <a:pos x="T104" y="T105"/>
+                  </a:cxn>
+                  <a:cxn ang="T177">
+                    <a:pos x="T106" y="T107"/>
+                  </a:cxn>
+                  <a:cxn ang="T178">
+                    <a:pos x="T108" y="T109"/>
+                  </a:cxn>
+                  <a:cxn ang="T179">
+                    <a:pos x="T110" y="T111"/>
+                  </a:cxn>
+                  <a:cxn ang="T180">
+                    <a:pos x="T112" y="T113"/>
+                  </a:cxn>
+                  <a:cxn ang="T181">
+                    <a:pos x="T114" y="T115"/>
+                  </a:cxn>
+                  <a:cxn ang="T182">
+                    <a:pos x="T116" y="T117"/>
+                  </a:cxn>
+                  <a:cxn ang="T183">
+                    <a:pos x="T118" y="T119"/>
+                  </a:cxn>
+                  <a:cxn ang="T184">
+                    <a:pos x="T120" y="T121"/>
+                  </a:cxn>
+                  <a:cxn ang="T185">
+                    <a:pos x="T122" y="T123"/>
+                  </a:cxn>
+                </a:cxnLst>
+                <a:rect l="0" t="0" r="r" b="b"/>
+                <a:pathLst>
+                  <a:path w="293329" h="293332">
+                    <a:moveTo>
+                      <a:pt x="208355" y="263416"/>
+                    </a:moveTo>
+                    <a:cubicBezTo>
+                      <a:pt x="210511" y="261937"/>
+                      <a:pt x="213385" y="262677"/>
+                      <a:pt x="214822" y="264895"/>
+                    </a:cubicBezTo>
+                    <a:cubicBezTo>
+                      <a:pt x="215541" y="267483"/>
+                      <a:pt x="214822" y="270071"/>
+                      <a:pt x="212667" y="271180"/>
+                    </a:cubicBezTo>
+                    <a:cubicBezTo>
+                      <a:pt x="192188" y="282640"/>
+                      <a:pt x="169194" y="288556"/>
+                      <a:pt x="146201" y="288556"/>
+                    </a:cubicBezTo>
+                    <a:cubicBezTo>
+                      <a:pt x="124284" y="288556"/>
+                      <a:pt x="102728" y="283010"/>
+                      <a:pt x="82608" y="272659"/>
+                    </a:cubicBezTo>
+                    <a:cubicBezTo>
+                      <a:pt x="80093" y="271549"/>
+                      <a:pt x="79375" y="268592"/>
+                      <a:pt x="80812" y="266374"/>
+                    </a:cubicBezTo>
+                    <a:cubicBezTo>
+                      <a:pt x="81530" y="264155"/>
+                      <a:pt x="84405" y="263416"/>
+                      <a:pt x="86560" y="264525"/>
+                    </a:cubicBezTo>
+                    <a:cubicBezTo>
+                      <a:pt x="125003" y="284859"/>
+                      <a:pt x="170631" y="284119"/>
+                      <a:pt x="208355" y="263416"/>
+                    </a:cubicBezTo>
+                    <a:close/>
+                    <a:moveTo>
+                      <a:pt x="237641" y="244663"/>
+                    </a:moveTo>
+                    <a:cubicBezTo>
+                      <a:pt x="239437" y="246084"/>
+                      <a:pt x="239796" y="248926"/>
+                      <a:pt x="238000" y="250703"/>
+                    </a:cubicBezTo>
+                    <a:cubicBezTo>
+                      <a:pt x="235485" y="253900"/>
+                      <a:pt x="234048" y="257808"/>
+                      <a:pt x="234048" y="261715"/>
+                    </a:cubicBezTo>
+                    <a:lnTo>
+                      <a:pt x="234048" y="284451"/>
+                    </a:lnTo>
+                    <a:lnTo>
+                      <a:pt x="284347" y="284451"/>
+                    </a:lnTo>
+                    <a:lnTo>
+                      <a:pt x="284347" y="261715"/>
+                    </a:lnTo>
+                    <a:cubicBezTo>
+                      <a:pt x="284347" y="257808"/>
+                      <a:pt x="283269" y="253900"/>
+                      <a:pt x="280395" y="250703"/>
+                    </a:cubicBezTo>
+                    <a:cubicBezTo>
+                      <a:pt x="278958" y="248926"/>
+                      <a:pt x="278958" y="246084"/>
+                      <a:pt x="281113" y="244663"/>
+                    </a:cubicBezTo>
+                    <a:cubicBezTo>
+                      <a:pt x="282910" y="242887"/>
+                      <a:pt x="285784" y="243242"/>
+                      <a:pt x="287221" y="245019"/>
+                    </a:cubicBezTo>
+                    <a:cubicBezTo>
+                      <a:pt x="291173" y="249992"/>
+                      <a:pt x="293329" y="255676"/>
+                      <a:pt x="293329" y="261715"/>
+                    </a:cubicBezTo>
+                    <a:lnTo>
+                      <a:pt x="293329" y="289069"/>
+                    </a:lnTo>
+                    <a:cubicBezTo>
+                      <a:pt x="293329" y="291201"/>
+                      <a:pt x="291533" y="293332"/>
+                      <a:pt x="288658" y="293332"/>
+                    </a:cubicBezTo>
+                    <a:lnTo>
+                      <a:pt x="229737" y="293332"/>
+                    </a:lnTo>
+                    <a:cubicBezTo>
+                      <a:pt x="227222" y="293332"/>
+                      <a:pt x="225425" y="291201"/>
+                      <a:pt x="225425" y="289069"/>
+                    </a:cubicBezTo>
+                    <a:lnTo>
+                      <a:pt x="225425" y="261715"/>
+                    </a:lnTo>
+                    <a:cubicBezTo>
+                      <a:pt x="225425" y="255676"/>
+                      <a:pt x="227222" y="249992"/>
+                      <a:pt x="231174" y="245019"/>
+                    </a:cubicBezTo>
+                    <a:cubicBezTo>
+                      <a:pt x="232611" y="243242"/>
+                      <a:pt x="235844" y="242887"/>
+                      <a:pt x="237641" y="244663"/>
+                    </a:cubicBezTo>
+                    <a:close/>
+                    <a:moveTo>
+                      <a:pt x="12215" y="244663"/>
+                    </a:moveTo>
+                    <a:cubicBezTo>
+                      <a:pt x="14012" y="246084"/>
+                      <a:pt x="14371" y="248926"/>
+                      <a:pt x="12575" y="250703"/>
+                    </a:cubicBezTo>
+                    <a:cubicBezTo>
+                      <a:pt x="10419" y="253900"/>
+                      <a:pt x="8622" y="257808"/>
+                      <a:pt x="8622" y="261715"/>
+                    </a:cubicBezTo>
+                    <a:lnTo>
+                      <a:pt x="8622" y="284451"/>
+                    </a:lnTo>
+                    <a:lnTo>
+                      <a:pt x="59281" y="284451"/>
+                    </a:lnTo>
+                    <a:lnTo>
+                      <a:pt x="59281" y="261715"/>
+                    </a:lnTo>
+                    <a:cubicBezTo>
+                      <a:pt x="59281" y="257808"/>
+                      <a:pt x="57844" y="253900"/>
+                      <a:pt x="54969" y="250703"/>
+                    </a:cubicBezTo>
+                    <a:cubicBezTo>
+                      <a:pt x="53532" y="248926"/>
+                      <a:pt x="53892" y="246084"/>
+                      <a:pt x="55688" y="244663"/>
+                    </a:cubicBezTo>
+                    <a:cubicBezTo>
+                      <a:pt x="57844" y="242887"/>
+                      <a:pt x="60359" y="243242"/>
+                      <a:pt x="61796" y="245019"/>
+                    </a:cubicBezTo>
+                    <a:cubicBezTo>
+                      <a:pt x="65748" y="249992"/>
+                      <a:pt x="67903" y="255676"/>
+                      <a:pt x="67903" y="261715"/>
+                    </a:cubicBezTo>
+                    <a:lnTo>
+                      <a:pt x="67903" y="289069"/>
+                    </a:lnTo>
+                    <a:cubicBezTo>
+                      <a:pt x="67903" y="291201"/>
+                      <a:pt x="65748" y="293332"/>
+                      <a:pt x="63592" y="293332"/>
+                    </a:cubicBezTo>
+                    <a:lnTo>
+                      <a:pt x="4311" y="293332"/>
+                    </a:lnTo>
+                    <a:cubicBezTo>
+                      <a:pt x="1796" y="293332"/>
+                      <a:pt x="0" y="291201"/>
+                      <a:pt x="0" y="289069"/>
+                    </a:cubicBezTo>
+                    <a:lnTo>
+                      <a:pt x="0" y="261715"/>
+                    </a:lnTo>
+                    <a:cubicBezTo>
+                      <a:pt x="0" y="255676"/>
+                      <a:pt x="1796" y="249992"/>
+                      <a:pt x="6107" y="245019"/>
+                    </a:cubicBezTo>
+                    <a:cubicBezTo>
+                      <a:pt x="7545" y="243242"/>
+                      <a:pt x="10419" y="242887"/>
+                      <a:pt x="12215" y="244663"/>
+                    </a:cubicBezTo>
+                    <a:close/>
+                    <a:moveTo>
+                      <a:pt x="258410" y="216782"/>
+                    </a:moveTo>
+                    <a:cubicBezTo>
+                      <a:pt x="252766" y="216782"/>
+                      <a:pt x="248180" y="221368"/>
+                      <a:pt x="248180" y="226659"/>
+                    </a:cubicBezTo>
+                    <a:cubicBezTo>
+                      <a:pt x="248180" y="232304"/>
+                      <a:pt x="252766" y="236890"/>
+                      <a:pt x="258410" y="236890"/>
+                    </a:cubicBezTo>
+                    <a:cubicBezTo>
+                      <a:pt x="264055" y="236890"/>
+                      <a:pt x="268641" y="232304"/>
+                      <a:pt x="268641" y="226659"/>
+                    </a:cubicBezTo>
+                    <a:cubicBezTo>
+                      <a:pt x="268641" y="221368"/>
+                      <a:pt x="264055" y="216782"/>
+                      <a:pt x="258410" y="216782"/>
+                    </a:cubicBezTo>
+                    <a:close/>
+                    <a:moveTo>
+                      <a:pt x="32985" y="216782"/>
+                    </a:moveTo>
+                    <a:cubicBezTo>
+                      <a:pt x="27341" y="216782"/>
+                      <a:pt x="22754" y="221368"/>
+                      <a:pt x="22754" y="226659"/>
+                    </a:cubicBezTo>
+                    <a:cubicBezTo>
+                      <a:pt x="22754" y="232304"/>
+                      <a:pt x="27341" y="236890"/>
+                      <a:pt x="32985" y="236890"/>
+                    </a:cubicBezTo>
+                    <a:cubicBezTo>
+                      <a:pt x="38629" y="236890"/>
+                      <a:pt x="43216" y="232304"/>
+                      <a:pt x="43216" y="226659"/>
+                    </a:cubicBezTo>
+                    <a:cubicBezTo>
+                      <a:pt x="43216" y="221368"/>
+                      <a:pt x="38629" y="216782"/>
+                      <a:pt x="32985" y="216782"/>
+                    </a:cubicBezTo>
+                    <a:close/>
+                    <a:moveTo>
+                      <a:pt x="258410" y="207962"/>
+                    </a:moveTo>
+                    <a:cubicBezTo>
+                      <a:pt x="268994" y="207962"/>
+                      <a:pt x="277460" y="216429"/>
+                      <a:pt x="277460" y="226659"/>
+                    </a:cubicBezTo>
+                    <a:cubicBezTo>
+                      <a:pt x="277460" y="237243"/>
+                      <a:pt x="268994" y="245709"/>
+                      <a:pt x="258410" y="245709"/>
+                    </a:cubicBezTo>
+                    <a:cubicBezTo>
+                      <a:pt x="248180" y="245709"/>
+                      <a:pt x="239713" y="237243"/>
+                      <a:pt x="239713" y="226659"/>
+                    </a:cubicBezTo>
+                    <a:cubicBezTo>
+                      <a:pt x="239713" y="216429"/>
+                      <a:pt x="248180" y="207962"/>
+                      <a:pt x="258410" y="207962"/>
+                    </a:cubicBezTo>
+                    <a:close/>
+                    <a:moveTo>
+                      <a:pt x="32985" y="207962"/>
+                    </a:moveTo>
+                    <a:cubicBezTo>
+                      <a:pt x="43568" y="207962"/>
+                      <a:pt x="52035" y="216429"/>
+                      <a:pt x="52035" y="226659"/>
+                    </a:cubicBezTo>
+                    <a:cubicBezTo>
+                      <a:pt x="52035" y="237243"/>
+                      <a:pt x="43568" y="245709"/>
+                      <a:pt x="32985" y="245709"/>
+                    </a:cubicBezTo>
+                    <a:cubicBezTo>
+                      <a:pt x="22754" y="245709"/>
+                      <a:pt x="14288" y="237243"/>
+                      <a:pt x="14288" y="226659"/>
+                    </a:cubicBezTo>
+                    <a:cubicBezTo>
+                      <a:pt x="14288" y="216429"/>
+                      <a:pt x="22754" y="207962"/>
+                      <a:pt x="32985" y="207962"/>
+                    </a:cubicBezTo>
+                    <a:close/>
+                    <a:moveTo>
+                      <a:pt x="141209" y="184150"/>
+                    </a:moveTo>
+                    <a:lnTo>
+                      <a:pt x="182642" y="184150"/>
+                    </a:lnTo>
+                    <a:cubicBezTo>
+                      <a:pt x="185164" y="184150"/>
+                      <a:pt x="186965" y="186348"/>
+                      <a:pt x="186965" y="188913"/>
+                    </a:cubicBezTo>
+                    <a:cubicBezTo>
+                      <a:pt x="186965" y="191477"/>
+                      <a:pt x="185164" y="193309"/>
+                      <a:pt x="182642" y="193309"/>
+                    </a:cubicBezTo>
+                    <a:lnTo>
+                      <a:pt x="141209" y="193309"/>
+                    </a:lnTo>
+                    <a:cubicBezTo>
+                      <a:pt x="138687" y="193309"/>
+                      <a:pt x="136525" y="191477"/>
+                      <a:pt x="136525" y="188913"/>
+                    </a:cubicBezTo>
+                    <a:cubicBezTo>
+                      <a:pt x="136525" y="186348"/>
+                      <a:pt x="138687" y="184150"/>
+                      <a:pt x="141209" y="184150"/>
+                    </a:cubicBezTo>
+                    <a:close/>
+                    <a:moveTo>
+                      <a:pt x="141209" y="153987"/>
+                    </a:moveTo>
+                    <a:lnTo>
+                      <a:pt x="182642" y="153987"/>
+                    </a:lnTo>
+                    <a:cubicBezTo>
+                      <a:pt x="185164" y="153987"/>
+                      <a:pt x="186965" y="155818"/>
+                      <a:pt x="186965" y="158383"/>
+                    </a:cubicBezTo>
+                    <a:cubicBezTo>
+                      <a:pt x="186965" y="160947"/>
+                      <a:pt x="185164" y="163145"/>
+                      <a:pt x="182642" y="163145"/>
+                    </a:cubicBezTo>
+                    <a:lnTo>
+                      <a:pt x="141209" y="163145"/>
+                    </a:lnTo>
+                    <a:cubicBezTo>
+                      <a:pt x="138687" y="163145"/>
+                      <a:pt x="136525" y="160947"/>
+                      <a:pt x="136525" y="158383"/>
+                    </a:cubicBezTo>
+                    <a:cubicBezTo>
+                      <a:pt x="136525" y="155818"/>
+                      <a:pt x="138687" y="153987"/>
+                      <a:pt x="141209" y="153987"/>
+                    </a:cubicBezTo>
+                    <a:close/>
+                    <a:moveTo>
+                      <a:pt x="120945" y="122087"/>
+                    </a:moveTo>
+                    <a:lnTo>
+                      <a:pt x="120945" y="231936"/>
+                    </a:lnTo>
+                    <a:lnTo>
+                      <a:pt x="201721" y="231936"/>
+                    </a:lnTo>
+                    <a:lnTo>
+                      <a:pt x="201721" y="122087"/>
+                    </a:lnTo>
+                    <a:lnTo>
+                      <a:pt x="120945" y="122087"/>
+                    </a:lnTo>
+                    <a:close/>
+                    <a:moveTo>
+                      <a:pt x="91243" y="117765"/>
+                    </a:moveTo>
+                    <a:lnTo>
+                      <a:pt x="91243" y="218610"/>
+                    </a:lnTo>
+                    <a:cubicBezTo>
+                      <a:pt x="91243" y="225813"/>
+                      <a:pt x="97401" y="231936"/>
+                      <a:pt x="104645" y="231936"/>
+                    </a:cubicBezTo>
+                    <a:lnTo>
+                      <a:pt x="112252" y="231936"/>
+                    </a:lnTo>
+                    <a:lnTo>
+                      <a:pt x="112252" y="122087"/>
+                    </a:lnTo>
+                    <a:lnTo>
+                      <a:pt x="104645" y="122087"/>
+                    </a:lnTo>
+                    <a:cubicBezTo>
+                      <a:pt x="99574" y="122087"/>
+                      <a:pt x="94865" y="120286"/>
+                      <a:pt x="91243" y="117765"/>
+                    </a:cubicBezTo>
+                    <a:close/>
+                    <a:moveTo>
+                      <a:pt x="274150" y="97555"/>
+                    </a:moveTo>
+                    <a:cubicBezTo>
+                      <a:pt x="276714" y="96837"/>
+                      <a:pt x="279278" y="98274"/>
+                      <a:pt x="280011" y="100430"/>
+                    </a:cubicBezTo>
+                    <a:cubicBezTo>
+                      <a:pt x="291734" y="132770"/>
+                      <a:pt x="291001" y="168344"/>
+                      <a:pt x="277813" y="199966"/>
+                    </a:cubicBezTo>
+                    <a:cubicBezTo>
+                      <a:pt x="277080" y="201763"/>
+                      <a:pt x="275249" y="202841"/>
+                      <a:pt x="273783" y="202841"/>
+                    </a:cubicBezTo>
+                    <a:cubicBezTo>
+                      <a:pt x="273051" y="202841"/>
+                      <a:pt x="272684" y="202841"/>
+                      <a:pt x="271952" y="202482"/>
+                    </a:cubicBezTo>
+                    <a:cubicBezTo>
+                      <a:pt x="269387" y="201404"/>
+                      <a:pt x="268288" y="198888"/>
+                      <a:pt x="269387" y="196732"/>
+                    </a:cubicBezTo>
+                    <a:cubicBezTo>
+                      <a:pt x="281843" y="166907"/>
+                      <a:pt x="282209" y="133848"/>
+                      <a:pt x="271585" y="103305"/>
+                    </a:cubicBezTo>
+                    <a:cubicBezTo>
+                      <a:pt x="270853" y="101149"/>
+                      <a:pt x="271952" y="98633"/>
+                      <a:pt x="274150" y="97555"/>
+                    </a:cubicBezTo>
+                    <a:close/>
+                    <a:moveTo>
+                      <a:pt x="20584" y="95972"/>
+                    </a:moveTo>
+                    <a:cubicBezTo>
+                      <a:pt x="22807" y="96695"/>
+                      <a:pt x="24289" y="99224"/>
+                      <a:pt x="23177" y="101753"/>
+                    </a:cubicBezTo>
+                    <a:cubicBezTo>
+                      <a:pt x="12435" y="131379"/>
+                      <a:pt x="12806" y="164257"/>
+                      <a:pt x="24289" y="193883"/>
+                    </a:cubicBezTo>
+                    <a:cubicBezTo>
+                      <a:pt x="25029" y="196051"/>
+                      <a:pt x="23918" y="198580"/>
+                      <a:pt x="21696" y="199664"/>
+                    </a:cubicBezTo>
+                    <a:cubicBezTo>
+                      <a:pt x="20955" y="199664"/>
+                      <a:pt x="20584" y="199664"/>
+                      <a:pt x="19844" y="199664"/>
+                    </a:cubicBezTo>
+                    <a:cubicBezTo>
+                      <a:pt x="17991" y="199664"/>
+                      <a:pt x="16510" y="198580"/>
+                      <a:pt x="15769" y="197135"/>
+                    </a:cubicBezTo>
+                    <a:cubicBezTo>
+                      <a:pt x="3545" y="165341"/>
+                      <a:pt x="3175" y="130656"/>
+                      <a:pt x="14658" y="98863"/>
+                    </a:cubicBezTo>
+                    <a:cubicBezTo>
+                      <a:pt x="15399" y="96334"/>
+                      <a:pt x="17991" y="95250"/>
+                      <a:pt x="20584" y="95972"/>
+                    </a:cubicBezTo>
+                    <a:close/>
+                    <a:moveTo>
+                      <a:pt x="104645" y="86431"/>
+                    </a:moveTo>
+                    <a:cubicBezTo>
+                      <a:pt x="97401" y="86431"/>
+                      <a:pt x="91243" y="92553"/>
+                      <a:pt x="91243" y="99757"/>
+                    </a:cubicBezTo>
+                    <a:cubicBezTo>
+                      <a:pt x="91243" y="107320"/>
+                      <a:pt x="97401" y="113443"/>
+                      <a:pt x="104645" y="113443"/>
+                    </a:cubicBezTo>
+                    <a:lnTo>
+                      <a:pt x="192665" y="113443"/>
+                    </a:lnTo>
+                    <a:cubicBezTo>
+                      <a:pt x="189405" y="104799"/>
+                      <a:pt x="189405" y="95435"/>
+                      <a:pt x="192665" y="86431"/>
+                    </a:cubicBezTo>
+                    <a:lnTo>
+                      <a:pt x="104645" y="86431"/>
+                    </a:lnTo>
+                    <a:close/>
+                    <a:moveTo>
+                      <a:pt x="104645" y="77787"/>
+                    </a:moveTo>
+                    <a:lnTo>
+                      <a:pt x="206067" y="77787"/>
+                    </a:lnTo>
+                    <a:cubicBezTo>
+                      <a:pt x="208603" y="77787"/>
+                      <a:pt x="210776" y="79948"/>
+                      <a:pt x="210776" y="82109"/>
+                    </a:cubicBezTo>
+                    <a:cubicBezTo>
+                      <a:pt x="210776" y="84630"/>
+                      <a:pt x="208603" y="86431"/>
+                      <a:pt x="206067" y="86431"/>
+                    </a:cubicBezTo>
+                    <a:lnTo>
+                      <a:pt x="202807" y="86431"/>
+                    </a:lnTo>
+                    <a:cubicBezTo>
+                      <a:pt x="198098" y="95074"/>
+                      <a:pt x="198098" y="104799"/>
+                      <a:pt x="202807" y="113443"/>
+                    </a:cubicBezTo>
+                    <a:lnTo>
+                      <a:pt x="206067" y="113443"/>
+                    </a:lnTo>
+                    <a:cubicBezTo>
+                      <a:pt x="208603" y="113443"/>
+                      <a:pt x="210776" y="115243"/>
+                      <a:pt x="210776" y="117765"/>
+                    </a:cubicBezTo>
+                    <a:lnTo>
+                      <a:pt x="210776" y="236258"/>
+                    </a:lnTo>
+                    <a:cubicBezTo>
+                      <a:pt x="210776" y="238779"/>
+                      <a:pt x="208603" y="240940"/>
+                      <a:pt x="206067" y="240940"/>
+                    </a:cubicBezTo>
+                    <a:lnTo>
+                      <a:pt x="104645" y="240940"/>
+                    </a:lnTo>
+                    <a:cubicBezTo>
+                      <a:pt x="92330" y="240940"/>
+                      <a:pt x="82550" y="230856"/>
+                      <a:pt x="82550" y="218610"/>
+                    </a:cubicBezTo>
+                    <a:lnTo>
+                      <a:pt x="82550" y="99757"/>
+                    </a:lnTo>
+                    <a:cubicBezTo>
+                      <a:pt x="82550" y="87511"/>
+                      <a:pt x="92330" y="77787"/>
+                      <a:pt x="104645" y="77787"/>
+                    </a:cubicBezTo>
+                    <a:close/>
+                    <a:moveTo>
+                      <a:pt x="237641" y="36713"/>
+                    </a:moveTo>
+                    <a:cubicBezTo>
+                      <a:pt x="239437" y="37787"/>
+                      <a:pt x="239796" y="40649"/>
+                      <a:pt x="238000" y="42795"/>
+                    </a:cubicBezTo>
+                    <a:cubicBezTo>
+                      <a:pt x="235485" y="45657"/>
+                      <a:pt x="234048" y="49950"/>
+                      <a:pt x="234048" y="53885"/>
+                    </a:cubicBezTo>
+                    <a:lnTo>
+                      <a:pt x="234048" y="76781"/>
+                    </a:lnTo>
+                    <a:lnTo>
+                      <a:pt x="284347" y="76781"/>
+                    </a:lnTo>
+                    <a:lnTo>
+                      <a:pt x="284347" y="53885"/>
+                    </a:lnTo>
+                    <a:cubicBezTo>
+                      <a:pt x="284347" y="49950"/>
+                      <a:pt x="282910" y="45657"/>
+                      <a:pt x="280395" y="42795"/>
+                    </a:cubicBezTo>
+                    <a:cubicBezTo>
+                      <a:pt x="278958" y="40649"/>
+                      <a:pt x="278958" y="37787"/>
+                      <a:pt x="281113" y="36713"/>
+                    </a:cubicBezTo>
+                    <a:cubicBezTo>
+                      <a:pt x="282910" y="34925"/>
+                      <a:pt x="285784" y="35282"/>
+                      <a:pt x="287221" y="37071"/>
+                    </a:cubicBezTo>
+                    <a:cubicBezTo>
+                      <a:pt x="291173" y="41722"/>
+                      <a:pt x="293329" y="47804"/>
+                      <a:pt x="293329" y="53885"/>
+                    </a:cubicBezTo>
+                    <a:lnTo>
+                      <a:pt x="293329" y="81074"/>
+                    </a:lnTo>
+                    <a:cubicBezTo>
+                      <a:pt x="293329" y="83578"/>
+                      <a:pt x="291533" y="85367"/>
+                      <a:pt x="288658" y="85367"/>
+                    </a:cubicBezTo>
+                    <a:lnTo>
+                      <a:pt x="229737" y="85367"/>
+                    </a:lnTo>
+                    <a:cubicBezTo>
+                      <a:pt x="227222" y="85367"/>
+                      <a:pt x="225425" y="83578"/>
+                      <a:pt x="225425" y="81074"/>
+                    </a:cubicBezTo>
+                    <a:lnTo>
+                      <a:pt x="225425" y="53885"/>
+                    </a:lnTo>
+                    <a:cubicBezTo>
+                      <a:pt x="225425" y="47804"/>
+                      <a:pt x="227222" y="41722"/>
+                      <a:pt x="231174" y="37071"/>
+                    </a:cubicBezTo>
+                    <a:cubicBezTo>
+                      <a:pt x="232970" y="35282"/>
+                      <a:pt x="235844" y="34925"/>
+                      <a:pt x="237641" y="36713"/>
+                    </a:cubicBezTo>
+                    <a:close/>
+                    <a:moveTo>
+                      <a:pt x="12215" y="36713"/>
+                    </a:moveTo>
+                    <a:cubicBezTo>
+                      <a:pt x="14012" y="37787"/>
+                      <a:pt x="14371" y="40649"/>
+                      <a:pt x="12575" y="42795"/>
+                    </a:cubicBezTo>
+                    <a:cubicBezTo>
+                      <a:pt x="10419" y="45657"/>
+                      <a:pt x="8622" y="49950"/>
+                      <a:pt x="8622" y="53885"/>
+                    </a:cubicBezTo>
+                    <a:lnTo>
+                      <a:pt x="8622" y="76781"/>
+                    </a:lnTo>
+                    <a:lnTo>
+                      <a:pt x="59281" y="76781"/>
+                    </a:lnTo>
+                    <a:lnTo>
+                      <a:pt x="59281" y="53885"/>
+                    </a:lnTo>
+                    <a:cubicBezTo>
+                      <a:pt x="59281" y="49950"/>
+                      <a:pt x="57844" y="45657"/>
+                      <a:pt x="54969" y="42795"/>
+                    </a:cubicBezTo>
+                    <a:cubicBezTo>
+                      <a:pt x="53532" y="40649"/>
+                      <a:pt x="53892" y="37787"/>
+                      <a:pt x="55688" y="36713"/>
+                    </a:cubicBezTo>
+                    <a:cubicBezTo>
+                      <a:pt x="57844" y="34925"/>
+                      <a:pt x="60359" y="35282"/>
+                      <a:pt x="61796" y="37071"/>
+                    </a:cubicBezTo>
+                    <a:cubicBezTo>
+                      <a:pt x="65748" y="41722"/>
+                      <a:pt x="67903" y="47804"/>
+                      <a:pt x="67903" y="53885"/>
+                    </a:cubicBezTo>
+                    <a:lnTo>
+                      <a:pt x="67903" y="81074"/>
+                    </a:lnTo>
+                    <a:cubicBezTo>
+                      <a:pt x="67903" y="83578"/>
+                      <a:pt x="65748" y="85367"/>
+                      <a:pt x="63592" y="85367"/>
+                    </a:cubicBezTo>
+                    <a:lnTo>
+                      <a:pt x="4311" y="85367"/>
+                    </a:lnTo>
+                    <a:cubicBezTo>
+                      <a:pt x="1796" y="85367"/>
+                      <a:pt x="0" y="83578"/>
+                      <a:pt x="0" y="81074"/>
+                    </a:cubicBezTo>
+                    <a:lnTo>
+                      <a:pt x="0" y="53885"/>
+                    </a:lnTo>
+                    <a:cubicBezTo>
+                      <a:pt x="0" y="47804"/>
+                      <a:pt x="1796" y="41722"/>
+                      <a:pt x="6107" y="37071"/>
+                    </a:cubicBezTo>
+                    <a:cubicBezTo>
+                      <a:pt x="7545" y="35282"/>
+                      <a:pt x="10419" y="34925"/>
+                      <a:pt x="12215" y="36713"/>
+                    </a:cubicBezTo>
+                    <a:close/>
+                    <a:moveTo>
+                      <a:pt x="258410" y="8466"/>
+                    </a:moveTo>
+                    <a:cubicBezTo>
+                      <a:pt x="252766" y="8466"/>
+                      <a:pt x="248180" y="13405"/>
+                      <a:pt x="248180" y="18697"/>
+                    </a:cubicBezTo>
+                    <a:cubicBezTo>
+                      <a:pt x="248180" y="24341"/>
+                      <a:pt x="252766" y="28928"/>
+                      <a:pt x="258410" y="28928"/>
+                    </a:cubicBezTo>
+                    <a:cubicBezTo>
+                      <a:pt x="264055" y="28928"/>
+                      <a:pt x="268641" y="24341"/>
+                      <a:pt x="268641" y="18697"/>
+                    </a:cubicBezTo>
+                    <a:cubicBezTo>
+                      <a:pt x="268641" y="13405"/>
+                      <a:pt x="264055" y="8466"/>
+                      <a:pt x="258410" y="8466"/>
+                    </a:cubicBezTo>
+                    <a:close/>
+                    <a:moveTo>
+                      <a:pt x="32985" y="8466"/>
+                    </a:moveTo>
+                    <a:cubicBezTo>
+                      <a:pt x="27341" y="8466"/>
+                      <a:pt x="22754" y="13405"/>
+                      <a:pt x="22754" y="18697"/>
+                    </a:cubicBezTo>
+                    <a:cubicBezTo>
+                      <a:pt x="22754" y="24341"/>
+                      <a:pt x="27341" y="28928"/>
+                      <a:pt x="32985" y="28928"/>
+                    </a:cubicBezTo>
+                    <a:cubicBezTo>
+                      <a:pt x="38629" y="28928"/>
+                      <a:pt x="43216" y="24341"/>
+                      <a:pt x="43216" y="18697"/>
+                    </a:cubicBezTo>
+                    <a:cubicBezTo>
+                      <a:pt x="43216" y="13405"/>
+                      <a:pt x="38629" y="8466"/>
+                      <a:pt x="32985" y="8466"/>
+                    </a:cubicBezTo>
+                    <a:close/>
+                    <a:moveTo>
+                      <a:pt x="145691" y="6778"/>
+                    </a:moveTo>
+                    <a:cubicBezTo>
+                      <a:pt x="171211" y="6778"/>
+                      <a:pt x="196731" y="13556"/>
+                      <a:pt x="219015" y="27113"/>
+                    </a:cubicBezTo>
+                    <a:cubicBezTo>
+                      <a:pt x="221531" y="28559"/>
+                      <a:pt x="221891" y="31089"/>
+                      <a:pt x="220813" y="33258"/>
+                    </a:cubicBezTo>
+                    <a:cubicBezTo>
+                      <a:pt x="219015" y="35427"/>
+                      <a:pt x="216499" y="36150"/>
+                      <a:pt x="214702" y="34704"/>
+                    </a:cubicBezTo>
+                    <a:cubicBezTo>
+                      <a:pt x="172648" y="9037"/>
+                      <a:pt x="118733" y="9037"/>
+                      <a:pt x="77038" y="34704"/>
+                    </a:cubicBezTo>
+                    <a:cubicBezTo>
+                      <a:pt x="76320" y="35427"/>
+                      <a:pt x="75601" y="35427"/>
+                      <a:pt x="74882" y="35427"/>
+                    </a:cubicBezTo>
+                    <a:cubicBezTo>
+                      <a:pt x="73444" y="35427"/>
+                      <a:pt x="72006" y="34704"/>
+                      <a:pt x="70928" y="33258"/>
+                    </a:cubicBezTo>
+                    <a:cubicBezTo>
+                      <a:pt x="69850" y="31089"/>
+                      <a:pt x="70209" y="28559"/>
+                      <a:pt x="72366" y="27113"/>
+                    </a:cubicBezTo>
+                    <a:cubicBezTo>
+                      <a:pt x="94651" y="13556"/>
+                      <a:pt x="120171" y="6778"/>
+                      <a:pt x="145691" y="6778"/>
+                    </a:cubicBezTo>
+                    <a:close/>
+                    <a:moveTo>
+                      <a:pt x="258410" y="0"/>
+                    </a:moveTo>
+                    <a:cubicBezTo>
+                      <a:pt x="268994" y="0"/>
+                      <a:pt x="277460" y="8466"/>
+                      <a:pt x="277460" y="18697"/>
+                    </a:cubicBezTo>
+                    <a:cubicBezTo>
+                      <a:pt x="277460" y="29280"/>
+                      <a:pt x="268994" y="37747"/>
+                      <a:pt x="258410" y="37747"/>
+                    </a:cubicBezTo>
+                    <a:cubicBezTo>
+                      <a:pt x="248180" y="37747"/>
+                      <a:pt x="239713" y="29280"/>
+                      <a:pt x="239713" y="18697"/>
+                    </a:cubicBezTo>
+                    <a:cubicBezTo>
+                      <a:pt x="239713" y="8466"/>
+                      <a:pt x="248180" y="0"/>
+                      <a:pt x="258410" y="0"/>
+                    </a:cubicBezTo>
+                    <a:close/>
+                    <a:moveTo>
+                      <a:pt x="32985" y="0"/>
+                    </a:moveTo>
+                    <a:cubicBezTo>
+                      <a:pt x="43568" y="0"/>
+                      <a:pt x="52035" y="8466"/>
+                      <a:pt x="52035" y="18697"/>
+                    </a:cubicBezTo>
+                    <a:cubicBezTo>
+                      <a:pt x="52035" y="29280"/>
+                      <a:pt x="43568" y="37747"/>
+                      <a:pt x="32985" y="37747"/>
+                    </a:cubicBezTo>
+                    <a:cubicBezTo>
+                      <a:pt x="22754" y="37747"/>
+                      <a:pt x="14288" y="29280"/>
+                      <a:pt x="14288" y="18697"/>
+                    </a:cubicBezTo>
+                    <a:cubicBezTo>
+                      <a:pt x="14288" y="8466"/>
+                      <a:pt x="22754" y="0"/>
+                      <a:pt x="32985" y="0"/>
+                    </a:cubicBezTo>
+                    <a:close/>
+                  </a:path>
+                </a:pathLst>
+              </a:custGeom>
+              <a:solidFill>
+                <a:srgbClr val="ED8B00"/>
+              </a:solidFill>
+              <a:ln>
+                <a:noFill/>
+              </a:ln>
+            </p:spPr>
+            <p:txBody>
+              <a:bodyPr anchor="ctr"/>
+              <a:lstStyle/>
+              <a:p>
+                <a:endParaRPr lang="en-US" sz="900"/>
+              </a:p>
+            </p:txBody>
+          </p:sp>
+          <p:sp>
+            <p:nvSpPr>
+              <p:cNvPr id="65" name="TextBox 64">
+                <a:extLst>
+                  <a:ext uri="{FF2B5EF4-FFF2-40B4-BE49-F238E27FC236}">
+                    <a16:creationId xmlns:a16="http://schemas.microsoft.com/office/drawing/2014/main" id="{CCDBA8E2-2E49-D3DC-8F70-3EBC50517161}"/>
+                  </a:ext>
+                </a:extLst>
+              </p:cNvPr>
+              <p:cNvSpPr txBox="1"/>
+              <p:nvPr/>
+            </p:nvSpPr>
+            <p:spPr>
+              <a:xfrm>
+                <a:off x="4974332" y="4365181"/>
+                <a:ext cx="1914319" cy="675570"/>
+              </a:xfrm>
+              <a:prstGeom prst="rect">
+                <a:avLst/>
+              </a:prstGeom>
+              <a:noFill/>
+            </p:spPr>
+            <p:txBody>
+              <a:bodyPr wrap="square" rtlCol="0">
+                <a:spAutoFit/>
+              </a:bodyPr>
+              <a:lstStyle/>
+              <a:p>
+                <a:pPr algn="ctr">
+                  <a:lnSpc>
+                    <a:spcPct val="107000"/>
+                  </a:lnSpc>
+                  <a:spcAft>
+                    <a:spcPts val="800"/>
+                  </a:spcAft>
+                </a:pPr>
+                <a:r>
+                  <a:rPr lang="en-GB" sz="1200" dirty="0">
+                    <a:solidFill>
+                      <a:schemeClr val="bg1"/>
+                    </a:solidFill>
+                    <a:latin typeface="Open Sans" panose="020B0606030504020204" pitchFamily="34" charset="0"/>
+                    <a:ea typeface="Open Sans" panose="020B0606030504020204" pitchFamily="34" charset="0"/>
+                    <a:cs typeface="Open Sans" panose="020B0606030504020204" pitchFamily="34" charset="0"/>
+                  </a:rPr>
+                  <a:t>Debt collection processes could be costing you</a:t>
+                </a:r>
+              </a:p>
+            </p:txBody>
+          </p:sp>
+        </p:grpSp>
+        <p:sp>
+          <p:nvSpPr>
+            <p:cNvPr id="69" name="TextBox 68">
+              <a:extLst>
+                <a:ext uri="{FF2B5EF4-FFF2-40B4-BE49-F238E27FC236}">
+                  <a16:creationId xmlns:a16="http://schemas.microsoft.com/office/drawing/2014/main" id="{3C634A47-D927-FE8D-6324-130A75E52781}"/>
+                </a:ext>
+              </a:extLst>
+            </p:cNvPr>
+            <p:cNvSpPr txBox="1"/>
+            <p:nvPr/>
+          </p:nvSpPr>
+          <p:spPr>
+            <a:xfrm>
+              <a:off x="7305186" y="5110103"/>
+              <a:ext cx="1891272" cy="600164"/>
+            </a:xfrm>
+            <a:prstGeom prst="rect">
+              <a:avLst/>
+            </a:prstGeom>
+            <a:noFill/>
+          </p:spPr>
+          <p:txBody>
+            <a:bodyPr wrap="square" rtlCol="0">
+              <a:spAutoFit/>
+            </a:bodyPr>
+            <a:lstStyle/>
+            <a:p>
+              <a:pPr algn="ctr"/>
+              <a:r>
+                <a:rPr lang="en-GB" sz="2400" dirty="0">
+                  <a:solidFill>
+                    <a:schemeClr val="accent2"/>
+                  </a:solidFill>
+                  <a:latin typeface="Open Sans" panose="020B0606030504020204" pitchFamily="34" charset="0"/>
+                  <a:ea typeface="Open Sans" panose="020B0606030504020204" pitchFamily="34" charset="0"/>
+                  <a:cs typeface="Open Sans" panose="020B0606030504020204" pitchFamily="34" charset="0"/>
+                </a:rPr>
+                <a:t>£</a:t>
+              </a:r>
+              <a:r>
+                <a:rPr lang="tr-TR" sz="2400" dirty="0" err="1">
+                  <a:solidFill>
+                    <a:schemeClr val="accent2"/>
+                  </a:solidFill>
+                  <a:latin typeface="Open Sans" panose="020B0606030504020204" pitchFamily="34" charset="0"/>
+                  <a:ea typeface="Open Sans" panose="020B0606030504020204" pitchFamily="34" charset="0"/>
+                  <a:cs typeface="Open Sans" panose="020B0606030504020204" pitchFamily="34" charset="0"/>
+                </a:rPr>
+                <a:t>valdcap</a:t>
+              </a:r>
+              <a:r>
+                <a:rPr lang="en-GB" sz="2400" dirty="0">
+                  <a:solidFill>
+                    <a:schemeClr val="accent2"/>
+                  </a:solidFill>
+                  <a:latin typeface="Open Sans" panose="020B0606030504020204" pitchFamily="34" charset="0"/>
+                  <a:ea typeface="Open Sans" panose="020B0606030504020204" pitchFamily="34" charset="0"/>
+                  <a:cs typeface="Open Sans" panose="020B0606030504020204" pitchFamily="34" charset="0"/>
+                </a:rPr>
+                <a:t> </a:t>
+              </a:r>
+              <a:r>
+                <a:rPr lang="en-GB" sz="900" dirty="0">
+                  <a:solidFill>
+                    <a:schemeClr val="accent2"/>
+                  </a:solidFill>
+                  <a:latin typeface="Open Sans" panose="020B0606030504020204" pitchFamily="34" charset="0"/>
+                  <a:ea typeface="Open Sans" panose="020B0606030504020204" pitchFamily="34" charset="0"/>
+                  <a:cs typeface="Open Sans" panose="020B0606030504020204" pitchFamily="34" charset="0"/>
+                </a:rPr>
+                <a:t>annually</a:t>
+              </a:r>
+            </a:p>
+          </p:txBody>
+        </p:sp>
+      </p:grpSp>
       <p:sp>
         <p:nvSpPr>
           <p:cNvPr id="71" name="Rectangle 70">
@@ -43572,146 +43593,142 @@
           </a:p>
         </p:txBody>
       </p:sp>
-      <p:sp>
-        <p:nvSpPr>
-          <p:cNvPr id="7" name="Rectangle: Rounded Corners 9">
-            <a:extLst>
-              <a:ext uri="{FF2B5EF4-FFF2-40B4-BE49-F238E27FC236}">
-                <a16:creationId xmlns:a16="http://schemas.microsoft.com/office/drawing/2014/main" id="{01805B4A-2C0D-368E-E75D-FC2CDC15A66B}"/>
-              </a:ext>
-            </a:extLst>
-          </p:cNvPr>
-          <p:cNvSpPr/>
+      <p:grpSp>
+        <p:nvGrpSpPr>
+          <p:cNvPr id="4" name="Grup 3">
+            <a:extLst>
+              <a:ext uri="{FF2B5EF4-FFF2-40B4-BE49-F238E27FC236}">
+                <a16:creationId xmlns:a16="http://schemas.microsoft.com/office/drawing/2014/main" id="{82A8FF3A-1109-D02E-6337-7F8C3FD38D82}"/>
+              </a:ext>
+            </a:extLst>
+          </p:cNvPr>
+          <p:cNvGrpSpPr/>
           <p:nvPr/>
-        </p:nvSpPr>
-        <p:spPr>
+        </p:nvGrpSpPr>
+        <p:grpSpPr>
           <a:xfrm>
-            <a:off x="736837" y="4997659"/>
-            <a:ext cx="1930036" cy="548993"/>
+            <a:off x="2516400" y="1508400"/>
+            <a:ext cx="2094684" cy="4130066"/>
+            <a:chOff x="2932830" y="1573844"/>
+            <a:chExt cx="2094684" cy="4130066"/>
           </a:xfrm>
-          <a:prstGeom prst="roundRect">
-            <a:avLst/>
-          </a:prstGeom>
-          <a:solidFill>
-            <a:schemeClr val="accent2">
-              <a:alpha val="26000"/>
-            </a:schemeClr>
-          </a:solidFill>
-          <a:ln>
+        </p:grpSpPr>
+        <p:sp>
+          <p:nvSpPr>
+            <p:cNvPr id="7" name="Rectangle: Rounded Corners 9">
+              <a:extLst>
+                <a:ext uri="{FF2B5EF4-FFF2-40B4-BE49-F238E27FC236}">
+                  <a16:creationId xmlns:a16="http://schemas.microsoft.com/office/drawing/2014/main" id="{01805B4A-2C0D-368E-E75D-FC2CDC15A66B}"/>
+                </a:ext>
+              </a:extLst>
+            </p:cNvPr>
+            <p:cNvSpPr/>
+            <p:nvPr/>
+          </p:nvSpPr>
+          <p:spPr>
+            <a:xfrm>
+              <a:off x="3034163" y="5014667"/>
+              <a:ext cx="1930036" cy="548993"/>
+            </a:xfrm>
+            <a:prstGeom prst="roundRect">
+              <a:avLst/>
+            </a:prstGeom>
             <a:solidFill>
+              <a:schemeClr val="accent2">
+                <a:alpha val="26000"/>
+              </a:schemeClr>
+            </a:solidFill>
+            <a:ln>
+              <a:solidFill>
+                <a:schemeClr val="accent1"/>
+              </a:solidFill>
+            </a:ln>
+          </p:spPr>
+          <p:style>
+            <a:lnRef idx="2">
+              <a:schemeClr val="accent1">
+                <a:shade val="50000"/>
+              </a:schemeClr>
+            </a:lnRef>
+            <a:fillRef idx="1">
               <a:schemeClr val="accent1"/>
+            </a:fillRef>
+            <a:effectRef idx="0">
+              <a:schemeClr val="accent1"/>
+            </a:effectRef>
+            <a:fontRef idx="minor">
+              <a:schemeClr val="lt1"/>
+            </a:fontRef>
+          </p:style>
+          <p:txBody>
+            <a:bodyPr rtlCol="0" anchor="ctr"/>
+            <a:lstStyle/>
+            <a:p>
+              <a:pPr algn="ctr"/>
+              <a:endParaRPr lang="en-GB"/>
+            </a:p>
+          </p:txBody>
+        </p:sp>
+        <p:sp>
+          <p:nvSpPr>
+            <p:cNvPr id="8" name="Off-page Connector 9">
+              <a:extLst>
+                <a:ext uri="{FF2B5EF4-FFF2-40B4-BE49-F238E27FC236}">
+                  <a16:creationId xmlns:a16="http://schemas.microsoft.com/office/drawing/2014/main" id="{CF4D6202-C07E-1976-8619-E66844709A39}"/>
+                </a:ext>
+              </a:extLst>
+            </p:cNvPr>
+            <p:cNvSpPr/>
+            <p:nvPr/>
+          </p:nvSpPr>
+          <p:spPr>
+            <a:xfrm>
+              <a:off x="3017411" y="1895698"/>
+              <a:ext cx="1930036" cy="2544658"/>
+            </a:xfrm>
+            <a:prstGeom prst="roundRect">
+              <a:avLst/>
+            </a:prstGeom>
+            <a:solidFill>
+              <a:schemeClr val="accent4">
+                <a:alpha val="10000"/>
+              </a:schemeClr>
             </a:solidFill>
-          </a:ln>
-        </p:spPr>
-        <p:style>
-          <a:lnRef idx="2">
-            <a:schemeClr val="accent1">
-              <a:shade val="50000"/>
-            </a:schemeClr>
-          </a:lnRef>
-          <a:fillRef idx="1">
-            <a:schemeClr val="accent1"/>
-          </a:fillRef>
-          <a:effectRef idx="0">
-            <a:schemeClr val="accent1"/>
-          </a:effectRef>
-          <a:fontRef idx="minor">
-            <a:schemeClr val="lt1"/>
-          </a:fontRef>
-        </p:style>
-        <p:txBody>
-          <a:bodyPr rtlCol="0" anchor="ctr"/>
-          <a:lstStyle/>
-          <a:p>
-            <a:pPr algn="ctr"/>
-            <a:endParaRPr lang="en-GB"/>
-          </a:p>
-        </p:txBody>
-      </p:sp>
-      <p:sp>
-        <p:nvSpPr>
-          <p:cNvPr id="8" name="Off-page Connector 9">
-            <a:extLst>
-              <a:ext uri="{FF2B5EF4-FFF2-40B4-BE49-F238E27FC236}">
-                <a16:creationId xmlns:a16="http://schemas.microsoft.com/office/drawing/2014/main" id="{CF4D6202-C07E-1976-8619-E66844709A39}"/>
-              </a:ext>
-            </a:extLst>
-          </p:cNvPr>
-          <p:cNvSpPr/>
-          <p:nvPr/>
-        </p:nvSpPr>
-        <p:spPr>
-          <a:xfrm>
-            <a:off x="720085" y="1878690"/>
-            <a:ext cx="1930036" cy="2544658"/>
-          </a:xfrm>
-          <a:prstGeom prst="roundRect">
-            <a:avLst/>
-          </a:prstGeom>
-          <a:solidFill>
-            <a:schemeClr val="accent4">
-              <a:alpha val="10000"/>
-            </a:schemeClr>
-          </a:solidFill>
-          <a:ln>
-            <a:noFill/>
-          </a:ln>
-        </p:spPr>
-        <p:style>
-          <a:lnRef idx="2">
-            <a:schemeClr val="accent1">
-              <a:shade val="50000"/>
-            </a:schemeClr>
-          </a:lnRef>
-          <a:fillRef idx="1">
-            <a:schemeClr val="accent1"/>
-          </a:fillRef>
-          <a:effectRef idx="0">
-            <a:schemeClr val="accent1"/>
-          </a:effectRef>
-          <a:fontRef idx="minor">
-            <a:schemeClr val="lt1"/>
-          </a:fontRef>
-        </p:style>
-        <p:txBody>
-          <a:bodyPr rtlCol="0" anchor="ctr"/>
-          <a:lstStyle/>
-          <a:p>
-            <a:pPr marL="171450" indent="-171450" algn="ctr">
-              <a:lnSpc>
-                <a:spcPct val="107000"/>
-              </a:lnSpc>
-              <a:spcAft>
-                <a:spcPts val="800"/>
-              </a:spcAft>
-              <a:buFont typeface="Wingdings" panose="05000000000000000000" pitchFamily="2" charset="2"/>
-              <a:buChar char="ü"/>
-            </a:pPr>
-            <a:endParaRPr lang="en-GB" sz="900" dirty="0">
-              <a:solidFill>
-                <a:schemeClr val="tx1">
-                  <a:lumMod val="75000"/>
-                  <a:lumOff val="25000"/>
-                </a:schemeClr>
-              </a:solidFill>
-              <a:latin typeface="Open Sans" panose="020B0606030504020204" pitchFamily="34" charset="0"/>
-              <a:ea typeface="Open Sans" panose="020B0606030504020204" pitchFamily="34" charset="0"/>
-              <a:cs typeface="Open Sans" panose="020B0606030504020204" pitchFamily="34" charset="0"/>
-            </a:endParaRPr>
-          </a:p>
-          <a:p>
-            <a:pPr marL="171450" indent="-171450" algn="ctr">
-              <a:lnSpc>
-                <a:spcPct val="107000"/>
-              </a:lnSpc>
-              <a:spcAft>
-                <a:spcPts val="800"/>
-              </a:spcAft>
-              <a:buFont typeface="Wingdings" panose="05000000000000000000" pitchFamily="2" charset="2"/>
-              <a:buChar char="ü"/>
-            </a:pPr>
-            <a:r>
-              <a:rPr lang="en-GB" sz="900" dirty="0">
+            <a:ln>
+              <a:noFill/>
+            </a:ln>
+          </p:spPr>
+          <p:style>
+            <a:lnRef idx="2">
+              <a:schemeClr val="accent1">
+                <a:shade val="50000"/>
+              </a:schemeClr>
+            </a:lnRef>
+            <a:fillRef idx="1">
+              <a:schemeClr val="accent1"/>
+            </a:fillRef>
+            <a:effectRef idx="0">
+              <a:schemeClr val="accent1"/>
+            </a:effectRef>
+            <a:fontRef idx="minor">
+              <a:schemeClr val="lt1"/>
+            </a:fontRef>
+          </p:style>
+          <p:txBody>
+            <a:bodyPr rtlCol="0" anchor="ctr"/>
+            <a:lstStyle/>
+            <a:p>
+              <a:pPr marL="171450" indent="-171450" algn="ctr">
+                <a:lnSpc>
+                  <a:spcPct val="107000"/>
+                </a:lnSpc>
+                <a:spcAft>
+                  <a:spcPts val="800"/>
+                </a:spcAft>
+                <a:buFont typeface="Wingdings" panose="05000000000000000000" pitchFamily="2" charset="2"/>
+                <a:buChar char="ü"/>
+              </a:pPr>
+              <a:endParaRPr lang="en-GB" sz="900" dirty="0">
                 <a:solidFill>
                   <a:schemeClr val="tx1">
                     <a:lumMod val="75000"/>
@@ -43721,1669 +43738,1694 @@
                 <a:latin typeface="Open Sans" panose="020B0606030504020204" pitchFamily="34" charset="0"/>
                 <a:ea typeface="Open Sans" panose="020B0606030504020204" pitchFamily="34" charset="0"/>
                 <a:cs typeface="Open Sans" panose="020B0606030504020204" pitchFamily="34" charset="0"/>
-              </a:rPr>
-              <a:t>Limited self-service capabilities</a:t>
-            </a:r>
-          </a:p>
-          <a:p>
-            <a:pPr marL="171450" indent="-171450" algn="ctr">
-              <a:lnSpc>
-                <a:spcPct val="107000"/>
-              </a:lnSpc>
-              <a:spcAft>
-                <a:spcPts val="800"/>
-              </a:spcAft>
-              <a:buFont typeface="Wingdings" panose="05000000000000000000" pitchFamily="2" charset="2"/>
-              <a:buChar char="ü"/>
-            </a:pPr>
-            <a:r>
-              <a:rPr lang="en-GB" sz="900" dirty="0">
-                <a:solidFill>
-                  <a:schemeClr val="tx1">
-                    <a:lumMod val="75000"/>
-                    <a:lumOff val="25000"/>
-                  </a:schemeClr>
-                </a:solidFill>
-                <a:latin typeface="Open Sans" panose="020B0606030504020204" pitchFamily="34" charset="0"/>
-                <a:ea typeface="Open Sans" panose="020B0606030504020204" pitchFamily="34" charset="0"/>
-                <a:cs typeface="Open Sans" panose="020B0606030504020204" pitchFamily="34" charset="0"/>
-              </a:rPr>
-              <a:t>Lack of automation</a:t>
-            </a:r>
-          </a:p>
-        </p:txBody>
-      </p:sp>
-      <p:sp>
-        <p:nvSpPr>
-          <p:cNvPr id="17" name="TextBox 11">
-            <a:extLst>
-              <a:ext uri="{FF2B5EF4-FFF2-40B4-BE49-F238E27FC236}">
-                <a16:creationId xmlns:a16="http://schemas.microsoft.com/office/drawing/2014/main" id="{7A466DEC-9423-B95B-0DAB-B91A852EC795}"/>
-              </a:ext>
-            </a:extLst>
-          </p:cNvPr>
-          <p:cNvSpPr txBox="1"/>
-          <p:nvPr/>
-        </p:nvSpPr>
-        <p:spPr>
-          <a:xfrm>
-            <a:off x="635504" y="2078393"/>
-            <a:ext cx="2094684" cy="830997"/>
-          </a:xfrm>
-          <a:prstGeom prst="rect">
-            <a:avLst/>
-          </a:prstGeom>
-          <a:noFill/>
-        </p:spPr>
-        <p:txBody>
-          <a:bodyPr wrap="square" rtlCol="0" anchor="b" anchorCtr="0">
-            <a:spAutoFit/>
-          </a:bodyPr>
-          <a:lstStyle/>
-          <a:p>
-            <a:pPr algn="ctr"/>
-            <a:r>
-              <a:rPr lang="en-GB" sz="1600" b="1" dirty="0">
+              </a:endParaRPr>
+            </a:p>
+            <a:p>
+              <a:pPr marL="171450" indent="-171450" algn="ctr">
+                <a:lnSpc>
+                  <a:spcPct val="107000"/>
+                </a:lnSpc>
+                <a:spcAft>
+                  <a:spcPts val="800"/>
+                </a:spcAft>
+                <a:buFont typeface="Wingdings" panose="05000000000000000000" pitchFamily="2" charset="2"/>
+                <a:buChar char="ü"/>
+              </a:pPr>
+              <a:r>
+                <a:rPr lang="en-GB" sz="900" dirty="0">
+                  <a:solidFill>
+                    <a:schemeClr val="tx1">
+                      <a:lumMod val="75000"/>
+                      <a:lumOff val="25000"/>
+                    </a:schemeClr>
+                  </a:solidFill>
+                  <a:latin typeface="Open Sans" panose="020B0606030504020204" pitchFamily="34" charset="0"/>
+                  <a:ea typeface="Open Sans" panose="020B0606030504020204" pitchFamily="34" charset="0"/>
+                  <a:cs typeface="Open Sans" panose="020B0606030504020204" pitchFamily="34" charset="0"/>
+                </a:rPr>
+                <a:t>Limited self-service capabilities</a:t>
+              </a:r>
+            </a:p>
+            <a:p>
+              <a:pPr marL="171450" indent="-171450" algn="ctr">
+                <a:lnSpc>
+                  <a:spcPct val="107000"/>
+                </a:lnSpc>
+                <a:spcAft>
+                  <a:spcPts val="800"/>
+                </a:spcAft>
+                <a:buFont typeface="Wingdings" panose="05000000000000000000" pitchFamily="2" charset="2"/>
+                <a:buChar char="ü"/>
+              </a:pPr>
+              <a:r>
+                <a:rPr lang="en-GB" sz="900" dirty="0">
+                  <a:solidFill>
+                    <a:schemeClr val="tx1">
+                      <a:lumMod val="75000"/>
+                      <a:lumOff val="25000"/>
+                    </a:schemeClr>
+                  </a:solidFill>
+                  <a:latin typeface="Open Sans" panose="020B0606030504020204" pitchFamily="34" charset="0"/>
+                  <a:ea typeface="Open Sans" panose="020B0606030504020204" pitchFamily="34" charset="0"/>
+                  <a:cs typeface="Open Sans" panose="020B0606030504020204" pitchFamily="34" charset="0"/>
+                </a:rPr>
+                <a:t>Lack of automation</a:t>
+              </a:r>
+            </a:p>
+          </p:txBody>
+        </p:sp>
+        <p:sp>
+          <p:nvSpPr>
+            <p:cNvPr id="17" name="TextBox 11">
+              <a:extLst>
+                <a:ext uri="{FF2B5EF4-FFF2-40B4-BE49-F238E27FC236}">
+                  <a16:creationId xmlns:a16="http://schemas.microsoft.com/office/drawing/2014/main" id="{7A466DEC-9423-B95B-0DAB-B91A852EC795}"/>
+                </a:ext>
+              </a:extLst>
+            </p:cNvPr>
+            <p:cNvSpPr txBox="1"/>
+            <p:nvPr/>
+          </p:nvSpPr>
+          <p:spPr>
+            <a:xfrm>
+              <a:off x="2932830" y="2095401"/>
+              <a:ext cx="2094684" cy="830997"/>
+            </a:xfrm>
+            <a:prstGeom prst="rect">
+              <a:avLst/>
+            </a:prstGeom>
+            <a:noFill/>
+          </p:spPr>
+          <p:txBody>
+            <a:bodyPr wrap="square" rtlCol="0" anchor="b" anchorCtr="0">
+              <a:spAutoFit/>
+            </a:bodyPr>
+            <a:lstStyle/>
+            <a:p>
+              <a:pPr algn="ctr"/>
+              <a:r>
+                <a:rPr lang="en-GB" sz="1600" b="1" dirty="0">
+                  <a:latin typeface="Montserrat SemiBold" panose="00000700000000000000" pitchFamily="2" charset="0"/>
+                  <a:ea typeface="League Spartan" charset="0"/>
+                  <a:cs typeface="Poppins" pitchFamily="2" charset="77"/>
+                </a:rPr>
+                <a:t>Management of supplier and purchase invoices</a:t>
+              </a:r>
+              <a:endParaRPr lang="en-US" sz="1600" b="1" dirty="0">
                 <a:latin typeface="Montserrat SemiBold" panose="00000700000000000000" pitchFamily="2" charset="0"/>
                 <a:ea typeface="League Spartan" charset="0"/>
                 <a:cs typeface="Poppins" pitchFamily="2" charset="77"/>
-              </a:rPr>
-              <a:t>Management of supplier and purchase invoices</a:t>
-            </a:r>
-            <a:endParaRPr lang="en-US" sz="1600" b="1" dirty="0">
-              <a:latin typeface="Montserrat SemiBold" panose="00000700000000000000" pitchFamily="2" charset="0"/>
-              <a:ea typeface="League Spartan" charset="0"/>
-              <a:cs typeface="Poppins" pitchFamily="2" charset="77"/>
-            </a:endParaRPr>
-          </a:p>
-        </p:txBody>
-      </p:sp>
-      <p:sp>
-        <p:nvSpPr>
-          <p:cNvPr id="18" name="Freeform 1015">
-            <a:extLst>
-              <a:ext uri="{FF2B5EF4-FFF2-40B4-BE49-F238E27FC236}">
-                <a16:creationId xmlns:a16="http://schemas.microsoft.com/office/drawing/2014/main" id="{2DFBB6BE-A3C1-C95A-4287-54102AC9E823}"/>
-              </a:ext>
-            </a:extLst>
-          </p:cNvPr>
-          <p:cNvSpPr>
-            <a:spLocks noChangeAspect="1"/>
-          </p:cNvSpPr>
-          <p:nvPr/>
-        </p:nvSpPr>
-        <p:spPr bwMode="auto">
-          <a:xfrm>
-            <a:off x="1428637" y="1556836"/>
-            <a:ext cx="495898" cy="495898"/>
-          </a:xfrm>
-          <a:custGeom>
-            <a:avLst/>
-            <a:gdLst>
-              <a:gd name="T0" fmla="*/ 7726423 w 293329"/>
-              <a:gd name="T1" fmla="*/ 9850932 h 293332"/>
-              <a:gd name="T2" fmla="*/ 2935958 w 293329"/>
-              <a:gd name="T3" fmla="*/ 9676341 h 293332"/>
-              <a:gd name="T4" fmla="*/ 8633732 w 293329"/>
-              <a:gd name="T5" fmla="*/ 8887648 h 293332"/>
-              <a:gd name="T6" fmla="*/ 8503163 w 293329"/>
-              <a:gd name="T7" fmla="*/ 10333017 h 293332"/>
-              <a:gd name="T8" fmla="*/ 10187033 w 293329"/>
-              <a:gd name="T9" fmla="*/ 9107071 h 293332"/>
-              <a:gd name="T10" fmla="*/ 10656909 w 293329"/>
-              <a:gd name="T11" fmla="*/ 9507104 h 293332"/>
-              <a:gd name="T12" fmla="*/ 8346597 w 293329"/>
-              <a:gd name="T13" fmla="*/ 10655613 h 293332"/>
-              <a:gd name="T14" fmla="*/ 8398777 w 293329"/>
-              <a:gd name="T15" fmla="*/ 8900613 h 293332"/>
-              <a:gd name="T16" fmla="*/ 456778 w 293329"/>
-              <a:gd name="T17" fmla="*/ 9107071 h 293332"/>
-              <a:gd name="T18" fmla="*/ 2153785 w 293329"/>
-              <a:gd name="T19" fmla="*/ 10333017 h 293332"/>
-              <a:gd name="T20" fmla="*/ 2023134 w 293329"/>
-              <a:gd name="T21" fmla="*/ 8887648 h 293332"/>
-              <a:gd name="T22" fmla="*/ 2466970 w 293329"/>
-              <a:gd name="T23" fmla="*/ 10500789 h 293332"/>
-              <a:gd name="T24" fmla="*/ 0 w 293329"/>
-              <a:gd name="T25" fmla="*/ 10500789 h 293332"/>
-              <a:gd name="T26" fmla="*/ 443780 w 293329"/>
-              <a:gd name="T27" fmla="*/ 8887648 h 293332"/>
-              <a:gd name="T28" fmla="*/ 9388267 w 293329"/>
-              <a:gd name="T29" fmla="*/ 8605304 h 293332"/>
-              <a:gd name="T30" fmla="*/ 1198367 w 293329"/>
-              <a:gd name="T31" fmla="*/ 7874844 h 293332"/>
-              <a:gd name="T32" fmla="*/ 1570072 w 293329"/>
-              <a:gd name="T33" fmla="*/ 8233637 h 293332"/>
-              <a:gd name="T34" fmla="*/ 10080391 w 293329"/>
-              <a:gd name="T35" fmla="*/ 8233637 h 293332"/>
-              <a:gd name="T36" fmla="*/ 9388267 w 293329"/>
-              <a:gd name="T37" fmla="*/ 7554479 h 293332"/>
-              <a:gd name="T38" fmla="*/ 1198367 w 293329"/>
-              <a:gd name="T39" fmla="*/ 8925645 h 293332"/>
-              <a:gd name="T40" fmla="*/ 5130248 w 293329"/>
-              <a:gd name="T41" fmla="*/ 6689459 h 293332"/>
-              <a:gd name="T42" fmla="*/ 6635580 w 293329"/>
-              <a:gd name="T43" fmla="*/ 7022186 h 293332"/>
-              <a:gd name="T44" fmla="*/ 5130248 w 293329"/>
-              <a:gd name="T45" fmla="*/ 6689459 h 293332"/>
-              <a:gd name="T46" fmla="*/ 6792622 w 293329"/>
-              <a:gd name="T47" fmla="*/ 5753460 h 293332"/>
-              <a:gd name="T48" fmla="*/ 4960060 w 293329"/>
-              <a:gd name="T49" fmla="*/ 5753460 h 293332"/>
-              <a:gd name="T50" fmla="*/ 4394049 w 293329"/>
-              <a:gd name="T51" fmla="*/ 8425350 h 293332"/>
-              <a:gd name="T52" fmla="*/ 4394049 w 293329"/>
-              <a:gd name="T53" fmla="*/ 4434924 h 293332"/>
-              <a:gd name="T54" fmla="*/ 3801866 w 293329"/>
-              <a:gd name="T55" fmla="*/ 8425350 h 293332"/>
-              <a:gd name="T56" fmla="*/ 3801866 w 293329"/>
-              <a:gd name="T57" fmla="*/ 4434924 h 293332"/>
-              <a:gd name="T58" fmla="*/ 10173087 w 293329"/>
-              <a:gd name="T59" fmla="*/ 3648251 h 293332"/>
-              <a:gd name="T60" fmla="*/ 9880272 w 293329"/>
-              <a:gd name="T61" fmla="*/ 7355373 h 293332"/>
-              <a:gd name="T62" fmla="*/ 9960128 w 293329"/>
-              <a:gd name="T63" fmla="*/ 3543768 h 293332"/>
-              <a:gd name="T64" fmla="*/ 882485 w 293329"/>
-              <a:gd name="T65" fmla="*/ 7043025 h 293332"/>
-              <a:gd name="T66" fmla="*/ 572838 w 293329"/>
-              <a:gd name="T67" fmla="*/ 7161164 h 293332"/>
-              <a:gd name="T68" fmla="*/ 3801866 w 293329"/>
-              <a:gd name="T69" fmla="*/ 3139719 h 293332"/>
-              <a:gd name="T70" fmla="*/ 6999706 w 293329"/>
-              <a:gd name="T71" fmla="*/ 4120936 h 293332"/>
-              <a:gd name="T72" fmla="*/ 3801866 w 293329"/>
-              <a:gd name="T73" fmla="*/ 2825664 h 293332"/>
-              <a:gd name="T74" fmla="*/ 7486601 w 293329"/>
-              <a:gd name="T75" fmla="*/ 3139719 h 293332"/>
-              <a:gd name="T76" fmla="*/ 7486601 w 293329"/>
-              <a:gd name="T77" fmla="*/ 4120936 h 293332"/>
-              <a:gd name="T78" fmla="*/ 7486601 w 293329"/>
-              <a:gd name="T79" fmla="*/ 8752426 h 293332"/>
-              <a:gd name="T80" fmla="*/ 2999112 w 293329"/>
-              <a:gd name="T81" fmla="*/ 3623786 h 293332"/>
-              <a:gd name="T82" fmla="*/ 8646767 w 293329"/>
-              <a:gd name="T83" fmla="*/ 1554601 h 293332"/>
-              <a:gd name="T84" fmla="*/ 10330586 w 293329"/>
-              <a:gd name="T85" fmla="*/ 2789136 h 293332"/>
-              <a:gd name="T86" fmla="*/ 10213098 w 293329"/>
-              <a:gd name="T87" fmla="*/ 1333651 h 293332"/>
-              <a:gd name="T88" fmla="*/ 10656909 w 293329"/>
-              <a:gd name="T89" fmla="*/ 2945074 h 293332"/>
-              <a:gd name="T90" fmla="*/ 8189923 w 293329"/>
-              <a:gd name="T91" fmla="*/ 2945074 h 293332"/>
-              <a:gd name="T92" fmla="*/ 8633732 w 293329"/>
-              <a:gd name="T93" fmla="*/ 1333651 h 293332"/>
-              <a:gd name="T94" fmla="*/ 313320 w 293329"/>
-              <a:gd name="T95" fmla="*/ 1957394 h 293332"/>
-              <a:gd name="T96" fmla="*/ 2153785 w 293329"/>
-              <a:gd name="T97" fmla="*/ 1957394 h 293332"/>
-              <a:gd name="T98" fmla="*/ 2245154 w 293329"/>
-              <a:gd name="T99" fmla="*/ 1346649 h 293332"/>
-              <a:gd name="T100" fmla="*/ 2310348 w 293329"/>
-              <a:gd name="T101" fmla="*/ 3101058 h 293332"/>
-              <a:gd name="T102" fmla="*/ 0 w 293329"/>
-              <a:gd name="T103" fmla="*/ 1957394 h 293332"/>
-              <a:gd name="T104" fmla="*/ 9388267 w 293329"/>
-              <a:gd name="T105" fmla="*/ 307485 h 293332"/>
-              <a:gd name="T106" fmla="*/ 9759991 w 293329"/>
-              <a:gd name="T107" fmla="*/ 679246 h 293332"/>
-              <a:gd name="T108" fmla="*/ 826690 w 293329"/>
-              <a:gd name="T109" fmla="*/ 679246 h 293332"/>
-              <a:gd name="T110" fmla="*/ 1198367 w 293329"/>
-              <a:gd name="T111" fmla="*/ 307485 h 293332"/>
-              <a:gd name="T112" fmla="*/ 8022361 w 293329"/>
-              <a:gd name="T113" fmla="*/ 1208071 h 293332"/>
-              <a:gd name="T114" fmla="*/ 2720558 w 293329"/>
-              <a:gd name="T115" fmla="*/ 1286932 h 293332"/>
-              <a:gd name="T116" fmla="*/ 5293109 w 293329"/>
-              <a:gd name="T117" fmla="*/ 246183 h 293332"/>
-              <a:gd name="T118" fmla="*/ 9388267 w 293329"/>
-              <a:gd name="T119" fmla="*/ 1371250 h 293332"/>
-              <a:gd name="T120" fmla="*/ 1198367 w 293329"/>
-              <a:gd name="T121" fmla="*/ 0 h 293332"/>
-              <a:gd name="T122" fmla="*/ 519153 w 293329"/>
-              <a:gd name="T123" fmla="*/ 679246 h 293332"/>
-              <a:gd name="T124" fmla="*/ 0 60000 65536"/>
-              <a:gd name="T125" fmla="*/ 0 60000 65536"/>
-              <a:gd name="T126" fmla="*/ 0 60000 65536"/>
-              <a:gd name="T127" fmla="*/ 0 60000 65536"/>
-              <a:gd name="T128" fmla="*/ 0 60000 65536"/>
-              <a:gd name="T129" fmla="*/ 0 60000 65536"/>
-              <a:gd name="T130" fmla="*/ 0 60000 65536"/>
-              <a:gd name="T131" fmla="*/ 0 60000 65536"/>
-              <a:gd name="T132" fmla="*/ 0 60000 65536"/>
-              <a:gd name="T133" fmla="*/ 0 60000 65536"/>
-              <a:gd name="T134" fmla="*/ 0 60000 65536"/>
-              <a:gd name="T135" fmla="*/ 0 60000 65536"/>
-              <a:gd name="T136" fmla="*/ 0 60000 65536"/>
-              <a:gd name="T137" fmla="*/ 0 60000 65536"/>
-              <a:gd name="T138" fmla="*/ 0 60000 65536"/>
-              <a:gd name="T139" fmla="*/ 0 60000 65536"/>
-              <a:gd name="T140" fmla="*/ 0 60000 65536"/>
-              <a:gd name="T141" fmla="*/ 0 60000 65536"/>
-              <a:gd name="T142" fmla="*/ 0 60000 65536"/>
-              <a:gd name="T143" fmla="*/ 0 60000 65536"/>
-              <a:gd name="T144" fmla="*/ 0 60000 65536"/>
-              <a:gd name="T145" fmla="*/ 0 60000 65536"/>
-              <a:gd name="T146" fmla="*/ 0 60000 65536"/>
-              <a:gd name="T147" fmla="*/ 0 60000 65536"/>
-              <a:gd name="T148" fmla="*/ 0 60000 65536"/>
-              <a:gd name="T149" fmla="*/ 0 60000 65536"/>
-              <a:gd name="T150" fmla="*/ 0 60000 65536"/>
-              <a:gd name="T151" fmla="*/ 0 60000 65536"/>
-              <a:gd name="T152" fmla="*/ 0 60000 65536"/>
-              <a:gd name="T153" fmla="*/ 0 60000 65536"/>
-              <a:gd name="T154" fmla="*/ 0 60000 65536"/>
-              <a:gd name="T155" fmla="*/ 0 60000 65536"/>
-              <a:gd name="T156" fmla="*/ 0 60000 65536"/>
-              <a:gd name="T157" fmla="*/ 0 60000 65536"/>
-              <a:gd name="T158" fmla="*/ 0 60000 65536"/>
-              <a:gd name="T159" fmla="*/ 0 60000 65536"/>
-              <a:gd name="T160" fmla="*/ 0 60000 65536"/>
-              <a:gd name="T161" fmla="*/ 0 60000 65536"/>
-              <a:gd name="T162" fmla="*/ 0 60000 65536"/>
-              <a:gd name="T163" fmla="*/ 0 60000 65536"/>
-              <a:gd name="T164" fmla="*/ 0 60000 65536"/>
-              <a:gd name="T165" fmla="*/ 0 60000 65536"/>
-              <a:gd name="T166" fmla="*/ 0 60000 65536"/>
-              <a:gd name="T167" fmla="*/ 0 60000 65536"/>
-              <a:gd name="T168" fmla="*/ 0 60000 65536"/>
-              <a:gd name="T169" fmla="*/ 0 60000 65536"/>
-              <a:gd name="T170" fmla="*/ 0 60000 65536"/>
-              <a:gd name="T171" fmla="*/ 0 60000 65536"/>
-              <a:gd name="T172" fmla="*/ 0 60000 65536"/>
-              <a:gd name="T173" fmla="*/ 0 60000 65536"/>
-              <a:gd name="T174" fmla="*/ 0 60000 65536"/>
-              <a:gd name="T175" fmla="*/ 0 60000 65536"/>
-              <a:gd name="T176" fmla="*/ 0 60000 65536"/>
-              <a:gd name="T177" fmla="*/ 0 60000 65536"/>
-              <a:gd name="T178" fmla="*/ 0 60000 65536"/>
-              <a:gd name="T179" fmla="*/ 0 60000 65536"/>
-              <a:gd name="T180" fmla="*/ 0 60000 65536"/>
-              <a:gd name="T181" fmla="*/ 0 60000 65536"/>
-              <a:gd name="T182" fmla="*/ 0 60000 65536"/>
-              <a:gd name="T183" fmla="*/ 0 60000 65536"/>
-              <a:gd name="T184" fmla="*/ 0 60000 65536"/>
-              <a:gd name="T185" fmla="*/ 0 60000 65536"/>
-            </a:gdLst>
-            <a:ahLst/>
-            <a:cxnLst>
-              <a:cxn ang="T124">
-                <a:pos x="T0" y="T1"/>
-              </a:cxn>
-              <a:cxn ang="T125">
-                <a:pos x="T2" y="T3"/>
-              </a:cxn>
-              <a:cxn ang="T126">
-                <a:pos x="T4" y="T5"/>
-              </a:cxn>
-              <a:cxn ang="T127">
-                <a:pos x="T6" y="T7"/>
-              </a:cxn>
-              <a:cxn ang="T128">
-                <a:pos x="T8" y="T9"/>
-              </a:cxn>
-              <a:cxn ang="T129">
-                <a:pos x="T10" y="T11"/>
-              </a:cxn>
-              <a:cxn ang="T130">
-                <a:pos x="T12" y="T13"/>
-              </a:cxn>
-              <a:cxn ang="T131">
-                <a:pos x="T14" y="T15"/>
-              </a:cxn>
-              <a:cxn ang="T132">
-                <a:pos x="T16" y="T17"/>
-              </a:cxn>
-              <a:cxn ang="T133">
-                <a:pos x="T18" y="T19"/>
-              </a:cxn>
-              <a:cxn ang="T134">
-                <a:pos x="T20" y="T21"/>
-              </a:cxn>
-              <a:cxn ang="T135">
-                <a:pos x="T22" y="T23"/>
-              </a:cxn>
-              <a:cxn ang="T136">
-                <a:pos x="T24" y="T25"/>
-              </a:cxn>
-              <a:cxn ang="T137">
-                <a:pos x="T26" y="T27"/>
-              </a:cxn>
-              <a:cxn ang="T138">
-                <a:pos x="T28" y="T29"/>
-              </a:cxn>
-              <a:cxn ang="T139">
-                <a:pos x="T30" y="T31"/>
-              </a:cxn>
-              <a:cxn ang="T140">
-                <a:pos x="T32" y="T33"/>
-              </a:cxn>
-              <a:cxn ang="T141">
-                <a:pos x="T34" y="T35"/>
-              </a:cxn>
-              <a:cxn ang="T142">
-                <a:pos x="T36" y="T37"/>
-              </a:cxn>
-              <a:cxn ang="T143">
-                <a:pos x="T38" y="T39"/>
-              </a:cxn>
-              <a:cxn ang="T144">
-                <a:pos x="T40" y="T41"/>
-              </a:cxn>
-              <a:cxn ang="T145">
-                <a:pos x="T42" y="T43"/>
-              </a:cxn>
-              <a:cxn ang="T146">
-                <a:pos x="T44" y="T45"/>
-              </a:cxn>
-              <a:cxn ang="T147">
-                <a:pos x="T46" y="T47"/>
-              </a:cxn>
-              <a:cxn ang="T148">
-                <a:pos x="T48" y="T49"/>
-              </a:cxn>
-              <a:cxn ang="T149">
-                <a:pos x="T50" y="T51"/>
-              </a:cxn>
-              <a:cxn ang="T150">
-                <a:pos x="T52" y="T53"/>
-              </a:cxn>
-              <a:cxn ang="T151">
-                <a:pos x="T54" y="T55"/>
-              </a:cxn>
-              <a:cxn ang="T152">
-                <a:pos x="T56" y="T57"/>
-              </a:cxn>
-              <a:cxn ang="T153">
-                <a:pos x="T58" y="T59"/>
-              </a:cxn>
-              <a:cxn ang="T154">
-                <a:pos x="T60" y="T61"/>
-              </a:cxn>
-              <a:cxn ang="T155">
-                <a:pos x="T62" y="T63"/>
-              </a:cxn>
-              <a:cxn ang="T156">
-                <a:pos x="T64" y="T65"/>
-              </a:cxn>
-              <a:cxn ang="T157">
-                <a:pos x="T66" y="T67"/>
-              </a:cxn>
-              <a:cxn ang="T158">
-                <a:pos x="T68" y="T69"/>
-              </a:cxn>
-              <a:cxn ang="T159">
-                <a:pos x="T70" y="T71"/>
-              </a:cxn>
-              <a:cxn ang="T160">
-                <a:pos x="T72" y="T73"/>
-              </a:cxn>
-              <a:cxn ang="T161">
-                <a:pos x="T74" y="T75"/>
-              </a:cxn>
-              <a:cxn ang="T162">
-                <a:pos x="T76" y="T77"/>
-              </a:cxn>
-              <a:cxn ang="T163">
-                <a:pos x="T78" y="T79"/>
-              </a:cxn>
-              <a:cxn ang="T164">
-                <a:pos x="T80" y="T81"/>
-              </a:cxn>
-              <a:cxn ang="T165">
-                <a:pos x="T82" y="T83"/>
-              </a:cxn>
-              <a:cxn ang="T166">
-                <a:pos x="T84" y="T85"/>
-              </a:cxn>
-              <a:cxn ang="T167">
-                <a:pos x="T86" y="T87"/>
-              </a:cxn>
-              <a:cxn ang="T168">
-                <a:pos x="T88" y="T89"/>
-              </a:cxn>
-              <a:cxn ang="T169">
-                <a:pos x="T90" y="T91"/>
-              </a:cxn>
-              <a:cxn ang="T170">
-                <a:pos x="T92" y="T93"/>
-              </a:cxn>
-              <a:cxn ang="T171">
-                <a:pos x="T94" y="T95"/>
-              </a:cxn>
-              <a:cxn ang="T172">
-                <a:pos x="T96" y="T97"/>
-              </a:cxn>
-              <a:cxn ang="T173">
-                <a:pos x="T98" y="T99"/>
-              </a:cxn>
-              <a:cxn ang="T174">
-                <a:pos x="T100" y="T101"/>
-              </a:cxn>
-              <a:cxn ang="T175">
-                <a:pos x="T102" y="T103"/>
-              </a:cxn>
-              <a:cxn ang="T176">
-                <a:pos x="T104" y="T105"/>
-              </a:cxn>
-              <a:cxn ang="T177">
-                <a:pos x="T106" y="T107"/>
-              </a:cxn>
-              <a:cxn ang="T178">
-                <a:pos x="T108" y="T109"/>
-              </a:cxn>
-              <a:cxn ang="T179">
-                <a:pos x="T110" y="T111"/>
-              </a:cxn>
-              <a:cxn ang="T180">
-                <a:pos x="T112" y="T113"/>
-              </a:cxn>
-              <a:cxn ang="T181">
-                <a:pos x="T114" y="T115"/>
-              </a:cxn>
-              <a:cxn ang="T182">
-                <a:pos x="T116" y="T117"/>
-              </a:cxn>
-              <a:cxn ang="T183">
-                <a:pos x="T118" y="T119"/>
-              </a:cxn>
-              <a:cxn ang="T184">
-                <a:pos x="T120" y="T121"/>
-              </a:cxn>
-              <a:cxn ang="T185">
-                <a:pos x="T122" y="T123"/>
-              </a:cxn>
-            </a:cxnLst>
-            <a:rect l="0" t="0" r="r" b="b"/>
-            <a:pathLst>
-              <a:path w="293329" h="293332">
-                <a:moveTo>
-                  <a:pt x="208355" y="263416"/>
-                </a:moveTo>
-                <a:cubicBezTo>
-                  <a:pt x="210511" y="261937"/>
-                  <a:pt x="213385" y="262677"/>
-                  <a:pt x="214822" y="264895"/>
-                </a:cubicBezTo>
-                <a:cubicBezTo>
-                  <a:pt x="215541" y="267483"/>
-                  <a:pt x="214822" y="270071"/>
-                  <a:pt x="212667" y="271180"/>
-                </a:cubicBezTo>
-                <a:cubicBezTo>
-                  <a:pt x="192188" y="282640"/>
-                  <a:pt x="169194" y="288556"/>
-                  <a:pt x="146201" y="288556"/>
-                </a:cubicBezTo>
-                <a:cubicBezTo>
-                  <a:pt x="124284" y="288556"/>
-                  <a:pt x="102728" y="283010"/>
-                  <a:pt x="82608" y="272659"/>
-                </a:cubicBezTo>
-                <a:cubicBezTo>
-                  <a:pt x="80093" y="271549"/>
-                  <a:pt x="79375" y="268592"/>
-                  <a:pt x="80812" y="266374"/>
-                </a:cubicBezTo>
-                <a:cubicBezTo>
-                  <a:pt x="81530" y="264155"/>
-                  <a:pt x="84405" y="263416"/>
-                  <a:pt x="86560" y="264525"/>
-                </a:cubicBezTo>
-                <a:cubicBezTo>
-                  <a:pt x="125003" y="284859"/>
-                  <a:pt x="170631" y="284119"/>
-                  <a:pt x="208355" y="263416"/>
-                </a:cubicBezTo>
-                <a:close/>
-                <a:moveTo>
-                  <a:pt x="237641" y="244663"/>
-                </a:moveTo>
-                <a:cubicBezTo>
-                  <a:pt x="239437" y="246084"/>
-                  <a:pt x="239796" y="248926"/>
-                  <a:pt x="238000" y="250703"/>
-                </a:cubicBezTo>
-                <a:cubicBezTo>
-                  <a:pt x="235485" y="253900"/>
-                  <a:pt x="234048" y="257808"/>
-                  <a:pt x="234048" y="261715"/>
-                </a:cubicBezTo>
-                <a:lnTo>
-                  <a:pt x="234048" y="284451"/>
-                </a:lnTo>
-                <a:lnTo>
-                  <a:pt x="284347" y="284451"/>
-                </a:lnTo>
-                <a:lnTo>
-                  <a:pt x="284347" y="261715"/>
-                </a:lnTo>
-                <a:cubicBezTo>
-                  <a:pt x="284347" y="257808"/>
-                  <a:pt x="283269" y="253900"/>
-                  <a:pt x="280395" y="250703"/>
-                </a:cubicBezTo>
-                <a:cubicBezTo>
-                  <a:pt x="278958" y="248926"/>
-                  <a:pt x="278958" y="246084"/>
-                  <a:pt x="281113" y="244663"/>
-                </a:cubicBezTo>
-                <a:cubicBezTo>
-                  <a:pt x="282910" y="242887"/>
-                  <a:pt x="285784" y="243242"/>
-                  <a:pt x="287221" y="245019"/>
-                </a:cubicBezTo>
-                <a:cubicBezTo>
-                  <a:pt x="291173" y="249992"/>
-                  <a:pt x="293329" y="255676"/>
-                  <a:pt x="293329" y="261715"/>
-                </a:cubicBezTo>
-                <a:lnTo>
-                  <a:pt x="293329" y="289069"/>
-                </a:lnTo>
-                <a:cubicBezTo>
-                  <a:pt x="293329" y="291201"/>
-                  <a:pt x="291533" y="293332"/>
-                  <a:pt x="288658" y="293332"/>
-                </a:cubicBezTo>
-                <a:lnTo>
-                  <a:pt x="229737" y="293332"/>
-                </a:lnTo>
-                <a:cubicBezTo>
-                  <a:pt x="227222" y="293332"/>
-                  <a:pt x="225425" y="291201"/>
-                  <a:pt x="225425" y="289069"/>
-                </a:cubicBezTo>
-                <a:lnTo>
-                  <a:pt x="225425" y="261715"/>
-                </a:lnTo>
-                <a:cubicBezTo>
-                  <a:pt x="225425" y="255676"/>
-                  <a:pt x="227222" y="249992"/>
-                  <a:pt x="231174" y="245019"/>
-                </a:cubicBezTo>
-                <a:cubicBezTo>
-                  <a:pt x="232611" y="243242"/>
-                  <a:pt x="235844" y="242887"/>
-                  <a:pt x="237641" y="244663"/>
-                </a:cubicBezTo>
-                <a:close/>
-                <a:moveTo>
-                  <a:pt x="12215" y="244663"/>
-                </a:moveTo>
-                <a:cubicBezTo>
-                  <a:pt x="14012" y="246084"/>
-                  <a:pt x="14371" y="248926"/>
-                  <a:pt x="12575" y="250703"/>
-                </a:cubicBezTo>
-                <a:cubicBezTo>
-                  <a:pt x="10419" y="253900"/>
-                  <a:pt x="8622" y="257808"/>
-                  <a:pt x="8622" y="261715"/>
-                </a:cubicBezTo>
-                <a:lnTo>
-                  <a:pt x="8622" y="284451"/>
-                </a:lnTo>
-                <a:lnTo>
-                  <a:pt x="59281" y="284451"/>
-                </a:lnTo>
-                <a:lnTo>
-                  <a:pt x="59281" y="261715"/>
-                </a:lnTo>
-                <a:cubicBezTo>
-                  <a:pt x="59281" y="257808"/>
-                  <a:pt x="57844" y="253900"/>
-                  <a:pt x="54969" y="250703"/>
-                </a:cubicBezTo>
-                <a:cubicBezTo>
-                  <a:pt x="53532" y="248926"/>
-                  <a:pt x="53892" y="246084"/>
-                  <a:pt x="55688" y="244663"/>
-                </a:cubicBezTo>
-                <a:cubicBezTo>
-                  <a:pt x="57844" y="242887"/>
-                  <a:pt x="60359" y="243242"/>
-                  <a:pt x="61796" y="245019"/>
-                </a:cubicBezTo>
-                <a:cubicBezTo>
-                  <a:pt x="65748" y="249992"/>
-                  <a:pt x="67903" y="255676"/>
-                  <a:pt x="67903" y="261715"/>
-                </a:cubicBezTo>
-                <a:lnTo>
-                  <a:pt x="67903" y="289069"/>
-                </a:lnTo>
-                <a:cubicBezTo>
-                  <a:pt x="67903" y="291201"/>
-                  <a:pt x="65748" y="293332"/>
-                  <a:pt x="63592" y="293332"/>
-                </a:cubicBezTo>
-                <a:lnTo>
-                  <a:pt x="4311" y="293332"/>
-                </a:lnTo>
-                <a:cubicBezTo>
-                  <a:pt x="1796" y="293332"/>
-                  <a:pt x="0" y="291201"/>
-                  <a:pt x="0" y="289069"/>
-                </a:cubicBezTo>
-                <a:lnTo>
-                  <a:pt x="0" y="261715"/>
-                </a:lnTo>
-                <a:cubicBezTo>
-                  <a:pt x="0" y="255676"/>
-                  <a:pt x="1796" y="249992"/>
-                  <a:pt x="6107" y="245019"/>
-                </a:cubicBezTo>
-                <a:cubicBezTo>
-                  <a:pt x="7545" y="243242"/>
-                  <a:pt x="10419" y="242887"/>
-                  <a:pt x="12215" y="244663"/>
-                </a:cubicBezTo>
-                <a:close/>
-                <a:moveTo>
-                  <a:pt x="258410" y="216782"/>
-                </a:moveTo>
-                <a:cubicBezTo>
-                  <a:pt x="252766" y="216782"/>
-                  <a:pt x="248180" y="221368"/>
-                  <a:pt x="248180" y="226659"/>
-                </a:cubicBezTo>
-                <a:cubicBezTo>
-                  <a:pt x="248180" y="232304"/>
-                  <a:pt x="252766" y="236890"/>
-                  <a:pt x="258410" y="236890"/>
-                </a:cubicBezTo>
-                <a:cubicBezTo>
-                  <a:pt x="264055" y="236890"/>
-                  <a:pt x="268641" y="232304"/>
-                  <a:pt x="268641" y="226659"/>
-                </a:cubicBezTo>
-                <a:cubicBezTo>
-                  <a:pt x="268641" y="221368"/>
-                  <a:pt x="264055" y="216782"/>
-                  <a:pt x="258410" y="216782"/>
-                </a:cubicBezTo>
-                <a:close/>
-                <a:moveTo>
-                  <a:pt x="32985" y="216782"/>
-                </a:moveTo>
-                <a:cubicBezTo>
-                  <a:pt x="27341" y="216782"/>
-                  <a:pt x="22754" y="221368"/>
-                  <a:pt x="22754" y="226659"/>
-                </a:cubicBezTo>
-                <a:cubicBezTo>
-                  <a:pt x="22754" y="232304"/>
-                  <a:pt x="27341" y="236890"/>
-                  <a:pt x="32985" y="236890"/>
-                </a:cubicBezTo>
-                <a:cubicBezTo>
-                  <a:pt x="38629" y="236890"/>
-                  <a:pt x="43216" y="232304"/>
-                  <a:pt x="43216" y="226659"/>
-                </a:cubicBezTo>
-                <a:cubicBezTo>
-                  <a:pt x="43216" y="221368"/>
-                  <a:pt x="38629" y="216782"/>
-                  <a:pt x="32985" y="216782"/>
-                </a:cubicBezTo>
-                <a:close/>
-                <a:moveTo>
-                  <a:pt x="258410" y="207962"/>
-                </a:moveTo>
-                <a:cubicBezTo>
-                  <a:pt x="268994" y="207962"/>
-                  <a:pt x="277460" y="216429"/>
-                  <a:pt x="277460" y="226659"/>
-                </a:cubicBezTo>
-                <a:cubicBezTo>
-                  <a:pt x="277460" y="237243"/>
-                  <a:pt x="268994" y="245709"/>
-                  <a:pt x="258410" y="245709"/>
-                </a:cubicBezTo>
-                <a:cubicBezTo>
-                  <a:pt x="248180" y="245709"/>
-                  <a:pt x="239713" y="237243"/>
-                  <a:pt x="239713" y="226659"/>
-                </a:cubicBezTo>
-                <a:cubicBezTo>
-                  <a:pt x="239713" y="216429"/>
-                  <a:pt x="248180" y="207962"/>
-                  <a:pt x="258410" y="207962"/>
-                </a:cubicBezTo>
-                <a:close/>
-                <a:moveTo>
-                  <a:pt x="32985" y="207962"/>
-                </a:moveTo>
-                <a:cubicBezTo>
-                  <a:pt x="43568" y="207962"/>
-                  <a:pt x="52035" y="216429"/>
-                  <a:pt x="52035" y="226659"/>
-                </a:cubicBezTo>
-                <a:cubicBezTo>
-                  <a:pt x="52035" y="237243"/>
-                  <a:pt x="43568" y="245709"/>
-                  <a:pt x="32985" y="245709"/>
-                </a:cubicBezTo>
-                <a:cubicBezTo>
-                  <a:pt x="22754" y="245709"/>
-                  <a:pt x="14288" y="237243"/>
-                  <a:pt x="14288" y="226659"/>
-                </a:cubicBezTo>
-                <a:cubicBezTo>
-                  <a:pt x="14288" y="216429"/>
-                  <a:pt x="22754" y="207962"/>
-                  <a:pt x="32985" y="207962"/>
-                </a:cubicBezTo>
-                <a:close/>
-                <a:moveTo>
-                  <a:pt x="141209" y="184150"/>
-                </a:moveTo>
-                <a:lnTo>
-                  <a:pt x="182642" y="184150"/>
-                </a:lnTo>
-                <a:cubicBezTo>
-                  <a:pt x="185164" y="184150"/>
-                  <a:pt x="186965" y="186348"/>
-                  <a:pt x="186965" y="188913"/>
-                </a:cubicBezTo>
-                <a:cubicBezTo>
-                  <a:pt x="186965" y="191477"/>
-                  <a:pt x="185164" y="193309"/>
-                  <a:pt x="182642" y="193309"/>
-                </a:cubicBezTo>
-                <a:lnTo>
-                  <a:pt x="141209" y="193309"/>
-                </a:lnTo>
-                <a:cubicBezTo>
-                  <a:pt x="138687" y="193309"/>
-                  <a:pt x="136525" y="191477"/>
-                  <a:pt x="136525" y="188913"/>
-                </a:cubicBezTo>
-                <a:cubicBezTo>
-                  <a:pt x="136525" y="186348"/>
-                  <a:pt x="138687" y="184150"/>
-                  <a:pt x="141209" y="184150"/>
-                </a:cubicBezTo>
-                <a:close/>
-                <a:moveTo>
-                  <a:pt x="141209" y="153987"/>
-                </a:moveTo>
-                <a:lnTo>
-                  <a:pt x="182642" y="153987"/>
-                </a:lnTo>
-                <a:cubicBezTo>
-                  <a:pt x="185164" y="153987"/>
-                  <a:pt x="186965" y="155818"/>
-                  <a:pt x="186965" y="158383"/>
-                </a:cubicBezTo>
-                <a:cubicBezTo>
-                  <a:pt x="186965" y="160947"/>
-                  <a:pt x="185164" y="163145"/>
-                  <a:pt x="182642" y="163145"/>
-                </a:cubicBezTo>
-                <a:lnTo>
-                  <a:pt x="141209" y="163145"/>
-                </a:lnTo>
-                <a:cubicBezTo>
-                  <a:pt x="138687" y="163145"/>
-                  <a:pt x="136525" y="160947"/>
-                  <a:pt x="136525" y="158383"/>
-                </a:cubicBezTo>
-                <a:cubicBezTo>
-                  <a:pt x="136525" y="155818"/>
-                  <a:pt x="138687" y="153987"/>
-                  <a:pt x="141209" y="153987"/>
-                </a:cubicBezTo>
-                <a:close/>
-                <a:moveTo>
-                  <a:pt x="120945" y="122087"/>
-                </a:moveTo>
-                <a:lnTo>
-                  <a:pt x="120945" y="231936"/>
-                </a:lnTo>
-                <a:lnTo>
-                  <a:pt x="201721" y="231936"/>
-                </a:lnTo>
-                <a:lnTo>
-                  <a:pt x="201721" y="122087"/>
-                </a:lnTo>
-                <a:lnTo>
-                  <a:pt x="120945" y="122087"/>
-                </a:lnTo>
-                <a:close/>
-                <a:moveTo>
-                  <a:pt x="91243" y="117765"/>
-                </a:moveTo>
-                <a:lnTo>
-                  <a:pt x="91243" y="218610"/>
-                </a:lnTo>
-                <a:cubicBezTo>
-                  <a:pt x="91243" y="225813"/>
-                  <a:pt x="97401" y="231936"/>
-                  <a:pt x="104645" y="231936"/>
-                </a:cubicBezTo>
-                <a:lnTo>
-                  <a:pt x="112252" y="231936"/>
-                </a:lnTo>
-                <a:lnTo>
-                  <a:pt x="112252" y="122087"/>
-                </a:lnTo>
-                <a:lnTo>
-                  <a:pt x="104645" y="122087"/>
-                </a:lnTo>
-                <a:cubicBezTo>
-                  <a:pt x="99574" y="122087"/>
-                  <a:pt x="94865" y="120286"/>
-                  <a:pt x="91243" y="117765"/>
-                </a:cubicBezTo>
-                <a:close/>
-                <a:moveTo>
-                  <a:pt x="274150" y="97555"/>
-                </a:moveTo>
-                <a:cubicBezTo>
-                  <a:pt x="276714" y="96837"/>
-                  <a:pt x="279278" y="98274"/>
-                  <a:pt x="280011" y="100430"/>
-                </a:cubicBezTo>
-                <a:cubicBezTo>
-                  <a:pt x="291734" y="132770"/>
-                  <a:pt x="291001" y="168344"/>
-                  <a:pt x="277813" y="199966"/>
-                </a:cubicBezTo>
-                <a:cubicBezTo>
-                  <a:pt x="277080" y="201763"/>
-                  <a:pt x="275249" y="202841"/>
-                  <a:pt x="273783" y="202841"/>
-                </a:cubicBezTo>
-                <a:cubicBezTo>
-                  <a:pt x="273051" y="202841"/>
-                  <a:pt x="272684" y="202841"/>
-                  <a:pt x="271952" y="202482"/>
-                </a:cubicBezTo>
-                <a:cubicBezTo>
-                  <a:pt x="269387" y="201404"/>
-                  <a:pt x="268288" y="198888"/>
-                  <a:pt x="269387" y="196732"/>
-                </a:cubicBezTo>
-                <a:cubicBezTo>
-                  <a:pt x="281843" y="166907"/>
-                  <a:pt x="282209" y="133848"/>
-                  <a:pt x="271585" y="103305"/>
-                </a:cubicBezTo>
-                <a:cubicBezTo>
-                  <a:pt x="270853" y="101149"/>
-                  <a:pt x="271952" y="98633"/>
-                  <a:pt x="274150" y="97555"/>
-                </a:cubicBezTo>
-                <a:close/>
-                <a:moveTo>
-                  <a:pt x="20584" y="95972"/>
-                </a:moveTo>
-                <a:cubicBezTo>
-                  <a:pt x="22807" y="96695"/>
-                  <a:pt x="24289" y="99224"/>
-                  <a:pt x="23177" y="101753"/>
-                </a:cubicBezTo>
-                <a:cubicBezTo>
-                  <a:pt x="12435" y="131379"/>
-                  <a:pt x="12806" y="164257"/>
-                  <a:pt x="24289" y="193883"/>
-                </a:cubicBezTo>
-                <a:cubicBezTo>
-                  <a:pt x="25029" y="196051"/>
-                  <a:pt x="23918" y="198580"/>
-                  <a:pt x="21696" y="199664"/>
-                </a:cubicBezTo>
-                <a:cubicBezTo>
-                  <a:pt x="20955" y="199664"/>
-                  <a:pt x="20584" y="199664"/>
-                  <a:pt x="19844" y="199664"/>
-                </a:cubicBezTo>
-                <a:cubicBezTo>
-                  <a:pt x="17991" y="199664"/>
-                  <a:pt x="16510" y="198580"/>
-                  <a:pt x="15769" y="197135"/>
-                </a:cubicBezTo>
-                <a:cubicBezTo>
-                  <a:pt x="3545" y="165341"/>
-                  <a:pt x="3175" y="130656"/>
-                  <a:pt x="14658" y="98863"/>
-                </a:cubicBezTo>
-                <a:cubicBezTo>
-                  <a:pt x="15399" y="96334"/>
-                  <a:pt x="17991" y="95250"/>
-                  <a:pt x="20584" y="95972"/>
-                </a:cubicBezTo>
-                <a:close/>
-                <a:moveTo>
-                  <a:pt x="104645" y="86431"/>
-                </a:moveTo>
-                <a:cubicBezTo>
-                  <a:pt x="97401" y="86431"/>
-                  <a:pt x="91243" y="92553"/>
-                  <a:pt x="91243" y="99757"/>
-                </a:cubicBezTo>
-                <a:cubicBezTo>
-                  <a:pt x="91243" y="107320"/>
-                  <a:pt x="97401" y="113443"/>
-                  <a:pt x="104645" y="113443"/>
-                </a:cubicBezTo>
-                <a:lnTo>
-                  <a:pt x="192665" y="113443"/>
-                </a:lnTo>
-                <a:cubicBezTo>
-                  <a:pt x="189405" y="104799"/>
-                  <a:pt x="189405" y="95435"/>
-                  <a:pt x="192665" y="86431"/>
-                </a:cubicBezTo>
-                <a:lnTo>
-                  <a:pt x="104645" y="86431"/>
-                </a:lnTo>
-                <a:close/>
-                <a:moveTo>
-                  <a:pt x="104645" y="77787"/>
-                </a:moveTo>
-                <a:lnTo>
-                  <a:pt x="206067" y="77787"/>
-                </a:lnTo>
-                <a:cubicBezTo>
-                  <a:pt x="208603" y="77787"/>
-                  <a:pt x="210776" y="79948"/>
-                  <a:pt x="210776" y="82109"/>
-                </a:cubicBezTo>
-                <a:cubicBezTo>
-                  <a:pt x="210776" y="84630"/>
-                  <a:pt x="208603" y="86431"/>
-                  <a:pt x="206067" y="86431"/>
-                </a:cubicBezTo>
-                <a:lnTo>
-                  <a:pt x="202807" y="86431"/>
-                </a:lnTo>
-                <a:cubicBezTo>
-                  <a:pt x="198098" y="95074"/>
-                  <a:pt x="198098" y="104799"/>
-                  <a:pt x="202807" y="113443"/>
-                </a:cubicBezTo>
-                <a:lnTo>
-                  <a:pt x="206067" y="113443"/>
-                </a:lnTo>
-                <a:cubicBezTo>
-                  <a:pt x="208603" y="113443"/>
-                  <a:pt x="210776" y="115243"/>
-                  <a:pt x="210776" y="117765"/>
-                </a:cubicBezTo>
-                <a:lnTo>
-                  <a:pt x="210776" y="236258"/>
-                </a:lnTo>
-                <a:cubicBezTo>
-                  <a:pt x="210776" y="238779"/>
-                  <a:pt x="208603" y="240940"/>
-                  <a:pt x="206067" y="240940"/>
-                </a:cubicBezTo>
-                <a:lnTo>
-                  <a:pt x="104645" y="240940"/>
-                </a:lnTo>
-                <a:cubicBezTo>
-                  <a:pt x="92330" y="240940"/>
-                  <a:pt x="82550" y="230856"/>
-                  <a:pt x="82550" y="218610"/>
-                </a:cubicBezTo>
-                <a:lnTo>
-                  <a:pt x="82550" y="99757"/>
-                </a:lnTo>
-                <a:cubicBezTo>
-                  <a:pt x="82550" y="87511"/>
-                  <a:pt x="92330" y="77787"/>
-                  <a:pt x="104645" y="77787"/>
-                </a:cubicBezTo>
-                <a:close/>
-                <a:moveTo>
-                  <a:pt x="237641" y="36713"/>
-                </a:moveTo>
-                <a:cubicBezTo>
-                  <a:pt x="239437" y="37787"/>
-                  <a:pt x="239796" y="40649"/>
-                  <a:pt x="238000" y="42795"/>
-                </a:cubicBezTo>
-                <a:cubicBezTo>
-                  <a:pt x="235485" y="45657"/>
-                  <a:pt x="234048" y="49950"/>
-                  <a:pt x="234048" y="53885"/>
-                </a:cubicBezTo>
-                <a:lnTo>
-                  <a:pt x="234048" y="76781"/>
-                </a:lnTo>
-                <a:lnTo>
-                  <a:pt x="284347" y="76781"/>
-                </a:lnTo>
-                <a:lnTo>
-                  <a:pt x="284347" y="53885"/>
-                </a:lnTo>
-                <a:cubicBezTo>
-                  <a:pt x="284347" y="49950"/>
-                  <a:pt x="282910" y="45657"/>
-                  <a:pt x="280395" y="42795"/>
-                </a:cubicBezTo>
-                <a:cubicBezTo>
-                  <a:pt x="278958" y="40649"/>
-                  <a:pt x="278958" y="37787"/>
-                  <a:pt x="281113" y="36713"/>
-                </a:cubicBezTo>
-                <a:cubicBezTo>
-                  <a:pt x="282910" y="34925"/>
-                  <a:pt x="285784" y="35282"/>
-                  <a:pt x="287221" y="37071"/>
-                </a:cubicBezTo>
-                <a:cubicBezTo>
-                  <a:pt x="291173" y="41722"/>
-                  <a:pt x="293329" y="47804"/>
-                  <a:pt x="293329" y="53885"/>
-                </a:cubicBezTo>
-                <a:lnTo>
-                  <a:pt x="293329" y="81074"/>
-                </a:lnTo>
-                <a:cubicBezTo>
-                  <a:pt x="293329" y="83578"/>
-                  <a:pt x="291533" y="85367"/>
-                  <a:pt x="288658" y="85367"/>
-                </a:cubicBezTo>
-                <a:lnTo>
-                  <a:pt x="229737" y="85367"/>
-                </a:lnTo>
-                <a:cubicBezTo>
-                  <a:pt x="227222" y="85367"/>
-                  <a:pt x="225425" y="83578"/>
-                  <a:pt x="225425" y="81074"/>
-                </a:cubicBezTo>
-                <a:lnTo>
-                  <a:pt x="225425" y="53885"/>
-                </a:lnTo>
-                <a:cubicBezTo>
-                  <a:pt x="225425" y="47804"/>
-                  <a:pt x="227222" y="41722"/>
-                  <a:pt x="231174" y="37071"/>
-                </a:cubicBezTo>
-                <a:cubicBezTo>
-                  <a:pt x="232970" y="35282"/>
-                  <a:pt x="235844" y="34925"/>
-                  <a:pt x="237641" y="36713"/>
-                </a:cubicBezTo>
-                <a:close/>
-                <a:moveTo>
-                  <a:pt x="12215" y="36713"/>
-                </a:moveTo>
-                <a:cubicBezTo>
-                  <a:pt x="14012" y="37787"/>
-                  <a:pt x="14371" y="40649"/>
-                  <a:pt x="12575" y="42795"/>
-                </a:cubicBezTo>
-                <a:cubicBezTo>
-                  <a:pt x="10419" y="45657"/>
-                  <a:pt x="8622" y="49950"/>
-                  <a:pt x="8622" y="53885"/>
-                </a:cubicBezTo>
-                <a:lnTo>
-                  <a:pt x="8622" y="76781"/>
-                </a:lnTo>
-                <a:lnTo>
-                  <a:pt x="59281" y="76781"/>
-                </a:lnTo>
-                <a:lnTo>
-                  <a:pt x="59281" y="53885"/>
-                </a:lnTo>
-                <a:cubicBezTo>
-                  <a:pt x="59281" y="49950"/>
-                  <a:pt x="57844" y="45657"/>
-                  <a:pt x="54969" y="42795"/>
-                </a:cubicBezTo>
-                <a:cubicBezTo>
-                  <a:pt x="53532" y="40649"/>
-                  <a:pt x="53892" y="37787"/>
-                  <a:pt x="55688" y="36713"/>
-                </a:cubicBezTo>
-                <a:cubicBezTo>
-                  <a:pt x="57844" y="34925"/>
-                  <a:pt x="60359" y="35282"/>
-                  <a:pt x="61796" y="37071"/>
-                </a:cubicBezTo>
-                <a:cubicBezTo>
-                  <a:pt x="65748" y="41722"/>
-                  <a:pt x="67903" y="47804"/>
-                  <a:pt x="67903" y="53885"/>
-                </a:cubicBezTo>
-                <a:lnTo>
-                  <a:pt x="67903" y="81074"/>
-                </a:lnTo>
-                <a:cubicBezTo>
-                  <a:pt x="67903" y="83578"/>
-                  <a:pt x="65748" y="85367"/>
-                  <a:pt x="63592" y="85367"/>
-                </a:cubicBezTo>
-                <a:lnTo>
-                  <a:pt x="4311" y="85367"/>
-                </a:lnTo>
-                <a:cubicBezTo>
-                  <a:pt x="1796" y="85367"/>
-                  <a:pt x="0" y="83578"/>
-                  <a:pt x="0" y="81074"/>
-                </a:cubicBezTo>
-                <a:lnTo>
-                  <a:pt x="0" y="53885"/>
-                </a:lnTo>
-                <a:cubicBezTo>
-                  <a:pt x="0" y="47804"/>
-                  <a:pt x="1796" y="41722"/>
-                  <a:pt x="6107" y="37071"/>
-                </a:cubicBezTo>
-                <a:cubicBezTo>
-                  <a:pt x="7545" y="35282"/>
-                  <a:pt x="10419" y="34925"/>
-                  <a:pt x="12215" y="36713"/>
-                </a:cubicBezTo>
-                <a:close/>
-                <a:moveTo>
-                  <a:pt x="258410" y="8466"/>
-                </a:moveTo>
-                <a:cubicBezTo>
-                  <a:pt x="252766" y="8466"/>
-                  <a:pt x="248180" y="13405"/>
-                  <a:pt x="248180" y="18697"/>
-                </a:cubicBezTo>
-                <a:cubicBezTo>
-                  <a:pt x="248180" y="24341"/>
-                  <a:pt x="252766" y="28928"/>
-                  <a:pt x="258410" y="28928"/>
-                </a:cubicBezTo>
-                <a:cubicBezTo>
-                  <a:pt x="264055" y="28928"/>
-                  <a:pt x="268641" y="24341"/>
-                  <a:pt x="268641" y="18697"/>
-                </a:cubicBezTo>
-                <a:cubicBezTo>
-                  <a:pt x="268641" y="13405"/>
-                  <a:pt x="264055" y="8466"/>
-                  <a:pt x="258410" y="8466"/>
-                </a:cubicBezTo>
-                <a:close/>
-                <a:moveTo>
-                  <a:pt x="32985" y="8466"/>
-                </a:moveTo>
-                <a:cubicBezTo>
-                  <a:pt x="27341" y="8466"/>
-                  <a:pt x="22754" y="13405"/>
-                  <a:pt x="22754" y="18697"/>
-                </a:cubicBezTo>
-                <a:cubicBezTo>
-                  <a:pt x="22754" y="24341"/>
-                  <a:pt x="27341" y="28928"/>
-                  <a:pt x="32985" y="28928"/>
-                </a:cubicBezTo>
-                <a:cubicBezTo>
-                  <a:pt x="38629" y="28928"/>
-                  <a:pt x="43216" y="24341"/>
-                  <a:pt x="43216" y="18697"/>
-                </a:cubicBezTo>
-                <a:cubicBezTo>
-                  <a:pt x="43216" y="13405"/>
-                  <a:pt x="38629" y="8466"/>
-                  <a:pt x="32985" y="8466"/>
-                </a:cubicBezTo>
-                <a:close/>
-                <a:moveTo>
-                  <a:pt x="145691" y="6778"/>
-                </a:moveTo>
-                <a:cubicBezTo>
-                  <a:pt x="171211" y="6778"/>
-                  <a:pt x="196731" y="13556"/>
-                  <a:pt x="219015" y="27113"/>
-                </a:cubicBezTo>
-                <a:cubicBezTo>
-                  <a:pt x="221531" y="28559"/>
-                  <a:pt x="221891" y="31089"/>
-                  <a:pt x="220813" y="33258"/>
-                </a:cubicBezTo>
-                <a:cubicBezTo>
-                  <a:pt x="219015" y="35427"/>
-                  <a:pt x="216499" y="36150"/>
-                  <a:pt x="214702" y="34704"/>
-                </a:cubicBezTo>
-                <a:cubicBezTo>
-                  <a:pt x="172648" y="9037"/>
-                  <a:pt x="118733" y="9037"/>
-                  <a:pt x="77038" y="34704"/>
-                </a:cubicBezTo>
-                <a:cubicBezTo>
-                  <a:pt x="76320" y="35427"/>
-                  <a:pt x="75601" y="35427"/>
-                  <a:pt x="74882" y="35427"/>
-                </a:cubicBezTo>
-                <a:cubicBezTo>
-                  <a:pt x="73444" y="35427"/>
-                  <a:pt x="72006" y="34704"/>
-                  <a:pt x="70928" y="33258"/>
-                </a:cubicBezTo>
-                <a:cubicBezTo>
-                  <a:pt x="69850" y="31089"/>
-                  <a:pt x="70209" y="28559"/>
-                  <a:pt x="72366" y="27113"/>
-                </a:cubicBezTo>
-                <a:cubicBezTo>
-                  <a:pt x="94651" y="13556"/>
-                  <a:pt x="120171" y="6778"/>
-                  <a:pt x="145691" y="6778"/>
-                </a:cubicBezTo>
-                <a:close/>
-                <a:moveTo>
-                  <a:pt x="258410" y="0"/>
-                </a:moveTo>
-                <a:cubicBezTo>
-                  <a:pt x="268994" y="0"/>
-                  <a:pt x="277460" y="8466"/>
-                  <a:pt x="277460" y="18697"/>
-                </a:cubicBezTo>
-                <a:cubicBezTo>
-                  <a:pt x="277460" y="29280"/>
-                  <a:pt x="268994" y="37747"/>
-                  <a:pt x="258410" y="37747"/>
-                </a:cubicBezTo>
-                <a:cubicBezTo>
-                  <a:pt x="248180" y="37747"/>
-                  <a:pt x="239713" y="29280"/>
-                  <a:pt x="239713" y="18697"/>
-                </a:cubicBezTo>
-                <a:cubicBezTo>
-                  <a:pt x="239713" y="8466"/>
-                  <a:pt x="248180" y="0"/>
-                  <a:pt x="258410" y="0"/>
-                </a:cubicBezTo>
-                <a:close/>
-                <a:moveTo>
-                  <a:pt x="32985" y="0"/>
-                </a:moveTo>
-                <a:cubicBezTo>
-                  <a:pt x="43568" y="0"/>
-                  <a:pt x="52035" y="8466"/>
-                  <a:pt x="52035" y="18697"/>
-                </a:cubicBezTo>
-                <a:cubicBezTo>
-                  <a:pt x="52035" y="29280"/>
-                  <a:pt x="43568" y="37747"/>
-                  <a:pt x="32985" y="37747"/>
-                </a:cubicBezTo>
-                <a:cubicBezTo>
-                  <a:pt x="22754" y="37747"/>
-                  <a:pt x="14288" y="29280"/>
-                  <a:pt x="14288" y="18697"/>
-                </a:cubicBezTo>
-                <a:cubicBezTo>
-                  <a:pt x="14288" y="8466"/>
-                  <a:pt x="22754" y="0"/>
-                  <a:pt x="32985" y="0"/>
-                </a:cubicBezTo>
-                <a:close/>
-              </a:path>
-            </a:pathLst>
-          </a:custGeom>
-          <a:solidFill>
-            <a:srgbClr val="ED8B00"/>
-          </a:solidFill>
-          <a:ln>
+              </a:endParaRPr>
+            </a:p>
+          </p:txBody>
+        </p:sp>
+        <p:sp>
+          <p:nvSpPr>
+            <p:cNvPr id="18" name="Freeform 1015">
+              <a:extLst>
+                <a:ext uri="{FF2B5EF4-FFF2-40B4-BE49-F238E27FC236}">
+                  <a16:creationId xmlns:a16="http://schemas.microsoft.com/office/drawing/2014/main" id="{2DFBB6BE-A3C1-C95A-4287-54102AC9E823}"/>
+                </a:ext>
+              </a:extLst>
+            </p:cNvPr>
+            <p:cNvSpPr>
+              <a:spLocks noChangeAspect="1"/>
+            </p:cNvSpPr>
+            <p:nvPr/>
+          </p:nvSpPr>
+          <p:spPr bwMode="auto">
+            <a:xfrm>
+              <a:off x="3725963" y="1573844"/>
+              <a:ext cx="495898" cy="495898"/>
+            </a:xfrm>
+            <a:custGeom>
+              <a:avLst/>
+              <a:gdLst>
+                <a:gd name="T0" fmla="*/ 7726423 w 293329"/>
+                <a:gd name="T1" fmla="*/ 9850932 h 293332"/>
+                <a:gd name="T2" fmla="*/ 2935958 w 293329"/>
+                <a:gd name="T3" fmla="*/ 9676341 h 293332"/>
+                <a:gd name="T4" fmla="*/ 8633732 w 293329"/>
+                <a:gd name="T5" fmla="*/ 8887648 h 293332"/>
+                <a:gd name="T6" fmla="*/ 8503163 w 293329"/>
+                <a:gd name="T7" fmla="*/ 10333017 h 293332"/>
+                <a:gd name="T8" fmla="*/ 10187033 w 293329"/>
+                <a:gd name="T9" fmla="*/ 9107071 h 293332"/>
+                <a:gd name="T10" fmla="*/ 10656909 w 293329"/>
+                <a:gd name="T11" fmla="*/ 9507104 h 293332"/>
+                <a:gd name="T12" fmla="*/ 8346597 w 293329"/>
+                <a:gd name="T13" fmla="*/ 10655613 h 293332"/>
+                <a:gd name="T14" fmla="*/ 8398777 w 293329"/>
+                <a:gd name="T15" fmla="*/ 8900613 h 293332"/>
+                <a:gd name="T16" fmla="*/ 456778 w 293329"/>
+                <a:gd name="T17" fmla="*/ 9107071 h 293332"/>
+                <a:gd name="T18" fmla="*/ 2153785 w 293329"/>
+                <a:gd name="T19" fmla="*/ 10333017 h 293332"/>
+                <a:gd name="T20" fmla="*/ 2023134 w 293329"/>
+                <a:gd name="T21" fmla="*/ 8887648 h 293332"/>
+                <a:gd name="T22" fmla="*/ 2466970 w 293329"/>
+                <a:gd name="T23" fmla="*/ 10500789 h 293332"/>
+                <a:gd name="T24" fmla="*/ 0 w 293329"/>
+                <a:gd name="T25" fmla="*/ 10500789 h 293332"/>
+                <a:gd name="T26" fmla="*/ 443780 w 293329"/>
+                <a:gd name="T27" fmla="*/ 8887648 h 293332"/>
+                <a:gd name="T28" fmla="*/ 9388267 w 293329"/>
+                <a:gd name="T29" fmla="*/ 8605304 h 293332"/>
+                <a:gd name="T30" fmla="*/ 1198367 w 293329"/>
+                <a:gd name="T31" fmla="*/ 7874844 h 293332"/>
+                <a:gd name="T32" fmla="*/ 1570072 w 293329"/>
+                <a:gd name="T33" fmla="*/ 8233637 h 293332"/>
+                <a:gd name="T34" fmla="*/ 10080391 w 293329"/>
+                <a:gd name="T35" fmla="*/ 8233637 h 293332"/>
+                <a:gd name="T36" fmla="*/ 9388267 w 293329"/>
+                <a:gd name="T37" fmla="*/ 7554479 h 293332"/>
+                <a:gd name="T38" fmla="*/ 1198367 w 293329"/>
+                <a:gd name="T39" fmla="*/ 8925645 h 293332"/>
+                <a:gd name="T40" fmla="*/ 5130248 w 293329"/>
+                <a:gd name="T41" fmla="*/ 6689459 h 293332"/>
+                <a:gd name="T42" fmla="*/ 6635580 w 293329"/>
+                <a:gd name="T43" fmla="*/ 7022186 h 293332"/>
+                <a:gd name="T44" fmla="*/ 5130248 w 293329"/>
+                <a:gd name="T45" fmla="*/ 6689459 h 293332"/>
+                <a:gd name="T46" fmla="*/ 6792622 w 293329"/>
+                <a:gd name="T47" fmla="*/ 5753460 h 293332"/>
+                <a:gd name="T48" fmla="*/ 4960060 w 293329"/>
+                <a:gd name="T49" fmla="*/ 5753460 h 293332"/>
+                <a:gd name="T50" fmla="*/ 4394049 w 293329"/>
+                <a:gd name="T51" fmla="*/ 8425350 h 293332"/>
+                <a:gd name="T52" fmla="*/ 4394049 w 293329"/>
+                <a:gd name="T53" fmla="*/ 4434924 h 293332"/>
+                <a:gd name="T54" fmla="*/ 3801866 w 293329"/>
+                <a:gd name="T55" fmla="*/ 8425350 h 293332"/>
+                <a:gd name="T56" fmla="*/ 3801866 w 293329"/>
+                <a:gd name="T57" fmla="*/ 4434924 h 293332"/>
+                <a:gd name="T58" fmla="*/ 10173087 w 293329"/>
+                <a:gd name="T59" fmla="*/ 3648251 h 293332"/>
+                <a:gd name="T60" fmla="*/ 9880272 w 293329"/>
+                <a:gd name="T61" fmla="*/ 7355373 h 293332"/>
+                <a:gd name="T62" fmla="*/ 9960128 w 293329"/>
+                <a:gd name="T63" fmla="*/ 3543768 h 293332"/>
+                <a:gd name="T64" fmla="*/ 882485 w 293329"/>
+                <a:gd name="T65" fmla="*/ 7043025 h 293332"/>
+                <a:gd name="T66" fmla="*/ 572838 w 293329"/>
+                <a:gd name="T67" fmla="*/ 7161164 h 293332"/>
+                <a:gd name="T68" fmla="*/ 3801866 w 293329"/>
+                <a:gd name="T69" fmla="*/ 3139719 h 293332"/>
+                <a:gd name="T70" fmla="*/ 6999706 w 293329"/>
+                <a:gd name="T71" fmla="*/ 4120936 h 293332"/>
+                <a:gd name="T72" fmla="*/ 3801866 w 293329"/>
+                <a:gd name="T73" fmla="*/ 2825664 h 293332"/>
+                <a:gd name="T74" fmla="*/ 7486601 w 293329"/>
+                <a:gd name="T75" fmla="*/ 3139719 h 293332"/>
+                <a:gd name="T76" fmla="*/ 7486601 w 293329"/>
+                <a:gd name="T77" fmla="*/ 4120936 h 293332"/>
+                <a:gd name="T78" fmla="*/ 7486601 w 293329"/>
+                <a:gd name="T79" fmla="*/ 8752426 h 293332"/>
+                <a:gd name="T80" fmla="*/ 2999112 w 293329"/>
+                <a:gd name="T81" fmla="*/ 3623786 h 293332"/>
+                <a:gd name="T82" fmla="*/ 8646767 w 293329"/>
+                <a:gd name="T83" fmla="*/ 1554601 h 293332"/>
+                <a:gd name="T84" fmla="*/ 10330586 w 293329"/>
+                <a:gd name="T85" fmla="*/ 2789136 h 293332"/>
+                <a:gd name="T86" fmla="*/ 10213098 w 293329"/>
+                <a:gd name="T87" fmla="*/ 1333651 h 293332"/>
+                <a:gd name="T88" fmla="*/ 10656909 w 293329"/>
+                <a:gd name="T89" fmla="*/ 2945074 h 293332"/>
+                <a:gd name="T90" fmla="*/ 8189923 w 293329"/>
+                <a:gd name="T91" fmla="*/ 2945074 h 293332"/>
+                <a:gd name="T92" fmla="*/ 8633732 w 293329"/>
+                <a:gd name="T93" fmla="*/ 1333651 h 293332"/>
+                <a:gd name="T94" fmla="*/ 313320 w 293329"/>
+                <a:gd name="T95" fmla="*/ 1957394 h 293332"/>
+                <a:gd name="T96" fmla="*/ 2153785 w 293329"/>
+                <a:gd name="T97" fmla="*/ 1957394 h 293332"/>
+                <a:gd name="T98" fmla="*/ 2245154 w 293329"/>
+                <a:gd name="T99" fmla="*/ 1346649 h 293332"/>
+                <a:gd name="T100" fmla="*/ 2310348 w 293329"/>
+                <a:gd name="T101" fmla="*/ 3101058 h 293332"/>
+                <a:gd name="T102" fmla="*/ 0 w 293329"/>
+                <a:gd name="T103" fmla="*/ 1957394 h 293332"/>
+                <a:gd name="T104" fmla="*/ 9388267 w 293329"/>
+                <a:gd name="T105" fmla="*/ 307485 h 293332"/>
+                <a:gd name="T106" fmla="*/ 9759991 w 293329"/>
+                <a:gd name="T107" fmla="*/ 679246 h 293332"/>
+                <a:gd name="T108" fmla="*/ 826690 w 293329"/>
+                <a:gd name="T109" fmla="*/ 679246 h 293332"/>
+                <a:gd name="T110" fmla="*/ 1198367 w 293329"/>
+                <a:gd name="T111" fmla="*/ 307485 h 293332"/>
+                <a:gd name="T112" fmla="*/ 8022361 w 293329"/>
+                <a:gd name="T113" fmla="*/ 1208071 h 293332"/>
+                <a:gd name="T114" fmla="*/ 2720558 w 293329"/>
+                <a:gd name="T115" fmla="*/ 1286932 h 293332"/>
+                <a:gd name="T116" fmla="*/ 5293109 w 293329"/>
+                <a:gd name="T117" fmla="*/ 246183 h 293332"/>
+                <a:gd name="T118" fmla="*/ 9388267 w 293329"/>
+                <a:gd name="T119" fmla="*/ 1371250 h 293332"/>
+                <a:gd name="T120" fmla="*/ 1198367 w 293329"/>
+                <a:gd name="T121" fmla="*/ 0 h 293332"/>
+                <a:gd name="T122" fmla="*/ 519153 w 293329"/>
+                <a:gd name="T123" fmla="*/ 679246 h 293332"/>
+                <a:gd name="T124" fmla="*/ 0 60000 65536"/>
+                <a:gd name="T125" fmla="*/ 0 60000 65536"/>
+                <a:gd name="T126" fmla="*/ 0 60000 65536"/>
+                <a:gd name="T127" fmla="*/ 0 60000 65536"/>
+                <a:gd name="T128" fmla="*/ 0 60000 65536"/>
+                <a:gd name="T129" fmla="*/ 0 60000 65536"/>
+                <a:gd name="T130" fmla="*/ 0 60000 65536"/>
+                <a:gd name="T131" fmla="*/ 0 60000 65536"/>
+                <a:gd name="T132" fmla="*/ 0 60000 65536"/>
+                <a:gd name="T133" fmla="*/ 0 60000 65536"/>
+                <a:gd name="T134" fmla="*/ 0 60000 65536"/>
+                <a:gd name="T135" fmla="*/ 0 60000 65536"/>
+                <a:gd name="T136" fmla="*/ 0 60000 65536"/>
+                <a:gd name="T137" fmla="*/ 0 60000 65536"/>
+                <a:gd name="T138" fmla="*/ 0 60000 65536"/>
+                <a:gd name="T139" fmla="*/ 0 60000 65536"/>
+                <a:gd name="T140" fmla="*/ 0 60000 65536"/>
+                <a:gd name="T141" fmla="*/ 0 60000 65536"/>
+                <a:gd name="T142" fmla="*/ 0 60000 65536"/>
+                <a:gd name="T143" fmla="*/ 0 60000 65536"/>
+                <a:gd name="T144" fmla="*/ 0 60000 65536"/>
+                <a:gd name="T145" fmla="*/ 0 60000 65536"/>
+                <a:gd name="T146" fmla="*/ 0 60000 65536"/>
+                <a:gd name="T147" fmla="*/ 0 60000 65536"/>
+                <a:gd name="T148" fmla="*/ 0 60000 65536"/>
+                <a:gd name="T149" fmla="*/ 0 60000 65536"/>
+                <a:gd name="T150" fmla="*/ 0 60000 65536"/>
+                <a:gd name="T151" fmla="*/ 0 60000 65536"/>
+                <a:gd name="T152" fmla="*/ 0 60000 65536"/>
+                <a:gd name="T153" fmla="*/ 0 60000 65536"/>
+                <a:gd name="T154" fmla="*/ 0 60000 65536"/>
+                <a:gd name="T155" fmla="*/ 0 60000 65536"/>
+                <a:gd name="T156" fmla="*/ 0 60000 65536"/>
+                <a:gd name="T157" fmla="*/ 0 60000 65536"/>
+                <a:gd name="T158" fmla="*/ 0 60000 65536"/>
+                <a:gd name="T159" fmla="*/ 0 60000 65536"/>
+                <a:gd name="T160" fmla="*/ 0 60000 65536"/>
+                <a:gd name="T161" fmla="*/ 0 60000 65536"/>
+                <a:gd name="T162" fmla="*/ 0 60000 65536"/>
+                <a:gd name="T163" fmla="*/ 0 60000 65536"/>
+                <a:gd name="T164" fmla="*/ 0 60000 65536"/>
+                <a:gd name="T165" fmla="*/ 0 60000 65536"/>
+                <a:gd name="T166" fmla="*/ 0 60000 65536"/>
+                <a:gd name="T167" fmla="*/ 0 60000 65536"/>
+                <a:gd name="T168" fmla="*/ 0 60000 65536"/>
+                <a:gd name="T169" fmla="*/ 0 60000 65536"/>
+                <a:gd name="T170" fmla="*/ 0 60000 65536"/>
+                <a:gd name="T171" fmla="*/ 0 60000 65536"/>
+                <a:gd name="T172" fmla="*/ 0 60000 65536"/>
+                <a:gd name="T173" fmla="*/ 0 60000 65536"/>
+                <a:gd name="T174" fmla="*/ 0 60000 65536"/>
+                <a:gd name="T175" fmla="*/ 0 60000 65536"/>
+                <a:gd name="T176" fmla="*/ 0 60000 65536"/>
+                <a:gd name="T177" fmla="*/ 0 60000 65536"/>
+                <a:gd name="T178" fmla="*/ 0 60000 65536"/>
+                <a:gd name="T179" fmla="*/ 0 60000 65536"/>
+                <a:gd name="T180" fmla="*/ 0 60000 65536"/>
+                <a:gd name="T181" fmla="*/ 0 60000 65536"/>
+                <a:gd name="T182" fmla="*/ 0 60000 65536"/>
+                <a:gd name="T183" fmla="*/ 0 60000 65536"/>
+                <a:gd name="T184" fmla="*/ 0 60000 65536"/>
+                <a:gd name="T185" fmla="*/ 0 60000 65536"/>
+              </a:gdLst>
+              <a:ahLst/>
+              <a:cxnLst>
+                <a:cxn ang="T124">
+                  <a:pos x="T0" y="T1"/>
+                </a:cxn>
+                <a:cxn ang="T125">
+                  <a:pos x="T2" y="T3"/>
+                </a:cxn>
+                <a:cxn ang="T126">
+                  <a:pos x="T4" y="T5"/>
+                </a:cxn>
+                <a:cxn ang="T127">
+                  <a:pos x="T6" y="T7"/>
+                </a:cxn>
+                <a:cxn ang="T128">
+                  <a:pos x="T8" y="T9"/>
+                </a:cxn>
+                <a:cxn ang="T129">
+                  <a:pos x="T10" y="T11"/>
+                </a:cxn>
+                <a:cxn ang="T130">
+                  <a:pos x="T12" y="T13"/>
+                </a:cxn>
+                <a:cxn ang="T131">
+                  <a:pos x="T14" y="T15"/>
+                </a:cxn>
+                <a:cxn ang="T132">
+                  <a:pos x="T16" y="T17"/>
+                </a:cxn>
+                <a:cxn ang="T133">
+                  <a:pos x="T18" y="T19"/>
+                </a:cxn>
+                <a:cxn ang="T134">
+                  <a:pos x="T20" y="T21"/>
+                </a:cxn>
+                <a:cxn ang="T135">
+                  <a:pos x="T22" y="T23"/>
+                </a:cxn>
+                <a:cxn ang="T136">
+                  <a:pos x="T24" y="T25"/>
+                </a:cxn>
+                <a:cxn ang="T137">
+                  <a:pos x="T26" y="T27"/>
+                </a:cxn>
+                <a:cxn ang="T138">
+                  <a:pos x="T28" y="T29"/>
+                </a:cxn>
+                <a:cxn ang="T139">
+                  <a:pos x="T30" y="T31"/>
+                </a:cxn>
+                <a:cxn ang="T140">
+                  <a:pos x="T32" y="T33"/>
+                </a:cxn>
+                <a:cxn ang="T141">
+                  <a:pos x="T34" y="T35"/>
+                </a:cxn>
+                <a:cxn ang="T142">
+                  <a:pos x="T36" y="T37"/>
+                </a:cxn>
+                <a:cxn ang="T143">
+                  <a:pos x="T38" y="T39"/>
+                </a:cxn>
+                <a:cxn ang="T144">
+                  <a:pos x="T40" y="T41"/>
+                </a:cxn>
+                <a:cxn ang="T145">
+                  <a:pos x="T42" y="T43"/>
+                </a:cxn>
+                <a:cxn ang="T146">
+                  <a:pos x="T44" y="T45"/>
+                </a:cxn>
+                <a:cxn ang="T147">
+                  <a:pos x="T46" y="T47"/>
+                </a:cxn>
+                <a:cxn ang="T148">
+                  <a:pos x="T48" y="T49"/>
+                </a:cxn>
+                <a:cxn ang="T149">
+                  <a:pos x="T50" y="T51"/>
+                </a:cxn>
+                <a:cxn ang="T150">
+                  <a:pos x="T52" y="T53"/>
+                </a:cxn>
+                <a:cxn ang="T151">
+                  <a:pos x="T54" y="T55"/>
+                </a:cxn>
+                <a:cxn ang="T152">
+                  <a:pos x="T56" y="T57"/>
+                </a:cxn>
+                <a:cxn ang="T153">
+                  <a:pos x="T58" y="T59"/>
+                </a:cxn>
+                <a:cxn ang="T154">
+                  <a:pos x="T60" y="T61"/>
+                </a:cxn>
+                <a:cxn ang="T155">
+                  <a:pos x="T62" y="T63"/>
+                </a:cxn>
+                <a:cxn ang="T156">
+                  <a:pos x="T64" y="T65"/>
+                </a:cxn>
+                <a:cxn ang="T157">
+                  <a:pos x="T66" y="T67"/>
+                </a:cxn>
+                <a:cxn ang="T158">
+                  <a:pos x="T68" y="T69"/>
+                </a:cxn>
+                <a:cxn ang="T159">
+                  <a:pos x="T70" y="T71"/>
+                </a:cxn>
+                <a:cxn ang="T160">
+                  <a:pos x="T72" y="T73"/>
+                </a:cxn>
+                <a:cxn ang="T161">
+                  <a:pos x="T74" y="T75"/>
+                </a:cxn>
+                <a:cxn ang="T162">
+                  <a:pos x="T76" y="T77"/>
+                </a:cxn>
+                <a:cxn ang="T163">
+                  <a:pos x="T78" y="T79"/>
+                </a:cxn>
+                <a:cxn ang="T164">
+                  <a:pos x="T80" y="T81"/>
+                </a:cxn>
+                <a:cxn ang="T165">
+                  <a:pos x="T82" y="T83"/>
+                </a:cxn>
+                <a:cxn ang="T166">
+                  <a:pos x="T84" y="T85"/>
+                </a:cxn>
+                <a:cxn ang="T167">
+                  <a:pos x="T86" y="T87"/>
+                </a:cxn>
+                <a:cxn ang="T168">
+                  <a:pos x="T88" y="T89"/>
+                </a:cxn>
+                <a:cxn ang="T169">
+                  <a:pos x="T90" y="T91"/>
+                </a:cxn>
+                <a:cxn ang="T170">
+                  <a:pos x="T92" y="T93"/>
+                </a:cxn>
+                <a:cxn ang="T171">
+                  <a:pos x="T94" y="T95"/>
+                </a:cxn>
+                <a:cxn ang="T172">
+                  <a:pos x="T96" y="T97"/>
+                </a:cxn>
+                <a:cxn ang="T173">
+                  <a:pos x="T98" y="T99"/>
+                </a:cxn>
+                <a:cxn ang="T174">
+                  <a:pos x="T100" y="T101"/>
+                </a:cxn>
+                <a:cxn ang="T175">
+                  <a:pos x="T102" y="T103"/>
+                </a:cxn>
+                <a:cxn ang="T176">
+                  <a:pos x="T104" y="T105"/>
+                </a:cxn>
+                <a:cxn ang="T177">
+                  <a:pos x="T106" y="T107"/>
+                </a:cxn>
+                <a:cxn ang="T178">
+                  <a:pos x="T108" y="T109"/>
+                </a:cxn>
+                <a:cxn ang="T179">
+                  <a:pos x="T110" y="T111"/>
+                </a:cxn>
+                <a:cxn ang="T180">
+                  <a:pos x="T112" y="T113"/>
+                </a:cxn>
+                <a:cxn ang="T181">
+                  <a:pos x="T114" y="T115"/>
+                </a:cxn>
+                <a:cxn ang="T182">
+                  <a:pos x="T116" y="T117"/>
+                </a:cxn>
+                <a:cxn ang="T183">
+                  <a:pos x="T118" y="T119"/>
+                </a:cxn>
+                <a:cxn ang="T184">
+                  <a:pos x="T120" y="T121"/>
+                </a:cxn>
+                <a:cxn ang="T185">
+                  <a:pos x="T122" y="T123"/>
+                </a:cxn>
+              </a:cxnLst>
+              <a:rect l="0" t="0" r="r" b="b"/>
+              <a:pathLst>
+                <a:path w="293329" h="293332">
+                  <a:moveTo>
+                    <a:pt x="208355" y="263416"/>
+                  </a:moveTo>
+                  <a:cubicBezTo>
+                    <a:pt x="210511" y="261937"/>
+                    <a:pt x="213385" y="262677"/>
+                    <a:pt x="214822" y="264895"/>
+                  </a:cubicBezTo>
+                  <a:cubicBezTo>
+                    <a:pt x="215541" y="267483"/>
+                    <a:pt x="214822" y="270071"/>
+                    <a:pt x="212667" y="271180"/>
+                  </a:cubicBezTo>
+                  <a:cubicBezTo>
+                    <a:pt x="192188" y="282640"/>
+                    <a:pt x="169194" y="288556"/>
+                    <a:pt x="146201" y="288556"/>
+                  </a:cubicBezTo>
+                  <a:cubicBezTo>
+                    <a:pt x="124284" y="288556"/>
+                    <a:pt x="102728" y="283010"/>
+                    <a:pt x="82608" y="272659"/>
+                  </a:cubicBezTo>
+                  <a:cubicBezTo>
+                    <a:pt x="80093" y="271549"/>
+                    <a:pt x="79375" y="268592"/>
+                    <a:pt x="80812" y="266374"/>
+                  </a:cubicBezTo>
+                  <a:cubicBezTo>
+                    <a:pt x="81530" y="264155"/>
+                    <a:pt x="84405" y="263416"/>
+                    <a:pt x="86560" y="264525"/>
+                  </a:cubicBezTo>
+                  <a:cubicBezTo>
+                    <a:pt x="125003" y="284859"/>
+                    <a:pt x="170631" y="284119"/>
+                    <a:pt x="208355" y="263416"/>
+                  </a:cubicBezTo>
+                  <a:close/>
+                  <a:moveTo>
+                    <a:pt x="237641" y="244663"/>
+                  </a:moveTo>
+                  <a:cubicBezTo>
+                    <a:pt x="239437" y="246084"/>
+                    <a:pt x="239796" y="248926"/>
+                    <a:pt x="238000" y="250703"/>
+                  </a:cubicBezTo>
+                  <a:cubicBezTo>
+                    <a:pt x="235485" y="253900"/>
+                    <a:pt x="234048" y="257808"/>
+                    <a:pt x="234048" y="261715"/>
+                  </a:cubicBezTo>
+                  <a:lnTo>
+                    <a:pt x="234048" y="284451"/>
+                  </a:lnTo>
+                  <a:lnTo>
+                    <a:pt x="284347" y="284451"/>
+                  </a:lnTo>
+                  <a:lnTo>
+                    <a:pt x="284347" y="261715"/>
+                  </a:lnTo>
+                  <a:cubicBezTo>
+                    <a:pt x="284347" y="257808"/>
+                    <a:pt x="283269" y="253900"/>
+                    <a:pt x="280395" y="250703"/>
+                  </a:cubicBezTo>
+                  <a:cubicBezTo>
+                    <a:pt x="278958" y="248926"/>
+                    <a:pt x="278958" y="246084"/>
+                    <a:pt x="281113" y="244663"/>
+                  </a:cubicBezTo>
+                  <a:cubicBezTo>
+                    <a:pt x="282910" y="242887"/>
+                    <a:pt x="285784" y="243242"/>
+                    <a:pt x="287221" y="245019"/>
+                  </a:cubicBezTo>
+                  <a:cubicBezTo>
+                    <a:pt x="291173" y="249992"/>
+                    <a:pt x="293329" y="255676"/>
+                    <a:pt x="293329" y="261715"/>
+                  </a:cubicBezTo>
+                  <a:lnTo>
+                    <a:pt x="293329" y="289069"/>
+                  </a:lnTo>
+                  <a:cubicBezTo>
+                    <a:pt x="293329" y="291201"/>
+                    <a:pt x="291533" y="293332"/>
+                    <a:pt x="288658" y="293332"/>
+                  </a:cubicBezTo>
+                  <a:lnTo>
+                    <a:pt x="229737" y="293332"/>
+                  </a:lnTo>
+                  <a:cubicBezTo>
+                    <a:pt x="227222" y="293332"/>
+                    <a:pt x="225425" y="291201"/>
+                    <a:pt x="225425" y="289069"/>
+                  </a:cubicBezTo>
+                  <a:lnTo>
+                    <a:pt x="225425" y="261715"/>
+                  </a:lnTo>
+                  <a:cubicBezTo>
+                    <a:pt x="225425" y="255676"/>
+                    <a:pt x="227222" y="249992"/>
+                    <a:pt x="231174" y="245019"/>
+                  </a:cubicBezTo>
+                  <a:cubicBezTo>
+                    <a:pt x="232611" y="243242"/>
+                    <a:pt x="235844" y="242887"/>
+                    <a:pt x="237641" y="244663"/>
+                  </a:cubicBezTo>
+                  <a:close/>
+                  <a:moveTo>
+                    <a:pt x="12215" y="244663"/>
+                  </a:moveTo>
+                  <a:cubicBezTo>
+                    <a:pt x="14012" y="246084"/>
+                    <a:pt x="14371" y="248926"/>
+                    <a:pt x="12575" y="250703"/>
+                  </a:cubicBezTo>
+                  <a:cubicBezTo>
+                    <a:pt x="10419" y="253900"/>
+                    <a:pt x="8622" y="257808"/>
+                    <a:pt x="8622" y="261715"/>
+                  </a:cubicBezTo>
+                  <a:lnTo>
+                    <a:pt x="8622" y="284451"/>
+                  </a:lnTo>
+                  <a:lnTo>
+                    <a:pt x="59281" y="284451"/>
+                  </a:lnTo>
+                  <a:lnTo>
+                    <a:pt x="59281" y="261715"/>
+                  </a:lnTo>
+                  <a:cubicBezTo>
+                    <a:pt x="59281" y="257808"/>
+                    <a:pt x="57844" y="253900"/>
+                    <a:pt x="54969" y="250703"/>
+                  </a:cubicBezTo>
+                  <a:cubicBezTo>
+                    <a:pt x="53532" y="248926"/>
+                    <a:pt x="53892" y="246084"/>
+                    <a:pt x="55688" y="244663"/>
+                  </a:cubicBezTo>
+                  <a:cubicBezTo>
+                    <a:pt x="57844" y="242887"/>
+                    <a:pt x="60359" y="243242"/>
+                    <a:pt x="61796" y="245019"/>
+                  </a:cubicBezTo>
+                  <a:cubicBezTo>
+                    <a:pt x="65748" y="249992"/>
+                    <a:pt x="67903" y="255676"/>
+                    <a:pt x="67903" y="261715"/>
+                  </a:cubicBezTo>
+                  <a:lnTo>
+                    <a:pt x="67903" y="289069"/>
+                  </a:lnTo>
+                  <a:cubicBezTo>
+                    <a:pt x="67903" y="291201"/>
+                    <a:pt x="65748" y="293332"/>
+                    <a:pt x="63592" y="293332"/>
+                  </a:cubicBezTo>
+                  <a:lnTo>
+                    <a:pt x="4311" y="293332"/>
+                  </a:lnTo>
+                  <a:cubicBezTo>
+                    <a:pt x="1796" y="293332"/>
+                    <a:pt x="0" y="291201"/>
+                    <a:pt x="0" y="289069"/>
+                  </a:cubicBezTo>
+                  <a:lnTo>
+                    <a:pt x="0" y="261715"/>
+                  </a:lnTo>
+                  <a:cubicBezTo>
+                    <a:pt x="0" y="255676"/>
+                    <a:pt x="1796" y="249992"/>
+                    <a:pt x="6107" y="245019"/>
+                  </a:cubicBezTo>
+                  <a:cubicBezTo>
+                    <a:pt x="7545" y="243242"/>
+                    <a:pt x="10419" y="242887"/>
+                    <a:pt x="12215" y="244663"/>
+                  </a:cubicBezTo>
+                  <a:close/>
+                  <a:moveTo>
+                    <a:pt x="258410" y="216782"/>
+                  </a:moveTo>
+                  <a:cubicBezTo>
+                    <a:pt x="252766" y="216782"/>
+                    <a:pt x="248180" y="221368"/>
+                    <a:pt x="248180" y="226659"/>
+                  </a:cubicBezTo>
+                  <a:cubicBezTo>
+                    <a:pt x="248180" y="232304"/>
+                    <a:pt x="252766" y="236890"/>
+                    <a:pt x="258410" y="236890"/>
+                  </a:cubicBezTo>
+                  <a:cubicBezTo>
+                    <a:pt x="264055" y="236890"/>
+                    <a:pt x="268641" y="232304"/>
+                    <a:pt x="268641" y="226659"/>
+                  </a:cubicBezTo>
+                  <a:cubicBezTo>
+                    <a:pt x="268641" y="221368"/>
+                    <a:pt x="264055" y="216782"/>
+                    <a:pt x="258410" y="216782"/>
+                  </a:cubicBezTo>
+                  <a:close/>
+                  <a:moveTo>
+                    <a:pt x="32985" y="216782"/>
+                  </a:moveTo>
+                  <a:cubicBezTo>
+                    <a:pt x="27341" y="216782"/>
+                    <a:pt x="22754" y="221368"/>
+                    <a:pt x="22754" y="226659"/>
+                  </a:cubicBezTo>
+                  <a:cubicBezTo>
+                    <a:pt x="22754" y="232304"/>
+                    <a:pt x="27341" y="236890"/>
+                    <a:pt x="32985" y="236890"/>
+                  </a:cubicBezTo>
+                  <a:cubicBezTo>
+                    <a:pt x="38629" y="236890"/>
+                    <a:pt x="43216" y="232304"/>
+                    <a:pt x="43216" y="226659"/>
+                  </a:cubicBezTo>
+                  <a:cubicBezTo>
+                    <a:pt x="43216" y="221368"/>
+                    <a:pt x="38629" y="216782"/>
+                    <a:pt x="32985" y="216782"/>
+                  </a:cubicBezTo>
+                  <a:close/>
+                  <a:moveTo>
+                    <a:pt x="258410" y="207962"/>
+                  </a:moveTo>
+                  <a:cubicBezTo>
+                    <a:pt x="268994" y="207962"/>
+                    <a:pt x="277460" y="216429"/>
+                    <a:pt x="277460" y="226659"/>
+                  </a:cubicBezTo>
+                  <a:cubicBezTo>
+                    <a:pt x="277460" y="237243"/>
+                    <a:pt x="268994" y="245709"/>
+                    <a:pt x="258410" y="245709"/>
+                  </a:cubicBezTo>
+                  <a:cubicBezTo>
+                    <a:pt x="248180" y="245709"/>
+                    <a:pt x="239713" y="237243"/>
+                    <a:pt x="239713" y="226659"/>
+                  </a:cubicBezTo>
+                  <a:cubicBezTo>
+                    <a:pt x="239713" y="216429"/>
+                    <a:pt x="248180" y="207962"/>
+                    <a:pt x="258410" y="207962"/>
+                  </a:cubicBezTo>
+                  <a:close/>
+                  <a:moveTo>
+                    <a:pt x="32985" y="207962"/>
+                  </a:moveTo>
+                  <a:cubicBezTo>
+                    <a:pt x="43568" y="207962"/>
+                    <a:pt x="52035" y="216429"/>
+                    <a:pt x="52035" y="226659"/>
+                  </a:cubicBezTo>
+                  <a:cubicBezTo>
+                    <a:pt x="52035" y="237243"/>
+                    <a:pt x="43568" y="245709"/>
+                    <a:pt x="32985" y="245709"/>
+                  </a:cubicBezTo>
+                  <a:cubicBezTo>
+                    <a:pt x="22754" y="245709"/>
+                    <a:pt x="14288" y="237243"/>
+                    <a:pt x="14288" y="226659"/>
+                  </a:cubicBezTo>
+                  <a:cubicBezTo>
+                    <a:pt x="14288" y="216429"/>
+                    <a:pt x="22754" y="207962"/>
+                    <a:pt x="32985" y="207962"/>
+                  </a:cubicBezTo>
+                  <a:close/>
+                  <a:moveTo>
+                    <a:pt x="141209" y="184150"/>
+                  </a:moveTo>
+                  <a:lnTo>
+                    <a:pt x="182642" y="184150"/>
+                  </a:lnTo>
+                  <a:cubicBezTo>
+                    <a:pt x="185164" y="184150"/>
+                    <a:pt x="186965" y="186348"/>
+                    <a:pt x="186965" y="188913"/>
+                  </a:cubicBezTo>
+                  <a:cubicBezTo>
+                    <a:pt x="186965" y="191477"/>
+                    <a:pt x="185164" y="193309"/>
+                    <a:pt x="182642" y="193309"/>
+                  </a:cubicBezTo>
+                  <a:lnTo>
+                    <a:pt x="141209" y="193309"/>
+                  </a:lnTo>
+                  <a:cubicBezTo>
+                    <a:pt x="138687" y="193309"/>
+                    <a:pt x="136525" y="191477"/>
+                    <a:pt x="136525" y="188913"/>
+                  </a:cubicBezTo>
+                  <a:cubicBezTo>
+                    <a:pt x="136525" y="186348"/>
+                    <a:pt x="138687" y="184150"/>
+                    <a:pt x="141209" y="184150"/>
+                  </a:cubicBezTo>
+                  <a:close/>
+                  <a:moveTo>
+                    <a:pt x="141209" y="153987"/>
+                  </a:moveTo>
+                  <a:lnTo>
+                    <a:pt x="182642" y="153987"/>
+                  </a:lnTo>
+                  <a:cubicBezTo>
+                    <a:pt x="185164" y="153987"/>
+                    <a:pt x="186965" y="155818"/>
+                    <a:pt x="186965" y="158383"/>
+                  </a:cubicBezTo>
+                  <a:cubicBezTo>
+                    <a:pt x="186965" y="160947"/>
+                    <a:pt x="185164" y="163145"/>
+                    <a:pt x="182642" y="163145"/>
+                  </a:cubicBezTo>
+                  <a:lnTo>
+                    <a:pt x="141209" y="163145"/>
+                  </a:lnTo>
+                  <a:cubicBezTo>
+                    <a:pt x="138687" y="163145"/>
+                    <a:pt x="136525" y="160947"/>
+                    <a:pt x="136525" y="158383"/>
+                  </a:cubicBezTo>
+                  <a:cubicBezTo>
+                    <a:pt x="136525" y="155818"/>
+                    <a:pt x="138687" y="153987"/>
+                    <a:pt x="141209" y="153987"/>
+                  </a:cubicBezTo>
+                  <a:close/>
+                  <a:moveTo>
+                    <a:pt x="120945" y="122087"/>
+                  </a:moveTo>
+                  <a:lnTo>
+                    <a:pt x="120945" y="231936"/>
+                  </a:lnTo>
+                  <a:lnTo>
+                    <a:pt x="201721" y="231936"/>
+                  </a:lnTo>
+                  <a:lnTo>
+                    <a:pt x="201721" y="122087"/>
+                  </a:lnTo>
+                  <a:lnTo>
+                    <a:pt x="120945" y="122087"/>
+                  </a:lnTo>
+                  <a:close/>
+                  <a:moveTo>
+                    <a:pt x="91243" y="117765"/>
+                  </a:moveTo>
+                  <a:lnTo>
+                    <a:pt x="91243" y="218610"/>
+                  </a:lnTo>
+                  <a:cubicBezTo>
+                    <a:pt x="91243" y="225813"/>
+                    <a:pt x="97401" y="231936"/>
+                    <a:pt x="104645" y="231936"/>
+                  </a:cubicBezTo>
+                  <a:lnTo>
+                    <a:pt x="112252" y="231936"/>
+                  </a:lnTo>
+                  <a:lnTo>
+                    <a:pt x="112252" y="122087"/>
+                  </a:lnTo>
+                  <a:lnTo>
+                    <a:pt x="104645" y="122087"/>
+                  </a:lnTo>
+                  <a:cubicBezTo>
+                    <a:pt x="99574" y="122087"/>
+                    <a:pt x="94865" y="120286"/>
+                    <a:pt x="91243" y="117765"/>
+                  </a:cubicBezTo>
+                  <a:close/>
+                  <a:moveTo>
+                    <a:pt x="274150" y="97555"/>
+                  </a:moveTo>
+                  <a:cubicBezTo>
+                    <a:pt x="276714" y="96837"/>
+                    <a:pt x="279278" y="98274"/>
+                    <a:pt x="280011" y="100430"/>
+                  </a:cubicBezTo>
+                  <a:cubicBezTo>
+                    <a:pt x="291734" y="132770"/>
+                    <a:pt x="291001" y="168344"/>
+                    <a:pt x="277813" y="199966"/>
+                  </a:cubicBezTo>
+                  <a:cubicBezTo>
+                    <a:pt x="277080" y="201763"/>
+                    <a:pt x="275249" y="202841"/>
+                    <a:pt x="273783" y="202841"/>
+                  </a:cubicBezTo>
+                  <a:cubicBezTo>
+                    <a:pt x="273051" y="202841"/>
+                    <a:pt x="272684" y="202841"/>
+                    <a:pt x="271952" y="202482"/>
+                  </a:cubicBezTo>
+                  <a:cubicBezTo>
+                    <a:pt x="269387" y="201404"/>
+                    <a:pt x="268288" y="198888"/>
+                    <a:pt x="269387" y="196732"/>
+                  </a:cubicBezTo>
+                  <a:cubicBezTo>
+                    <a:pt x="281843" y="166907"/>
+                    <a:pt x="282209" y="133848"/>
+                    <a:pt x="271585" y="103305"/>
+                  </a:cubicBezTo>
+                  <a:cubicBezTo>
+                    <a:pt x="270853" y="101149"/>
+                    <a:pt x="271952" y="98633"/>
+                    <a:pt x="274150" y="97555"/>
+                  </a:cubicBezTo>
+                  <a:close/>
+                  <a:moveTo>
+                    <a:pt x="20584" y="95972"/>
+                  </a:moveTo>
+                  <a:cubicBezTo>
+                    <a:pt x="22807" y="96695"/>
+                    <a:pt x="24289" y="99224"/>
+                    <a:pt x="23177" y="101753"/>
+                  </a:cubicBezTo>
+                  <a:cubicBezTo>
+                    <a:pt x="12435" y="131379"/>
+                    <a:pt x="12806" y="164257"/>
+                    <a:pt x="24289" y="193883"/>
+                  </a:cubicBezTo>
+                  <a:cubicBezTo>
+                    <a:pt x="25029" y="196051"/>
+                    <a:pt x="23918" y="198580"/>
+                    <a:pt x="21696" y="199664"/>
+                  </a:cubicBezTo>
+                  <a:cubicBezTo>
+                    <a:pt x="20955" y="199664"/>
+                    <a:pt x="20584" y="199664"/>
+                    <a:pt x="19844" y="199664"/>
+                  </a:cubicBezTo>
+                  <a:cubicBezTo>
+                    <a:pt x="17991" y="199664"/>
+                    <a:pt x="16510" y="198580"/>
+                    <a:pt x="15769" y="197135"/>
+                  </a:cubicBezTo>
+                  <a:cubicBezTo>
+                    <a:pt x="3545" y="165341"/>
+                    <a:pt x="3175" y="130656"/>
+                    <a:pt x="14658" y="98863"/>
+                  </a:cubicBezTo>
+                  <a:cubicBezTo>
+                    <a:pt x="15399" y="96334"/>
+                    <a:pt x="17991" y="95250"/>
+                    <a:pt x="20584" y="95972"/>
+                  </a:cubicBezTo>
+                  <a:close/>
+                  <a:moveTo>
+                    <a:pt x="104645" y="86431"/>
+                  </a:moveTo>
+                  <a:cubicBezTo>
+                    <a:pt x="97401" y="86431"/>
+                    <a:pt x="91243" y="92553"/>
+                    <a:pt x="91243" y="99757"/>
+                  </a:cubicBezTo>
+                  <a:cubicBezTo>
+                    <a:pt x="91243" y="107320"/>
+                    <a:pt x="97401" y="113443"/>
+                    <a:pt x="104645" y="113443"/>
+                  </a:cubicBezTo>
+                  <a:lnTo>
+                    <a:pt x="192665" y="113443"/>
+                  </a:lnTo>
+                  <a:cubicBezTo>
+                    <a:pt x="189405" y="104799"/>
+                    <a:pt x="189405" y="95435"/>
+                    <a:pt x="192665" y="86431"/>
+                  </a:cubicBezTo>
+                  <a:lnTo>
+                    <a:pt x="104645" y="86431"/>
+                  </a:lnTo>
+                  <a:close/>
+                  <a:moveTo>
+                    <a:pt x="104645" y="77787"/>
+                  </a:moveTo>
+                  <a:lnTo>
+                    <a:pt x="206067" y="77787"/>
+                  </a:lnTo>
+                  <a:cubicBezTo>
+                    <a:pt x="208603" y="77787"/>
+                    <a:pt x="210776" y="79948"/>
+                    <a:pt x="210776" y="82109"/>
+                  </a:cubicBezTo>
+                  <a:cubicBezTo>
+                    <a:pt x="210776" y="84630"/>
+                    <a:pt x="208603" y="86431"/>
+                    <a:pt x="206067" y="86431"/>
+                  </a:cubicBezTo>
+                  <a:lnTo>
+                    <a:pt x="202807" y="86431"/>
+                  </a:lnTo>
+                  <a:cubicBezTo>
+                    <a:pt x="198098" y="95074"/>
+                    <a:pt x="198098" y="104799"/>
+                    <a:pt x="202807" y="113443"/>
+                  </a:cubicBezTo>
+                  <a:lnTo>
+                    <a:pt x="206067" y="113443"/>
+                  </a:lnTo>
+                  <a:cubicBezTo>
+                    <a:pt x="208603" y="113443"/>
+                    <a:pt x="210776" y="115243"/>
+                    <a:pt x="210776" y="117765"/>
+                  </a:cubicBezTo>
+                  <a:lnTo>
+                    <a:pt x="210776" y="236258"/>
+                  </a:lnTo>
+                  <a:cubicBezTo>
+                    <a:pt x="210776" y="238779"/>
+                    <a:pt x="208603" y="240940"/>
+                    <a:pt x="206067" y="240940"/>
+                  </a:cubicBezTo>
+                  <a:lnTo>
+                    <a:pt x="104645" y="240940"/>
+                  </a:lnTo>
+                  <a:cubicBezTo>
+                    <a:pt x="92330" y="240940"/>
+                    <a:pt x="82550" y="230856"/>
+                    <a:pt x="82550" y="218610"/>
+                  </a:cubicBezTo>
+                  <a:lnTo>
+                    <a:pt x="82550" y="99757"/>
+                  </a:lnTo>
+                  <a:cubicBezTo>
+                    <a:pt x="82550" y="87511"/>
+                    <a:pt x="92330" y="77787"/>
+                    <a:pt x="104645" y="77787"/>
+                  </a:cubicBezTo>
+                  <a:close/>
+                  <a:moveTo>
+                    <a:pt x="237641" y="36713"/>
+                  </a:moveTo>
+                  <a:cubicBezTo>
+                    <a:pt x="239437" y="37787"/>
+                    <a:pt x="239796" y="40649"/>
+                    <a:pt x="238000" y="42795"/>
+                  </a:cubicBezTo>
+                  <a:cubicBezTo>
+                    <a:pt x="235485" y="45657"/>
+                    <a:pt x="234048" y="49950"/>
+                    <a:pt x="234048" y="53885"/>
+                  </a:cubicBezTo>
+                  <a:lnTo>
+                    <a:pt x="234048" y="76781"/>
+                  </a:lnTo>
+                  <a:lnTo>
+                    <a:pt x="284347" y="76781"/>
+                  </a:lnTo>
+                  <a:lnTo>
+                    <a:pt x="284347" y="53885"/>
+                  </a:lnTo>
+                  <a:cubicBezTo>
+                    <a:pt x="284347" y="49950"/>
+                    <a:pt x="282910" y="45657"/>
+                    <a:pt x="280395" y="42795"/>
+                  </a:cubicBezTo>
+                  <a:cubicBezTo>
+                    <a:pt x="278958" y="40649"/>
+                    <a:pt x="278958" y="37787"/>
+                    <a:pt x="281113" y="36713"/>
+                  </a:cubicBezTo>
+                  <a:cubicBezTo>
+                    <a:pt x="282910" y="34925"/>
+                    <a:pt x="285784" y="35282"/>
+                    <a:pt x="287221" y="37071"/>
+                  </a:cubicBezTo>
+                  <a:cubicBezTo>
+                    <a:pt x="291173" y="41722"/>
+                    <a:pt x="293329" y="47804"/>
+                    <a:pt x="293329" y="53885"/>
+                  </a:cubicBezTo>
+                  <a:lnTo>
+                    <a:pt x="293329" y="81074"/>
+                  </a:lnTo>
+                  <a:cubicBezTo>
+                    <a:pt x="293329" y="83578"/>
+                    <a:pt x="291533" y="85367"/>
+                    <a:pt x="288658" y="85367"/>
+                  </a:cubicBezTo>
+                  <a:lnTo>
+                    <a:pt x="229737" y="85367"/>
+                  </a:lnTo>
+                  <a:cubicBezTo>
+                    <a:pt x="227222" y="85367"/>
+                    <a:pt x="225425" y="83578"/>
+                    <a:pt x="225425" y="81074"/>
+                  </a:cubicBezTo>
+                  <a:lnTo>
+                    <a:pt x="225425" y="53885"/>
+                  </a:lnTo>
+                  <a:cubicBezTo>
+                    <a:pt x="225425" y="47804"/>
+                    <a:pt x="227222" y="41722"/>
+                    <a:pt x="231174" y="37071"/>
+                  </a:cubicBezTo>
+                  <a:cubicBezTo>
+                    <a:pt x="232970" y="35282"/>
+                    <a:pt x="235844" y="34925"/>
+                    <a:pt x="237641" y="36713"/>
+                  </a:cubicBezTo>
+                  <a:close/>
+                  <a:moveTo>
+                    <a:pt x="12215" y="36713"/>
+                  </a:moveTo>
+                  <a:cubicBezTo>
+                    <a:pt x="14012" y="37787"/>
+                    <a:pt x="14371" y="40649"/>
+                    <a:pt x="12575" y="42795"/>
+                  </a:cubicBezTo>
+                  <a:cubicBezTo>
+                    <a:pt x="10419" y="45657"/>
+                    <a:pt x="8622" y="49950"/>
+                    <a:pt x="8622" y="53885"/>
+                  </a:cubicBezTo>
+                  <a:lnTo>
+                    <a:pt x="8622" y="76781"/>
+                  </a:lnTo>
+                  <a:lnTo>
+                    <a:pt x="59281" y="76781"/>
+                  </a:lnTo>
+                  <a:lnTo>
+                    <a:pt x="59281" y="53885"/>
+                  </a:lnTo>
+                  <a:cubicBezTo>
+                    <a:pt x="59281" y="49950"/>
+                    <a:pt x="57844" y="45657"/>
+                    <a:pt x="54969" y="42795"/>
+                  </a:cubicBezTo>
+                  <a:cubicBezTo>
+                    <a:pt x="53532" y="40649"/>
+                    <a:pt x="53892" y="37787"/>
+                    <a:pt x="55688" y="36713"/>
+                  </a:cubicBezTo>
+                  <a:cubicBezTo>
+                    <a:pt x="57844" y="34925"/>
+                    <a:pt x="60359" y="35282"/>
+                    <a:pt x="61796" y="37071"/>
+                  </a:cubicBezTo>
+                  <a:cubicBezTo>
+                    <a:pt x="65748" y="41722"/>
+                    <a:pt x="67903" y="47804"/>
+                    <a:pt x="67903" y="53885"/>
+                  </a:cubicBezTo>
+                  <a:lnTo>
+                    <a:pt x="67903" y="81074"/>
+                  </a:lnTo>
+                  <a:cubicBezTo>
+                    <a:pt x="67903" y="83578"/>
+                    <a:pt x="65748" y="85367"/>
+                    <a:pt x="63592" y="85367"/>
+                  </a:cubicBezTo>
+                  <a:lnTo>
+                    <a:pt x="4311" y="85367"/>
+                  </a:lnTo>
+                  <a:cubicBezTo>
+                    <a:pt x="1796" y="85367"/>
+                    <a:pt x="0" y="83578"/>
+                    <a:pt x="0" y="81074"/>
+                  </a:cubicBezTo>
+                  <a:lnTo>
+                    <a:pt x="0" y="53885"/>
+                  </a:lnTo>
+                  <a:cubicBezTo>
+                    <a:pt x="0" y="47804"/>
+                    <a:pt x="1796" y="41722"/>
+                    <a:pt x="6107" y="37071"/>
+                  </a:cubicBezTo>
+                  <a:cubicBezTo>
+                    <a:pt x="7545" y="35282"/>
+                    <a:pt x="10419" y="34925"/>
+                    <a:pt x="12215" y="36713"/>
+                  </a:cubicBezTo>
+                  <a:close/>
+                  <a:moveTo>
+                    <a:pt x="258410" y="8466"/>
+                  </a:moveTo>
+                  <a:cubicBezTo>
+                    <a:pt x="252766" y="8466"/>
+                    <a:pt x="248180" y="13405"/>
+                    <a:pt x="248180" y="18697"/>
+                  </a:cubicBezTo>
+                  <a:cubicBezTo>
+                    <a:pt x="248180" y="24341"/>
+                    <a:pt x="252766" y="28928"/>
+                    <a:pt x="258410" y="28928"/>
+                  </a:cubicBezTo>
+                  <a:cubicBezTo>
+                    <a:pt x="264055" y="28928"/>
+                    <a:pt x="268641" y="24341"/>
+                    <a:pt x="268641" y="18697"/>
+                  </a:cubicBezTo>
+                  <a:cubicBezTo>
+                    <a:pt x="268641" y="13405"/>
+                    <a:pt x="264055" y="8466"/>
+                    <a:pt x="258410" y="8466"/>
+                  </a:cubicBezTo>
+                  <a:close/>
+                  <a:moveTo>
+                    <a:pt x="32985" y="8466"/>
+                  </a:moveTo>
+                  <a:cubicBezTo>
+                    <a:pt x="27341" y="8466"/>
+                    <a:pt x="22754" y="13405"/>
+                    <a:pt x="22754" y="18697"/>
+                  </a:cubicBezTo>
+                  <a:cubicBezTo>
+                    <a:pt x="22754" y="24341"/>
+                    <a:pt x="27341" y="28928"/>
+                    <a:pt x="32985" y="28928"/>
+                  </a:cubicBezTo>
+                  <a:cubicBezTo>
+                    <a:pt x="38629" y="28928"/>
+                    <a:pt x="43216" y="24341"/>
+                    <a:pt x="43216" y="18697"/>
+                  </a:cubicBezTo>
+                  <a:cubicBezTo>
+                    <a:pt x="43216" y="13405"/>
+                    <a:pt x="38629" y="8466"/>
+                    <a:pt x="32985" y="8466"/>
+                  </a:cubicBezTo>
+                  <a:close/>
+                  <a:moveTo>
+                    <a:pt x="145691" y="6778"/>
+                  </a:moveTo>
+                  <a:cubicBezTo>
+                    <a:pt x="171211" y="6778"/>
+                    <a:pt x="196731" y="13556"/>
+                    <a:pt x="219015" y="27113"/>
+                  </a:cubicBezTo>
+                  <a:cubicBezTo>
+                    <a:pt x="221531" y="28559"/>
+                    <a:pt x="221891" y="31089"/>
+                    <a:pt x="220813" y="33258"/>
+                  </a:cubicBezTo>
+                  <a:cubicBezTo>
+                    <a:pt x="219015" y="35427"/>
+                    <a:pt x="216499" y="36150"/>
+                    <a:pt x="214702" y="34704"/>
+                  </a:cubicBezTo>
+                  <a:cubicBezTo>
+                    <a:pt x="172648" y="9037"/>
+                    <a:pt x="118733" y="9037"/>
+                    <a:pt x="77038" y="34704"/>
+                  </a:cubicBezTo>
+                  <a:cubicBezTo>
+                    <a:pt x="76320" y="35427"/>
+                    <a:pt x="75601" y="35427"/>
+                    <a:pt x="74882" y="35427"/>
+                  </a:cubicBezTo>
+                  <a:cubicBezTo>
+                    <a:pt x="73444" y="35427"/>
+                    <a:pt x="72006" y="34704"/>
+                    <a:pt x="70928" y="33258"/>
+                  </a:cubicBezTo>
+                  <a:cubicBezTo>
+                    <a:pt x="69850" y="31089"/>
+                    <a:pt x="70209" y="28559"/>
+                    <a:pt x="72366" y="27113"/>
+                  </a:cubicBezTo>
+                  <a:cubicBezTo>
+                    <a:pt x="94651" y="13556"/>
+                    <a:pt x="120171" y="6778"/>
+                    <a:pt x="145691" y="6778"/>
+                  </a:cubicBezTo>
+                  <a:close/>
+                  <a:moveTo>
+                    <a:pt x="258410" y="0"/>
+                  </a:moveTo>
+                  <a:cubicBezTo>
+                    <a:pt x="268994" y="0"/>
+                    <a:pt x="277460" y="8466"/>
+                    <a:pt x="277460" y="18697"/>
+                  </a:cubicBezTo>
+                  <a:cubicBezTo>
+                    <a:pt x="277460" y="29280"/>
+                    <a:pt x="268994" y="37747"/>
+                    <a:pt x="258410" y="37747"/>
+                  </a:cubicBezTo>
+                  <a:cubicBezTo>
+                    <a:pt x="248180" y="37747"/>
+                    <a:pt x="239713" y="29280"/>
+                    <a:pt x="239713" y="18697"/>
+                  </a:cubicBezTo>
+                  <a:cubicBezTo>
+                    <a:pt x="239713" y="8466"/>
+                    <a:pt x="248180" y="0"/>
+                    <a:pt x="258410" y="0"/>
+                  </a:cubicBezTo>
+                  <a:close/>
+                  <a:moveTo>
+                    <a:pt x="32985" y="0"/>
+                  </a:moveTo>
+                  <a:cubicBezTo>
+                    <a:pt x="43568" y="0"/>
+                    <a:pt x="52035" y="8466"/>
+                    <a:pt x="52035" y="18697"/>
+                  </a:cubicBezTo>
+                  <a:cubicBezTo>
+                    <a:pt x="52035" y="29280"/>
+                    <a:pt x="43568" y="37747"/>
+                    <a:pt x="32985" y="37747"/>
+                  </a:cubicBezTo>
+                  <a:cubicBezTo>
+                    <a:pt x="22754" y="37747"/>
+                    <a:pt x="14288" y="29280"/>
+                    <a:pt x="14288" y="18697"/>
+                  </a:cubicBezTo>
+                  <a:cubicBezTo>
+                    <a:pt x="14288" y="8466"/>
+                    <a:pt x="22754" y="0"/>
+                    <a:pt x="32985" y="0"/>
+                  </a:cubicBezTo>
+                  <a:close/>
+                </a:path>
+              </a:pathLst>
+            </a:custGeom>
+            <a:solidFill>
+              <a:srgbClr val="ED8B00"/>
+            </a:solidFill>
+            <a:ln>
+              <a:noFill/>
+            </a:ln>
+          </p:spPr>
+          <p:txBody>
+            <a:bodyPr anchor="ctr"/>
+            <a:lstStyle/>
+            <a:p>
+              <a:endParaRPr lang="en-US" sz="900"/>
+            </a:p>
+          </p:txBody>
+        </p:sp>
+        <p:sp>
+          <p:nvSpPr>
+            <p:cNvPr id="19" name="Freeform 50">
+              <a:extLst>
+                <a:ext uri="{FF2B5EF4-FFF2-40B4-BE49-F238E27FC236}">
+                  <a16:creationId xmlns:a16="http://schemas.microsoft.com/office/drawing/2014/main" id="{37A97CCD-C015-E1E9-40B7-A97B59A03B2B}"/>
+                </a:ext>
+              </a:extLst>
+            </p:cNvPr>
+            <p:cNvSpPr/>
+            <p:nvPr/>
+          </p:nvSpPr>
+          <p:spPr>
+            <a:xfrm rot="10800000">
+              <a:off x="3024842" y="2149813"/>
+              <a:ext cx="1951578" cy="2971025"/>
+            </a:xfrm>
+            <a:custGeom>
+              <a:avLst/>
+              <a:gdLst>
+                <a:gd name="connsiteX0" fmla="*/ 0 w 4855912"/>
+                <a:gd name="connsiteY0" fmla="*/ 9143998 h 9144000"/>
+                <a:gd name="connsiteX1" fmla="*/ 4855912 w 4855912"/>
+                <a:gd name="connsiteY1" fmla="*/ 9143998 h 9144000"/>
+                <a:gd name="connsiteX2" fmla="*/ 4855912 w 4855912"/>
+                <a:gd name="connsiteY2" fmla="*/ 9144000 h 9144000"/>
+                <a:gd name="connsiteX3" fmla="*/ 0 w 4855912"/>
+                <a:gd name="connsiteY3" fmla="*/ 9144000 h 9144000"/>
+                <a:gd name="connsiteX4" fmla="*/ 0 w 4855912"/>
+                <a:gd name="connsiteY4" fmla="*/ 0 h 9144000"/>
+                <a:gd name="connsiteX5" fmla="*/ 4855912 w 4855912"/>
+                <a:gd name="connsiteY5" fmla="*/ 0 h 9144000"/>
+                <a:gd name="connsiteX6" fmla="*/ 4855912 w 4855912"/>
+                <a:gd name="connsiteY6" fmla="*/ 4215866 h 9144000"/>
+                <a:gd name="connsiteX7" fmla="*/ 2427956 w 4855912"/>
+                <a:gd name="connsiteY7" fmla="*/ 2983833 h 9144000"/>
+                <a:gd name="connsiteX8" fmla="*/ 0 w 4855912"/>
+                <a:gd name="connsiteY8" fmla="*/ 4215866 h 9144000"/>
+                <a:gd name="connsiteX0" fmla="*/ 0 w 4855912"/>
+                <a:gd name="connsiteY0" fmla="*/ 9143998 h 9144000"/>
+                <a:gd name="connsiteX1" fmla="*/ 4855912 w 4855912"/>
+                <a:gd name="connsiteY1" fmla="*/ 9143998 h 9144000"/>
+                <a:gd name="connsiteX2" fmla="*/ 4855912 w 4855912"/>
+                <a:gd name="connsiteY2" fmla="*/ 9144000 h 9144000"/>
+                <a:gd name="connsiteX3" fmla="*/ 0 w 4855912"/>
+                <a:gd name="connsiteY3" fmla="*/ 9144000 h 9144000"/>
+                <a:gd name="connsiteX4" fmla="*/ 0 w 4855912"/>
+                <a:gd name="connsiteY4" fmla="*/ 9143998 h 9144000"/>
+                <a:gd name="connsiteX5" fmla="*/ 0 w 4855912"/>
+                <a:gd name="connsiteY5" fmla="*/ 794048 h 9144000"/>
+                <a:gd name="connsiteX6" fmla="*/ 4855912 w 4855912"/>
+                <a:gd name="connsiteY6" fmla="*/ 0 h 9144000"/>
+                <a:gd name="connsiteX7" fmla="*/ 4855912 w 4855912"/>
+                <a:gd name="connsiteY7" fmla="*/ 4215866 h 9144000"/>
+                <a:gd name="connsiteX8" fmla="*/ 2427956 w 4855912"/>
+                <a:gd name="connsiteY8" fmla="*/ 2983833 h 9144000"/>
+                <a:gd name="connsiteX9" fmla="*/ 0 w 4855912"/>
+                <a:gd name="connsiteY9" fmla="*/ 4215866 h 9144000"/>
+                <a:gd name="connsiteX10" fmla="*/ 0 w 4855912"/>
+                <a:gd name="connsiteY10" fmla="*/ 794048 h 9144000"/>
+                <a:gd name="connsiteX0" fmla="*/ 0 w 4855912"/>
+                <a:gd name="connsiteY0" fmla="*/ 8366845 h 8366847"/>
+                <a:gd name="connsiteX1" fmla="*/ 4855912 w 4855912"/>
+                <a:gd name="connsiteY1" fmla="*/ 8366845 h 8366847"/>
+                <a:gd name="connsiteX2" fmla="*/ 4855912 w 4855912"/>
+                <a:gd name="connsiteY2" fmla="*/ 8366847 h 8366847"/>
+                <a:gd name="connsiteX3" fmla="*/ 0 w 4855912"/>
+                <a:gd name="connsiteY3" fmla="*/ 8366847 h 8366847"/>
+                <a:gd name="connsiteX4" fmla="*/ 0 w 4855912"/>
+                <a:gd name="connsiteY4" fmla="*/ 8366845 h 8366847"/>
+                <a:gd name="connsiteX5" fmla="*/ 0 w 4855912"/>
+                <a:gd name="connsiteY5" fmla="*/ 16895 h 8366847"/>
+                <a:gd name="connsiteX6" fmla="*/ 4839134 w 4855912"/>
+                <a:gd name="connsiteY6" fmla="*/ 0 h 8366847"/>
+                <a:gd name="connsiteX7" fmla="*/ 4855912 w 4855912"/>
+                <a:gd name="connsiteY7" fmla="*/ 3438713 h 8366847"/>
+                <a:gd name="connsiteX8" fmla="*/ 2427956 w 4855912"/>
+                <a:gd name="connsiteY8" fmla="*/ 2206680 h 8366847"/>
+                <a:gd name="connsiteX9" fmla="*/ 0 w 4855912"/>
+                <a:gd name="connsiteY9" fmla="*/ 3438713 h 8366847"/>
+                <a:gd name="connsiteX10" fmla="*/ 0 w 4855912"/>
+                <a:gd name="connsiteY10" fmla="*/ 16895 h 8366847"/>
+                <a:gd name="connsiteX0" fmla="*/ 0 w 4857526"/>
+                <a:gd name="connsiteY0" fmla="*/ 8349950 h 8349952"/>
+                <a:gd name="connsiteX1" fmla="*/ 4855912 w 4857526"/>
+                <a:gd name="connsiteY1" fmla="*/ 8349950 h 8349952"/>
+                <a:gd name="connsiteX2" fmla="*/ 4855912 w 4857526"/>
+                <a:gd name="connsiteY2" fmla="*/ 8349952 h 8349952"/>
+                <a:gd name="connsiteX3" fmla="*/ 0 w 4857526"/>
+                <a:gd name="connsiteY3" fmla="*/ 8349952 h 8349952"/>
+                <a:gd name="connsiteX4" fmla="*/ 0 w 4857526"/>
+                <a:gd name="connsiteY4" fmla="*/ 8349950 h 8349952"/>
+                <a:gd name="connsiteX5" fmla="*/ 0 w 4857526"/>
+                <a:gd name="connsiteY5" fmla="*/ 0 h 8349952"/>
+                <a:gd name="connsiteX6" fmla="*/ 4855912 w 4857526"/>
+                <a:gd name="connsiteY6" fmla="*/ 0 h 8349952"/>
+                <a:gd name="connsiteX7" fmla="*/ 4855912 w 4857526"/>
+                <a:gd name="connsiteY7" fmla="*/ 3421818 h 8349952"/>
+                <a:gd name="connsiteX8" fmla="*/ 2427956 w 4857526"/>
+                <a:gd name="connsiteY8" fmla="*/ 2189785 h 8349952"/>
+                <a:gd name="connsiteX9" fmla="*/ 0 w 4857526"/>
+                <a:gd name="connsiteY9" fmla="*/ 3421818 h 8349952"/>
+                <a:gd name="connsiteX10" fmla="*/ 0 w 4857526"/>
+                <a:gd name="connsiteY10" fmla="*/ 0 h 8349952"/>
+              </a:gdLst>
+              <a:ahLst/>
+              <a:cxnLst>
+                <a:cxn ang="0">
+                  <a:pos x="connsiteX0" y="connsiteY0"/>
+                </a:cxn>
+                <a:cxn ang="0">
+                  <a:pos x="connsiteX1" y="connsiteY1"/>
+                </a:cxn>
+                <a:cxn ang="0">
+                  <a:pos x="connsiteX2" y="connsiteY2"/>
+                </a:cxn>
+                <a:cxn ang="0">
+                  <a:pos x="connsiteX3" y="connsiteY3"/>
+                </a:cxn>
+                <a:cxn ang="0">
+                  <a:pos x="connsiteX4" y="connsiteY4"/>
+                </a:cxn>
+                <a:cxn ang="0">
+                  <a:pos x="connsiteX5" y="connsiteY5"/>
+                </a:cxn>
+                <a:cxn ang="0">
+                  <a:pos x="connsiteX6" y="connsiteY6"/>
+                </a:cxn>
+                <a:cxn ang="0">
+                  <a:pos x="connsiteX7" y="connsiteY7"/>
+                </a:cxn>
+                <a:cxn ang="0">
+                  <a:pos x="connsiteX8" y="connsiteY8"/>
+                </a:cxn>
+                <a:cxn ang="0">
+                  <a:pos x="connsiteX9" y="connsiteY9"/>
+                </a:cxn>
+                <a:cxn ang="0">
+                  <a:pos x="connsiteX10" y="connsiteY10"/>
+                </a:cxn>
+              </a:cxnLst>
+              <a:rect l="l" t="t" r="r" b="b"/>
+              <a:pathLst>
+                <a:path w="4857526" h="8349952">
+                  <a:moveTo>
+                    <a:pt x="0" y="8349950"/>
+                  </a:moveTo>
+                  <a:lnTo>
+                    <a:pt x="4855912" y="8349950"/>
+                  </a:lnTo>
+                  <a:lnTo>
+                    <a:pt x="4855912" y="8349952"/>
+                  </a:lnTo>
+                  <a:lnTo>
+                    <a:pt x="0" y="8349952"/>
+                  </a:lnTo>
+                  <a:lnTo>
+                    <a:pt x="0" y="8349950"/>
+                  </a:lnTo>
+                  <a:close/>
+                  <a:moveTo>
+                    <a:pt x="0" y="0"/>
+                  </a:moveTo>
+                  <a:lnTo>
+                    <a:pt x="4855912" y="0"/>
+                  </a:lnTo>
+                  <a:cubicBezTo>
+                    <a:pt x="4861505" y="1146238"/>
+                    <a:pt x="4850319" y="2275580"/>
+                    <a:pt x="4855912" y="3421818"/>
+                  </a:cubicBezTo>
+                  <a:lnTo>
+                    <a:pt x="2427956" y="2189785"/>
+                  </a:lnTo>
+                  <a:lnTo>
+                    <a:pt x="0" y="3421818"/>
+                  </a:lnTo>
+                  <a:lnTo>
+                    <a:pt x="0" y="0"/>
+                  </a:lnTo>
+                  <a:close/>
+                </a:path>
+              </a:pathLst>
+            </a:custGeom>
+            <a:solidFill>
+              <a:schemeClr val="accent2"/>
+            </a:solidFill>
+            <a:ln>
+              <a:noFill/>
+            </a:ln>
+          </p:spPr>
+          <p:style>
+            <a:lnRef idx="2">
+              <a:schemeClr val="accent1">
+                <a:shade val="50000"/>
+              </a:schemeClr>
+            </a:lnRef>
+            <a:fillRef idx="1">
+              <a:schemeClr val="accent1"/>
+            </a:fillRef>
+            <a:effectRef idx="0">
+              <a:schemeClr val="accent1"/>
+            </a:effectRef>
+            <a:fontRef idx="minor">
+              <a:schemeClr val="lt1"/>
+            </a:fontRef>
+          </p:style>
+          <p:txBody>
+            <a:bodyPr rtlCol="0" anchor="ctr"/>
+            <a:lstStyle/>
+            <a:p>
+              <a:pPr algn="ctr"/>
+              <a:endParaRPr lang="en-US" sz="900"/>
+            </a:p>
+          </p:txBody>
+        </p:sp>
+        <p:sp>
+          <p:nvSpPr>
+            <p:cNvPr id="20" name="TextBox 14">
+              <a:extLst>
+                <a:ext uri="{FF2B5EF4-FFF2-40B4-BE49-F238E27FC236}">
+                  <a16:creationId xmlns:a16="http://schemas.microsoft.com/office/drawing/2014/main" id="{78087AEC-86F9-E8B2-C10B-A49DA1E431AE}"/>
+                </a:ext>
+              </a:extLst>
+            </p:cNvPr>
+            <p:cNvSpPr txBox="1"/>
+            <p:nvPr/>
+          </p:nvSpPr>
+          <p:spPr>
+            <a:xfrm>
+              <a:off x="3054308" y="4357403"/>
+              <a:ext cx="1914319" cy="477951"/>
+            </a:xfrm>
+            <a:prstGeom prst="rect">
+              <a:avLst/>
+            </a:prstGeom>
             <a:noFill/>
-          </a:ln>
-        </p:spPr>
-        <p:txBody>
-          <a:bodyPr anchor="ctr"/>
-          <a:lstStyle/>
-          <a:p>
-            <a:endParaRPr lang="en-US" sz="900"/>
-          </a:p>
-        </p:txBody>
-      </p:sp>
-      <p:sp>
-        <p:nvSpPr>
-          <p:cNvPr id="19" name="Freeform 50">
-            <a:extLst>
-              <a:ext uri="{FF2B5EF4-FFF2-40B4-BE49-F238E27FC236}">
-                <a16:creationId xmlns:a16="http://schemas.microsoft.com/office/drawing/2014/main" id="{37A97CCD-C015-E1E9-40B7-A97B59A03B2B}"/>
-              </a:ext>
-            </a:extLst>
-          </p:cNvPr>
-          <p:cNvSpPr/>
-          <p:nvPr/>
-        </p:nvSpPr>
-        <p:spPr>
-          <a:xfrm rot="10800000">
-            <a:off x="727516" y="2132805"/>
-            <a:ext cx="1951578" cy="2971025"/>
-          </a:xfrm>
-          <a:custGeom>
-            <a:avLst/>
-            <a:gdLst>
-              <a:gd name="connsiteX0" fmla="*/ 0 w 4855912"/>
-              <a:gd name="connsiteY0" fmla="*/ 9143998 h 9144000"/>
-              <a:gd name="connsiteX1" fmla="*/ 4855912 w 4855912"/>
-              <a:gd name="connsiteY1" fmla="*/ 9143998 h 9144000"/>
-              <a:gd name="connsiteX2" fmla="*/ 4855912 w 4855912"/>
-              <a:gd name="connsiteY2" fmla="*/ 9144000 h 9144000"/>
-              <a:gd name="connsiteX3" fmla="*/ 0 w 4855912"/>
-              <a:gd name="connsiteY3" fmla="*/ 9144000 h 9144000"/>
-              <a:gd name="connsiteX4" fmla="*/ 0 w 4855912"/>
-              <a:gd name="connsiteY4" fmla="*/ 0 h 9144000"/>
-              <a:gd name="connsiteX5" fmla="*/ 4855912 w 4855912"/>
-              <a:gd name="connsiteY5" fmla="*/ 0 h 9144000"/>
-              <a:gd name="connsiteX6" fmla="*/ 4855912 w 4855912"/>
-              <a:gd name="connsiteY6" fmla="*/ 4215866 h 9144000"/>
-              <a:gd name="connsiteX7" fmla="*/ 2427956 w 4855912"/>
-              <a:gd name="connsiteY7" fmla="*/ 2983833 h 9144000"/>
-              <a:gd name="connsiteX8" fmla="*/ 0 w 4855912"/>
-              <a:gd name="connsiteY8" fmla="*/ 4215866 h 9144000"/>
-              <a:gd name="connsiteX0" fmla="*/ 0 w 4855912"/>
-              <a:gd name="connsiteY0" fmla="*/ 9143998 h 9144000"/>
-              <a:gd name="connsiteX1" fmla="*/ 4855912 w 4855912"/>
-              <a:gd name="connsiteY1" fmla="*/ 9143998 h 9144000"/>
-              <a:gd name="connsiteX2" fmla="*/ 4855912 w 4855912"/>
-              <a:gd name="connsiteY2" fmla="*/ 9144000 h 9144000"/>
-              <a:gd name="connsiteX3" fmla="*/ 0 w 4855912"/>
-              <a:gd name="connsiteY3" fmla="*/ 9144000 h 9144000"/>
-              <a:gd name="connsiteX4" fmla="*/ 0 w 4855912"/>
-              <a:gd name="connsiteY4" fmla="*/ 9143998 h 9144000"/>
-              <a:gd name="connsiteX5" fmla="*/ 0 w 4855912"/>
-              <a:gd name="connsiteY5" fmla="*/ 794048 h 9144000"/>
-              <a:gd name="connsiteX6" fmla="*/ 4855912 w 4855912"/>
-              <a:gd name="connsiteY6" fmla="*/ 0 h 9144000"/>
-              <a:gd name="connsiteX7" fmla="*/ 4855912 w 4855912"/>
-              <a:gd name="connsiteY7" fmla="*/ 4215866 h 9144000"/>
-              <a:gd name="connsiteX8" fmla="*/ 2427956 w 4855912"/>
-              <a:gd name="connsiteY8" fmla="*/ 2983833 h 9144000"/>
-              <a:gd name="connsiteX9" fmla="*/ 0 w 4855912"/>
-              <a:gd name="connsiteY9" fmla="*/ 4215866 h 9144000"/>
-              <a:gd name="connsiteX10" fmla="*/ 0 w 4855912"/>
-              <a:gd name="connsiteY10" fmla="*/ 794048 h 9144000"/>
-              <a:gd name="connsiteX0" fmla="*/ 0 w 4855912"/>
-              <a:gd name="connsiteY0" fmla="*/ 8366845 h 8366847"/>
-              <a:gd name="connsiteX1" fmla="*/ 4855912 w 4855912"/>
-              <a:gd name="connsiteY1" fmla="*/ 8366845 h 8366847"/>
-              <a:gd name="connsiteX2" fmla="*/ 4855912 w 4855912"/>
-              <a:gd name="connsiteY2" fmla="*/ 8366847 h 8366847"/>
-              <a:gd name="connsiteX3" fmla="*/ 0 w 4855912"/>
-              <a:gd name="connsiteY3" fmla="*/ 8366847 h 8366847"/>
-              <a:gd name="connsiteX4" fmla="*/ 0 w 4855912"/>
-              <a:gd name="connsiteY4" fmla="*/ 8366845 h 8366847"/>
-              <a:gd name="connsiteX5" fmla="*/ 0 w 4855912"/>
-              <a:gd name="connsiteY5" fmla="*/ 16895 h 8366847"/>
-              <a:gd name="connsiteX6" fmla="*/ 4839134 w 4855912"/>
-              <a:gd name="connsiteY6" fmla="*/ 0 h 8366847"/>
-              <a:gd name="connsiteX7" fmla="*/ 4855912 w 4855912"/>
-              <a:gd name="connsiteY7" fmla="*/ 3438713 h 8366847"/>
-              <a:gd name="connsiteX8" fmla="*/ 2427956 w 4855912"/>
-              <a:gd name="connsiteY8" fmla="*/ 2206680 h 8366847"/>
-              <a:gd name="connsiteX9" fmla="*/ 0 w 4855912"/>
-              <a:gd name="connsiteY9" fmla="*/ 3438713 h 8366847"/>
-              <a:gd name="connsiteX10" fmla="*/ 0 w 4855912"/>
-              <a:gd name="connsiteY10" fmla="*/ 16895 h 8366847"/>
-              <a:gd name="connsiteX0" fmla="*/ 0 w 4857526"/>
-              <a:gd name="connsiteY0" fmla="*/ 8349950 h 8349952"/>
-              <a:gd name="connsiteX1" fmla="*/ 4855912 w 4857526"/>
-              <a:gd name="connsiteY1" fmla="*/ 8349950 h 8349952"/>
-              <a:gd name="connsiteX2" fmla="*/ 4855912 w 4857526"/>
-              <a:gd name="connsiteY2" fmla="*/ 8349952 h 8349952"/>
-              <a:gd name="connsiteX3" fmla="*/ 0 w 4857526"/>
-              <a:gd name="connsiteY3" fmla="*/ 8349952 h 8349952"/>
-              <a:gd name="connsiteX4" fmla="*/ 0 w 4857526"/>
-              <a:gd name="connsiteY4" fmla="*/ 8349950 h 8349952"/>
-              <a:gd name="connsiteX5" fmla="*/ 0 w 4857526"/>
-              <a:gd name="connsiteY5" fmla="*/ 0 h 8349952"/>
-              <a:gd name="connsiteX6" fmla="*/ 4855912 w 4857526"/>
-              <a:gd name="connsiteY6" fmla="*/ 0 h 8349952"/>
-              <a:gd name="connsiteX7" fmla="*/ 4855912 w 4857526"/>
-              <a:gd name="connsiteY7" fmla="*/ 3421818 h 8349952"/>
-              <a:gd name="connsiteX8" fmla="*/ 2427956 w 4857526"/>
-              <a:gd name="connsiteY8" fmla="*/ 2189785 h 8349952"/>
-              <a:gd name="connsiteX9" fmla="*/ 0 w 4857526"/>
-              <a:gd name="connsiteY9" fmla="*/ 3421818 h 8349952"/>
-              <a:gd name="connsiteX10" fmla="*/ 0 w 4857526"/>
-              <a:gd name="connsiteY10" fmla="*/ 0 h 8349952"/>
-            </a:gdLst>
-            <a:ahLst/>
-            <a:cxnLst>
-              <a:cxn ang="0">
-                <a:pos x="connsiteX0" y="connsiteY0"/>
-              </a:cxn>
-              <a:cxn ang="0">
-                <a:pos x="connsiteX1" y="connsiteY1"/>
-              </a:cxn>
-              <a:cxn ang="0">
-                <a:pos x="connsiteX2" y="connsiteY2"/>
-              </a:cxn>
-              <a:cxn ang="0">
-                <a:pos x="connsiteX3" y="connsiteY3"/>
-              </a:cxn>
-              <a:cxn ang="0">
-                <a:pos x="connsiteX4" y="connsiteY4"/>
-              </a:cxn>
-              <a:cxn ang="0">
-                <a:pos x="connsiteX5" y="connsiteY5"/>
-              </a:cxn>
-              <a:cxn ang="0">
-                <a:pos x="connsiteX6" y="connsiteY6"/>
-              </a:cxn>
-              <a:cxn ang="0">
-                <a:pos x="connsiteX7" y="connsiteY7"/>
-              </a:cxn>
-              <a:cxn ang="0">
-                <a:pos x="connsiteX8" y="connsiteY8"/>
-              </a:cxn>
-              <a:cxn ang="0">
-                <a:pos x="connsiteX9" y="connsiteY9"/>
-              </a:cxn>
-              <a:cxn ang="0">
-                <a:pos x="connsiteX10" y="connsiteY10"/>
-              </a:cxn>
-            </a:cxnLst>
-            <a:rect l="l" t="t" r="r" b="b"/>
-            <a:pathLst>
-              <a:path w="4857526" h="8349952">
-                <a:moveTo>
-                  <a:pt x="0" y="8349950"/>
-                </a:moveTo>
-                <a:lnTo>
-                  <a:pt x="4855912" y="8349950"/>
-                </a:lnTo>
-                <a:lnTo>
-                  <a:pt x="4855912" y="8349952"/>
-                </a:lnTo>
-                <a:lnTo>
-                  <a:pt x="0" y="8349952"/>
-                </a:lnTo>
-                <a:lnTo>
-                  <a:pt x="0" y="8349950"/>
-                </a:lnTo>
-                <a:close/>
-                <a:moveTo>
-                  <a:pt x="0" y="0"/>
-                </a:moveTo>
-                <a:lnTo>
-                  <a:pt x="4855912" y="0"/>
-                </a:lnTo>
-                <a:cubicBezTo>
-                  <a:pt x="4861505" y="1146238"/>
-                  <a:pt x="4850319" y="2275580"/>
-                  <a:pt x="4855912" y="3421818"/>
-                </a:cubicBezTo>
-                <a:lnTo>
-                  <a:pt x="2427956" y="2189785"/>
-                </a:lnTo>
-                <a:lnTo>
-                  <a:pt x="0" y="3421818"/>
-                </a:lnTo>
-                <a:lnTo>
-                  <a:pt x="0" y="0"/>
-                </a:lnTo>
-                <a:close/>
-              </a:path>
-            </a:pathLst>
-          </a:custGeom>
-          <a:solidFill>
-            <a:schemeClr val="accent2"/>
-          </a:solidFill>
-          <a:ln>
+          </p:spPr>
+          <p:txBody>
+            <a:bodyPr wrap="square" rtlCol="0">
+              <a:spAutoFit/>
+            </a:bodyPr>
+            <a:lstStyle/>
+            <a:p>
+              <a:pPr algn="ctr">
+                <a:lnSpc>
+                  <a:spcPct val="107000"/>
+                </a:lnSpc>
+                <a:spcAft>
+                  <a:spcPts val="800"/>
+                </a:spcAft>
+              </a:pPr>
+              <a:r>
+                <a:rPr lang="en-GB" sz="1200" dirty="0">
+                  <a:solidFill>
+                    <a:schemeClr val="bg1"/>
+                  </a:solidFill>
+                  <a:latin typeface="Open Sans" panose="020B0606030504020204" pitchFamily="34" charset="0"/>
+                  <a:ea typeface="Open Sans" panose="020B0606030504020204" pitchFamily="34" charset="0"/>
+                  <a:cs typeface="Open Sans" panose="020B0606030504020204" pitchFamily="34" charset="0"/>
+                </a:rPr>
+                <a:t>Supplier management could be costing you</a:t>
+              </a:r>
+            </a:p>
+          </p:txBody>
+        </p:sp>
+        <p:sp>
+          <p:nvSpPr>
+            <p:cNvPr id="21" name="TextBox 15">
+              <a:extLst>
+                <a:ext uri="{FF2B5EF4-FFF2-40B4-BE49-F238E27FC236}">
+                  <a16:creationId xmlns:a16="http://schemas.microsoft.com/office/drawing/2014/main" id="{758C2988-077F-715B-4765-2E7B0D4C1F34}"/>
+                </a:ext>
+              </a:extLst>
+            </p:cNvPr>
+            <p:cNvSpPr txBox="1"/>
+            <p:nvPr/>
+          </p:nvSpPr>
+          <p:spPr>
+            <a:xfrm>
+              <a:off x="3080009" y="5103746"/>
+              <a:ext cx="1892974" cy="600164"/>
+            </a:xfrm>
+            <a:prstGeom prst="rect">
+              <a:avLst/>
+            </a:prstGeom>
             <a:noFill/>
-          </a:ln>
-        </p:spPr>
-        <p:style>
-          <a:lnRef idx="2">
-            <a:schemeClr val="accent1">
-              <a:shade val="50000"/>
-            </a:schemeClr>
-          </a:lnRef>
-          <a:fillRef idx="1">
-            <a:schemeClr val="accent1"/>
-          </a:fillRef>
-          <a:effectRef idx="0">
-            <a:schemeClr val="accent1"/>
-          </a:effectRef>
-          <a:fontRef idx="minor">
-            <a:schemeClr val="lt1"/>
-          </a:fontRef>
-        </p:style>
-        <p:txBody>
-          <a:bodyPr rtlCol="0" anchor="ctr"/>
-          <a:lstStyle/>
-          <a:p>
-            <a:pPr algn="ctr"/>
-            <a:endParaRPr lang="en-US" sz="900"/>
-          </a:p>
-        </p:txBody>
-      </p:sp>
-      <p:sp>
-        <p:nvSpPr>
-          <p:cNvPr id="20" name="TextBox 14">
-            <a:extLst>
-              <a:ext uri="{FF2B5EF4-FFF2-40B4-BE49-F238E27FC236}">
-                <a16:creationId xmlns:a16="http://schemas.microsoft.com/office/drawing/2014/main" id="{78087AEC-86F9-E8B2-C10B-A49DA1E431AE}"/>
-              </a:ext>
-            </a:extLst>
-          </p:cNvPr>
-          <p:cNvSpPr txBox="1"/>
-          <p:nvPr/>
-        </p:nvSpPr>
-        <p:spPr>
-          <a:xfrm>
-            <a:off x="756982" y="4340395"/>
-            <a:ext cx="1914319" cy="477951"/>
-          </a:xfrm>
-          <a:prstGeom prst="rect">
-            <a:avLst/>
-          </a:prstGeom>
-          <a:noFill/>
-        </p:spPr>
-        <p:txBody>
-          <a:bodyPr wrap="square" rtlCol="0">
-            <a:spAutoFit/>
-          </a:bodyPr>
-          <a:lstStyle/>
-          <a:p>
-            <a:pPr algn="ctr">
-              <a:lnSpc>
-                <a:spcPct val="107000"/>
-              </a:lnSpc>
-              <a:spcAft>
-                <a:spcPts val="800"/>
-              </a:spcAft>
-            </a:pPr>
-            <a:r>
-              <a:rPr lang="en-GB" sz="1200" dirty="0">
-                <a:solidFill>
-                  <a:schemeClr val="bg1"/>
-                </a:solidFill>
-                <a:latin typeface="Open Sans" panose="020B0606030504020204" pitchFamily="34" charset="0"/>
-                <a:ea typeface="Open Sans" panose="020B0606030504020204" pitchFamily="34" charset="0"/>
-                <a:cs typeface="Open Sans" panose="020B0606030504020204" pitchFamily="34" charset="0"/>
-              </a:rPr>
-              <a:t>Supplier management could be costing you</a:t>
-            </a:r>
-          </a:p>
-        </p:txBody>
-      </p:sp>
-      <p:sp>
-        <p:nvSpPr>
-          <p:cNvPr id="21" name="TextBox 15">
-            <a:extLst>
-              <a:ext uri="{FF2B5EF4-FFF2-40B4-BE49-F238E27FC236}">
-                <a16:creationId xmlns:a16="http://schemas.microsoft.com/office/drawing/2014/main" id="{758C2988-077F-715B-4765-2E7B0D4C1F34}"/>
-              </a:ext>
-            </a:extLst>
-          </p:cNvPr>
-          <p:cNvSpPr txBox="1"/>
-          <p:nvPr/>
-        </p:nvSpPr>
-        <p:spPr>
-          <a:xfrm>
-            <a:off x="782683" y="5086738"/>
-            <a:ext cx="1892974" cy="600164"/>
-          </a:xfrm>
-          <a:prstGeom prst="rect">
-            <a:avLst/>
-          </a:prstGeom>
-          <a:noFill/>
-        </p:spPr>
-        <p:txBody>
-          <a:bodyPr wrap="square" rtlCol="0">
-            <a:spAutoFit/>
-          </a:bodyPr>
-          <a:lstStyle/>
-          <a:p>
-            <a:pPr algn="ctr"/>
-            <a:r>
-              <a:rPr lang="en-GB" sz="2400" dirty="0">
-                <a:solidFill>
-                  <a:schemeClr val="accent2"/>
-                </a:solidFill>
-                <a:latin typeface="Open Sans" panose="020B0606030504020204" pitchFamily="34" charset="0"/>
-                <a:ea typeface="Open Sans" panose="020B0606030504020204" pitchFamily="34" charset="0"/>
-                <a:cs typeface="Open Sans" panose="020B0606030504020204" pitchFamily="34" charset="0"/>
-              </a:rPr>
-              <a:t>£</a:t>
-            </a:r>
-            <a:r>
-              <a:rPr lang="tr-TR" sz="2400" dirty="0" err="1">
-                <a:solidFill>
-                  <a:schemeClr val="accent2"/>
-                </a:solidFill>
-                <a:latin typeface="Open Sans" panose="020B0606030504020204" pitchFamily="34" charset="0"/>
-                <a:ea typeface="Open Sans" panose="020B0606030504020204" pitchFamily="34" charset="0"/>
-                <a:cs typeface="Open Sans" panose="020B0606030504020204" pitchFamily="34" charset="0"/>
-              </a:rPr>
-              <a:t>valmspi</a:t>
-            </a:r>
-            <a:r>
-              <a:rPr lang="en-GB" sz="2400" dirty="0">
-                <a:solidFill>
-                  <a:schemeClr val="accent2"/>
-                </a:solidFill>
-                <a:latin typeface="Open Sans" panose="020B0606030504020204" pitchFamily="34" charset="0"/>
-                <a:ea typeface="Open Sans" panose="020B0606030504020204" pitchFamily="34" charset="0"/>
-                <a:cs typeface="Open Sans" panose="020B0606030504020204" pitchFamily="34" charset="0"/>
-              </a:rPr>
-              <a:t> </a:t>
-            </a:r>
-            <a:r>
-              <a:rPr lang="en-GB" sz="900" dirty="0">
-                <a:solidFill>
-                  <a:schemeClr val="accent2"/>
-                </a:solidFill>
-                <a:latin typeface="Open Sans" panose="020B0606030504020204" pitchFamily="34" charset="0"/>
-                <a:ea typeface="Open Sans" panose="020B0606030504020204" pitchFamily="34" charset="0"/>
-                <a:cs typeface="Open Sans" panose="020B0606030504020204" pitchFamily="34" charset="0"/>
-              </a:rPr>
-              <a:t>annually</a:t>
-            </a:r>
-          </a:p>
-        </p:txBody>
-      </p:sp>
+          </p:spPr>
+          <p:txBody>
+            <a:bodyPr wrap="square" rtlCol="0">
+              <a:spAutoFit/>
+            </a:bodyPr>
+            <a:lstStyle/>
+            <a:p>
+              <a:pPr algn="ctr"/>
+              <a:r>
+                <a:rPr lang="en-GB" sz="2400" dirty="0">
+                  <a:solidFill>
+                    <a:schemeClr val="accent2"/>
+                  </a:solidFill>
+                  <a:latin typeface="Open Sans" panose="020B0606030504020204" pitchFamily="34" charset="0"/>
+                  <a:ea typeface="Open Sans" panose="020B0606030504020204" pitchFamily="34" charset="0"/>
+                  <a:cs typeface="Open Sans" panose="020B0606030504020204" pitchFamily="34" charset="0"/>
+                </a:rPr>
+                <a:t>£</a:t>
+              </a:r>
+              <a:r>
+                <a:rPr lang="tr-TR" sz="2400" dirty="0" err="1">
+                  <a:solidFill>
+                    <a:schemeClr val="accent2"/>
+                  </a:solidFill>
+                  <a:latin typeface="Open Sans" panose="020B0606030504020204" pitchFamily="34" charset="0"/>
+                  <a:ea typeface="Open Sans" panose="020B0606030504020204" pitchFamily="34" charset="0"/>
+                  <a:cs typeface="Open Sans" panose="020B0606030504020204" pitchFamily="34" charset="0"/>
+                </a:rPr>
+                <a:t>valmspi</a:t>
+              </a:r>
+              <a:r>
+                <a:rPr lang="en-GB" sz="2400" dirty="0">
+                  <a:solidFill>
+                    <a:schemeClr val="accent2"/>
+                  </a:solidFill>
+                  <a:latin typeface="Open Sans" panose="020B0606030504020204" pitchFamily="34" charset="0"/>
+                  <a:ea typeface="Open Sans" panose="020B0606030504020204" pitchFamily="34" charset="0"/>
+                  <a:cs typeface="Open Sans" panose="020B0606030504020204" pitchFamily="34" charset="0"/>
+                </a:rPr>
+                <a:t> </a:t>
+              </a:r>
+              <a:r>
+                <a:rPr lang="en-GB" sz="900" dirty="0">
+                  <a:solidFill>
+                    <a:schemeClr val="accent2"/>
+                  </a:solidFill>
+                  <a:latin typeface="Open Sans" panose="020B0606030504020204" pitchFamily="34" charset="0"/>
+                  <a:ea typeface="Open Sans" panose="020B0606030504020204" pitchFamily="34" charset="0"/>
+                  <a:cs typeface="Open Sans" panose="020B0606030504020204" pitchFamily="34" charset="0"/>
+                </a:rPr>
+                <a:t>annually</a:t>
+              </a:r>
+            </a:p>
+          </p:txBody>
+        </p:sp>
+      </p:grpSp>
     </p:spTree>
     <p:extLst>
       <p:ext uri="{BB962C8B-B14F-4D97-AF65-F5344CB8AC3E}">
@@ -45521,12 +45563,42 @@
           </a:p>
         </p:txBody>
       </p:sp>
-      <p:sp>
-        <p:nvSpPr>
-          <p:cNvPr id="22" name="Text Placeholder 3">
-            <a:extLst>
-              <a:ext uri="{FF2B5EF4-FFF2-40B4-BE49-F238E27FC236}">
-                <a16:creationId xmlns:a16="http://schemas.microsoft.com/office/drawing/2014/main" id="{3288951C-C3BA-1397-36A8-DA901F93F551}"/>
+      <p:graphicFrame>
+        <p:nvGraphicFramePr>
+          <p:cNvPr id="4" name="Chart 9">
+            <a:extLst>
+              <a:ext uri="{FF2B5EF4-FFF2-40B4-BE49-F238E27FC236}">
+                <a16:creationId xmlns:a16="http://schemas.microsoft.com/office/drawing/2014/main" id="{A65EFCB1-3F26-2C8B-1E54-7EEE83D32055}"/>
+              </a:ext>
+            </a:extLst>
+          </p:cNvPr>
+          <p:cNvGraphicFramePr>
+            <a:graphicFrameLocks/>
+          </p:cNvGraphicFramePr>
+          <p:nvPr>
+            <p:extLst>
+              <p:ext uri="{D42A27DB-BD31-4B8C-83A1-F6EECF244321}">
+                <p14:modId xmlns:p14="http://schemas.microsoft.com/office/powerpoint/2010/main" val="2309497298"/>
+              </p:ext>
+            </p:extLst>
+          </p:nvPr>
+        </p:nvGraphicFramePr>
+        <p:xfrm>
+          <a:off x="564421" y="888700"/>
+          <a:ext cx="5015009" cy="5540203"/>
+        </p:xfrm>
+        <a:graphic>
+          <a:graphicData uri="http://schemas.openxmlformats.org/drawingml/2006/chart">
+            <c:chart xmlns:c="http://schemas.openxmlformats.org/drawingml/2006/chart" xmlns:r="http://schemas.openxmlformats.org/officeDocument/2006/relationships" r:id="rId3"/>
+          </a:graphicData>
+        </a:graphic>
+      </p:graphicFrame>
+      <p:sp>
+        <p:nvSpPr>
+          <p:cNvPr id="26" name="Text Placeholder 3">
+            <a:extLst>
+              <a:ext uri="{FF2B5EF4-FFF2-40B4-BE49-F238E27FC236}">
+                <a16:creationId xmlns:a16="http://schemas.microsoft.com/office/drawing/2014/main" id="{F0555603-B786-A93B-8B30-13D773E0D58C}"/>
               </a:ext>
             </a:extLst>
           </p:cNvPr>
@@ -45537,8 +45609,8 @@
         </p:nvSpPr>
         <p:spPr>
           <a:xfrm>
-            <a:off x="6223817" y="1087908"/>
-            <a:ext cx="1656189" cy="392923"/>
+            <a:off x="1411876" y="3494873"/>
+            <a:ext cx="3544235" cy="312576"/>
           </a:xfrm>
           <a:prstGeom prst="rect">
             <a:avLst/>
@@ -45773,496 +45845,55 @@
               <a:buNone/>
             </a:pPr>
             <a:r>
-              <a:rPr lang="en-GB" dirty="0">
-                <a:latin typeface="Open Sans"/>
+              <a:rPr lang="tr-TR" dirty="0">
+                <a:solidFill>
+                  <a:srgbClr val="FF5A1F"/>
+                </a:solidFill>
+                <a:latin typeface="+mj-lt"/>
                 <a:ea typeface="Open Sans"/>
                 <a:cs typeface="Open Sans"/>
               </a:rPr>
-              <a:t>PAIN POINTS</a:t>
-            </a:r>
-          </a:p>
-        </p:txBody>
-      </p:sp>
-      <p:sp>
-        <p:nvSpPr>
-          <p:cNvPr id="10" name="Metin kutusu 9">
-            <a:extLst>
-              <a:ext uri="{FF2B5EF4-FFF2-40B4-BE49-F238E27FC236}">
-                <a16:creationId xmlns:a16="http://schemas.microsoft.com/office/drawing/2014/main" id="{13E7FD9A-35EC-E555-4DF5-08B0049F9F6D}"/>
-              </a:ext>
-            </a:extLst>
-          </p:cNvPr>
-          <p:cNvSpPr txBox="1"/>
-          <p:nvPr/>
-        </p:nvSpPr>
-        <p:spPr>
-          <a:xfrm>
-            <a:off x="6235704" y="1661242"/>
-            <a:ext cx="1456593" cy="307777"/>
-          </a:xfrm>
-          <a:prstGeom prst="rect">
-            <a:avLst/>
-          </a:prstGeom>
-          <a:noFill/>
-        </p:spPr>
-        <p:txBody>
-          <a:bodyPr wrap="square">
-            <a:spAutoFit/>
-          </a:bodyPr>
-          <a:lstStyle/>
-          <a:p>
-            <a:r>
-              <a:rPr lang="tr-TR" sz="1200" b="1" i="0" dirty="0">
-                <a:solidFill>
-                  <a:srgbClr val="F15D22"/>
-                </a:solidFill>
-                <a:effectLst/>
-                <a:highlight>
-                  <a:srgbClr val="FFFFFF"/>
-                </a:highlight>
+              <a:t>£ </a:t>
+            </a:r>
+            <a:r>
+              <a:rPr lang="tr-TR" dirty="0" err="1">
+                <a:solidFill>
+                  <a:srgbClr val="FF5A1F"/>
+                </a:solidFill>
+                <a:latin typeface="+mj-lt"/>
+                <a:ea typeface="Open Sans"/>
+                <a:cs typeface="Open Sans"/>
+              </a:rPr>
+              <a:t>totalcostval</a:t>
+            </a:r>
+            <a:r>
+              <a:rPr lang="tr-TR" dirty="0">
+                <a:solidFill>
+                  <a:srgbClr val="FF5A1F"/>
+                </a:solidFill>
                 <a:latin typeface="Montserrat SemiBold" panose="00000700000000000000" pitchFamily="2" charset="0"/>
+                <a:ea typeface="Open Sans"/>
+                <a:cs typeface="Open Sans"/>
               </a:rPr>
-              <a:t>per6x</a:t>
-            </a:r>
-            <a:r>
-              <a:rPr lang="tr-TR" sz="1400" b="1" i="0" dirty="0">
-                <a:solidFill>
-                  <a:srgbClr val="F15D22"/>
-                </a:solidFill>
-                <a:effectLst/>
-                <a:highlight>
-                  <a:srgbClr val="FFFFFF"/>
-                </a:highlight>
-                <a:latin typeface="Montserrat SemiBold" panose="00000700000000000000" pitchFamily="2" charset="0"/>
-              </a:rPr>
-              <a:t>%</a:t>
-            </a:r>
-            <a:endParaRPr lang="tr-TR" sz="1400" dirty="0">
+              <a:t> </a:t>
+            </a:r>
+            <a:endParaRPr lang="en-GB" dirty="0">
               <a:solidFill>
-                <a:srgbClr val="F15D22"/>
+                <a:srgbClr val="FF5A1F"/>
               </a:solidFill>
               <a:latin typeface="Montserrat SemiBold" panose="00000700000000000000" pitchFamily="2" charset="0"/>
+              <a:ea typeface="Open Sans"/>
+              <a:cs typeface="Open Sans"/>
             </a:endParaRPr>
           </a:p>
         </p:txBody>
       </p:sp>
       <p:sp>
         <p:nvSpPr>
-          <p:cNvPr id="11" name="Metin kutusu 10">
-            <a:extLst>
-              <a:ext uri="{FF2B5EF4-FFF2-40B4-BE49-F238E27FC236}">
-                <a16:creationId xmlns:a16="http://schemas.microsoft.com/office/drawing/2014/main" id="{6CA06CED-FE75-4967-D0A1-C1C89359F233}"/>
-              </a:ext>
-            </a:extLst>
-          </p:cNvPr>
-          <p:cNvSpPr txBox="1"/>
-          <p:nvPr/>
-        </p:nvSpPr>
-        <p:spPr>
-          <a:xfrm>
-            <a:off x="7157473" y="1597426"/>
-            <a:ext cx="2895478" cy="646331"/>
-          </a:xfrm>
-          <a:prstGeom prst="rect">
-            <a:avLst/>
-          </a:prstGeom>
-          <a:noFill/>
-        </p:spPr>
-        <p:txBody>
-          <a:bodyPr wrap="square">
-            <a:spAutoFit/>
-          </a:bodyPr>
-          <a:lstStyle/>
-          <a:p>
-            <a:r>
-              <a:rPr lang="en-US" sz="1200" b="0" i="0" cap="all" dirty="0">
-                <a:solidFill>
-                  <a:srgbClr val="25252C"/>
-                </a:solidFill>
-                <a:effectLst/>
-                <a:highlight>
-                  <a:srgbClr val="FFFFFF"/>
-                </a:highlight>
-                <a:latin typeface="+mj-lt"/>
-              </a:rPr>
-              <a:t>Management of supplier and purchase invoices</a:t>
-            </a:r>
-            <a:endParaRPr lang="tr-TR" sz="1200" dirty="0">
-              <a:latin typeface="+mj-lt"/>
-            </a:endParaRPr>
-          </a:p>
-        </p:txBody>
-      </p:sp>
-      <p:cxnSp>
-        <p:nvCxnSpPr>
-          <p:cNvPr id="12" name="Düz Bağlayıcı 11">
-            <a:extLst>
-              <a:ext uri="{FF2B5EF4-FFF2-40B4-BE49-F238E27FC236}">
-                <a16:creationId xmlns:a16="http://schemas.microsoft.com/office/drawing/2014/main" id="{B958F7CD-010C-C1DF-8A9D-47EA81947EF5}"/>
-              </a:ext>
-            </a:extLst>
-          </p:cNvPr>
-          <p:cNvCxnSpPr>
-            <a:cxnSpLocks/>
-          </p:cNvCxnSpPr>
-          <p:nvPr/>
-        </p:nvCxnSpPr>
-        <p:spPr>
-          <a:xfrm>
-            <a:off x="6324069" y="2186858"/>
-            <a:ext cx="3606511" cy="0"/>
-          </a:xfrm>
-          <a:prstGeom prst="line">
-            <a:avLst/>
-          </a:prstGeom>
-        </p:spPr>
-        <p:style>
-          <a:lnRef idx="1">
-            <a:schemeClr val="dk1"/>
-          </a:lnRef>
-          <a:fillRef idx="0">
-            <a:schemeClr val="dk1"/>
-          </a:fillRef>
-          <a:effectRef idx="0">
-            <a:schemeClr val="dk1"/>
-          </a:effectRef>
-          <a:fontRef idx="minor">
-            <a:schemeClr val="tx1"/>
-          </a:fontRef>
-        </p:style>
-      </p:cxnSp>
-      <p:sp>
-        <p:nvSpPr>
-          <p:cNvPr id="14" name="Metin kutusu 13">
-            <a:extLst>
-              <a:ext uri="{FF2B5EF4-FFF2-40B4-BE49-F238E27FC236}">
-                <a16:creationId xmlns:a16="http://schemas.microsoft.com/office/drawing/2014/main" id="{DAB3ADBA-809E-E5D2-DAE4-3B5093A639E7}"/>
-              </a:ext>
-            </a:extLst>
-          </p:cNvPr>
-          <p:cNvSpPr txBox="1"/>
-          <p:nvPr/>
-        </p:nvSpPr>
-        <p:spPr>
-          <a:xfrm>
-            <a:off x="6235704" y="2675778"/>
-            <a:ext cx="1214089" cy="307777"/>
-          </a:xfrm>
-          <a:prstGeom prst="rect">
-            <a:avLst/>
-          </a:prstGeom>
-          <a:noFill/>
-        </p:spPr>
-        <p:txBody>
-          <a:bodyPr wrap="square">
-            <a:spAutoFit/>
-          </a:bodyPr>
-          <a:lstStyle/>
-          <a:p>
-            <a:r>
-              <a:rPr lang="tr-TR" sz="1200" b="1" i="0" dirty="0">
-                <a:solidFill>
-                  <a:srgbClr val="616173"/>
-                </a:solidFill>
-                <a:effectLst/>
-                <a:highlight>
-                  <a:srgbClr val="FFFFFF"/>
-                </a:highlight>
-                <a:latin typeface="Montserrat SemiBold" panose="00000700000000000000" pitchFamily="2" charset="0"/>
-              </a:rPr>
-              <a:t>per8x</a:t>
-            </a:r>
-            <a:r>
-              <a:rPr lang="tr-TR" sz="1400" b="1" i="0" dirty="0">
-                <a:solidFill>
-                  <a:srgbClr val="616173"/>
-                </a:solidFill>
-                <a:effectLst/>
-                <a:highlight>
-                  <a:srgbClr val="FFFFFF"/>
-                </a:highlight>
-                <a:latin typeface="Montserrat SemiBold" panose="00000700000000000000" pitchFamily="2" charset="0"/>
-              </a:rPr>
-              <a:t>%</a:t>
-            </a:r>
-            <a:endParaRPr lang="tr-TR" sz="1400" dirty="0">
-              <a:solidFill>
-                <a:srgbClr val="616173"/>
-              </a:solidFill>
-              <a:latin typeface="Montserrat SemiBold" panose="00000700000000000000" pitchFamily="2" charset="0"/>
-            </a:endParaRPr>
-          </a:p>
-        </p:txBody>
-      </p:sp>
-      <p:sp>
-        <p:nvSpPr>
-          <p:cNvPr id="15" name="Metin kutusu 14">
-            <a:extLst>
-              <a:ext uri="{FF2B5EF4-FFF2-40B4-BE49-F238E27FC236}">
-                <a16:creationId xmlns:a16="http://schemas.microsoft.com/office/drawing/2014/main" id="{6554B224-FE3E-D0C6-C720-D705CCE8629C}"/>
-              </a:ext>
-            </a:extLst>
-          </p:cNvPr>
-          <p:cNvSpPr txBox="1"/>
-          <p:nvPr/>
-        </p:nvSpPr>
-        <p:spPr>
-          <a:xfrm>
-            <a:off x="7157473" y="2600515"/>
-            <a:ext cx="2712255" cy="461665"/>
-          </a:xfrm>
-          <a:prstGeom prst="rect">
-            <a:avLst/>
-          </a:prstGeom>
-          <a:noFill/>
-        </p:spPr>
-        <p:txBody>
-          <a:bodyPr wrap="square">
-            <a:spAutoFit/>
-          </a:bodyPr>
-          <a:lstStyle/>
-          <a:p>
-            <a:r>
-              <a:rPr lang="en-US" sz="1200" b="0" i="0" cap="all" dirty="0">
-                <a:solidFill>
-                  <a:srgbClr val="25252C"/>
-                </a:solidFill>
-                <a:effectLst/>
-                <a:highlight>
-                  <a:srgbClr val="FFFFFF"/>
-                </a:highlight>
-                <a:latin typeface="+mj-lt"/>
-              </a:rPr>
-              <a:t>Finance query management and dashboard reporting</a:t>
-            </a:r>
-            <a:endParaRPr lang="tr-TR" sz="1200" dirty="0">
-              <a:latin typeface="+mj-lt"/>
-            </a:endParaRPr>
-          </a:p>
-        </p:txBody>
-      </p:sp>
-      <p:cxnSp>
-        <p:nvCxnSpPr>
-          <p:cNvPr id="16" name="Düz Bağlayıcı 15">
-            <a:extLst>
-              <a:ext uri="{FF2B5EF4-FFF2-40B4-BE49-F238E27FC236}">
-                <a16:creationId xmlns:a16="http://schemas.microsoft.com/office/drawing/2014/main" id="{9FA200D9-42C7-7ED5-42BE-A8C50F06FF75}"/>
-              </a:ext>
-            </a:extLst>
-          </p:cNvPr>
-          <p:cNvCxnSpPr>
-            <a:cxnSpLocks/>
-          </p:cNvCxnSpPr>
-          <p:nvPr/>
-        </p:nvCxnSpPr>
-        <p:spPr>
-          <a:xfrm>
-            <a:off x="6327029" y="3215547"/>
-            <a:ext cx="3607200" cy="0"/>
-          </a:xfrm>
-          <a:prstGeom prst="line">
-            <a:avLst/>
-          </a:prstGeom>
-        </p:spPr>
-        <p:style>
-          <a:lnRef idx="1">
-            <a:schemeClr val="dk1"/>
-          </a:lnRef>
-          <a:fillRef idx="0">
-            <a:schemeClr val="dk1"/>
-          </a:fillRef>
-          <a:effectRef idx="0">
-            <a:schemeClr val="dk1"/>
-          </a:effectRef>
-          <a:fontRef idx="minor">
-            <a:schemeClr val="tx1"/>
-          </a:fontRef>
-        </p:style>
-      </p:cxnSp>
-      <p:sp>
-        <p:nvSpPr>
-          <p:cNvPr id="18" name="Metin kutusu 17">
-            <a:extLst>
-              <a:ext uri="{FF2B5EF4-FFF2-40B4-BE49-F238E27FC236}">
-                <a16:creationId xmlns:a16="http://schemas.microsoft.com/office/drawing/2014/main" id="{F5B56B55-628B-3DA3-96B2-535DE0111B67}"/>
-              </a:ext>
-            </a:extLst>
-          </p:cNvPr>
-          <p:cNvSpPr txBox="1"/>
-          <p:nvPr/>
-        </p:nvSpPr>
-        <p:spPr>
-          <a:xfrm>
-            <a:off x="6255890" y="3576370"/>
-            <a:ext cx="1337016" cy="307777"/>
-          </a:xfrm>
-          <a:prstGeom prst="rect">
-            <a:avLst/>
-          </a:prstGeom>
-          <a:noFill/>
-        </p:spPr>
-        <p:txBody>
-          <a:bodyPr wrap="square">
-            <a:spAutoFit/>
-          </a:bodyPr>
-          <a:lstStyle/>
-          <a:p>
-            <a:r>
-              <a:rPr lang="tr-TR" sz="1200" b="1" i="0" dirty="0">
-                <a:solidFill>
-                  <a:srgbClr val="F6911E"/>
-                </a:solidFill>
-                <a:effectLst/>
-                <a:highlight>
-                  <a:srgbClr val="FFFFFF"/>
-                </a:highlight>
-                <a:latin typeface="Montserrat SemiBold" panose="00000700000000000000" pitchFamily="2" charset="0"/>
-              </a:rPr>
-              <a:t>per9x</a:t>
-            </a:r>
-            <a:r>
-              <a:rPr lang="tr-TR" sz="1400" b="1" i="0" dirty="0">
-                <a:solidFill>
-                  <a:srgbClr val="F6911E"/>
-                </a:solidFill>
-                <a:effectLst/>
-                <a:highlight>
-                  <a:srgbClr val="FFFFFF"/>
-                </a:highlight>
-                <a:latin typeface="Montserrat SemiBold" panose="00000700000000000000" pitchFamily="2" charset="0"/>
-              </a:rPr>
-              <a:t>%</a:t>
-            </a:r>
-            <a:endParaRPr lang="tr-TR" sz="1400" dirty="0">
-              <a:solidFill>
-                <a:srgbClr val="F6911E"/>
-              </a:solidFill>
-              <a:latin typeface="Montserrat SemiBold" panose="00000700000000000000" pitchFamily="2" charset="0"/>
-            </a:endParaRPr>
-          </a:p>
-        </p:txBody>
-      </p:sp>
-      <p:sp>
-        <p:nvSpPr>
-          <p:cNvPr id="19" name="Metin kutusu 18">
-            <a:extLst>
-              <a:ext uri="{FF2B5EF4-FFF2-40B4-BE49-F238E27FC236}">
-                <a16:creationId xmlns:a16="http://schemas.microsoft.com/office/drawing/2014/main" id="{5A1931FD-3DE3-56DF-A0C7-6A857636496F}"/>
-              </a:ext>
-            </a:extLst>
-          </p:cNvPr>
-          <p:cNvSpPr txBox="1"/>
-          <p:nvPr/>
-        </p:nvSpPr>
-        <p:spPr>
-          <a:xfrm>
-            <a:off x="7157473" y="3472474"/>
-            <a:ext cx="2657777" cy="646331"/>
-          </a:xfrm>
-          <a:prstGeom prst="rect">
-            <a:avLst/>
-          </a:prstGeom>
-          <a:noFill/>
-        </p:spPr>
-        <p:txBody>
-          <a:bodyPr wrap="square">
-            <a:spAutoFit/>
-          </a:bodyPr>
-          <a:lstStyle/>
-          <a:p>
-            <a:r>
-              <a:rPr lang="tr-TR" sz="1200" b="0" i="0" cap="all" dirty="0">
-                <a:solidFill>
-                  <a:srgbClr val="25252C"/>
-                </a:solidFill>
-                <a:effectLst/>
-                <a:highlight>
-                  <a:srgbClr val="FFFFFF"/>
-                </a:highlight>
-                <a:latin typeface="+mj-lt"/>
-              </a:rPr>
-              <a:t>DEBT COLLECTION ADMINISTRATION PROCESSES</a:t>
-            </a:r>
-            <a:endParaRPr lang="tr-TR" sz="1200" dirty="0">
-              <a:latin typeface="+mj-lt"/>
-            </a:endParaRPr>
-          </a:p>
-        </p:txBody>
-      </p:sp>
-      <p:cxnSp>
-        <p:nvCxnSpPr>
-          <p:cNvPr id="20" name="Düz Bağlayıcı 19">
-            <a:extLst>
-              <a:ext uri="{FF2B5EF4-FFF2-40B4-BE49-F238E27FC236}">
-                <a16:creationId xmlns:a16="http://schemas.microsoft.com/office/drawing/2014/main" id="{B2C9EFC7-5934-A281-9CA9-5BF4B2674D99}"/>
-              </a:ext>
-            </a:extLst>
-          </p:cNvPr>
-          <p:cNvCxnSpPr>
-            <a:cxnSpLocks/>
-          </p:cNvCxnSpPr>
-          <p:nvPr/>
-        </p:nvCxnSpPr>
-        <p:spPr>
-          <a:xfrm>
-            <a:off x="6311174" y="4059227"/>
-            <a:ext cx="3607200" cy="0"/>
-          </a:xfrm>
-          <a:prstGeom prst="line">
-            <a:avLst/>
-          </a:prstGeom>
-        </p:spPr>
-        <p:style>
-          <a:lnRef idx="1">
-            <a:schemeClr val="dk1"/>
-          </a:lnRef>
-          <a:fillRef idx="0">
-            <a:schemeClr val="dk1"/>
-          </a:fillRef>
-          <a:effectRef idx="0">
-            <a:schemeClr val="dk1"/>
-          </a:effectRef>
-          <a:fontRef idx="minor">
-            <a:schemeClr val="tx1"/>
-          </a:fontRef>
-        </p:style>
-      </p:cxnSp>
-      <p:graphicFrame>
-        <p:nvGraphicFramePr>
-          <p:cNvPr id="4" name="Chart 9">
-            <a:extLst>
-              <a:ext uri="{FF2B5EF4-FFF2-40B4-BE49-F238E27FC236}">
-                <a16:creationId xmlns:a16="http://schemas.microsoft.com/office/drawing/2014/main" id="{A65EFCB1-3F26-2C8B-1E54-7EEE83D32055}"/>
-              </a:ext>
-            </a:extLst>
-          </p:cNvPr>
-          <p:cNvGraphicFramePr>
-            <a:graphicFrameLocks/>
-          </p:cNvGraphicFramePr>
-          <p:nvPr>
-            <p:extLst>
-              <p:ext uri="{D42A27DB-BD31-4B8C-83A1-F6EECF244321}">
-                <p14:modId xmlns:p14="http://schemas.microsoft.com/office/powerpoint/2010/main" val="2309497298"/>
-              </p:ext>
-            </p:extLst>
-          </p:nvPr>
-        </p:nvGraphicFramePr>
-        <p:xfrm>
-          <a:off x="564421" y="888700"/>
-          <a:ext cx="5015009" cy="5540203"/>
-        </p:xfrm>
-        <a:graphic>
-          <a:graphicData uri="http://schemas.openxmlformats.org/drawingml/2006/chart">
-            <c:chart xmlns:c="http://schemas.openxmlformats.org/drawingml/2006/chart" xmlns:r="http://schemas.openxmlformats.org/officeDocument/2006/relationships" r:id="rId3"/>
-          </a:graphicData>
-        </a:graphic>
-      </p:graphicFrame>
-      <p:sp>
-        <p:nvSpPr>
-          <p:cNvPr id="26" name="Text Placeholder 3">
-            <a:extLst>
-              <a:ext uri="{FF2B5EF4-FFF2-40B4-BE49-F238E27FC236}">
-                <a16:creationId xmlns:a16="http://schemas.microsoft.com/office/drawing/2014/main" id="{F0555603-B786-A93B-8B30-13D773E0D58C}"/>
+          <p:cNvPr id="5" name="Text Placeholder 3">
+            <a:extLst>
+              <a:ext uri="{FF2B5EF4-FFF2-40B4-BE49-F238E27FC236}">
+                <a16:creationId xmlns:a16="http://schemas.microsoft.com/office/drawing/2014/main" id="{910555E3-8C48-4464-64DA-8F9B731C52BF}"/>
               </a:ext>
             </a:extLst>
           </p:cNvPr>
@@ -46273,8 +45904,8 @@
         </p:nvSpPr>
         <p:spPr>
           <a:xfrm>
-            <a:off x="1411876" y="3494873"/>
-            <a:ext cx="3544235" cy="312576"/>
+            <a:off x="6223817" y="1087908"/>
+            <a:ext cx="1656189" cy="392923"/>
           </a:xfrm>
           <a:prstGeom prst="rect">
             <a:avLst/>
@@ -46509,49 +46140,680 @@
               <a:buNone/>
             </a:pPr>
             <a:r>
-              <a:rPr lang="tr-TR" dirty="0">
-                <a:solidFill>
-                  <a:srgbClr val="FF5A1F"/>
-                </a:solidFill>
-                <a:latin typeface="+mj-lt"/>
+              <a:rPr lang="en-GB" dirty="0">
+                <a:latin typeface="Open Sans"/>
                 <a:ea typeface="Open Sans"/>
                 <a:cs typeface="Open Sans"/>
               </a:rPr>
-              <a:t>£ </a:t>
-            </a:r>
-            <a:r>
-              <a:rPr lang="tr-TR" dirty="0" err="1">
-                <a:solidFill>
-                  <a:srgbClr val="FF5A1F"/>
-                </a:solidFill>
-                <a:latin typeface="+mj-lt"/>
-                <a:ea typeface="Open Sans"/>
-                <a:cs typeface="Open Sans"/>
-              </a:rPr>
-              <a:t>totalcostval</a:t>
-            </a:r>
-            <a:r>
-              <a:rPr lang="tr-TR" dirty="0">
-                <a:solidFill>
-                  <a:srgbClr val="FF5A1F"/>
+              <a:t>PAIN POINTS</a:t>
+            </a:r>
+          </a:p>
+        </p:txBody>
+      </p:sp>
+      <p:grpSp>
+        <p:nvGrpSpPr>
+          <p:cNvPr id="6" name="Grup 63">
+            <a:extLst>
+              <a:ext uri="{FF2B5EF4-FFF2-40B4-BE49-F238E27FC236}">
+                <a16:creationId xmlns:a16="http://schemas.microsoft.com/office/drawing/2014/main" id="{696D51A8-E96A-481B-F106-BAA07AD04CFD}"/>
+              </a:ext>
+            </a:extLst>
+          </p:cNvPr>
+          <p:cNvGrpSpPr/>
+          <p:nvPr/>
+        </p:nvGrpSpPr>
+        <p:grpSpPr>
+          <a:xfrm>
+            <a:off x="6223817" y="3281940"/>
+            <a:ext cx="4516445" cy="1565426"/>
+            <a:chOff x="356496" y="683777"/>
+            <a:chExt cx="3362632" cy="1657959"/>
+          </a:xfrm>
+        </p:grpSpPr>
+        <p:sp>
+          <p:nvSpPr>
+            <p:cNvPr id="7" name="TextBox 41">
+              <a:extLst>
+                <a:ext uri="{FF2B5EF4-FFF2-40B4-BE49-F238E27FC236}">
+                  <a16:creationId xmlns:a16="http://schemas.microsoft.com/office/drawing/2014/main" id="{3244B739-172F-065F-6BD7-C667E69F7CC5}"/>
+                </a:ext>
+              </a:extLst>
+            </p:cNvPr>
+            <p:cNvSpPr txBox="1"/>
+            <p:nvPr/>
+          </p:nvSpPr>
+          <p:spPr>
+            <a:xfrm>
+              <a:off x="356496" y="683777"/>
+              <a:ext cx="2612847" cy="391163"/>
+            </a:xfrm>
+            <a:prstGeom prst="rect">
+              <a:avLst/>
+            </a:prstGeom>
+            <a:noFill/>
+          </p:spPr>
+          <p:txBody>
+            <a:bodyPr wrap="square" rtlCol="0" anchor="b" anchorCtr="0">
+              <a:spAutoFit/>
+            </a:bodyPr>
+            <a:lstStyle/>
+            <a:p>
+              <a:r>
+                <a:rPr lang="tr-TR" b="1" i="0" dirty="0">
+                  <a:solidFill>
+                    <a:srgbClr val="616173"/>
+                  </a:solidFill>
+                  <a:effectLst/>
+                  <a:latin typeface="Open Sans" panose="020B0606030504020204" pitchFamily="34" charset="0"/>
+                </a:rPr>
+                <a:t>£</a:t>
+              </a:r>
+              <a:r>
+                <a:rPr lang="tr-TR" b="1" i="0" dirty="0" err="1">
+                  <a:solidFill>
+                    <a:srgbClr val="616173"/>
+                  </a:solidFill>
+                  <a:effectLst/>
+                  <a:latin typeface="Montserrat SemiBold" panose="00000700000000000000" pitchFamily="2" charset="0"/>
+                </a:rPr>
+                <a:t>pfqmrval</a:t>
+              </a:r>
+              <a:endParaRPr lang="en-US" b="1" dirty="0">
+                <a:solidFill>
+                  <a:srgbClr val="616173"/>
                 </a:solidFill>
                 <a:latin typeface="Montserrat SemiBold" panose="00000700000000000000" pitchFamily="2" charset="0"/>
-                <a:ea typeface="Open Sans"/>
-                <a:cs typeface="Open Sans"/>
-              </a:rPr>
-              <a:t> </a:t>
-            </a:r>
-            <a:endParaRPr lang="en-GB" dirty="0">
-              <a:solidFill>
-                <a:srgbClr val="FF5A1F"/>
-              </a:solidFill>
-              <a:latin typeface="Montserrat SemiBold" panose="00000700000000000000" pitchFamily="2" charset="0"/>
-              <a:ea typeface="Open Sans"/>
-              <a:cs typeface="Open Sans"/>
-            </a:endParaRPr>
-          </a:p>
-        </p:txBody>
-      </p:sp>
+                <a:ea typeface="League Spartan" charset="0"/>
+                <a:cs typeface="Poppins" pitchFamily="2" charset="77"/>
+              </a:endParaRPr>
+            </a:p>
+          </p:txBody>
+        </p:sp>
+        <p:sp>
+          <p:nvSpPr>
+            <p:cNvPr id="8" name="Metin kutusu 65">
+              <a:extLst>
+                <a:ext uri="{FF2B5EF4-FFF2-40B4-BE49-F238E27FC236}">
+                  <a16:creationId xmlns:a16="http://schemas.microsoft.com/office/drawing/2014/main" id="{52AEE00D-E1B1-D9A5-F908-C344A0146A84}"/>
+                </a:ext>
+              </a:extLst>
+            </p:cNvPr>
+            <p:cNvSpPr txBox="1"/>
+            <p:nvPr/>
+          </p:nvSpPr>
+          <p:spPr>
+            <a:xfrm>
+              <a:off x="356496" y="1035612"/>
+              <a:ext cx="3362632" cy="554147"/>
+            </a:xfrm>
+            <a:prstGeom prst="rect">
+              <a:avLst/>
+            </a:prstGeom>
+            <a:noFill/>
+          </p:spPr>
+          <p:txBody>
+            <a:bodyPr wrap="square">
+              <a:spAutoFit/>
+            </a:bodyPr>
+            <a:lstStyle/>
+            <a:p>
+              <a:pPr algn="l"/>
+              <a:r>
+                <a:rPr lang="en-US" sz="1400" b="1" cap="all" dirty="0">
+                  <a:solidFill>
+                    <a:srgbClr val="555555"/>
+                  </a:solidFill>
+                  <a:latin typeface="Montserrat SemiBold" panose="00000700000000000000" pitchFamily="2" charset="0"/>
+                </a:rPr>
+                <a:t>Finance query management and dashboard reporting</a:t>
+              </a:r>
+              <a:endParaRPr lang="tr-TR" sz="1400" b="1" cap="all" dirty="0">
+                <a:solidFill>
+                  <a:srgbClr val="555555"/>
+                </a:solidFill>
+                <a:latin typeface="Montserrat SemiBold" panose="00000700000000000000" pitchFamily="2" charset="0"/>
+              </a:endParaRPr>
+            </a:p>
+          </p:txBody>
+        </p:sp>
+        <p:sp>
+          <p:nvSpPr>
+            <p:cNvPr id="9" name="Metin kutusu 66">
+              <a:extLst>
+                <a:ext uri="{FF2B5EF4-FFF2-40B4-BE49-F238E27FC236}">
+                  <a16:creationId xmlns:a16="http://schemas.microsoft.com/office/drawing/2014/main" id="{A34982A3-9209-878E-4003-305A7F7065FD}"/>
+                </a:ext>
+              </a:extLst>
+            </p:cNvPr>
+            <p:cNvSpPr txBox="1"/>
+            <p:nvPr/>
+          </p:nvSpPr>
+          <p:spPr>
+            <a:xfrm>
+              <a:off x="356496" y="1559409"/>
+              <a:ext cx="3261775" cy="782327"/>
+            </a:xfrm>
+            <a:prstGeom prst="rect">
+              <a:avLst/>
+            </a:prstGeom>
+            <a:noFill/>
+          </p:spPr>
+          <p:txBody>
+            <a:bodyPr wrap="square">
+              <a:spAutoFit/>
+            </a:bodyPr>
+            <a:lstStyle/>
+            <a:p>
+              <a:r>
+                <a:rPr lang="en-US" sz="1050" dirty="0">
+                  <a:solidFill>
+                    <a:srgbClr val="555555"/>
+                  </a:solidFill>
+                  <a:latin typeface="Open Sans" panose="020B0606030504020204" pitchFamily="34" charset="0"/>
+                </a:rPr>
+                <a:t>Make due diligence and compliance reviews a seamless part of your procurement process. Get dynamic compliance profiles for each supplier, automated reviews and approvals prompts, and </a:t>
+              </a:r>
+              <a:r>
+                <a:rPr lang="en-US" sz="1050" dirty="0" err="1">
+                  <a:solidFill>
+                    <a:srgbClr val="555555"/>
+                  </a:solidFill>
+                  <a:latin typeface="Open Sans" panose="020B0606030504020204" pitchFamily="34" charset="0"/>
+                </a:rPr>
+                <a:t>standardised</a:t>
+              </a:r>
+              <a:r>
+                <a:rPr lang="en-US" sz="1050" dirty="0">
+                  <a:solidFill>
+                    <a:srgbClr val="555555"/>
+                  </a:solidFill>
+                  <a:latin typeface="Open Sans" panose="020B0606030504020204" pitchFamily="34" charset="0"/>
+                </a:rPr>
+                <a:t> supplier data for thorough compliance management.</a:t>
+              </a:r>
+              <a:endParaRPr lang="tr-TR" sz="1050" dirty="0">
+                <a:solidFill>
+                  <a:srgbClr val="555555"/>
+                </a:solidFill>
+                <a:latin typeface="Open Sans" panose="020B0606030504020204" pitchFamily="34" charset="0"/>
+              </a:endParaRPr>
+            </a:p>
+          </p:txBody>
+        </p:sp>
+      </p:grpSp>
+      <p:grpSp>
+        <p:nvGrpSpPr>
+          <p:cNvPr id="13" name="Grup 67">
+            <a:extLst>
+              <a:ext uri="{FF2B5EF4-FFF2-40B4-BE49-F238E27FC236}">
+                <a16:creationId xmlns:a16="http://schemas.microsoft.com/office/drawing/2014/main" id="{C589ED89-B62E-346D-D652-630B74573970}"/>
+              </a:ext>
+            </a:extLst>
+          </p:cNvPr>
+          <p:cNvGrpSpPr/>
+          <p:nvPr/>
+        </p:nvGrpSpPr>
+        <p:grpSpPr>
+          <a:xfrm>
+            <a:off x="6223817" y="1597982"/>
+            <a:ext cx="4808512" cy="1566090"/>
+            <a:chOff x="356496" y="683777"/>
+            <a:chExt cx="3362632" cy="1658664"/>
+          </a:xfrm>
+        </p:grpSpPr>
+        <p:sp>
+          <p:nvSpPr>
+            <p:cNvPr id="17" name="TextBox 41">
+              <a:extLst>
+                <a:ext uri="{FF2B5EF4-FFF2-40B4-BE49-F238E27FC236}">
+                  <a16:creationId xmlns:a16="http://schemas.microsoft.com/office/drawing/2014/main" id="{D2B1565B-D878-B45E-5BBE-D697BB999252}"/>
+                </a:ext>
+              </a:extLst>
+            </p:cNvPr>
+            <p:cNvSpPr txBox="1"/>
+            <p:nvPr/>
+          </p:nvSpPr>
+          <p:spPr>
+            <a:xfrm>
+              <a:off x="356496" y="683777"/>
+              <a:ext cx="2612845" cy="391163"/>
+            </a:xfrm>
+            <a:prstGeom prst="rect">
+              <a:avLst/>
+            </a:prstGeom>
+            <a:noFill/>
+          </p:spPr>
+          <p:txBody>
+            <a:bodyPr wrap="square" rtlCol="0" anchor="b" anchorCtr="0">
+              <a:spAutoFit/>
+            </a:bodyPr>
+            <a:lstStyle/>
+            <a:p>
+              <a:r>
+                <a:rPr lang="tr-TR" b="1" i="0" dirty="0">
+                  <a:solidFill>
+                    <a:srgbClr val="F15D22"/>
+                  </a:solidFill>
+                  <a:effectLst/>
+                  <a:latin typeface="Open Sans" panose="020B0606030504020204" pitchFamily="34" charset="0"/>
+                </a:rPr>
+                <a:t>£</a:t>
+              </a:r>
+              <a:r>
+                <a:rPr lang="tr-TR" b="1" dirty="0" err="1">
+                  <a:solidFill>
+                    <a:srgbClr val="F15D22"/>
+                  </a:solidFill>
+                  <a:latin typeface="Montserrat SemiBold" panose="00000700000000000000" pitchFamily="2" charset="0"/>
+                </a:rPr>
+                <a:t>pmspival</a:t>
+              </a:r>
+              <a:endParaRPr lang="en-US" b="1" dirty="0">
+                <a:solidFill>
+                  <a:srgbClr val="F15D22"/>
+                </a:solidFill>
+                <a:latin typeface="Montserrat SemiBold" panose="00000700000000000000" pitchFamily="2" charset="0"/>
+                <a:ea typeface="League Spartan" charset="0"/>
+                <a:cs typeface="Poppins" pitchFamily="2" charset="77"/>
+              </a:endParaRPr>
+            </a:p>
+          </p:txBody>
+        </p:sp>
+        <p:sp>
+          <p:nvSpPr>
+            <p:cNvPr id="21" name="Metin kutusu 69">
+              <a:extLst>
+                <a:ext uri="{FF2B5EF4-FFF2-40B4-BE49-F238E27FC236}">
+                  <a16:creationId xmlns:a16="http://schemas.microsoft.com/office/drawing/2014/main" id="{6ECFDDDB-05EB-3C48-6918-3CAECF67437F}"/>
+                </a:ext>
+              </a:extLst>
+            </p:cNvPr>
+            <p:cNvSpPr txBox="1"/>
+            <p:nvPr/>
+          </p:nvSpPr>
+          <p:spPr>
+            <a:xfrm>
+              <a:off x="356496" y="1035612"/>
+              <a:ext cx="3362632" cy="554147"/>
+            </a:xfrm>
+            <a:prstGeom prst="rect">
+              <a:avLst/>
+            </a:prstGeom>
+            <a:noFill/>
+          </p:spPr>
+          <p:txBody>
+            <a:bodyPr wrap="square">
+              <a:spAutoFit/>
+            </a:bodyPr>
+            <a:lstStyle/>
+            <a:p>
+              <a:pPr algn="l"/>
+              <a:r>
+                <a:rPr lang="en-US" sz="1400" b="1" cap="all" dirty="0">
+                  <a:solidFill>
+                    <a:srgbClr val="555555"/>
+                  </a:solidFill>
+                  <a:latin typeface="Montserrat SemiBold" panose="00000700000000000000" pitchFamily="2" charset="0"/>
+                </a:rPr>
+                <a:t>Management of supplier and purchase invoices</a:t>
+              </a:r>
+              <a:endParaRPr lang="tr-TR" sz="1400" b="1" cap="all" dirty="0">
+                <a:solidFill>
+                  <a:srgbClr val="555555"/>
+                </a:solidFill>
+                <a:latin typeface="Montserrat SemiBold" panose="00000700000000000000" pitchFamily="2" charset="0"/>
+              </a:endParaRPr>
+            </a:p>
+          </p:txBody>
+        </p:sp>
+        <p:sp>
+          <p:nvSpPr>
+            <p:cNvPr id="23" name="Metin kutusu 70">
+              <a:extLst>
+                <a:ext uri="{FF2B5EF4-FFF2-40B4-BE49-F238E27FC236}">
+                  <a16:creationId xmlns:a16="http://schemas.microsoft.com/office/drawing/2014/main" id="{52BE5C30-3C08-3C04-90FF-A38C417A7FF5}"/>
+                </a:ext>
+              </a:extLst>
+            </p:cNvPr>
+            <p:cNvSpPr txBox="1"/>
+            <p:nvPr/>
+          </p:nvSpPr>
+          <p:spPr>
+            <a:xfrm>
+              <a:off x="356496" y="1560114"/>
+              <a:ext cx="3261775" cy="782327"/>
+            </a:xfrm>
+            <a:prstGeom prst="rect">
+              <a:avLst/>
+            </a:prstGeom>
+            <a:noFill/>
+          </p:spPr>
+          <p:txBody>
+            <a:bodyPr wrap="square">
+              <a:spAutoFit/>
+            </a:bodyPr>
+            <a:lstStyle/>
+            <a:p>
+              <a:r>
+                <a:rPr lang="en-US" sz="1050" dirty="0">
+                  <a:solidFill>
+                    <a:srgbClr val="555555"/>
+                  </a:solidFill>
+                  <a:latin typeface="Open Sans" panose="020B0606030504020204" pitchFamily="34" charset="0"/>
+                </a:rPr>
+                <a:t>Automate activity, streamline approval and management flow, and capture rich data with our industry-leading, user-friendly contract lifecycle management software. Suitable for all contracts, basic or complex.</a:t>
+              </a:r>
+              <a:endParaRPr lang="tr-TR" sz="1050" dirty="0">
+                <a:solidFill>
+                  <a:srgbClr val="555555"/>
+                </a:solidFill>
+                <a:latin typeface="Open Sans" panose="020B0606030504020204" pitchFamily="34" charset="0"/>
+              </a:endParaRPr>
+            </a:p>
+          </p:txBody>
+        </p:sp>
+      </p:grpSp>
+      <p:grpSp>
+        <p:nvGrpSpPr>
+          <p:cNvPr id="24" name="Grup 3">
+            <a:extLst>
+              <a:ext uri="{FF2B5EF4-FFF2-40B4-BE49-F238E27FC236}">
+                <a16:creationId xmlns:a16="http://schemas.microsoft.com/office/drawing/2014/main" id="{20972701-6F6C-6943-A4AA-518B8321563D}"/>
+              </a:ext>
+            </a:extLst>
+          </p:cNvPr>
+          <p:cNvGrpSpPr/>
+          <p:nvPr/>
+        </p:nvGrpSpPr>
+        <p:grpSpPr>
+          <a:xfrm>
+            <a:off x="6223817" y="4960232"/>
+            <a:ext cx="4556307" cy="1419018"/>
+            <a:chOff x="356496" y="683777"/>
+            <a:chExt cx="3362632" cy="1502898"/>
+          </a:xfrm>
+        </p:grpSpPr>
+        <p:sp>
+          <p:nvSpPr>
+            <p:cNvPr id="25" name="TextBox 41">
+              <a:extLst>
+                <a:ext uri="{FF2B5EF4-FFF2-40B4-BE49-F238E27FC236}">
+                  <a16:creationId xmlns:a16="http://schemas.microsoft.com/office/drawing/2014/main" id="{036214D1-7919-E287-4C54-F415E9475989}"/>
+                </a:ext>
+              </a:extLst>
+            </p:cNvPr>
+            <p:cNvSpPr txBox="1"/>
+            <p:nvPr/>
+          </p:nvSpPr>
+          <p:spPr>
+            <a:xfrm>
+              <a:off x="356496" y="683777"/>
+              <a:ext cx="2612847" cy="391163"/>
+            </a:xfrm>
+            <a:prstGeom prst="rect">
+              <a:avLst/>
+            </a:prstGeom>
+            <a:noFill/>
+          </p:spPr>
+          <p:txBody>
+            <a:bodyPr wrap="square" rtlCol="0" anchor="b" anchorCtr="0">
+              <a:spAutoFit/>
+            </a:bodyPr>
+            <a:lstStyle/>
+            <a:p>
+              <a:r>
+                <a:rPr lang="tr-TR" b="1" i="0" dirty="0">
+                  <a:solidFill>
+                    <a:srgbClr val="F6911E"/>
+                  </a:solidFill>
+                  <a:effectLst/>
+                  <a:latin typeface="Open Sans" panose="020B0606030504020204" pitchFamily="34" charset="0"/>
+                </a:rPr>
+                <a:t>£</a:t>
+              </a:r>
+              <a:r>
+                <a:rPr lang="tr-TR" b="1" i="0" dirty="0" err="1">
+                  <a:solidFill>
+                    <a:srgbClr val="F6911E"/>
+                  </a:solidFill>
+                  <a:effectLst/>
+                  <a:latin typeface="Montserrat SemiBold" panose="00000700000000000000" pitchFamily="2" charset="0"/>
+                </a:rPr>
+                <a:t>pdcapval</a:t>
+              </a:r>
+              <a:endParaRPr lang="en-US" b="1" dirty="0">
+                <a:solidFill>
+                  <a:srgbClr val="F6911E"/>
+                </a:solidFill>
+                <a:latin typeface="Montserrat SemiBold" panose="00000700000000000000" pitchFamily="2" charset="0"/>
+                <a:ea typeface="League Spartan" charset="0"/>
+                <a:cs typeface="Poppins" pitchFamily="2" charset="77"/>
+              </a:endParaRPr>
+            </a:p>
+          </p:txBody>
+        </p:sp>
+        <p:sp>
+          <p:nvSpPr>
+            <p:cNvPr id="27" name="Metin kutusu 5">
+              <a:extLst>
+                <a:ext uri="{FF2B5EF4-FFF2-40B4-BE49-F238E27FC236}">
+                  <a16:creationId xmlns:a16="http://schemas.microsoft.com/office/drawing/2014/main" id="{021A9A1E-4593-5BB3-7962-CE34A137AA76}"/>
+                </a:ext>
+              </a:extLst>
+            </p:cNvPr>
+            <p:cNvSpPr txBox="1"/>
+            <p:nvPr/>
+          </p:nvSpPr>
+          <p:spPr>
+            <a:xfrm>
+              <a:off x="356496" y="1035612"/>
+              <a:ext cx="3362632" cy="554147"/>
+            </a:xfrm>
+            <a:prstGeom prst="rect">
+              <a:avLst/>
+            </a:prstGeom>
+            <a:noFill/>
+          </p:spPr>
+          <p:txBody>
+            <a:bodyPr wrap="square">
+              <a:spAutoFit/>
+            </a:bodyPr>
+            <a:lstStyle/>
+            <a:p>
+              <a:r>
+                <a:rPr lang="tr-TR" sz="1400" b="1" cap="all" dirty="0" err="1">
+                  <a:solidFill>
+                    <a:srgbClr val="555555"/>
+                  </a:solidFill>
+                  <a:latin typeface="Montserrat SemiBold" panose="00000700000000000000" pitchFamily="2" charset="0"/>
+                </a:rPr>
+                <a:t>Debt</a:t>
+              </a:r>
+              <a:r>
+                <a:rPr lang="tr-TR" sz="1400" b="1" cap="all" dirty="0">
+                  <a:solidFill>
+                    <a:srgbClr val="555555"/>
+                  </a:solidFill>
+                  <a:latin typeface="Montserrat SemiBold" panose="00000700000000000000" pitchFamily="2" charset="0"/>
+                </a:rPr>
+                <a:t> </a:t>
+              </a:r>
+              <a:r>
+                <a:rPr lang="tr-TR" sz="1400" b="1" cap="all" dirty="0" err="1">
+                  <a:solidFill>
+                    <a:srgbClr val="555555"/>
+                  </a:solidFill>
+                  <a:latin typeface="Montserrat SemiBold" panose="00000700000000000000" pitchFamily="2" charset="0"/>
+                </a:rPr>
+                <a:t>collectIon</a:t>
+              </a:r>
+              <a:r>
+                <a:rPr lang="tr-TR" sz="1400" b="1" cap="all" dirty="0">
+                  <a:solidFill>
+                    <a:srgbClr val="555555"/>
+                  </a:solidFill>
+                  <a:latin typeface="Montserrat SemiBold" panose="00000700000000000000" pitchFamily="2" charset="0"/>
+                </a:rPr>
+                <a:t> </a:t>
+              </a:r>
+              <a:r>
+                <a:rPr lang="tr-TR" sz="1400" b="1" cap="all" dirty="0" err="1">
+                  <a:solidFill>
+                    <a:srgbClr val="555555"/>
+                  </a:solidFill>
+                  <a:latin typeface="Montserrat SemiBold" panose="00000700000000000000" pitchFamily="2" charset="0"/>
+                </a:rPr>
+                <a:t>adm</a:t>
+              </a:r>
+              <a:r>
+                <a:rPr lang="tr-TR" sz="1400" b="1" i="0" cap="all" dirty="0" err="1">
+                  <a:solidFill>
+                    <a:srgbClr val="555555"/>
+                  </a:solidFill>
+                  <a:effectLst/>
+                  <a:latin typeface="Montserrat SemiBold" panose="00000700000000000000" pitchFamily="2" charset="0"/>
+                </a:rPr>
+                <a:t>I</a:t>
+              </a:r>
+              <a:r>
+                <a:rPr lang="tr-TR" sz="1400" b="1" cap="all" dirty="0" err="1">
+                  <a:solidFill>
+                    <a:srgbClr val="555555"/>
+                  </a:solidFill>
+                  <a:latin typeface="Montserrat SemiBold" panose="00000700000000000000" pitchFamily="2" charset="0"/>
+                </a:rPr>
+                <a:t>n</a:t>
+              </a:r>
+              <a:r>
+                <a:rPr lang="tr-TR" sz="1400" b="1" i="0" cap="all" dirty="0" err="1">
+                  <a:solidFill>
+                    <a:srgbClr val="555555"/>
+                  </a:solidFill>
+                  <a:effectLst/>
+                  <a:latin typeface="Montserrat SemiBold" panose="00000700000000000000" pitchFamily="2" charset="0"/>
+                </a:rPr>
+                <a:t>I</a:t>
+              </a:r>
+              <a:r>
+                <a:rPr lang="tr-TR" sz="1400" b="1" cap="all" dirty="0" err="1">
+                  <a:solidFill>
+                    <a:srgbClr val="555555"/>
+                  </a:solidFill>
+                  <a:latin typeface="Montserrat SemiBold" panose="00000700000000000000" pitchFamily="2" charset="0"/>
+                </a:rPr>
+                <a:t>strat</a:t>
+              </a:r>
+              <a:r>
+                <a:rPr lang="tr-TR" sz="1400" b="1" i="0" cap="all" dirty="0" err="1">
+                  <a:solidFill>
+                    <a:srgbClr val="555555"/>
+                  </a:solidFill>
+                  <a:effectLst/>
+                  <a:latin typeface="Montserrat SemiBold" panose="00000700000000000000" pitchFamily="2" charset="0"/>
+                </a:rPr>
+                <a:t>I</a:t>
+              </a:r>
+              <a:r>
+                <a:rPr lang="tr-TR" sz="1400" b="1" cap="all" dirty="0" err="1">
+                  <a:solidFill>
+                    <a:srgbClr val="555555"/>
+                  </a:solidFill>
+                  <a:latin typeface="Montserrat SemiBold" panose="00000700000000000000" pitchFamily="2" charset="0"/>
+                </a:rPr>
+                <a:t>on</a:t>
+              </a:r>
+              <a:r>
+                <a:rPr lang="tr-TR" sz="1400" b="1" cap="all" dirty="0">
+                  <a:solidFill>
+                    <a:srgbClr val="555555"/>
+                  </a:solidFill>
+                  <a:latin typeface="Montserrat SemiBold" panose="00000700000000000000" pitchFamily="2" charset="0"/>
+                </a:rPr>
+                <a:t> </a:t>
+              </a:r>
+              <a:r>
+                <a:rPr lang="tr-TR" sz="1400" b="1" cap="all" dirty="0" err="1">
+                  <a:solidFill>
+                    <a:srgbClr val="555555"/>
+                  </a:solidFill>
+                  <a:latin typeface="Montserrat SemiBold" panose="00000700000000000000" pitchFamily="2" charset="0"/>
+                </a:rPr>
+                <a:t>processes</a:t>
+              </a:r>
+              <a:endParaRPr lang="tr-TR" sz="1400" b="1" cap="all" dirty="0">
+                <a:solidFill>
+                  <a:srgbClr val="555555"/>
+                </a:solidFill>
+                <a:latin typeface="Montserrat SemiBold" panose="00000700000000000000" pitchFamily="2" charset="0"/>
+              </a:endParaRPr>
+            </a:p>
+          </p:txBody>
+        </p:sp>
+        <p:sp>
+          <p:nvSpPr>
+            <p:cNvPr id="28" name="Metin kutusu 6">
+              <a:extLst>
+                <a:ext uri="{FF2B5EF4-FFF2-40B4-BE49-F238E27FC236}">
+                  <a16:creationId xmlns:a16="http://schemas.microsoft.com/office/drawing/2014/main" id="{7D234B86-C37A-10C2-AD03-3D24C8A226E3}"/>
+                </a:ext>
+              </a:extLst>
+            </p:cNvPr>
+            <p:cNvSpPr txBox="1"/>
+            <p:nvPr/>
+          </p:nvSpPr>
+          <p:spPr>
+            <a:xfrm>
+              <a:off x="356496" y="1575482"/>
+              <a:ext cx="3261775" cy="611193"/>
+            </a:xfrm>
+            <a:prstGeom prst="rect">
+              <a:avLst/>
+            </a:prstGeom>
+            <a:noFill/>
+          </p:spPr>
+          <p:txBody>
+            <a:bodyPr wrap="square">
+              <a:spAutoFit/>
+            </a:bodyPr>
+            <a:lstStyle/>
+            <a:p>
+              <a:r>
+                <a:rPr lang="en-US" sz="1050" dirty="0">
+                  <a:solidFill>
+                    <a:srgbClr val="555555"/>
+                  </a:solidFill>
+                  <a:latin typeface="Open Sans" panose="020B0606030504020204" pitchFamily="34" charset="0"/>
+                </a:rPr>
+                <a:t>Mitigate third-party risk, keep data safe, and consistently monitor health using powerful insights to </a:t>
+              </a:r>
+              <a:r>
+                <a:rPr lang="en-US" sz="1050" dirty="0" err="1">
+                  <a:solidFill>
+                    <a:srgbClr val="555555"/>
+                  </a:solidFill>
+                  <a:latin typeface="Open Sans" panose="020B0606030504020204" pitchFamily="34" charset="0"/>
+                </a:rPr>
+                <a:t>optimise</a:t>
+              </a:r>
+              <a:r>
+                <a:rPr lang="en-US" sz="1050" dirty="0">
+                  <a:solidFill>
+                    <a:srgbClr val="555555"/>
+                  </a:solidFill>
+                  <a:latin typeface="Open Sans" panose="020B0606030504020204" pitchFamily="34" charset="0"/>
+                </a:rPr>
+                <a:t> your supplier partnerships.</a:t>
+              </a:r>
+              <a:endParaRPr lang="tr-TR" sz="1050" dirty="0">
+                <a:solidFill>
+                  <a:srgbClr val="555555"/>
+                </a:solidFill>
+                <a:latin typeface="Open Sans" panose="020B0606030504020204" pitchFamily="34" charset="0"/>
+              </a:endParaRPr>
+            </a:p>
+          </p:txBody>
+        </p:sp>
+      </p:grpSp>
     </p:spTree>
     <p:extLst>
       <p:ext uri="{BB962C8B-B14F-4D97-AF65-F5344CB8AC3E}">
@@ -48372,26 +48634,6 @@
 </file>
 
 <file path=customXml/item1.xml><?xml version="1.0" encoding="utf-8"?>
-<?mso-contentType ?>
-<FormTemplates xmlns="http://schemas.microsoft.com/sharepoint/v3/contenttype/forms">
-  <Display>DocumentLibraryForm</Display>
-  <Edit>DocumentLibraryForm</Edit>
-  <New>DocumentLibraryForm</New>
-</FormTemplates>
-</file>
-
-<file path=customXml/item2.xml><?xml version="1.0" encoding="utf-8"?>
-<p:properties xmlns:p="http://schemas.microsoft.com/office/2006/metadata/properties" xmlns:xsi="http://www.w3.org/2001/XMLSchema-instance" xmlns:pc="http://schemas.microsoft.com/office/infopath/2007/PartnerControls">
-  <documentManagement>
-    <lcf76f155ced4ddcb4097134ff3c332f xmlns="8a969d1d-647f-4e4c-97f9-a5143e71e435">
-      <Terms xmlns="http://schemas.microsoft.com/office/infopath/2007/PartnerControls"/>
-    </lcf76f155ced4ddcb4097134ff3c332f>
-    <TaxCatchAll xmlns="eb37a4e0-bf89-419d-8b31-963a97458fb1" xsi:nil="true"/>
-  </documentManagement>
-</p:properties>
-</file>
-
-<file path=customXml/item3.xml><?xml version="1.0" encoding="utf-8"?>
 <ct:contentTypeSchema xmlns:ct="http://schemas.microsoft.com/office/2006/metadata/contentType" xmlns:ma="http://schemas.microsoft.com/office/2006/metadata/properties/metaAttributes" ct:_="" ma:_="" ma:contentTypeName="Belge" ma:contentTypeID="0x010100FC2ADAF580B8A648AEA7FF4A5F3D65E6" ma:contentTypeVersion="11" ma:contentTypeDescription="Yeni belge oluşturun." ma:contentTypeScope="" ma:versionID="56f870f08e2d08b2b10344f12fd261be">
   <xsd:schema xmlns:xsd="http://www.w3.org/2001/XMLSchema" xmlns:xs="http://www.w3.org/2001/XMLSchema" xmlns:p="http://schemas.microsoft.com/office/2006/metadata/properties" xmlns:ns2="8a969d1d-647f-4e4c-97f9-a5143e71e435" xmlns:ns3="eb37a4e0-bf89-419d-8b31-963a97458fb1" targetNamespace="http://schemas.microsoft.com/office/2006/metadata/properties" ma:root="true" ma:fieldsID="699557ddf8cd53ad766f89e119cd6fad" ns2:_="" ns3:_="">
     <xsd:import namespace="8a969d1d-647f-4e4c-97f9-a5143e71e435"/>
@@ -48586,10 +48828,41 @@
 </ct:contentTypeSchema>
 </file>
 
+<file path=customXml/item2.xml><?xml version="1.0" encoding="utf-8"?>
+<p:properties xmlns:p="http://schemas.microsoft.com/office/2006/metadata/properties" xmlns:xsi="http://www.w3.org/2001/XMLSchema-instance" xmlns:pc="http://schemas.microsoft.com/office/infopath/2007/PartnerControls">
+  <documentManagement>
+    <lcf76f155ced4ddcb4097134ff3c332f xmlns="8a969d1d-647f-4e4c-97f9-a5143e71e435">
+      <Terms xmlns="http://schemas.microsoft.com/office/infopath/2007/PartnerControls"/>
+    </lcf76f155ced4ddcb4097134ff3c332f>
+    <TaxCatchAll xmlns="eb37a4e0-bf89-419d-8b31-963a97458fb1" xsi:nil="true"/>
+  </documentManagement>
+</p:properties>
+</file>
+
+<file path=customXml/item3.xml><?xml version="1.0" encoding="utf-8"?>
+<?mso-contentType ?>
+<FormTemplates xmlns="http://schemas.microsoft.com/sharepoint/v3/contenttype/forms">
+  <Display>DocumentLibraryForm</Display>
+  <Edit>DocumentLibraryForm</Edit>
+  <New>DocumentLibraryForm</New>
+</FormTemplates>
+</file>
+
 <file path=customXml/itemProps1.xml><?xml version="1.0" encoding="utf-8"?>
-<ds:datastoreItem xmlns:ds="http://schemas.openxmlformats.org/officeDocument/2006/customXml" ds:itemID="{953B4D23-82FF-4812-9F4E-BB600331C634}">
+<ds:datastoreItem xmlns:ds="http://schemas.openxmlformats.org/officeDocument/2006/customXml" ds:itemID="{40976E10-D540-4F0D-B7ED-DE660C408BCB}">
   <ds:schemaRefs>
-    <ds:schemaRef ds:uri="http://schemas.microsoft.com/sharepoint/v3/contenttype/forms"/>
+    <ds:schemaRef ds:uri="http://schemas.microsoft.com/office/2006/metadata/contentType"/>
+    <ds:schemaRef ds:uri="http://schemas.microsoft.com/office/2006/metadata/properties/metaAttributes"/>
+    <ds:schemaRef ds:uri="http://www.w3.org/2001/XMLSchema"/>
+    <ds:schemaRef ds:uri="http://schemas.microsoft.com/office/2006/metadata/properties"/>
+    <ds:schemaRef ds:uri="8a969d1d-647f-4e4c-97f9-a5143e71e435"/>
+    <ds:schemaRef ds:uri="eb37a4e0-bf89-419d-8b31-963a97458fb1"/>
+    <ds:schemaRef ds:uri="http://schemas.microsoft.com/office/2006/documentManagement/types"/>
+    <ds:schemaRef ds:uri="http://schemas.microsoft.com/office/infopath/2007/PartnerControls"/>
+    <ds:schemaRef ds:uri="http://schemas.openxmlformats.org/package/2006/metadata/core-properties"/>
+    <ds:schemaRef ds:uri="http://purl.org/dc/elements/1.1/"/>
+    <ds:schemaRef ds:uri="http://purl.org/dc/terms/"/>
+    <ds:schemaRef ds:uri="http://schemas.microsoft.com/internal/obd"/>
   </ds:schemaRefs>
 </ds:datastoreItem>
 </file>
@@ -48613,20 +48886,9 @@
 </file>
 
 <file path=customXml/itemProps3.xml><?xml version="1.0" encoding="utf-8"?>
-<ds:datastoreItem xmlns:ds="http://schemas.openxmlformats.org/officeDocument/2006/customXml" ds:itemID="{40976E10-D540-4F0D-B7ED-DE660C408BCB}">
+<ds:datastoreItem xmlns:ds="http://schemas.openxmlformats.org/officeDocument/2006/customXml" ds:itemID="{953B4D23-82FF-4812-9F4E-BB600331C634}">
   <ds:schemaRefs>
-    <ds:schemaRef ds:uri="http://schemas.microsoft.com/office/2006/metadata/contentType"/>
-    <ds:schemaRef ds:uri="http://schemas.microsoft.com/office/2006/metadata/properties/metaAttributes"/>
-    <ds:schemaRef ds:uri="http://www.w3.org/2001/XMLSchema"/>
-    <ds:schemaRef ds:uri="http://schemas.microsoft.com/office/2006/metadata/properties"/>
-    <ds:schemaRef ds:uri="8a969d1d-647f-4e4c-97f9-a5143e71e435"/>
-    <ds:schemaRef ds:uri="eb37a4e0-bf89-419d-8b31-963a97458fb1"/>
-    <ds:schemaRef ds:uri="http://schemas.microsoft.com/office/2006/documentManagement/types"/>
-    <ds:schemaRef ds:uri="http://schemas.microsoft.com/office/infopath/2007/PartnerControls"/>
-    <ds:schemaRef ds:uri="http://schemas.openxmlformats.org/package/2006/metadata/core-properties"/>
-    <ds:schemaRef ds:uri="http://purl.org/dc/elements/1.1/"/>
-    <ds:schemaRef ds:uri="http://purl.org/dc/terms/"/>
-    <ds:schemaRef ds:uri="http://schemas.microsoft.com/internal/obd"/>
+    <ds:schemaRef ds:uri="http://schemas.microsoft.com/sharepoint/v3/contenttype/forms"/>
   </ds:schemaRefs>
 </ds:datastoreItem>
 </file>

--- a/client.pptx
+++ b/client.pptx
@@ -5,17 +5,16 @@
     <p:sldMasterId id="2147483648" r:id="rId4"/>
   </p:sldMasterIdLst>
   <p:notesMasterIdLst>
-    <p:notesMasterId r:id="rId10"/>
+    <p:notesMasterId r:id="rId9"/>
   </p:notesMasterIdLst>
   <p:handoutMasterIdLst>
-    <p:handoutMasterId r:id="rId11"/>
+    <p:handoutMasterId r:id="rId10"/>
   </p:handoutMasterIdLst>
   <p:sldIdLst>
     <p:sldId id="289" r:id="rId5"/>
     <p:sldId id="458" r:id="rId6"/>
     <p:sldId id="463" r:id="rId7"/>
-    <p:sldId id="464" r:id="rId8"/>
-    <p:sldId id="276" r:id="rId9"/>
+    <p:sldId id="276" r:id="rId8"/>
   </p:sldIdLst>
   <p:sldSz cx="12192000" cy="6858000"/>
   <p:notesSz cx="6858000" cy="9144000"/>
@@ -2122,90 +2121,6 @@
     <p:extLst>
       <p:ext uri="{BB962C8B-B14F-4D97-AF65-F5344CB8AC3E}">
         <p14:creationId xmlns:p14="http://schemas.microsoft.com/office/powerpoint/2010/main" val="1795165623"/>
-      </p:ext>
-    </p:extLst>
-  </p:cSld>
-  <p:clrMapOvr>
-    <a:masterClrMapping/>
-  </p:clrMapOvr>
-</p:notes>
-</file>
-
-<file path=ppt/notesSlides/notesSlide3.xml><?xml version="1.0" encoding="utf-8"?>
-<p:notes xmlns:a="http://schemas.openxmlformats.org/drawingml/2006/main" xmlns:r="http://schemas.openxmlformats.org/officeDocument/2006/relationships" xmlns:p="http://schemas.openxmlformats.org/presentationml/2006/main">
-  <p:cSld>
-    <p:spTree>
-      <p:nvGrpSpPr>
-        <p:cNvPr id="1" name=""/>
-        <p:cNvGrpSpPr/>
-        <p:nvPr/>
-      </p:nvGrpSpPr>
-      <p:grpSpPr>
-        <a:xfrm>
-          <a:off x="0" y="0"/>
-          <a:ext cx="0" cy="0"/>
-          <a:chOff x="0" y="0"/>
-          <a:chExt cx="0" cy="0"/>
-        </a:xfrm>
-      </p:grpSpPr>
-      <p:sp>
-        <p:nvSpPr>
-          <p:cNvPr id="2" name="Slide Image Placeholder 1"/>
-          <p:cNvSpPr>
-            <a:spLocks noGrp="1" noRot="1" noChangeAspect="1"/>
-          </p:cNvSpPr>
-          <p:nvPr>
-            <p:ph type="sldImg"/>
-          </p:nvPr>
-        </p:nvSpPr>
-        <p:spPr/>
-      </p:sp>
-      <p:sp>
-        <p:nvSpPr>
-          <p:cNvPr id="3" name="Notes Placeholder 2"/>
-          <p:cNvSpPr>
-            <a:spLocks noGrp="1"/>
-          </p:cNvSpPr>
-          <p:nvPr>
-            <p:ph type="body" idx="1"/>
-          </p:nvPr>
-        </p:nvSpPr>
-        <p:spPr/>
-        <p:txBody>
-          <a:bodyPr/>
-          <a:lstStyle/>
-          <a:p>
-            <a:endParaRPr lang="en-GB" dirty="0"/>
-          </a:p>
-        </p:txBody>
-      </p:sp>
-      <p:sp>
-        <p:nvSpPr>
-          <p:cNvPr id="4" name="Slide Number Placeholder 3"/>
-          <p:cNvSpPr>
-            <a:spLocks noGrp="1"/>
-          </p:cNvSpPr>
-          <p:nvPr>
-            <p:ph type="sldNum" sz="quarter" idx="5"/>
-          </p:nvPr>
-        </p:nvSpPr>
-        <p:spPr/>
-        <p:txBody>
-          <a:bodyPr/>
-          <a:lstStyle/>
-          <a:p>
-            <a:fld id="{9E6F5981-AC5E-AE4D-852B-DAB06874D7E5}" type="slidenum">
-              <a:rPr lang="en-US" smtClean="0"/>
-              <a:t>4</a:t>
-            </a:fld>
-            <a:endParaRPr lang="en-US"/>
-          </a:p>
-        </p:txBody>
-      </p:sp>
-    </p:spTree>
-    <p:extLst>
-      <p:ext uri="{BB962C8B-B14F-4D97-AF65-F5344CB8AC3E}">
-        <p14:creationId xmlns:p14="http://schemas.microsoft.com/office/powerpoint/2010/main" val="2462885113"/>
       </p:ext>
     </p:extLst>
   </p:cSld>
@@ -46830,835 +46745,6 @@
 <file path=ppt/slides/slide4.xml><?xml version="1.0" encoding="utf-8"?>
 <p:sld xmlns:a="http://schemas.openxmlformats.org/drawingml/2006/main" xmlns:r="http://schemas.openxmlformats.org/officeDocument/2006/relationships" xmlns:p="http://schemas.openxmlformats.org/presentationml/2006/main">
   <p:cSld>
-    <p:spTree>
-      <p:nvGrpSpPr>
-        <p:cNvPr id="1" name=""/>
-        <p:cNvGrpSpPr/>
-        <p:nvPr/>
-      </p:nvGrpSpPr>
-      <p:grpSpPr>
-        <a:xfrm>
-          <a:off x="0" y="0"/>
-          <a:ext cx="0" cy="0"/>
-          <a:chOff x="0" y="0"/>
-          <a:chExt cx="0" cy="0"/>
-        </a:xfrm>
-      </p:grpSpPr>
-      <p:sp>
-        <p:nvSpPr>
-          <p:cNvPr id="2" name="Slide Number Placeholder 1">
-            <a:extLst>
-              <a:ext uri="{FF2B5EF4-FFF2-40B4-BE49-F238E27FC236}">
-                <a16:creationId xmlns:a16="http://schemas.microsoft.com/office/drawing/2014/main" id="{7AF9B21B-0DB0-4A3B-2A56-3222E861E382}"/>
-              </a:ext>
-            </a:extLst>
-          </p:cNvPr>
-          <p:cNvSpPr>
-            <a:spLocks noGrp="1"/>
-          </p:cNvSpPr>
-          <p:nvPr>
-            <p:ph type="sldNum" sz="quarter" idx="12"/>
-          </p:nvPr>
-        </p:nvSpPr>
-        <p:spPr/>
-        <p:txBody>
-          <a:bodyPr/>
-          <a:lstStyle/>
-          <a:p>
-            <a:fld id="{3531A8E9-B4CF-5643-AF96-CB4C768DAD63}" type="slidenum">
-              <a:rPr lang="en-US" smtClean="0"/>
-              <a:t>4</a:t>
-            </a:fld>
-            <a:endParaRPr lang="en-US"/>
-          </a:p>
-        </p:txBody>
-      </p:sp>
-      <p:sp>
-        <p:nvSpPr>
-          <p:cNvPr id="3" name="Title 2">
-            <a:extLst>
-              <a:ext uri="{FF2B5EF4-FFF2-40B4-BE49-F238E27FC236}">
-                <a16:creationId xmlns:a16="http://schemas.microsoft.com/office/drawing/2014/main" id="{982CBA69-C11A-8CE4-B582-EF16D83B80A8}"/>
-              </a:ext>
-            </a:extLst>
-          </p:cNvPr>
-          <p:cNvSpPr>
-            <a:spLocks noGrp="1"/>
-          </p:cNvSpPr>
-          <p:nvPr>
-            <p:ph type="title"/>
-          </p:nvPr>
-        </p:nvSpPr>
-        <p:spPr>
-          <a:xfrm>
-            <a:off x="695326" y="428400"/>
-            <a:ext cx="10801349" cy="388773"/>
-          </a:xfrm>
-        </p:spPr>
-        <p:txBody>
-          <a:bodyPr/>
-          <a:lstStyle/>
-          <a:p>
-            <a:r>
-              <a:rPr lang="en-GB" dirty="0"/>
-              <a:t>ANNUAL COST OF DELAY: BREAKDOWN</a:t>
-            </a:r>
-          </a:p>
-        </p:txBody>
-      </p:sp>
-      <p:sp>
-        <p:nvSpPr>
-          <p:cNvPr id="74" name="TextBox 73">
-            <a:extLst>
-              <a:ext uri="{FF2B5EF4-FFF2-40B4-BE49-F238E27FC236}">
-                <a16:creationId xmlns:a16="http://schemas.microsoft.com/office/drawing/2014/main" id="{4B237159-5595-B234-5E4A-043EFFCA2AED}"/>
-              </a:ext>
-            </a:extLst>
-          </p:cNvPr>
-          <p:cNvSpPr txBox="1"/>
-          <p:nvPr/>
-        </p:nvSpPr>
-        <p:spPr>
-          <a:xfrm>
-            <a:off x="635504" y="823804"/>
-            <a:ext cx="2297326" cy="200055"/>
-          </a:xfrm>
-          <a:prstGeom prst="rect">
-            <a:avLst/>
-          </a:prstGeom>
-          <a:noFill/>
-        </p:spPr>
-        <p:txBody>
-          <a:bodyPr wrap="square" rtlCol="0">
-            <a:spAutoFit/>
-          </a:bodyPr>
-          <a:lstStyle/>
-          <a:p>
-            <a:r>
-              <a:rPr lang="en-GB" sz="700">
-                <a:solidFill>
-                  <a:schemeClr val="tx1">
-                    <a:lumMod val="50000"/>
-                    <a:lumOff val="50000"/>
-                  </a:schemeClr>
-                </a:solidFill>
-                <a:latin typeface="Montserrat Medium" panose="00000600000000000000" pitchFamily="2" charset="0"/>
-                <a:ea typeface="Open Sans" panose="020B0606030504020204" pitchFamily="34" charset="0"/>
-                <a:cs typeface="Open Sans" panose="020B0606030504020204" pitchFamily="34" charset="0"/>
-              </a:rPr>
-              <a:t>PLEASE NOTE THESE ARE ESTIMATIONS ONLY</a:t>
-            </a:r>
-          </a:p>
-        </p:txBody>
-      </p:sp>
-      <p:grpSp>
-        <p:nvGrpSpPr>
-          <p:cNvPr id="64" name="Grup 63">
-            <a:extLst>
-              <a:ext uri="{FF2B5EF4-FFF2-40B4-BE49-F238E27FC236}">
-                <a16:creationId xmlns:a16="http://schemas.microsoft.com/office/drawing/2014/main" id="{6AF20278-DABA-0C7C-4D0E-4147D3D7E6B8}"/>
-              </a:ext>
-            </a:extLst>
-          </p:cNvPr>
-          <p:cNvGrpSpPr/>
-          <p:nvPr/>
-        </p:nvGrpSpPr>
-        <p:grpSpPr>
-          <a:xfrm>
-            <a:off x="3299663" y="1406662"/>
-            <a:ext cx="2711169" cy="1830692"/>
-            <a:chOff x="356496" y="683777"/>
-            <a:chExt cx="3362632" cy="1938903"/>
-          </a:xfrm>
-        </p:grpSpPr>
-        <p:sp>
-          <p:nvSpPr>
-            <p:cNvPr id="65" name="TextBox 41">
-              <a:extLst>
-                <a:ext uri="{FF2B5EF4-FFF2-40B4-BE49-F238E27FC236}">
-                  <a16:creationId xmlns:a16="http://schemas.microsoft.com/office/drawing/2014/main" id="{B2556D3A-AC3B-8D09-5713-97DC59AB5654}"/>
-                </a:ext>
-              </a:extLst>
-            </p:cNvPr>
-            <p:cNvSpPr txBox="1"/>
-            <p:nvPr/>
-          </p:nvSpPr>
-          <p:spPr>
-            <a:xfrm>
-              <a:off x="356496" y="683777"/>
-              <a:ext cx="2612847" cy="391163"/>
-            </a:xfrm>
-            <a:prstGeom prst="rect">
-              <a:avLst/>
-            </a:prstGeom>
-            <a:noFill/>
-          </p:spPr>
-          <p:txBody>
-            <a:bodyPr wrap="square" rtlCol="0" anchor="b" anchorCtr="0">
-              <a:spAutoFit/>
-            </a:bodyPr>
-            <a:lstStyle/>
-            <a:p>
-              <a:r>
-                <a:rPr lang="tr-TR" b="1" i="0" dirty="0">
-                  <a:solidFill>
-                    <a:srgbClr val="616173"/>
-                  </a:solidFill>
-                  <a:effectLst/>
-                  <a:latin typeface="Open Sans" panose="020B0606030504020204" pitchFamily="34" charset="0"/>
-                </a:rPr>
-                <a:t>£ </a:t>
-              </a:r>
-              <a:r>
-                <a:rPr lang="tr-TR" b="1" i="0" dirty="0">
-                  <a:solidFill>
-                    <a:srgbClr val="616173"/>
-                  </a:solidFill>
-                  <a:effectLst/>
-                  <a:latin typeface="Montserrat SemiBold" panose="00000700000000000000" pitchFamily="2" charset="0"/>
-                </a:rPr>
-                <a:t> </a:t>
-              </a:r>
-              <a:r>
-                <a:rPr lang="tr-TR" b="1" dirty="0" err="1">
-                  <a:solidFill>
-                    <a:srgbClr val="616173"/>
-                  </a:solidFill>
-                  <a:latin typeface="Montserrat SemiBold" panose="00000700000000000000" pitchFamily="2" charset="0"/>
-                </a:rPr>
-                <a:t>pfqmrval</a:t>
-              </a:r>
-              <a:endParaRPr lang="en-US" b="1" dirty="0">
-                <a:solidFill>
-                  <a:srgbClr val="616173"/>
-                </a:solidFill>
-                <a:latin typeface="Montserrat SemiBold" panose="00000700000000000000" pitchFamily="2" charset="0"/>
-                <a:ea typeface="League Spartan" charset="0"/>
-                <a:cs typeface="Poppins" pitchFamily="2" charset="77"/>
-              </a:endParaRPr>
-            </a:p>
-          </p:txBody>
-        </p:sp>
-        <p:sp>
-          <p:nvSpPr>
-            <p:cNvPr id="66" name="Metin kutusu 65">
-              <a:extLst>
-                <a:ext uri="{FF2B5EF4-FFF2-40B4-BE49-F238E27FC236}">
-                  <a16:creationId xmlns:a16="http://schemas.microsoft.com/office/drawing/2014/main" id="{B8F406CF-5F18-AF63-2970-CA01A48E7788}"/>
-                </a:ext>
-              </a:extLst>
-            </p:cNvPr>
-            <p:cNvSpPr txBox="1"/>
-            <p:nvPr/>
-          </p:nvSpPr>
-          <p:spPr>
-            <a:xfrm>
-              <a:off x="356496" y="1035612"/>
-              <a:ext cx="3362632" cy="456357"/>
-            </a:xfrm>
-            <a:prstGeom prst="rect">
-              <a:avLst/>
-            </a:prstGeom>
-            <a:noFill/>
-          </p:spPr>
-          <p:txBody>
-            <a:bodyPr wrap="square">
-              <a:spAutoFit/>
-            </a:bodyPr>
-            <a:lstStyle/>
-            <a:p>
-              <a:pPr algn="l"/>
-              <a:r>
-                <a:rPr lang="en-US" sz="1100" b="1" cap="all" dirty="0">
-                  <a:solidFill>
-                    <a:srgbClr val="555555"/>
-                  </a:solidFill>
-                  <a:latin typeface="Montserrat SemiBold" panose="00000700000000000000" pitchFamily="2" charset="0"/>
-                </a:rPr>
-                <a:t>Finance query management and dashboard reporting</a:t>
-              </a:r>
-              <a:endParaRPr lang="tr-TR" sz="1100" b="1" cap="all" dirty="0">
-                <a:solidFill>
-                  <a:srgbClr val="555555"/>
-                </a:solidFill>
-                <a:latin typeface="Montserrat SemiBold" panose="00000700000000000000" pitchFamily="2" charset="0"/>
-              </a:endParaRPr>
-            </a:p>
-          </p:txBody>
-        </p:sp>
-        <p:sp>
-          <p:nvSpPr>
-            <p:cNvPr id="67" name="Metin kutusu 66">
-              <a:extLst>
-                <a:ext uri="{FF2B5EF4-FFF2-40B4-BE49-F238E27FC236}">
-                  <a16:creationId xmlns:a16="http://schemas.microsoft.com/office/drawing/2014/main" id="{6416CA2F-9B70-6498-5803-6C65B8E1BBEF}"/>
-                </a:ext>
-              </a:extLst>
-            </p:cNvPr>
-            <p:cNvSpPr txBox="1"/>
-            <p:nvPr/>
-          </p:nvSpPr>
-          <p:spPr>
-            <a:xfrm>
-              <a:off x="356496" y="1441042"/>
-              <a:ext cx="3261775" cy="1181638"/>
-            </a:xfrm>
-            <a:prstGeom prst="rect">
-              <a:avLst/>
-            </a:prstGeom>
-            <a:noFill/>
-          </p:spPr>
-          <p:txBody>
-            <a:bodyPr wrap="square">
-              <a:spAutoFit/>
-            </a:bodyPr>
-            <a:lstStyle/>
-            <a:p>
-              <a:r>
-                <a:rPr lang="en-US" sz="950" dirty="0">
-                  <a:solidFill>
-                    <a:srgbClr val="555555"/>
-                  </a:solidFill>
-                  <a:latin typeface="Open Sans" panose="020B0606030504020204" pitchFamily="34" charset="0"/>
-                </a:rPr>
-                <a:t>Make due diligence and compliance reviews a seamless part of your procurement process. Get dynamic compliance profiles for each supplier, automated reviews and approvals prompts, and </a:t>
-              </a:r>
-              <a:r>
-                <a:rPr lang="en-US" sz="950" dirty="0" err="1">
-                  <a:solidFill>
-                    <a:srgbClr val="555555"/>
-                  </a:solidFill>
-                  <a:latin typeface="Open Sans" panose="020B0606030504020204" pitchFamily="34" charset="0"/>
-                </a:rPr>
-                <a:t>standardised</a:t>
-              </a:r>
-              <a:r>
-                <a:rPr lang="en-US" sz="950" dirty="0">
-                  <a:solidFill>
-                    <a:srgbClr val="555555"/>
-                  </a:solidFill>
-                  <a:latin typeface="Open Sans" panose="020B0606030504020204" pitchFamily="34" charset="0"/>
-                </a:rPr>
-                <a:t> supplier data for thorough compliance management.</a:t>
-              </a:r>
-              <a:endParaRPr lang="tr-TR" sz="950" dirty="0">
-                <a:solidFill>
-                  <a:srgbClr val="555555"/>
-                </a:solidFill>
-                <a:latin typeface="Open Sans" panose="020B0606030504020204" pitchFamily="34" charset="0"/>
-              </a:endParaRPr>
-            </a:p>
-          </p:txBody>
-        </p:sp>
-      </p:grpSp>
-      <p:grpSp>
-        <p:nvGrpSpPr>
-          <p:cNvPr id="68" name="Grup 67">
-            <a:extLst>
-              <a:ext uri="{FF2B5EF4-FFF2-40B4-BE49-F238E27FC236}">
-                <a16:creationId xmlns:a16="http://schemas.microsoft.com/office/drawing/2014/main" id="{6C29EE48-DA87-A63C-4F74-04D310B2BF79}"/>
-              </a:ext>
-            </a:extLst>
-          </p:cNvPr>
-          <p:cNvGrpSpPr/>
-          <p:nvPr/>
-        </p:nvGrpSpPr>
-        <p:grpSpPr>
-          <a:xfrm>
-            <a:off x="482639" y="1406662"/>
-            <a:ext cx="2817024" cy="1528809"/>
-            <a:chOff x="356496" y="683777"/>
-            <a:chExt cx="3362632" cy="1619177"/>
-          </a:xfrm>
-        </p:grpSpPr>
-        <p:sp>
-          <p:nvSpPr>
-            <p:cNvPr id="69" name="TextBox 41">
-              <a:extLst>
-                <a:ext uri="{FF2B5EF4-FFF2-40B4-BE49-F238E27FC236}">
-                  <a16:creationId xmlns:a16="http://schemas.microsoft.com/office/drawing/2014/main" id="{DD2A6AC1-1163-D2DC-2067-F28700102A24}"/>
-                </a:ext>
-              </a:extLst>
-            </p:cNvPr>
-            <p:cNvSpPr txBox="1"/>
-            <p:nvPr/>
-          </p:nvSpPr>
-          <p:spPr>
-            <a:xfrm>
-              <a:off x="356496" y="683777"/>
-              <a:ext cx="2612845" cy="391163"/>
-            </a:xfrm>
-            <a:prstGeom prst="rect">
-              <a:avLst/>
-            </a:prstGeom>
-            <a:noFill/>
-          </p:spPr>
-          <p:txBody>
-            <a:bodyPr wrap="square" rtlCol="0" anchor="b" anchorCtr="0">
-              <a:spAutoFit/>
-            </a:bodyPr>
-            <a:lstStyle/>
-            <a:p>
-              <a:r>
-                <a:rPr lang="tr-TR" b="1" i="0" dirty="0">
-                  <a:solidFill>
-                    <a:srgbClr val="F15D22"/>
-                  </a:solidFill>
-                  <a:effectLst/>
-                  <a:latin typeface="Open Sans" panose="020B0606030504020204" pitchFamily="34" charset="0"/>
-                </a:rPr>
-                <a:t>£ </a:t>
-              </a:r>
-              <a:r>
-                <a:rPr lang="tr-TR" b="1" i="0" dirty="0">
-                  <a:solidFill>
-                    <a:srgbClr val="F15D22"/>
-                  </a:solidFill>
-                  <a:effectLst/>
-                  <a:latin typeface="Montserrat SemiBold" panose="00000700000000000000" pitchFamily="2" charset="0"/>
-                </a:rPr>
-                <a:t> </a:t>
-              </a:r>
-              <a:r>
-                <a:rPr lang="tr-TR" b="1" dirty="0" err="1">
-                  <a:solidFill>
-                    <a:srgbClr val="F15D22"/>
-                  </a:solidFill>
-                  <a:latin typeface="Montserrat SemiBold" panose="00000700000000000000" pitchFamily="2" charset="0"/>
-                </a:rPr>
-                <a:t>pmspival</a:t>
-              </a:r>
-              <a:endParaRPr lang="en-US" b="1" dirty="0">
-                <a:solidFill>
-                  <a:srgbClr val="F15D22"/>
-                </a:solidFill>
-                <a:latin typeface="Montserrat SemiBold" panose="00000700000000000000" pitchFamily="2" charset="0"/>
-                <a:ea typeface="League Spartan" charset="0"/>
-                <a:cs typeface="Poppins" pitchFamily="2" charset="77"/>
-              </a:endParaRPr>
-            </a:p>
-          </p:txBody>
-        </p:sp>
-        <p:sp>
-          <p:nvSpPr>
-            <p:cNvPr id="70" name="Metin kutusu 69">
-              <a:extLst>
-                <a:ext uri="{FF2B5EF4-FFF2-40B4-BE49-F238E27FC236}">
-                  <a16:creationId xmlns:a16="http://schemas.microsoft.com/office/drawing/2014/main" id="{F0AE9D7C-E0F8-09B9-3C5B-4E08B6D30B7F}"/>
-                </a:ext>
-              </a:extLst>
-            </p:cNvPr>
-            <p:cNvSpPr txBox="1"/>
-            <p:nvPr/>
-          </p:nvSpPr>
-          <p:spPr>
-            <a:xfrm>
-              <a:off x="356496" y="1035612"/>
-              <a:ext cx="3362632" cy="456357"/>
-            </a:xfrm>
-            <a:prstGeom prst="rect">
-              <a:avLst/>
-            </a:prstGeom>
-            <a:noFill/>
-          </p:spPr>
-          <p:txBody>
-            <a:bodyPr wrap="square">
-              <a:spAutoFit/>
-            </a:bodyPr>
-            <a:lstStyle/>
-            <a:p>
-              <a:pPr algn="l"/>
-              <a:r>
-                <a:rPr lang="en-US" sz="1100" b="1" cap="all" dirty="0">
-                  <a:solidFill>
-                    <a:srgbClr val="555555"/>
-                  </a:solidFill>
-                  <a:latin typeface="Montserrat SemiBold" panose="00000700000000000000" pitchFamily="2" charset="0"/>
-                </a:rPr>
-                <a:t>Management of supplier and purchase invoices</a:t>
-              </a:r>
-              <a:endParaRPr lang="tr-TR" sz="1100" b="1" cap="all" dirty="0">
-                <a:solidFill>
-                  <a:srgbClr val="555555"/>
-                </a:solidFill>
-                <a:latin typeface="Montserrat SemiBold" panose="00000700000000000000" pitchFamily="2" charset="0"/>
-              </a:endParaRPr>
-            </a:p>
-          </p:txBody>
-        </p:sp>
-        <p:sp>
-          <p:nvSpPr>
-            <p:cNvPr id="71" name="Metin kutusu 70">
-              <a:extLst>
-                <a:ext uri="{FF2B5EF4-FFF2-40B4-BE49-F238E27FC236}">
-                  <a16:creationId xmlns:a16="http://schemas.microsoft.com/office/drawing/2014/main" id="{4EDEA638-80B5-79AD-5A5B-11A315EA89EE}"/>
-                </a:ext>
-              </a:extLst>
-            </p:cNvPr>
-            <p:cNvSpPr txBox="1"/>
-            <p:nvPr/>
-          </p:nvSpPr>
-          <p:spPr>
-            <a:xfrm>
-              <a:off x="356496" y="1430987"/>
-              <a:ext cx="3261775" cy="871967"/>
-            </a:xfrm>
-            <a:prstGeom prst="rect">
-              <a:avLst/>
-            </a:prstGeom>
-            <a:noFill/>
-          </p:spPr>
-          <p:txBody>
-            <a:bodyPr wrap="square">
-              <a:spAutoFit/>
-            </a:bodyPr>
-            <a:lstStyle/>
-            <a:p>
-              <a:r>
-                <a:rPr lang="en-US" sz="950" dirty="0">
-                  <a:solidFill>
-                    <a:srgbClr val="555555"/>
-                  </a:solidFill>
-                  <a:latin typeface="Open Sans" panose="020B0606030504020204" pitchFamily="34" charset="0"/>
-                </a:rPr>
-                <a:t>Automate activity, streamline approval and management flow, and capture rich data with our industry-leading, user-friendly contract lifecycle management software. Suitable for all contracts, basic or complex.</a:t>
-              </a:r>
-              <a:endParaRPr lang="tr-TR" sz="950" dirty="0">
-                <a:solidFill>
-                  <a:srgbClr val="555555"/>
-                </a:solidFill>
-                <a:latin typeface="Open Sans" panose="020B0606030504020204" pitchFamily="34" charset="0"/>
-              </a:endParaRPr>
-            </a:p>
-          </p:txBody>
-        </p:sp>
-      </p:grpSp>
-      <p:grpSp>
-        <p:nvGrpSpPr>
-          <p:cNvPr id="4" name="Grup 3">
-            <a:extLst>
-              <a:ext uri="{FF2B5EF4-FFF2-40B4-BE49-F238E27FC236}">
-                <a16:creationId xmlns:a16="http://schemas.microsoft.com/office/drawing/2014/main" id="{30E1EE20-4C83-C89F-797E-C0EC6739EE79}"/>
-              </a:ext>
-            </a:extLst>
-          </p:cNvPr>
-          <p:cNvGrpSpPr/>
-          <p:nvPr/>
-        </p:nvGrpSpPr>
-        <p:grpSpPr>
-          <a:xfrm>
-            <a:off x="6095324" y="1406662"/>
-            <a:ext cx="2711169" cy="1397126"/>
-            <a:chOff x="356496" y="683777"/>
-            <a:chExt cx="3362632" cy="1479709"/>
-          </a:xfrm>
-        </p:grpSpPr>
-        <p:sp>
-          <p:nvSpPr>
-            <p:cNvPr id="5" name="TextBox 41">
-              <a:extLst>
-                <a:ext uri="{FF2B5EF4-FFF2-40B4-BE49-F238E27FC236}">
-                  <a16:creationId xmlns:a16="http://schemas.microsoft.com/office/drawing/2014/main" id="{079E3BA4-8852-84C8-1D32-B7349F030FDE}"/>
-                </a:ext>
-              </a:extLst>
-            </p:cNvPr>
-            <p:cNvSpPr txBox="1"/>
-            <p:nvPr/>
-          </p:nvSpPr>
-          <p:spPr>
-            <a:xfrm>
-              <a:off x="356496" y="683777"/>
-              <a:ext cx="2612847" cy="391163"/>
-            </a:xfrm>
-            <a:prstGeom prst="rect">
-              <a:avLst/>
-            </a:prstGeom>
-            <a:noFill/>
-          </p:spPr>
-          <p:txBody>
-            <a:bodyPr wrap="square" rtlCol="0" anchor="b" anchorCtr="0">
-              <a:spAutoFit/>
-            </a:bodyPr>
-            <a:lstStyle/>
-            <a:p>
-              <a:r>
-                <a:rPr lang="tr-TR" b="1" i="0" dirty="0">
-                  <a:solidFill>
-                    <a:srgbClr val="F6911E"/>
-                  </a:solidFill>
-                  <a:effectLst/>
-                  <a:latin typeface="Open Sans" panose="020B0606030504020204" pitchFamily="34" charset="0"/>
-                </a:rPr>
-                <a:t>£ </a:t>
-              </a:r>
-              <a:r>
-                <a:rPr lang="tr-TR" b="1" i="0" dirty="0">
-                  <a:solidFill>
-                    <a:srgbClr val="F6911E"/>
-                  </a:solidFill>
-                  <a:effectLst/>
-                  <a:latin typeface="Montserrat SemiBold" panose="00000700000000000000" pitchFamily="2" charset="0"/>
-                </a:rPr>
-                <a:t> </a:t>
-              </a:r>
-              <a:r>
-                <a:rPr lang="tr-TR" b="1" dirty="0" err="1">
-                  <a:solidFill>
-                    <a:srgbClr val="F6911E"/>
-                  </a:solidFill>
-                  <a:latin typeface="Montserrat SemiBold" panose="00000700000000000000" pitchFamily="2" charset="0"/>
-                </a:rPr>
-                <a:t>pdcapval</a:t>
-              </a:r>
-              <a:endParaRPr lang="en-US" b="1" dirty="0">
-                <a:solidFill>
-                  <a:srgbClr val="F6911E"/>
-                </a:solidFill>
-                <a:latin typeface="Montserrat SemiBold" panose="00000700000000000000" pitchFamily="2" charset="0"/>
-                <a:ea typeface="League Spartan" charset="0"/>
-                <a:cs typeface="Poppins" pitchFamily="2" charset="77"/>
-              </a:endParaRPr>
-            </a:p>
-          </p:txBody>
-        </p:sp>
-        <p:sp>
-          <p:nvSpPr>
-            <p:cNvPr id="6" name="Metin kutusu 5">
-              <a:extLst>
-                <a:ext uri="{FF2B5EF4-FFF2-40B4-BE49-F238E27FC236}">
-                  <a16:creationId xmlns:a16="http://schemas.microsoft.com/office/drawing/2014/main" id="{FDF74FBB-B19C-774B-0CB3-961407AD3231}"/>
-                </a:ext>
-              </a:extLst>
-            </p:cNvPr>
-            <p:cNvSpPr txBox="1"/>
-            <p:nvPr/>
-          </p:nvSpPr>
-          <p:spPr>
-            <a:xfrm>
-              <a:off x="356496" y="1035612"/>
-              <a:ext cx="3362632" cy="456357"/>
-            </a:xfrm>
-            <a:prstGeom prst="rect">
-              <a:avLst/>
-            </a:prstGeom>
-            <a:noFill/>
-          </p:spPr>
-          <p:txBody>
-            <a:bodyPr wrap="square">
-              <a:spAutoFit/>
-            </a:bodyPr>
-            <a:lstStyle/>
-            <a:p>
-              <a:r>
-                <a:rPr lang="tr-TR" sz="1100" b="1" cap="all" dirty="0" err="1">
-                  <a:solidFill>
-                    <a:srgbClr val="555555"/>
-                  </a:solidFill>
-                  <a:latin typeface="Montserrat SemiBold" panose="00000700000000000000" pitchFamily="2" charset="0"/>
-                </a:rPr>
-                <a:t>Debt</a:t>
-              </a:r>
-              <a:r>
-                <a:rPr lang="tr-TR" sz="1100" b="1" cap="all" dirty="0">
-                  <a:solidFill>
-                    <a:srgbClr val="555555"/>
-                  </a:solidFill>
-                  <a:latin typeface="Montserrat SemiBold" panose="00000700000000000000" pitchFamily="2" charset="0"/>
-                </a:rPr>
-                <a:t> </a:t>
-              </a:r>
-              <a:r>
-                <a:rPr lang="tr-TR" sz="1100" b="1" cap="all" dirty="0" err="1">
-                  <a:solidFill>
-                    <a:srgbClr val="555555"/>
-                  </a:solidFill>
-                  <a:latin typeface="Montserrat SemiBold" panose="00000700000000000000" pitchFamily="2" charset="0"/>
-                </a:rPr>
-                <a:t>collectIon</a:t>
-              </a:r>
-              <a:r>
-                <a:rPr lang="tr-TR" sz="1100" b="1" cap="all" dirty="0">
-                  <a:solidFill>
-                    <a:srgbClr val="555555"/>
-                  </a:solidFill>
-                  <a:latin typeface="Montserrat SemiBold" panose="00000700000000000000" pitchFamily="2" charset="0"/>
-                </a:rPr>
-                <a:t> </a:t>
-              </a:r>
-              <a:r>
-                <a:rPr lang="tr-TR" sz="1100" b="1" cap="all" dirty="0" err="1">
-                  <a:solidFill>
-                    <a:srgbClr val="555555"/>
-                  </a:solidFill>
-                  <a:latin typeface="Montserrat SemiBold" panose="00000700000000000000" pitchFamily="2" charset="0"/>
-                </a:rPr>
-                <a:t>adm</a:t>
-              </a:r>
-              <a:r>
-                <a:rPr lang="tr-TR" sz="1100" b="1" i="0" cap="all" dirty="0" err="1">
-                  <a:solidFill>
-                    <a:srgbClr val="555555"/>
-                  </a:solidFill>
-                  <a:effectLst/>
-                  <a:latin typeface="Montserrat SemiBold" panose="00000700000000000000" pitchFamily="2" charset="0"/>
-                </a:rPr>
-                <a:t>I</a:t>
-              </a:r>
-              <a:r>
-                <a:rPr lang="tr-TR" sz="1100" b="1" cap="all" dirty="0" err="1">
-                  <a:solidFill>
-                    <a:srgbClr val="555555"/>
-                  </a:solidFill>
-                  <a:latin typeface="Montserrat SemiBold" panose="00000700000000000000" pitchFamily="2" charset="0"/>
-                </a:rPr>
-                <a:t>n</a:t>
-              </a:r>
-              <a:r>
-                <a:rPr lang="tr-TR" sz="1100" b="1" i="0" cap="all" dirty="0" err="1">
-                  <a:solidFill>
-                    <a:srgbClr val="555555"/>
-                  </a:solidFill>
-                  <a:effectLst/>
-                  <a:latin typeface="Montserrat SemiBold" panose="00000700000000000000" pitchFamily="2" charset="0"/>
-                </a:rPr>
-                <a:t>I</a:t>
-              </a:r>
-              <a:r>
-                <a:rPr lang="tr-TR" sz="1100" b="1" cap="all" dirty="0" err="1">
-                  <a:solidFill>
-                    <a:srgbClr val="555555"/>
-                  </a:solidFill>
-                  <a:latin typeface="Montserrat SemiBold" panose="00000700000000000000" pitchFamily="2" charset="0"/>
-                </a:rPr>
-                <a:t>strat</a:t>
-              </a:r>
-              <a:r>
-                <a:rPr lang="tr-TR" sz="1100" b="1" i="0" cap="all" dirty="0" err="1">
-                  <a:solidFill>
-                    <a:srgbClr val="555555"/>
-                  </a:solidFill>
-                  <a:effectLst/>
-                  <a:latin typeface="Montserrat SemiBold" panose="00000700000000000000" pitchFamily="2" charset="0"/>
-                </a:rPr>
-                <a:t>I</a:t>
-              </a:r>
-              <a:r>
-                <a:rPr lang="tr-TR" sz="1100" b="1" cap="all" dirty="0" err="1">
-                  <a:solidFill>
-                    <a:srgbClr val="555555"/>
-                  </a:solidFill>
-                  <a:latin typeface="Montserrat SemiBold" panose="00000700000000000000" pitchFamily="2" charset="0"/>
-                </a:rPr>
-                <a:t>on</a:t>
-              </a:r>
-              <a:r>
-                <a:rPr lang="tr-TR" sz="1100" b="1" cap="all" dirty="0">
-                  <a:solidFill>
-                    <a:srgbClr val="555555"/>
-                  </a:solidFill>
-                  <a:latin typeface="Montserrat SemiBold" panose="00000700000000000000" pitchFamily="2" charset="0"/>
-                </a:rPr>
-                <a:t> </a:t>
-              </a:r>
-              <a:r>
-                <a:rPr lang="tr-TR" sz="1100" b="1" cap="all" dirty="0" err="1">
-                  <a:solidFill>
-                    <a:srgbClr val="555555"/>
-                  </a:solidFill>
-                  <a:latin typeface="Montserrat SemiBold" panose="00000700000000000000" pitchFamily="2" charset="0"/>
-                </a:rPr>
-                <a:t>processes</a:t>
-              </a:r>
-              <a:endParaRPr lang="tr-TR" sz="1100" b="1" cap="all" dirty="0">
-                <a:solidFill>
-                  <a:srgbClr val="555555"/>
-                </a:solidFill>
-                <a:latin typeface="Montserrat SemiBold" panose="00000700000000000000" pitchFamily="2" charset="0"/>
-              </a:endParaRPr>
-            </a:p>
-          </p:txBody>
-        </p:sp>
-        <p:sp>
-          <p:nvSpPr>
-            <p:cNvPr id="7" name="Metin kutusu 6">
-              <a:extLst>
-                <a:ext uri="{FF2B5EF4-FFF2-40B4-BE49-F238E27FC236}">
-                  <a16:creationId xmlns:a16="http://schemas.microsoft.com/office/drawing/2014/main" id="{C834B9B2-905C-D9FA-A31B-7E3DCE800DCA}"/>
-                </a:ext>
-              </a:extLst>
-            </p:cNvPr>
-            <p:cNvSpPr txBox="1"/>
-            <p:nvPr/>
-          </p:nvSpPr>
-          <p:spPr>
-            <a:xfrm>
-              <a:off x="356496" y="1446355"/>
-              <a:ext cx="3261775" cy="717131"/>
-            </a:xfrm>
-            <a:prstGeom prst="rect">
-              <a:avLst/>
-            </a:prstGeom>
-            <a:noFill/>
-          </p:spPr>
-          <p:txBody>
-            <a:bodyPr wrap="square">
-              <a:spAutoFit/>
-            </a:bodyPr>
-            <a:lstStyle/>
-            <a:p>
-              <a:r>
-                <a:rPr lang="en-US" sz="950" dirty="0">
-                  <a:solidFill>
-                    <a:srgbClr val="555555"/>
-                  </a:solidFill>
-                  <a:latin typeface="Open Sans" panose="020B0606030504020204" pitchFamily="34" charset="0"/>
-                </a:rPr>
-                <a:t>Mitigate third-party risk, keep data safe, and consistently monitor health using powerful insights to </a:t>
-              </a:r>
-              <a:r>
-                <a:rPr lang="en-US" sz="950" dirty="0" err="1">
-                  <a:solidFill>
-                    <a:srgbClr val="555555"/>
-                  </a:solidFill>
-                  <a:latin typeface="Open Sans" panose="020B0606030504020204" pitchFamily="34" charset="0"/>
-                </a:rPr>
-                <a:t>optimise</a:t>
-              </a:r>
-              <a:r>
-                <a:rPr lang="en-US" sz="950" dirty="0">
-                  <a:solidFill>
-                    <a:srgbClr val="555555"/>
-                  </a:solidFill>
-                  <a:latin typeface="Open Sans" panose="020B0606030504020204" pitchFamily="34" charset="0"/>
-                </a:rPr>
-                <a:t> your supplier partnerships.</a:t>
-              </a:r>
-              <a:endParaRPr lang="tr-TR" sz="950" dirty="0">
-                <a:solidFill>
-                  <a:srgbClr val="555555"/>
-                </a:solidFill>
-                <a:latin typeface="Open Sans" panose="020B0606030504020204" pitchFamily="34" charset="0"/>
-              </a:endParaRPr>
-            </a:p>
-          </p:txBody>
-        </p:sp>
-      </p:grpSp>
-    </p:spTree>
-    <p:extLst>
-      <p:ext uri="{BB962C8B-B14F-4D97-AF65-F5344CB8AC3E}">
-        <p14:creationId xmlns:p14="http://schemas.microsoft.com/office/powerpoint/2010/main" val="4177962054"/>
-      </p:ext>
-    </p:extLst>
-  </p:cSld>
-  <p:clrMapOvr>
-    <a:masterClrMapping/>
-  </p:clrMapOvr>
-</p:sld>
-</file>
-
-<file path=ppt/slides/slide5.xml><?xml version="1.0" encoding="utf-8"?>
-<p:sld xmlns:a="http://schemas.openxmlformats.org/drawingml/2006/main" xmlns:r="http://schemas.openxmlformats.org/officeDocument/2006/relationships" xmlns:p="http://schemas.openxmlformats.org/presentationml/2006/main">
-  <p:cSld>
     <p:bg>
       <p:bgPr>
         <a:solidFill>
@@ -47704,7 +46790,7 @@
           <a:p>
             <a:fld id="{3531A8E9-B4CF-5643-AF96-CB4C768DAD63}" type="slidenum">
               <a:rPr lang="en-US" smtClean="0"/>
-              <a:t>5</a:t>
+              <a:t>4</a:t>
             </a:fld>
             <a:endParaRPr lang="en-US"/>
           </a:p>
@@ -48634,6 +47720,17 @@
 </file>
 
 <file path=customXml/item1.xml><?xml version="1.0" encoding="utf-8"?>
+<p:properties xmlns:p="http://schemas.microsoft.com/office/2006/metadata/properties" xmlns:xsi="http://www.w3.org/2001/XMLSchema-instance" xmlns:pc="http://schemas.microsoft.com/office/infopath/2007/PartnerControls">
+  <documentManagement>
+    <lcf76f155ced4ddcb4097134ff3c332f xmlns="8a969d1d-647f-4e4c-97f9-a5143e71e435">
+      <Terms xmlns="http://schemas.microsoft.com/office/infopath/2007/PartnerControls"/>
+    </lcf76f155ced4ddcb4097134ff3c332f>
+    <TaxCatchAll xmlns="eb37a4e0-bf89-419d-8b31-963a97458fb1" xsi:nil="true"/>
+  </documentManagement>
+</p:properties>
+</file>
+
+<file path=customXml/item2.xml><?xml version="1.0" encoding="utf-8"?>
 <ct:contentTypeSchema xmlns:ct="http://schemas.microsoft.com/office/2006/metadata/contentType" xmlns:ma="http://schemas.microsoft.com/office/2006/metadata/properties/metaAttributes" ct:_="" ma:_="" ma:contentTypeName="Belge" ma:contentTypeID="0x010100FC2ADAF580B8A648AEA7FF4A5F3D65E6" ma:contentTypeVersion="11" ma:contentTypeDescription="Yeni belge oluşturun." ma:contentTypeScope="" ma:versionID="56f870f08e2d08b2b10344f12fd261be">
   <xsd:schema xmlns:xsd="http://www.w3.org/2001/XMLSchema" xmlns:xs="http://www.w3.org/2001/XMLSchema" xmlns:p="http://schemas.microsoft.com/office/2006/metadata/properties" xmlns:ns2="8a969d1d-647f-4e4c-97f9-a5143e71e435" xmlns:ns3="eb37a4e0-bf89-419d-8b31-963a97458fb1" targetNamespace="http://schemas.microsoft.com/office/2006/metadata/properties" ma:root="true" ma:fieldsID="699557ddf8cd53ad766f89e119cd6fad" ns2:_="" ns3:_="">
     <xsd:import namespace="8a969d1d-647f-4e4c-97f9-a5143e71e435"/>
@@ -48828,17 +47925,6 @@
 </ct:contentTypeSchema>
 </file>
 
-<file path=customXml/item2.xml><?xml version="1.0" encoding="utf-8"?>
-<p:properties xmlns:p="http://schemas.microsoft.com/office/2006/metadata/properties" xmlns:xsi="http://www.w3.org/2001/XMLSchema-instance" xmlns:pc="http://schemas.microsoft.com/office/infopath/2007/PartnerControls">
-  <documentManagement>
-    <lcf76f155ced4ddcb4097134ff3c332f xmlns="8a969d1d-647f-4e4c-97f9-a5143e71e435">
-      <Terms xmlns="http://schemas.microsoft.com/office/infopath/2007/PartnerControls"/>
-    </lcf76f155ced4ddcb4097134ff3c332f>
-    <TaxCatchAll xmlns="eb37a4e0-bf89-419d-8b31-963a97458fb1" xsi:nil="true"/>
-  </documentManagement>
-</p:properties>
-</file>
-
 <file path=customXml/item3.xml><?xml version="1.0" encoding="utf-8"?>
 <?mso-contentType ?>
 <FormTemplates xmlns="http://schemas.microsoft.com/sharepoint/v3/contenttype/forms">
@@ -48849,6 +47935,24 @@
 </file>
 
 <file path=customXml/itemProps1.xml><?xml version="1.0" encoding="utf-8"?>
+<ds:datastoreItem xmlns:ds="http://schemas.openxmlformats.org/officeDocument/2006/customXml" ds:itemID="{8140E5F8-1399-4596-AA73-4BD79D26AFFD}">
+  <ds:schemaRefs>
+    <ds:schemaRef ds:uri="http://schemas.microsoft.com/office/2006/metadata/properties"/>
+    <ds:schemaRef ds:uri="http://www.w3.org/XML/1998/namespace"/>
+    <ds:schemaRef ds:uri="8e78c812-0be8-4f61-8186-a9387d596735"/>
+    <ds:schemaRef ds:uri="http://purl.org/dc/elements/1.1/"/>
+    <ds:schemaRef ds:uri="http://schemas.openxmlformats.org/package/2006/metadata/core-properties"/>
+    <ds:schemaRef ds:uri="http://schemas.microsoft.com/office/2006/documentManagement/types"/>
+    <ds:schemaRef ds:uri="http://purl.org/dc/dcmitype/"/>
+    <ds:schemaRef ds:uri="http://purl.org/dc/terms/"/>
+    <ds:schemaRef ds:uri="http://schemas.microsoft.com/office/infopath/2007/PartnerControls"/>
+    <ds:schemaRef ds:uri="8a969d1d-647f-4e4c-97f9-a5143e71e435"/>
+    <ds:schemaRef ds:uri="eb37a4e0-bf89-419d-8b31-963a97458fb1"/>
+  </ds:schemaRefs>
+</ds:datastoreItem>
+</file>
+
+<file path=customXml/itemProps2.xml><?xml version="1.0" encoding="utf-8"?>
 <ds:datastoreItem xmlns:ds="http://schemas.openxmlformats.org/officeDocument/2006/customXml" ds:itemID="{40976E10-D540-4F0D-B7ED-DE660C408BCB}">
   <ds:schemaRefs>
     <ds:schemaRef ds:uri="http://schemas.microsoft.com/office/2006/metadata/contentType"/>
@@ -48867,24 +47971,6 @@
 </ds:datastoreItem>
 </file>
 
-<file path=customXml/itemProps2.xml><?xml version="1.0" encoding="utf-8"?>
-<ds:datastoreItem xmlns:ds="http://schemas.openxmlformats.org/officeDocument/2006/customXml" ds:itemID="{8140E5F8-1399-4596-AA73-4BD79D26AFFD}">
-  <ds:schemaRefs>
-    <ds:schemaRef ds:uri="http://schemas.microsoft.com/office/2006/metadata/properties"/>
-    <ds:schemaRef ds:uri="http://www.w3.org/XML/1998/namespace"/>
-    <ds:schemaRef ds:uri="8e78c812-0be8-4f61-8186-a9387d596735"/>
-    <ds:schemaRef ds:uri="http://purl.org/dc/elements/1.1/"/>
-    <ds:schemaRef ds:uri="http://schemas.openxmlformats.org/package/2006/metadata/core-properties"/>
-    <ds:schemaRef ds:uri="http://schemas.microsoft.com/office/2006/documentManagement/types"/>
-    <ds:schemaRef ds:uri="http://purl.org/dc/dcmitype/"/>
-    <ds:schemaRef ds:uri="http://purl.org/dc/terms/"/>
-    <ds:schemaRef ds:uri="http://schemas.microsoft.com/office/infopath/2007/PartnerControls"/>
-    <ds:schemaRef ds:uri="8a969d1d-647f-4e4c-97f9-a5143e71e435"/>
-    <ds:schemaRef ds:uri="eb37a4e0-bf89-419d-8b31-963a97458fb1"/>
-  </ds:schemaRefs>
-</ds:datastoreItem>
-</file>
-
 <file path=customXml/itemProps3.xml><?xml version="1.0" encoding="utf-8"?>
 <ds:datastoreItem xmlns:ds="http://schemas.openxmlformats.org/officeDocument/2006/customXml" ds:itemID="{953B4D23-82FF-4812-9F4E-BB600331C634}">
   <ds:schemaRefs>

--- a/client.pptx
+++ b/client.pptx
@@ -677,7 +677,7 @@
               <a:lstStyle/>
               <a:p>
                 <a:pPr>
-                  <a:defRPr sz="900" b="0" i="0" u="none" strike="noStrike" kern="1200" baseline="0">
+                  <a:defRPr sz="1200" b="0" i="0" u="none" strike="noStrike" kern="1200" baseline="0">
                     <a:solidFill>
                       <a:schemeClr val="bg2"/>
                     </a:solidFill>
@@ -1501,7 +1501,7 @@
           <a:p>
             <a:fld id="{22EE6207-6821-4DAB-B818-E4F4F6AB12F5}" type="datetimeFigureOut">
               <a:rPr lang="en-GB" smtClean="0"/>
-              <a:t>02/10/2024</a:t>
+              <a:t>04/10/2024</a:t>
             </a:fld>
             <a:endParaRPr lang="en-GB"/>
           </a:p>
@@ -1694,7 +1694,7 @@
           <a:p>
             <a:fld id="{5B936EE0-4F6D-274D-8902-95CDFEF84C8C}" type="datetimeFigureOut">
               <a:rPr lang="en-US" smtClean="0"/>
-              <a:t>10/2/2024</a:t>
+              <a:t>10/4/2024</a:t>
             </a:fld>
             <a:endParaRPr lang="en-US"/>
           </a:p>
@@ -2334,7 +2334,7 @@
           <a:p>
             <a:fld id="{98FAEBFC-AF3F-6E47-9766-48C2D7B36252}" type="datetime1">
               <a:rPr lang="en-GB" smtClean="0"/>
-              <a:t>02/10/2024</a:t>
+              <a:t>04/10/2024</a:t>
             </a:fld>
             <a:endParaRPr lang="en-GB"/>
           </a:p>
@@ -2649,7 +2649,7 @@
           <a:p>
             <a:fld id="{C7EFF3D0-6BED-D444-BEB4-872DDA21BA8D}" type="datetime1">
               <a:rPr lang="en-GB" smtClean="0"/>
-              <a:t>02/10/2024</a:t>
+              <a:t>04/10/2024</a:t>
             </a:fld>
             <a:endParaRPr lang="en-US"/>
           </a:p>
@@ -3767,7 +3767,7 @@
           <a:p>
             <a:fld id="{C7EFF3D0-6BED-D444-BEB4-872DDA21BA8D}" type="datetime1">
               <a:rPr lang="en-GB" smtClean="0"/>
-              <a:t>02/10/2024</a:t>
+              <a:t>04/10/2024</a:t>
             </a:fld>
             <a:endParaRPr lang="en-US"/>
           </a:p>
@@ -4234,7 +4234,7 @@
           <a:p>
             <a:fld id="{C7EFF3D0-6BED-D444-BEB4-872DDA21BA8D}" type="datetime1">
               <a:rPr lang="en-GB" smtClean="0"/>
-              <a:t>02/10/2024</a:t>
+              <a:t>04/10/2024</a:t>
             </a:fld>
             <a:endParaRPr lang="en-US"/>
           </a:p>
@@ -4885,7 +4885,7 @@
           <a:p>
             <a:fld id="{C7EFF3D0-6BED-D444-BEB4-872DDA21BA8D}" type="datetime1">
               <a:rPr lang="en-GB" smtClean="0"/>
-              <a:t>02/10/2024</a:t>
+              <a:t>04/10/2024</a:t>
             </a:fld>
             <a:endParaRPr lang="en-US"/>
           </a:p>
@@ -5296,7 +5296,7 @@
           <a:p>
             <a:fld id="{C7EFF3D0-6BED-D444-BEB4-872DDA21BA8D}" type="datetime1">
               <a:rPr lang="en-GB" smtClean="0"/>
-              <a:t>02/10/2024</a:t>
+              <a:t>04/10/2024</a:t>
             </a:fld>
             <a:endParaRPr lang="en-US"/>
           </a:p>
@@ -5797,7 +5797,7 @@
           <a:p>
             <a:fld id="{C7EFF3D0-6BED-D444-BEB4-872DDA21BA8D}" type="datetime1">
               <a:rPr lang="en-GB" smtClean="0"/>
-              <a:t>02/10/2024</a:t>
+              <a:t>04/10/2024</a:t>
             </a:fld>
             <a:endParaRPr lang="en-US"/>
           </a:p>
@@ -6527,7 +6527,7 @@
           <a:p>
             <a:fld id="{C7EFF3D0-6BED-D444-BEB4-872DDA21BA8D}" type="datetime1">
               <a:rPr lang="en-GB" smtClean="0"/>
-              <a:t>02/10/2024</a:t>
+              <a:t>04/10/2024</a:t>
             </a:fld>
             <a:endParaRPr lang="en-US"/>
           </a:p>
@@ -7353,7 +7353,7 @@
           <a:p>
             <a:fld id="{C7EFF3D0-6BED-D444-BEB4-872DDA21BA8D}" type="datetime1">
               <a:rPr lang="en-GB" smtClean="0"/>
-              <a:t>02/10/2024</a:t>
+              <a:t>04/10/2024</a:t>
             </a:fld>
             <a:endParaRPr lang="en-US"/>
           </a:p>
@@ -9376,7 +9376,7 @@
           <a:p>
             <a:fld id="{C7EFF3D0-6BED-D444-BEB4-872DDA21BA8D}" type="datetime1">
               <a:rPr lang="en-GB" smtClean="0"/>
-              <a:t>02/10/2024</a:t>
+              <a:t>04/10/2024</a:t>
             </a:fld>
             <a:endParaRPr lang="en-US"/>
           </a:p>
@@ -10002,7 +10002,7 @@
           <a:p>
             <a:fld id="{C7EFF3D0-6BED-D444-BEB4-872DDA21BA8D}" type="datetime1">
               <a:rPr lang="en-GB" smtClean="0"/>
-              <a:t>02/10/2024</a:t>
+              <a:t>04/10/2024</a:t>
             </a:fld>
             <a:endParaRPr lang="en-US"/>
           </a:p>
@@ -10975,7 +10975,7 @@
           <a:p>
             <a:fld id="{98FAEBFC-AF3F-6E47-9766-48C2D7B36252}" type="datetime1">
               <a:rPr lang="en-GB" smtClean="0"/>
-              <a:t>02/10/2024</a:t>
+              <a:t>04/10/2024</a:t>
             </a:fld>
             <a:endParaRPr lang="en-GB"/>
           </a:p>
@@ -11694,7 +11694,7 @@
           <a:p>
             <a:fld id="{C7EFF3D0-6BED-D444-BEB4-872DDA21BA8D}" type="datetime1">
               <a:rPr lang="en-GB" smtClean="0"/>
-              <a:t>02/10/2024</a:t>
+              <a:t>04/10/2024</a:t>
             </a:fld>
             <a:endParaRPr lang="en-US"/>
           </a:p>
@@ -12514,7 +12514,7 @@
           <a:p>
             <a:fld id="{C7EFF3D0-6BED-D444-BEB4-872DDA21BA8D}" type="datetime1">
               <a:rPr lang="en-GB" smtClean="0"/>
-              <a:t>02/10/2024</a:t>
+              <a:t>04/10/2024</a:t>
             </a:fld>
             <a:endParaRPr lang="en-US"/>
           </a:p>
@@ -13313,7 +13313,7 @@
           <a:p>
             <a:fld id="{C7EFF3D0-6BED-D444-BEB4-872DDA21BA8D}" type="datetime1">
               <a:rPr lang="en-GB" smtClean="0"/>
-              <a:t>02/10/2024</a:t>
+              <a:t>04/10/2024</a:t>
             </a:fld>
             <a:endParaRPr lang="en-US"/>
           </a:p>
@@ -14080,7 +14080,7 @@
           <a:p>
             <a:fld id="{C7EFF3D0-6BED-D444-BEB4-872DDA21BA8D}" type="datetime1">
               <a:rPr lang="en-GB" smtClean="0"/>
-              <a:t>02/10/2024</a:t>
+              <a:t>04/10/2024</a:t>
             </a:fld>
             <a:endParaRPr lang="en-US"/>
           </a:p>
@@ -14647,7 +14647,7 @@
           <a:p>
             <a:fld id="{C7EFF3D0-6BED-D444-BEB4-872DDA21BA8D}" type="datetime1">
               <a:rPr lang="en-GB" smtClean="0"/>
-              <a:t>02/10/2024</a:t>
+              <a:t>04/10/2024</a:t>
             </a:fld>
             <a:endParaRPr lang="en-US"/>
           </a:p>
@@ -15211,7 +15211,7 @@
           <a:p>
             <a:fld id="{C7EFF3D0-6BED-D444-BEB4-872DDA21BA8D}" type="datetime1">
               <a:rPr lang="en-GB" smtClean="0"/>
-              <a:t>02/10/2024</a:t>
+              <a:t>04/10/2024</a:t>
             </a:fld>
             <a:endParaRPr lang="en-US"/>
           </a:p>
@@ -15822,7 +15822,7 @@
           <a:p>
             <a:fld id="{C7EFF3D0-6BED-D444-BEB4-872DDA21BA8D}" type="datetime1">
               <a:rPr lang="en-GB" smtClean="0"/>
-              <a:t>02/10/2024</a:t>
+              <a:t>04/10/2024</a:t>
             </a:fld>
             <a:endParaRPr lang="en-US"/>
           </a:p>
@@ -16558,7 +16558,7 @@
           <a:p>
             <a:fld id="{C7EFF3D0-6BED-D444-BEB4-872DDA21BA8D}" type="datetime1">
               <a:rPr lang="en-GB" smtClean="0"/>
-              <a:t>02/10/2024</a:t>
+              <a:t>04/10/2024</a:t>
             </a:fld>
             <a:endParaRPr lang="en-US"/>
           </a:p>
@@ -16929,7 +16929,7 @@
           <a:p>
             <a:fld id="{C7EFF3D0-6BED-D444-BEB4-872DDA21BA8D}" type="datetime1">
               <a:rPr lang="en-GB" smtClean="0"/>
-              <a:t>02/10/2024</a:t>
+              <a:t>04/10/2024</a:t>
             </a:fld>
             <a:endParaRPr lang="en-US"/>
           </a:p>
@@ -17329,7 +17329,7 @@
           <a:p>
             <a:fld id="{C7EFF3D0-6BED-D444-BEB4-872DDA21BA8D}" type="datetime1">
               <a:rPr lang="en-GB" smtClean="0"/>
-              <a:t>02/10/2024</a:t>
+              <a:t>04/10/2024</a:t>
             </a:fld>
             <a:endParaRPr lang="en-US"/>
           </a:p>
@@ -18327,7 +18327,7 @@
           <a:p>
             <a:fld id="{98FAEBFC-AF3F-6E47-9766-48C2D7B36252}" type="datetime1">
               <a:rPr lang="en-GB" smtClean="0"/>
-              <a:t>02/10/2024</a:t>
+              <a:t>04/10/2024</a:t>
             </a:fld>
             <a:endParaRPr lang="en-GB"/>
           </a:p>
@@ -18881,7 +18881,7 @@
           <a:p>
             <a:fld id="{C7EFF3D0-6BED-D444-BEB4-872DDA21BA8D}" type="datetime1">
               <a:rPr lang="en-GB" smtClean="0"/>
-              <a:t>02/10/2024</a:t>
+              <a:t>04/10/2024</a:t>
             </a:fld>
             <a:endParaRPr lang="en-US"/>
           </a:p>
@@ -19623,7 +19623,7 @@
           <a:p>
             <a:fld id="{C7EFF3D0-6BED-D444-BEB4-872DDA21BA8D}" type="datetime1">
               <a:rPr lang="en-GB" smtClean="0"/>
-              <a:t>02/10/2024</a:t>
+              <a:t>04/10/2024</a:t>
             </a:fld>
             <a:endParaRPr lang="en-US"/>
           </a:p>
@@ -20566,7 +20566,7 @@
           <a:p>
             <a:fld id="{C7EFF3D0-6BED-D444-BEB4-872DDA21BA8D}" type="datetime1">
               <a:rPr lang="en-GB" smtClean="0"/>
-              <a:t>02/10/2024</a:t>
+              <a:t>04/10/2024</a:t>
             </a:fld>
             <a:endParaRPr lang="en-US"/>
           </a:p>
@@ -21122,7 +21122,7 @@
           <a:p>
             <a:fld id="{C7EFF3D0-6BED-D444-BEB4-872DDA21BA8D}" type="datetime1">
               <a:rPr lang="en-GB" smtClean="0"/>
-              <a:t>02/10/2024</a:t>
+              <a:t>04/10/2024</a:t>
             </a:fld>
             <a:endParaRPr lang="en-US"/>
           </a:p>
@@ -21672,7 +21672,7 @@
           <a:p>
             <a:fld id="{C7EFF3D0-6BED-D444-BEB4-872DDA21BA8D}" type="datetime1">
               <a:rPr lang="en-GB" smtClean="0"/>
-              <a:t>02/10/2024</a:t>
+              <a:t>04/10/2024</a:t>
             </a:fld>
             <a:endParaRPr lang="en-US"/>
           </a:p>
@@ -22457,7 +22457,7 @@
           <a:p>
             <a:fld id="{C7EFF3D0-6BED-D444-BEB4-872DDA21BA8D}" type="datetime1">
               <a:rPr lang="en-GB" smtClean="0"/>
-              <a:t>02/10/2024</a:t>
+              <a:t>04/10/2024</a:t>
             </a:fld>
             <a:endParaRPr lang="en-US"/>
           </a:p>
@@ -23221,7 +23221,7 @@
           <a:p>
             <a:fld id="{C7EFF3D0-6BED-D444-BEB4-872DDA21BA8D}" type="datetime1">
               <a:rPr lang="en-GB" smtClean="0"/>
-              <a:t>02/10/2024</a:t>
+              <a:t>04/10/2024</a:t>
             </a:fld>
             <a:endParaRPr lang="en-US"/>
           </a:p>
@@ -23937,7 +23937,7 @@
           <a:p>
             <a:fld id="{C7EFF3D0-6BED-D444-BEB4-872DDA21BA8D}" type="datetime1">
               <a:rPr lang="en-GB" smtClean="0"/>
-              <a:t>02/10/2024</a:t>
+              <a:t>04/10/2024</a:t>
             </a:fld>
             <a:endParaRPr lang="en-US"/>
           </a:p>
@@ -24336,7 +24336,7 @@
           <a:p>
             <a:fld id="{C7EFF3D0-6BED-D444-BEB4-872DDA21BA8D}" type="datetime1">
               <a:rPr lang="en-GB" smtClean="0"/>
-              <a:t>02/10/2024</a:t>
+              <a:t>04/10/2024</a:t>
             </a:fld>
             <a:endParaRPr lang="en-US"/>
           </a:p>
@@ -24648,7 +24648,7 @@
           <a:p>
             <a:fld id="{C7EFF3D0-6BED-D444-BEB4-872DDA21BA8D}" type="datetime1">
               <a:rPr lang="en-GB" smtClean="0"/>
-              <a:t>02/10/2024</a:t>
+              <a:t>04/10/2024</a:t>
             </a:fld>
             <a:endParaRPr lang="en-US"/>
           </a:p>
@@ -25118,7 +25118,7 @@
           <a:p>
             <a:fld id="{D3ECCBB8-735C-914B-8E67-7852CBBDF7EA}" type="datetime1">
               <a:rPr lang="en-GB" smtClean="0"/>
-              <a:t>02/10/2024</a:t>
+              <a:t>04/10/2024</a:t>
             </a:fld>
             <a:endParaRPr lang="en-GB"/>
           </a:p>
@@ -25804,7 +25804,7 @@
           <a:p>
             <a:fld id="{C7EFF3D0-6BED-D444-BEB4-872DDA21BA8D}" type="datetime1">
               <a:rPr lang="en-GB" smtClean="0"/>
-              <a:t>02/10/2024</a:t>
+              <a:t>04/10/2024</a:t>
             </a:fld>
             <a:endParaRPr lang="en-US"/>
           </a:p>
@@ -26077,7 +26077,7 @@
           <a:p>
             <a:fld id="{C7EFF3D0-6BED-D444-BEB4-872DDA21BA8D}" type="datetime1">
               <a:rPr lang="en-GB" smtClean="0"/>
-              <a:t>02/10/2024</a:t>
+              <a:t>04/10/2024</a:t>
             </a:fld>
             <a:endParaRPr lang="en-US"/>
           </a:p>
@@ -26342,7 +26342,7 @@
           <a:p>
             <a:fld id="{C7EFF3D0-6BED-D444-BEB4-872DDA21BA8D}" type="datetime1">
               <a:rPr lang="en-GB" smtClean="0"/>
-              <a:t>02/10/2024</a:t>
+              <a:t>04/10/2024</a:t>
             </a:fld>
             <a:endParaRPr lang="en-US"/>
           </a:p>
@@ -26734,7 +26734,7 @@
           <a:p>
             <a:fld id="{C7EFF3D0-6BED-D444-BEB4-872DDA21BA8D}" type="datetime1">
               <a:rPr lang="en-GB" smtClean="0"/>
-              <a:t>02/10/2024</a:t>
+              <a:t>04/10/2024</a:t>
             </a:fld>
             <a:endParaRPr lang="en-US"/>
           </a:p>
@@ -27126,7 +27126,7 @@
           <a:p>
             <a:fld id="{C7EFF3D0-6BED-D444-BEB4-872DDA21BA8D}" type="datetime1">
               <a:rPr lang="en-GB" smtClean="0"/>
-              <a:t>02/10/2024</a:t>
+              <a:t>04/10/2024</a:t>
             </a:fld>
             <a:endParaRPr lang="en-US"/>
           </a:p>
@@ -28007,7 +28007,7 @@
           <a:p>
             <a:fld id="{C7EFF3D0-6BED-D444-BEB4-872DDA21BA8D}" type="datetime1">
               <a:rPr lang="en-GB" smtClean="0"/>
-              <a:t>02/10/2024</a:t>
+              <a:t>04/10/2024</a:t>
             </a:fld>
             <a:endParaRPr lang="en-US"/>
           </a:p>
@@ -28168,7 +28168,7 @@
           <a:p>
             <a:fld id="{C7EFF3D0-6BED-D444-BEB4-872DDA21BA8D}" type="datetime1">
               <a:rPr lang="en-GB" smtClean="0"/>
-              <a:t>02/10/2024</a:t>
+              <a:t>04/10/2024</a:t>
             </a:fld>
             <a:endParaRPr lang="en-US"/>
           </a:p>
@@ -28925,7 +28925,7 @@
           <a:p>
             <a:fld id="{C7EFF3D0-6BED-D444-BEB4-872DDA21BA8D}" type="datetime1">
               <a:rPr lang="en-GB" smtClean="0"/>
-              <a:t>02/10/2024</a:t>
+              <a:t>04/10/2024</a:t>
             </a:fld>
             <a:endParaRPr lang="en-US"/>
           </a:p>
@@ -29211,7 +29211,7 @@
           <a:p>
             <a:fld id="{C7EFF3D0-6BED-D444-BEB4-872DDA21BA8D}" type="datetime1">
               <a:rPr lang="en-GB" smtClean="0"/>
-              <a:t>02/10/2024</a:t>
+              <a:t>04/10/2024</a:t>
             </a:fld>
             <a:endParaRPr lang="en-US"/>
           </a:p>
@@ -29977,7 +29977,7 @@
           <a:p>
             <a:fld id="{C7EFF3D0-6BED-D444-BEB4-872DDA21BA8D}" type="datetime1">
               <a:rPr lang="en-GB" smtClean="0"/>
-              <a:t>02/10/2024</a:t>
+              <a:t>04/10/2024</a:t>
             </a:fld>
             <a:endParaRPr lang="en-US"/>
           </a:p>
@@ -30900,7 +30900,7 @@
           <a:p>
             <a:fld id="{D3ECCBB8-735C-914B-8E67-7852CBBDF7EA}" type="datetime1">
               <a:rPr lang="en-GB" smtClean="0"/>
-              <a:t>02/10/2024</a:t>
+              <a:t>04/10/2024</a:t>
             </a:fld>
             <a:endParaRPr lang="en-GB"/>
           </a:p>
@@ -31838,7 +31838,7 @@
           <a:p>
             <a:fld id="{D3ECCBB8-735C-914B-8E67-7852CBBDF7EA}" type="datetime1">
               <a:rPr lang="en-GB" smtClean="0"/>
-              <a:t>02/10/2024</a:t>
+              <a:t>04/10/2024</a:t>
             </a:fld>
             <a:endParaRPr lang="en-GB"/>
           </a:p>
@@ -32784,7 +32784,7 @@
           <a:p>
             <a:fld id="{D3ECCBB8-735C-914B-8E67-7852CBBDF7EA}" type="datetime1">
               <a:rPr lang="en-GB" smtClean="0"/>
-              <a:t>02/10/2024</a:t>
+              <a:t>04/10/2024</a:t>
             </a:fld>
             <a:endParaRPr lang="en-GB"/>
           </a:p>
@@ -33495,7 +33495,7 @@
           <a:p>
             <a:fld id="{C7EFF3D0-6BED-D444-BEB4-872DDA21BA8D}" type="datetime1">
               <a:rPr lang="en-GB" smtClean="0"/>
-              <a:t>02/10/2024</a:t>
+              <a:t>04/10/2024</a:t>
             </a:fld>
             <a:endParaRPr lang="en-US"/>
           </a:p>
@@ -35499,7 +35499,7 @@
           <a:p>
             <a:fld id="{C7EFF3D0-6BED-D444-BEB4-872DDA21BA8D}" type="datetime1">
               <a:rPr lang="en-GB" smtClean="0"/>
-              <a:t>02/10/2024</a:t>
+              <a:t>04/10/2024</a:t>
             </a:fld>
             <a:endParaRPr lang="en-US"/>
           </a:p>
@@ -38604,7 +38604,7 @@
           <a:p>
             <a:fld id="{D63005AE-A14B-7B48-9AF5-01E333747121}" type="datetime1">
               <a:rPr lang="en-GB" smtClean="0"/>
-              <a:t>02/10/2024</a:t>
+              <a:t>04/10/2024</a:t>
             </a:fld>
             <a:endParaRPr lang="en-GB"/>
           </a:p>
@@ -45493,7 +45493,7 @@
           <p:nvPr>
             <p:extLst>
               <p:ext uri="{D42A27DB-BD31-4B8C-83A1-F6EECF244321}">
-                <p14:modId xmlns:p14="http://schemas.microsoft.com/office/powerpoint/2010/main" val="2309497298"/>
+                <p14:modId xmlns:p14="http://schemas.microsoft.com/office/powerpoint/2010/main" val="943065279"/>
               </p:ext>
             </p:extLst>
           </p:nvPr>
@@ -45524,8 +45524,8 @@
         </p:nvSpPr>
         <p:spPr>
           <a:xfrm>
-            <a:off x="1411876" y="3494873"/>
-            <a:ext cx="3544235" cy="312576"/>
+            <a:off x="1378465" y="3307224"/>
+            <a:ext cx="3544235" cy="613829"/>
           </a:xfrm>
           <a:prstGeom prst="rect">
             <a:avLst/>
@@ -45760,7 +45760,7 @@
               <a:buNone/>
             </a:pPr>
             <a:r>
-              <a:rPr lang="tr-TR" dirty="0">
+              <a:rPr lang="tr-TR" sz="3600" dirty="0">
                 <a:solidFill>
                   <a:srgbClr val="FF5A1F"/>
                 </a:solidFill>
@@ -45771,7 +45771,7 @@
               <a:t>£ </a:t>
             </a:r>
             <a:r>
-              <a:rPr lang="tr-TR" dirty="0" err="1">
+              <a:rPr lang="tr-TR" sz="3600" dirty="0" err="1">
                 <a:solidFill>
                   <a:srgbClr val="FF5A1F"/>
                 </a:solidFill>
@@ -45782,21 +45782,21 @@
               <a:t>totalcostval</a:t>
             </a:r>
             <a:r>
-              <a:rPr lang="tr-TR" dirty="0">
+              <a:rPr lang="tr-TR" sz="3600" dirty="0">
                 <a:solidFill>
                   <a:srgbClr val="FF5A1F"/>
                 </a:solidFill>
-                <a:latin typeface="Montserrat SemiBold" panose="00000700000000000000" pitchFamily="2" charset="0"/>
+                <a:latin typeface="+mj-lt"/>
                 <a:ea typeface="Open Sans"/>
                 <a:cs typeface="Open Sans"/>
               </a:rPr>
               <a:t> </a:t>
             </a:r>
-            <a:endParaRPr lang="en-GB" dirty="0">
+            <a:endParaRPr lang="en-GB" sz="3600" dirty="0">
               <a:solidFill>
                 <a:srgbClr val="FF5A1F"/>
               </a:solidFill>
-              <a:latin typeface="Montserrat SemiBold" panose="00000700000000000000" pitchFamily="2" charset="0"/>
+              <a:latin typeface="+mj-lt"/>
               <a:ea typeface="Open Sans"/>
               <a:cs typeface="Open Sans"/>
             </a:endParaRPr>
@@ -47731,6 +47731,15 @@
 </file>
 
 <file path=customXml/item2.xml><?xml version="1.0" encoding="utf-8"?>
+<?mso-contentType ?>
+<FormTemplates xmlns="http://schemas.microsoft.com/sharepoint/v3/contenttype/forms">
+  <Display>DocumentLibraryForm</Display>
+  <Edit>DocumentLibraryForm</Edit>
+  <New>DocumentLibraryForm</New>
+</FormTemplates>
+</file>
+
+<file path=customXml/item3.xml><?xml version="1.0" encoding="utf-8"?>
 <ct:contentTypeSchema xmlns:ct="http://schemas.microsoft.com/office/2006/metadata/contentType" xmlns:ma="http://schemas.microsoft.com/office/2006/metadata/properties/metaAttributes" ct:_="" ma:_="" ma:contentTypeName="Belge" ma:contentTypeID="0x010100FC2ADAF580B8A648AEA7FF4A5F3D65E6" ma:contentTypeVersion="11" ma:contentTypeDescription="Yeni belge oluşturun." ma:contentTypeScope="" ma:versionID="56f870f08e2d08b2b10344f12fd261be">
   <xsd:schema xmlns:xsd="http://www.w3.org/2001/XMLSchema" xmlns:xs="http://www.w3.org/2001/XMLSchema" xmlns:p="http://schemas.microsoft.com/office/2006/metadata/properties" xmlns:ns2="8a969d1d-647f-4e4c-97f9-a5143e71e435" xmlns:ns3="eb37a4e0-bf89-419d-8b31-963a97458fb1" targetNamespace="http://schemas.microsoft.com/office/2006/metadata/properties" ma:root="true" ma:fieldsID="699557ddf8cd53ad766f89e119cd6fad" ns2:_="" ns3:_="">
     <xsd:import namespace="8a969d1d-647f-4e4c-97f9-a5143e71e435"/>
@@ -47925,15 +47934,6 @@
 </ct:contentTypeSchema>
 </file>
 
-<file path=customXml/item3.xml><?xml version="1.0" encoding="utf-8"?>
-<?mso-contentType ?>
-<FormTemplates xmlns="http://schemas.microsoft.com/sharepoint/v3/contenttype/forms">
-  <Display>DocumentLibraryForm</Display>
-  <Edit>DocumentLibraryForm</Edit>
-  <New>DocumentLibraryForm</New>
-</FormTemplates>
-</file>
-
 <file path=customXml/itemProps1.xml><?xml version="1.0" encoding="utf-8"?>
 <ds:datastoreItem xmlns:ds="http://schemas.openxmlformats.org/officeDocument/2006/customXml" ds:itemID="{8140E5F8-1399-4596-AA73-4BD79D26AFFD}">
   <ds:schemaRefs>
@@ -47953,6 +47953,14 @@
 </file>
 
 <file path=customXml/itemProps2.xml><?xml version="1.0" encoding="utf-8"?>
+<ds:datastoreItem xmlns:ds="http://schemas.openxmlformats.org/officeDocument/2006/customXml" ds:itemID="{953B4D23-82FF-4812-9F4E-BB600331C634}">
+  <ds:schemaRefs>
+    <ds:schemaRef ds:uri="http://schemas.microsoft.com/sharepoint/v3/contenttype/forms"/>
+  </ds:schemaRefs>
+</ds:datastoreItem>
+</file>
+
+<file path=customXml/itemProps3.xml><?xml version="1.0" encoding="utf-8"?>
 <ds:datastoreItem xmlns:ds="http://schemas.openxmlformats.org/officeDocument/2006/customXml" ds:itemID="{40976E10-D540-4F0D-B7ED-DE660C408BCB}">
   <ds:schemaRefs>
     <ds:schemaRef ds:uri="http://schemas.microsoft.com/office/2006/metadata/contentType"/>
@@ -47971,14 +47979,6 @@
 </ds:datastoreItem>
 </file>
 
-<file path=customXml/itemProps3.xml><?xml version="1.0" encoding="utf-8"?>
-<ds:datastoreItem xmlns:ds="http://schemas.openxmlformats.org/officeDocument/2006/customXml" ds:itemID="{953B4D23-82FF-4812-9F4E-BB600331C634}">
-  <ds:schemaRefs>
-    <ds:schemaRef ds:uri="http://schemas.microsoft.com/sharepoint/v3/contenttype/forms"/>
-  </ds:schemaRefs>
-</ds:datastoreItem>
-</file>
-
 <file path=docMetadata/LabelInfo.xml><?xml version="1.0" encoding="utf-8"?>
 <clbl:labelList xmlns:clbl="http://schemas.microsoft.com/office/2020/mipLabelMetadata">
   <clbl:label id="{2b5a89e7-01bf-42ed-9da1-669d82eec17a}" enabled="0" method="" siteId="{2b5a89e7-01bf-42ed-9da1-669d82eec17a}" removed="1"/>

--- a/client.pptx
+++ b/client.pptx
@@ -451,10 +451,21 @@
         </c:manualLayout>
       </c:layout>
       <c:doughnutChart>
-        <c:varyColors val="1"/>
+        <c:varyColors val="0"/>
         <c:ser>
           <c:idx val="0"/>
           <c:order val="0"/>
+          <c:spPr>
+            <a:solidFill>
+              <a:schemeClr val="accent1"/>
+            </a:solidFill>
+            <a:ln w="19050">
+              <a:solidFill>
+                <a:schemeClr val="lt1"/>
+              </a:solidFill>
+            </a:ln>
+            <a:effectLst/>
+          </c:spPr>
           <c:dPt>
             <c:idx val="0"/>
             <c:bubble3D val="0"/>
@@ -480,7 +491,7 @@
             <c:bubble3D val="0"/>
             <c:spPr>
               <a:solidFill>
-                <a:schemeClr val="accent2"/>
+                <a:schemeClr val="accent1"/>
               </a:solidFill>
               <a:ln w="19050">
                 <a:solidFill>
@@ -500,7 +511,7 @@
             <c:bubble3D val="0"/>
             <c:spPr>
               <a:solidFill>
-                <a:schemeClr val="accent3"/>
+                <a:schemeClr val="accent1"/>
               </a:solidFill>
               <a:ln w="19050">
                 <a:solidFill>
@@ -520,7 +531,7 @@
             <c:bubble3D val="0"/>
             <c:spPr>
               <a:solidFill>
-                <a:schemeClr val="accent4"/>
+                <a:srgbClr val="F15D22"/>
               </a:solidFill>
               <a:ln w="19050">
                 <a:solidFill>
@@ -540,7 +551,7 @@
             <c:bubble3D val="0"/>
             <c:spPr>
               <a:solidFill>
-                <a:schemeClr val="accent5"/>
+                <a:schemeClr val="accent1"/>
               </a:solidFill>
               <a:ln w="19050">
                 <a:solidFill>
@@ -560,7 +571,7 @@
             <c:bubble3D val="0"/>
             <c:spPr>
               <a:solidFill>
-                <a:schemeClr val="accent6"/>
+                <a:srgbClr val="616173"/>
               </a:solidFill>
               <a:ln w="19050">
                 <a:solidFill>
@@ -580,7 +591,7 @@
             <c:bubble3D val="0"/>
             <c:spPr>
               <a:solidFill>
-                <a:schemeClr val="tx2"/>
+                <a:srgbClr val="F6911E"/>
               </a:solidFill>
               <a:ln w="19050">
                 <a:solidFill>
@@ -600,10 +611,7 @@
             <c:bubble3D val="0"/>
             <c:spPr>
               <a:solidFill>
-                <a:schemeClr val="accent6">
-                  <a:lumMod val="25000"/>
-                  <a:lumOff val="75000"/>
-                </a:schemeClr>
+                <a:schemeClr val="accent1"/>
               </a:solidFill>
               <a:ln w="19050">
                 <a:solidFill>
@@ -623,9 +631,7 @@
             <c:bubble3D val="0"/>
             <c:spPr>
               <a:solidFill>
-                <a:schemeClr val="accent3">
-                  <a:lumMod val="60000"/>
-                </a:schemeClr>
+                <a:schemeClr val="accent1"/>
               </a:solidFill>
               <a:ln w="19050">
                 <a:solidFill>
@@ -645,9 +651,7 @@
             <c:bubble3D val="0"/>
             <c:spPr>
               <a:solidFill>
-                <a:schemeClr val="accent4">
-                  <a:lumMod val="60000"/>
-                </a:schemeClr>
+                <a:schemeClr val="accent1"/>
               </a:solidFill>
               <a:ln w="19050">
                 <a:solidFill>
@@ -1501,7 +1505,7 @@
           <a:p>
             <a:fld id="{22EE6207-6821-4DAB-B818-E4F4F6AB12F5}" type="datetimeFigureOut">
               <a:rPr lang="en-GB" smtClean="0"/>
-              <a:t>04/10/2024</a:t>
+              <a:t>09/10/2024</a:t>
             </a:fld>
             <a:endParaRPr lang="en-GB"/>
           </a:p>
@@ -1694,7 +1698,7 @@
           <a:p>
             <a:fld id="{5B936EE0-4F6D-274D-8902-95CDFEF84C8C}" type="datetimeFigureOut">
               <a:rPr lang="en-US" smtClean="0"/>
-              <a:t>10/4/2024</a:t>
+              <a:t>10/9/2024</a:t>
             </a:fld>
             <a:endParaRPr lang="en-US"/>
           </a:p>
@@ -2334,7 +2338,7 @@
           <a:p>
             <a:fld id="{98FAEBFC-AF3F-6E47-9766-48C2D7B36252}" type="datetime1">
               <a:rPr lang="en-GB" smtClean="0"/>
-              <a:t>04/10/2024</a:t>
+              <a:t>09/10/2024</a:t>
             </a:fld>
             <a:endParaRPr lang="en-GB"/>
           </a:p>
@@ -2649,7 +2653,7 @@
           <a:p>
             <a:fld id="{C7EFF3D0-6BED-D444-BEB4-872DDA21BA8D}" type="datetime1">
               <a:rPr lang="en-GB" smtClean="0"/>
-              <a:t>04/10/2024</a:t>
+              <a:t>09/10/2024</a:t>
             </a:fld>
             <a:endParaRPr lang="en-US"/>
           </a:p>
@@ -3767,7 +3771,7 @@
           <a:p>
             <a:fld id="{C7EFF3D0-6BED-D444-BEB4-872DDA21BA8D}" type="datetime1">
               <a:rPr lang="en-GB" smtClean="0"/>
-              <a:t>04/10/2024</a:t>
+              <a:t>09/10/2024</a:t>
             </a:fld>
             <a:endParaRPr lang="en-US"/>
           </a:p>
@@ -4234,7 +4238,7 @@
           <a:p>
             <a:fld id="{C7EFF3D0-6BED-D444-BEB4-872DDA21BA8D}" type="datetime1">
               <a:rPr lang="en-GB" smtClean="0"/>
-              <a:t>04/10/2024</a:t>
+              <a:t>09/10/2024</a:t>
             </a:fld>
             <a:endParaRPr lang="en-US"/>
           </a:p>
@@ -4885,7 +4889,7 @@
           <a:p>
             <a:fld id="{C7EFF3D0-6BED-D444-BEB4-872DDA21BA8D}" type="datetime1">
               <a:rPr lang="en-GB" smtClean="0"/>
-              <a:t>04/10/2024</a:t>
+              <a:t>09/10/2024</a:t>
             </a:fld>
             <a:endParaRPr lang="en-US"/>
           </a:p>
@@ -5296,7 +5300,7 @@
           <a:p>
             <a:fld id="{C7EFF3D0-6BED-D444-BEB4-872DDA21BA8D}" type="datetime1">
               <a:rPr lang="en-GB" smtClean="0"/>
-              <a:t>04/10/2024</a:t>
+              <a:t>09/10/2024</a:t>
             </a:fld>
             <a:endParaRPr lang="en-US"/>
           </a:p>
@@ -5797,7 +5801,7 @@
           <a:p>
             <a:fld id="{C7EFF3D0-6BED-D444-BEB4-872DDA21BA8D}" type="datetime1">
               <a:rPr lang="en-GB" smtClean="0"/>
-              <a:t>04/10/2024</a:t>
+              <a:t>09/10/2024</a:t>
             </a:fld>
             <a:endParaRPr lang="en-US"/>
           </a:p>
@@ -6527,7 +6531,7 @@
           <a:p>
             <a:fld id="{C7EFF3D0-6BED-D444-BEB4-872DDA21BA8D}" type="datetime1">
               <a:rPr lang="en-GB" smtClean="0"/>
-              <a:t>04/10/2024</a:t>
+              <a:t>09/10/2024</a:t>
             </a:fld>
             <a:endParaRPr lang="en-US"/>
           </a:p>
@@ -7353,7 +7357,7 @@
           <a:p>
             <a:fld id="{C7EFF3D0-6BED-D444-BEB4-872DDA21BA8D}" type="datetime1">
               <a:rPr lang="en-GB" smtClean="0"/>
-              <a:t>04/10/2024</a:t>
+              <a:t>09/10/2024</a:t>
             </a:fld>
             <a:endParaRPr lang="en-US"/>
           </a:p>
@@ -9376,7 +9380,7 @@
           <a:p>
             <a:fld id="{C7EFF3D0-6BED-D444-BEB4-872DDA21BA8D}" type="datetime1">
               <a:rPr lang="en-GB" smtClean="0"/>
-              <a:t>04/10/2024</a:t>
+              <a:t>09/10/2024</a:t>
             </a:fld>
             <a:endParaRPr lang="en-US"/>
           </a:p>
@@ -10002,7 +10006,7 @@
           <a:p>
             <a:fld id="{C7EFF3D0-6BED-D444-BEB4-872DDA21BA8D}" type="datetime1">
               <a:rPr lang="en-GB" smtClean="0"/>
-              <a:t>04/10/2024</a:t>
+              <a:t>09/10/2024</a:t>
             </a:fld>
             <a:endParaRPr lang="en-US"/>
           </a:p>
@@ -10975,7 +10979,7 @@
           <a:p>
             <a:fld id="{98FAEBFC-AF3F-6E47-9766-48C2D7B36252}" type="datetime1">
               <a:rPr lang="en-GB" smtClean="0"/>
-              <a:t>04/10/2024</a:t>
+              <a:t>09/10/2024</a:t>
             </a:fld>
             <a:endParaRPr lang="en-GB"/>
           </a:p>
@@ -11694,7 +11698,7 @@
           <a:p>
             <a:fld id="{C7EFF3D0-6BED-D444-BEB4-872DDA21BA8D}" type="datetime1">
               <a:rPr lang="en-GB" smtClean="0"/>
-              <a:t>04/10/2024</a:t>
+              <a:t>09/10/2024</a:t>
             </a:fld>
             <a:endParaRPr lang="en-US"/>
           </a:p>
@@ -12514,7 +12518,7 @@
           <a:p>
             <a:fld id="{C7EFF3D0-6BED-D444-BEB4-872DDA21BA8D}" type="datetime1">
               <a:rPr lang="en-GB" smtClean="0"/>
-              <a:t>04/10/2024</a:t>
+              <a:t>09/10/2024</a:t>
             </a:fld>
             <a:endParaRPr lang="en-US"/>
           </a:p>
@@ -13313,7 +13317,7 @@
           <a:p>
             <a:fld id="{C7EFF3D0-6BED-D444-BEB4-872DDA21BA8D}" type="datetime1">
               <a:rPr lang="en-GB" smtClean="0"/>
-              <a:t>04/10/2024</a:t>
+              <a:t>09/10/2024</a:t>
             </a:fld>
             <a:endParaRPr lang="en-US"/>
           </a:p>
@@ -14080,7 +14084,7 @@
           <a:p>
             <a:fld id="{C7EFF3D0-6BED-D444-BEB4-872DDA21BA8D}" type="datetime1">
               <a:rPr lang="en-GB" smtClean="0"/>
-              <a:t>04/10/2024</a:t>
+              <a:t>09/10/2024</a:t>
             </a:fld>
             <a:endParaRPr lang="en-US"/>
           </a:p>
@@ -14647,7 +14651,7 @@
           <a:p>
             <a:fld id="{C7EFF3D0-6BED-D444-BEB4-872DDA21BA8D}" type="datetime1">
               <a:rPr lang="en-GB" smtClean="0"/>
-              <a:t>04/10/2024</a:t>
+              <a:t>09/10/2024</a:t>
             </a:fld>
             <a:endParaRPr lang="en-US"/>
           </a:p>
@@ -15211,7 +15215,7 @@
           <a:p>
             <a:fld id="{C7EFF3D0-6BED-D444-BEB4-872DDA21BA8D}" type="datetime1">
               <a:rPr lang="en-GB" smtClean="0"/>
-              <a:t>04/10/2024</a:t>
+              <a:t>09/10/2024</a:t>
             </a:fld>
             <a:endParaRPr lang="en-US"/>
           </a:p>
@@ -15822,7 +15826,7 @@
           <a:p>
             <a:fld id="{C7EFF3D0-6BED-D444-BEB4-872DDA21BA8D}" type="datetime1">
               <a:rPr lang="en-GB" smtClean="0"/>
-              <a:t>04/10/2024</a:t>
+              <a:t>09/10/2024</a:t>
             </a:fld>
             <a:endParaRPr lang="en-US"/>
           </a:p>
@@ -16558,7 +16562,7 @@
           <a:p>
             <a:fld id="{C7EFF3D0-6BED-D444-BEB4-872DDA21BA8D}" type="datetime1">
               <a:rPr lang="en-GB" smtClean="0"/>
-              <a:t>04/10/2024</a:t>
+              <a:t>09/10/2024</a:t>
             </a:fld>
             <a:endParaRPr lang="en-US"/>
           </a:p>
@@ -16929,7 +16933,7 @@
           <a:p>
             <a:fld id="{C7EFF3D0-6BED-D444-BEB4-872DDA21BA8D}" type="datetime1">
               <a:rPr lang="en-GB" smtClean="0"/>
-              <a:t>04/10/2024</a:t>
+              <a:t>09/10/2024</a:t>
             </a:fld>
             <a:endParaRPr lang="en-US"/>
           </a:p>
@@ -17329,7 +17333,7 @@
           <a:p>
             <a:fld id="{C7EFF3D0-6BED-D444-BEB4-872DDA21BA8D}" type="datetime1">
               <a:rPr lang="en-GB" smtClean="0"/>
-              <a:t>04/10/2024</a:t>
+              <a:t>09/10/2024</a:t>
             </a:fld>
             <a:endParaRPr lang="en-US"/>
           </a:p>
@@ -18327,7 +18331,7 @@
           <a:p>
             <a:fld id="{98FAEBFC-AF3F-6E47-9766-48C2D7B36252}" type="datetime1">
               <a:rPr lang="en-GB" smtClean="0"/>
-              <a:t>04/10/2024</a:t>
+              <a:t>09/10/2024</a:t>
             </a:fld>
             <a:endParaRPr lang="en-GB"/>
           </a:p>
@@ -18881,7 +18885,7 @@
           <a:p>
             <a:fld id="{C7EFF3D0-6BED-D444-BEB4-872DDA21BA8D}" type="datetime1">
               <a:rPr lang="en-GB" smtClean="0"/>
-              <a:t>04/10/2024</a:t>
+              <a:t>09/10/2024</a:t>
             </a:fld>
             <a:endParaRPr lang="en-US"/>
           </a:p>
@@ -19623,7 +19627,7 @@
           <a:p>
             <a:fld id="{C7EFF3D0-6BED-D444-BEB4-872DDA21BA8D}" type="datetime1">
               <a:rPr lang="en-GB" smtClean="0"/>
-              <a:t>04/10/2024</a:t>
+              <a:t>09/10/2024</a:t>
             </a:fld>
             <a:endParaRPr lang="en-US"/>
           </a:p>
@@ -20566,7 +20570,7 @@
           <a:p>
             <a:fld id="{C7EFF3D0-6BED-D444-BEB4-872DDA21BA8D}" type="datetime1">
               <a:rPr lang="en-GB" smtClean="0"/>
-              <a:t>04/10/2024</a:t>
+              <a:t>09/10/2024</a:t>
             </a:fld>
             <a:endParaRPr lang="en-US"/>
           </a:p>
@@ -21122,7 +21126,7 @@
           <a:p>
             <a:fld id="{C7EFF3D0-6BED-D444-BEB4-872DDA21BA8D}" type="datetime1">
               <a:rPr lang="en-GB" smtClean="0"/>
-              <a:t>04/10/2024</a:t>
+              <a:t>09/10/2024</a:t>
             </a:fld>
             <a:endParaRPr lang="en-US"/>
           </a:p>
@@ -21672,7 +21676,7 @@
           <a:p>
             <a:fld id="{C7EFF3D0-6BED-D444-BEB4-872DDA21BA8D}" type="datetime1">
               <a:rPr lang="en-GB" smtClean="0"/>
-              <a:t>04/10/2024</a:t>
+              <a:t>09/10/2024</a:t>
             </a:fld>
             <a:endParaRPr lang="en-US"/>
           </a:p>
@@ -22457,7 +22461,7 @@
           <a:p>
             <a:fld id="{C7EFF3D0-6BED-D444-BEB4-872DDA21BA8D}" type="datetime1">
               <a:rPr lang="en-GB" smtClean="0"/>
-              <a:t>04/10/2024</a:t>
+              <a:t>09/10/2024</a:t>
             </a:fld>
             <a:endParaRPr lang="en-US"/>
           </a:p>
@@ -23221,7 +23225,7 @@
           <a:p>
             <a:fld id="{C7EFF3D0-6BED-D444-BEB4-872DDA21BA8D}" type="datetime1">
               <a:rPr lang="en-GB" smtClean="0"/>
-              <a:t>04/10/2024</a:t>
+              <a:t>09/10/2024</a:t>
             </a:fld>
             <a:endParaRPr lang="en-US"/>
           </a:p>
@@ -23937,7 +23941,7 @@
           <a:p>
             <a:fld id="{C7EFF3D0-6BED-D444-BEB4-872DDA21BA8D}" type="datetime1">
               <a:rPr lang="en-GB" smtClean="0"/>
-              <a:t>04/10/2024</a:t>
+              <a:t>09/10/2024</a:t>
             </a:fld>
             <a:endParaRPr lang="en-US"/>
           </a:p>
@@ -24336,7 +24340,7 @@
           <a:p>
             <a:fld id="{C7EFF3D0-6BED-D444-BEB4-872DDA21BA8D}" type="datetime1">
               <a:rPr lang="en-GB" smtClean="0"/>
-              <a:t>04/10/2024</a:t>
+              <a:t>09/10/2024</a:t>
             </a:fld>
             <a:endParaRPr lang="en-US"/>
           </a:p>
@@ -24648,7 +24652,7 @@
           <a:p>
             <a:fld id="{C7EFF3D0-6BED-D444-BEB4-872DDA21BA8D}" type="datetime1">
               <a:rPr lang="en-GB" smtClean="0"/>
-              <a:t>04/10/2024</a:t>
+              <a:t>09/10/2024</a:t>
             </a:fld>
             <a:endParaRPr lang="en-US"/>
           </a:p>
@@ -25118,7 +25122,7 @@
           <a:p>
             <a:fld id="{D3ECCBB8-735C-914B-8E67-7852CBBDF7EA}" type="datetime1">
               <a:rPr lang="en-GB" smtClean="0"/>
-              <a:t>04/10/2024</a:t>
+              <a:t>09/10/2024</a:t>
             </a:fld>
             <a:endParaRPr lang="en-GB"/>
           </a:p>
@@ -25804,7 +25808,7 @@
           <a:p>
             <a:fld id="{C7EFF3D0-6BED-D444-BEB4-872DDA21BA8D}" type="datetime1">
               <a:rPr lang="en-GB" smtClean="0"/>
-              <a:t>04/10/2024</a:t>
+              <a:t>09/10/2024</a:t>
             </a:fld>
             <a:endParaRPr lang="en-US"/>
           </a:p>
@@ -26077,7 +26081,7 @@
           <a:p>
             <a:fld id="{C7EFF3D0-6BED-D444-BEB4-872DDA21BA8D}" type="datetime1">
               <a:rPr lang="en-GB" smtClean="0"/>
-              <a:t>04/10/2024</a:t>
+              <a:t>09/10/2024</a:t>
             </a:fld>
             <a:endParaRPr lang="en-US"/>
           </a:p>
@@ -26342,7 +26346,7 @@
           <a:p>
             <a:fld id="{C7EFF3D0-6BED-D444-BEB4-872DDA21BA8D}" type="datetime1">
               <a:rPr lang="en-GB" smtClean="0"/>
-              <a:t>04/10/2024</a:t>
+              <a:t>09/10/2024</a:t>
             </a:fld>
             <a:endParaRPr lang="en-US"/>
           </a:p>
@@ -26734,7 +26738,7 @@
           <a:p>
             <a:fld id="{C7EFF3D0-6BED-D444-BEB4-872DDA21BA8D}" type="datetime1">
               <a:rPr lang="en-GB" smtClean="0"/>
-              <a:t>04/10/2024</a:t>
+              <a:t>09/10/2024</a:t>
             </a:fld>
             <a:endParaRPr lang="en-US"/>
           </a:p>
@@ -27126,7 +27130,7 @@
           <a:p>
             <a:fld id="{C7EFF3D0-6BED-D444-BEB4-872DDA21BA8D}" type="datetime1">
               <a:rPr lang="en-GB" smtClean="0"/>
-              <a:t>04/10/2024</a:t>
+              <a:t>09/10/2024</a:t>
             </a:fld>
             <a:endParaRPr lang="en-US"/>
           </a:p>
@@ -28007,7 +28011,7 @@
           <a:p>
             <a:fld id="{C7EFF3D0-6BED-D444-BEB4-872DDA21BA8D}" type="datetime1">
               <a:rPr lang="en-GB" smtClean="0"/>
-              <a:t>04/10/2024</a:t>
+              <a:t>09/10/2024</a:t>
             </a:fld>
             <a:endParaRPr lang="en-US"/>
           </a:p>
@@ -28168,7 +28172,7 @@
           <a:p>
             <a:fld id="{C7EFF3D0-6BED-D444-BEB4-872DDA21BA8D}" type="datetime1">
               <a:rPr lang="en-GB" smtClean="0"/>
-              <a:t>04/10/2024</a:t>
+              <a:t>09/10/2024</a:t>
             </a:fld>
             <a:endParaRPr lang="en-US"/>
           </a:p>
@@ -28925,7 +28929,7 @@
           <a:p>
             <a:fld id="{C7EFF3D0-6BED-D444-BEB4-872DDA21BA8D}" type="datetime1">
               <a:rPr lang="en-GB" smtClean="0"/>
-              <a:t>04/10/2024</a:t>
+              <a:t>09/10/2024</a:t>
             </a:fld>
             <a:endParaRPr lang="en-US"/>
           </a:p>
@@ -29211,7 +29215,7 @@
           <a:p>
             <a:fld id="{C7EFF3D0-6BED-D444-BEB4-872DDA21BA8D}" type="datetime1">
               <a:rPr lang="en-GB" smtClean="0"/>
-              <a:t>04/10/2024</a:t>
+              <a:t>09/10/2024</a:t>
             </a:fld>
             <a:endParaRPr lang="en-US"/>
           </a:p>
@@ -29977,7 +29981,7 @@
           <a:p>
             <a:fld id="{C7EFF3D0-6BED-D444-BEB4-872DDA21BA8D}" type="datetime1">
               <a:rPr lang="en-GB" smtClean="0"/>
-              <a:t>04/10/2024</a:t>
+              <a:t>09/10/2024</a:t>
             </a:fld>
             <a:endParaRPr lang="en-US"/>
           </a:p>
@@ -30900,7 +30904,7 @@
           <a:p>
             <a:fld id="{D3ECCBB8-735C-914B-8E67-7852CBBDF7EA}" type="datetime1">
               <a:rPr lang="en-GB" smtClean="0"/>
-              <a:t>04/10/2024</a:t>
+              <a:t>09/10/2024</a:t>
             </a:fld>
             <a:endParaRPr lang="en-GB"/>
           </a:p>
@@ -31838,7 +31842,7 @@
           <a:p>
             <a:fld id="{D3ECCBB8-735C-914B-8E67-7852CBBDF7EA}" type="datetime1">
               <a:rPr lang="en-GB" smtClean="0"/>
-              <a:t>04/10/2024</a:t>
+              <a:t>09/10/2024</a:t>
             </a:fld>
             <a:endParaRPr lang="en-GB"/>
           </a:p>
@@ -32784,7 +32788,7 @@
           <a:p>
             <a:fld id="{D3ECCBB8-735C-914B-8E67-7852CBBDF7EA}" type="datetime1">
               <a:rPr lang="en-GB" smtClean="0"/>
-              <a:t>04/10/2024</a:t>
+              <a:t>09/10/2024</a:t>
             </a:fld>
             <a:endParaRPr lang="en-GB"/>
           </a:p>
@@ -33495,7 +33499,7 @@
           <a:p>
             <a:fld id="{C7EFF3D0-6BED-D444-BEB4-872DDA21BA8D}" type="datetime1">
               <a:rPr lang="en-GB" smtClean="0"/>
-              <a:t>04/10/2024</a:t>
+              <a:t>09/10/2024</a:t>
             </a:fld>
             <a:endParaRPr lang="en-US"/>
           </a:p>
@@ -35499,7 +35503,7 @@
           <a:p>
             <a:fld id="{C7EFF3D0-6BED-D444-BEB4-872DDA21BA8D}" type="datetime1">
               <a:rPr lang="en-GB" smtClean="0"/>
-              <a:t>04/10/2024</a:t>
+              <a:t>09/10/2024</a:t>
             </a:fld>
             <a:endParaRPr lang="en-US"/>
           </a:p>
@@ -38604,7 +38608,7 @@
           <a:p>
             <a:fld id="{D63005AE-A14B-7B48-9AF5-01E333747121}" type="datetime1">
               <a:rPr lang="en-GB" smtClean="0"/>
-              <a:t>04/10/2024</a:t>
+              <a:t>09/10/2024</a:t>
             </a:fld>
             <a:endParaRPr lang="en-GB"/>
           </a:p>
@@ -45493,7 +45497,7 @@
           <p:nvPr>
             <p:extLst>
               <p:ext uri="{D42A27DB-BD31-4B8C-83A1-F6EECF244321}">
-                <p14:modId xmlns:p14="http://schemas.microsoft.com/office/powerpoint/2010/main" val="943065279"/>
+                <p14:modId xmlns:p14="http://schemas.microsoft.com/office/powerpoint/2010/main" val="2010864674"/>
               </p:ext>
             </p:extLst>
           </p:nvPr>
@@ -47720,6 +47724,15 @@
 </file>
 
 <file path=customXml/item1.xml><?xml version="1.0" encoding="utf-8"?>
+<?mso-contentType ?>
+<FormTemplates xmlns="http://schemas.microsoft.com/sharepoint/v3/contenttype/forms">
+  <Display>DocumentLibraryForm</Display>
+  <Edit>DocumentLibraryForm</Edit>
+  <New>DocumentLibraryForm</New>
+</FormTemplates>
+</file>
+
+<file path=customXml/item2.xml><?xml version="1.0" encoding="utf-8"?>
 <p:properties xmlns:p="http://schemas.microsoft.com/office/2006/metadata/properties" xmlns:xsi="http://www.w3.org/2001/XMLSchema-instance" xmlns:pc="http://schemas.microsoft.com/office/infopath/2007/PartnerControls">
   <documentManagement>
     <lcf76f155ced4ddcb4097134ff3c332f xmlns="8a969d1d-647f-4e4c-97f9-a5143e71e435">
@@ -47728,15 +47741,6 @@
     <TaxCatchAll xmlns="eb37a4e0-bf89-419d-8b31-963a97458fb1" xsi:nil="true"/>
   </documentManagement>
 </p:properties>
-</file>
-
-<file path=customXml/item2.xml><?xml version="1.0" encoding="utf-8"?>
-<?mso-contentType ?>
-<FormTemplates xmlns="http://schemas.microsoft.com/sharepoint/v3/contenttype/forms">
-  <Display>DocumentLibraryForm</Display>
-  <Edit>DocumentLibraryForm</Edit>
-  <New>DocumentLibraryForm</New>
-</FormTemplates>
 </file>
 
 <file path=customXml/item3.xml><?xml version="1.0" encoding="utf-8"?>
@@ -47935,6 +47939,14 @@
 </file>
 
 <file path=customXml/itemProps1.xml><?xml version="1.0" encoding="utf-8"?>
+<ds:datastoreItem xmlns:ds="http://schemas.openxmlformats.org/officeDocument/2006/customXml" ds:itemID="{953B4D23-82FF-4812-9F4E-BB600331C634}">
+  <ds:schemaRefs>
+    <ds:schemaRef ds:uri="http://schemas.microsoft.com/sharepoint/v3/contenttype/forms"/>
+  </ds:schemaRefs>
+</ds:datastoreItem>
+</file>
+
+<file path=customXml/itemProps2.xml><?xml version="1.0" encoding="utf-8"?>
 <ds:datastoreItem xmlns:ds="http://schemas.openxmlformats.org/officeDocument/2006/customXml" ds:itemID="{8140E5F8-1399-4596-AA73-4BD79D26AFFD}">
   <ds:schemaRefs>
     <ds:schemaRef ds:uri="http://schemas.microsoft.com/office/2006/metadata/properties"/>
@@ -47948,14 +47960,6 @@
     <ds:schemaRef ds:uri="http://schemas.microsoft.com/office/infopath/2007/PartnerControls"/>
     <ds:schemaRef ds:uri="8a969d1d-647f-4e4c-97f9-a5143e71e435"/>
     <ds:schemaRef ds:uri="eb37a4e0-bf89-419d-8b31-963a97458fb1"/>
-  </ds:schemaRefs>
-</ds:datastoreItem>
-</file>
-
-<file path=customXml/itemProps2.xml><?xml version="1.0" encoding="utf-8"?>
-<ds:datastoreItem xmlns:ds="http://schemas.openxmlformats.org/officeDocument/2006/customXml" ds:itemID="{953B4D23-82FF-4812-9F4E-BB600331C634}">
-  <ds:schemaRefs>
-    <ds:schemaRef ds:uri="http://schemas.microsoft.com/sharepoint/v3/contenttype/forms"/>
   </ds:schemaRefs>
 </ds:datastoreItem>
 </file>

--- a/client.pptx
+++ b/client.pptx
@@ -41412,9 +41412,9 @@
             <a:p>
               <a:pPr algn="ctr"/>
               <a:r>
-                <a:rPr lang="en-GB" sz="2400" dirty="0">
+                <a:rPr lang="en-GB" sz="2400" b="1" dirty="0">
                   <a:solidFill>
-                    <a:schemeClr val="accent1"/>
+                    <a:schemeClr val="accent6"/>
                   </a:solidFill>
                   <a:latin typeface="Open Sans" panose="020B0606030504020204" pitchFamily="34" charset="0"/>
                   <a:ea typeface="Open Sans" panose="020B0606030504020204" pitchFamily="34" charset="0"/>
@@ -41423,9 +41423,9 @@
                 <a:t>£</a:t>
               </a:r>
               <a:r>
-                <a:rPr lang="tr-TR" sz="2400" dirty="0" err="1">
+                <a:rPr lang="tr-TR" sz="2400" b="1" dirty="0" err="1">
                   <a:solidFill>
-                    <a:schemeClr val="accent1"/>
+                    <a:schemeClr val="accent6"/>
                   </a:solidFill>
                   <a:latin typeface="Open Sans" panose="020B0606030504020204" pitchFamily="34" charset="0"/>
                   <a:ea typeface="Open Sans" panose="020B0606030504020204" pitchFamily="34" charset="0"/>
@@ -41434,9 +41434,9 @@
                 <a:t>valfqmr</a:t>
               </a:r>
               <a:r>
-                <a:rPr lang="en-GB" sz="2400" dirty="0">
+                <a:rPr lang="en-GB" sz="2400" b="1" dirty="0">
                   <a:solidFill>
-                    <a:schemeClr val="accent1"/>
+                    <a:schemeClr val="accent6"/>
                   </a:solidFill>
                   <a:latin typeface="Open Sans" panose="020B0606030504020204" pitchFamily="34" charset="0"/>
                   <a:ea typeface="Open Sans" panose="020B0606030504020204" pitchFamily="34" charset="0"/>
@@ -41445,9 +41445,9 @@
                 <a:t> </a:t>
               </a:r>
               <a:r>
-                <a:rPr lang="en-GB" sz="900" dirty="0">
+                <a:rPr lang="en-GB" sz="900" b="1" dirty="0">
                   <a:solidFill>
-                    <a:schemeClr val="accent1"/>
+                    <a:schemeClr val="accent6"/>
                   </a:solidFill>
                   <a:latin typeface="Open Sans" panose="020B0606030504020204" pitchFamily="34" charset="0"/>
                   <a:ea typeface="Open Sans" panose="020B0606030504020204" pitchFamily="34" charset="0"/>
@@ -43300,9 +43300,9 @@
             <a:p>
               <a:pPr algn="ctr"/>
               <a:r>
-                <a:rPr lang="en-GB" sz="2400" dirty="0">
+                <a:rPr lang="en-GB" sz="2400" b="1" dirty="0">
                   <a:solidFill>
-                    <a:schemeClr val="accent2"/>
+                    <a:schemeClr val="accent6"/>
                   </a:solidFill>
                   <a:latin typeface="Open Sans" panose="020B0606030504020204" pitchFamily="34" charset="0"/>
                   <a:ea typeface="Open Sans" panose="020B0606030504020204" pitchFamily="34" charset="0"/>
@@ -43311,9 +43311,9 @@
                 <a:t>£</a:t>
               </a:r>
               <a:r>
-                <a:rPr lang="tr-TR" sz="2400" dirty="0" err="1">
+                <a:rPr lang="tr-TR" sz="2400" b="1" dirty="0" err="1">
                   <a:solidFill>
-                    <a:schemeClr val="accent2"/>
+                    <a:schemeClr val="accent6"/>
                   </a:solidFill>
                   <a:latin typeface="Open Sans" panose="020B0606030504020204" pitchFamily="34" charset="0"/>
                   <a:ea typeface="Open Sans" panose="020B0606030504020204" pitchFamily="34" charset="0"/>
@@ -43322,9 +43322,9 @@
                 <a:t>valdcap</a:t>
               </a:r>
               <a:r>
-                <a:rPr lang="en-GB" sz="2400" dirty="0">
+                <a:rPr lang="en-GB" sz="2400" b="1" dirty="0">
                   <a:solidFill>
-                    <a:schemeClr val="accent2"/>
+                    <a:schemeClr val="accent6"/>
                   </a:solidFill>
                   <a:latin typeface="Open Sans" panose="020B0606030504020204" pitchFamily="34" charset="0"/>
                   <a:ea typeface="Open Sans" panose="020B0606030504020204" pitchFamily="34" charset="0"/>
@@ -43333,9 +43333,9 @@
                 <a:t> </a:t>
               </a:r>
               <a:r>
-                <a:rPr lang="en-GB" sz="900" dirty="0">
+                <a:rPr lang="en-GB" sz="900" b="1" dirty="0">
                   <a:solidFill>
-                    <a:schemeClr val="accent2"/>
+                    <a:schemeClr val="accent6"/>
                   </a:solidFill>
                   <a:latin typeface="Open Sans" panose="020B0606030504020204" pitchFamily="34" charset="0"/>
                   <a:ea typeface="Open Sans" panose="020B0606030504020204" pitchFamily="34" charset="0"/>
@@ -43440,10 +43440,21 @@
                 <a:ea typeface="Open Sans" panose="020B0606030504020204" pitchFamily="34" charset="0"/>
                 <a:cs typeface="Open Sans" panose="020B0606030504020204" pitchFamily="34" charset="0"/>
               </a:rPr>
-              <a:t>COST OF DOING NOTHING: £</a:t>
-            </a:r>
-            <a:r>
-              <a:rPr lang="tr-TR" sz="2400" dirty="0" err="1">
+              <a:t>COST OF DOING NOTHING: </a:t>
+            </a:r>
+            <a:r>
+              <a:rPr lang="en-GB" sz="2400" b="1" dirty="0">
+                <a:solidFill>
+                  <a:schemeClr val="bg1"/>
+                </a:solidFill>
+                <a:latin typeface="Open Sans" panose="020B0606030504020204" pitchFamily="34" charset="0"/>
+                <a:ea typeface="Open Sans" panose="020B0606030504020204" pitchFamily="34" charset="0"/>
+                <a:cs typeface="Open Sans" panose="020B0606030504020204" pitchFamily="34" charset="0"/>
+              </a:rPr>
+              <a:t>£</a:t>
+            </a:r>
+            <a:r>
+              <a:rPr lang="tr-TR" sz="2400" b="1" dirty="0" err="1">
                 <a:solidFill>
                   <a:schemeClr val="bg1"/>
                 </a:solidFill>
@@ -45298,9 +45309,9 @@
             <a:p>
               <a:pPr algn="ctr"/>
               <a:r>
-                <a:rPr lang="en-GB" sz="2400" dirty="0">
+                <a:rPr lang="en-GB" sz="2400" b="1" dirty="0">
                   <a:solidFill>
-                    <a:schemeClr val="accent2"/>
+                    <a:schemeClr val="accent6"/>
                   </a:solidFill>
                   <a:latin typeface="Open Sans" panose="020B0606030504020204" pitchFamily="34" charset="0"/>
                   <a:ea typeface="Open Sans" panose="020B0606030504020204" pitchFamily="34" charset="0"/>
@@ -45309,9 +45320,9 @@
                 <a:t>£</a:t>
               </a:r>
               <a:r>
-                <a:rPr lang="tr-TR" sz="2400" dirty="0" err="1">
+                <a:rPr lang="tr-TR" sz="2400" b="1" dirty="0" err="1">
                   <a:solidFill>
-                    <a:schemeClr val="accent2"/>
+                    <a:schemeClr val="accent6"/>
                   </a:solidFill>
                   <a:latin typeface="Open Sans" panose="020B0606030504020204" pitchFamily="34" charset="0"/>
                   <a:ea typeface="Open Sans" panose="020B0606030504020204" pitchFamily="34" charset="0"/>
@@ -45320,9 +45331,9 @@
                 <a:t>valmspi</a:t>
               </a:r>
               <a:r>
-                <a:rPr lang="en-GB" sz="2400" dirty="0">
+                <a:rPr lang="en-GB" sz="2400" b="1" dirty="0">
                   <a:solidFill>
-                    <a:schemeClr val="accent2"/>
+                    <a:schemeClr val="accent6"/>
                   </a:solidFill>
                   <a:latin typeface="Open Sans" panose="020B0606030504020204" pitchFamily="34" charset="0"/>
                   <a:ea typeface="Open Sans" panose="020B0606030504020204" pitchFamily="34" charset="0"/>
@@ -45331,9 +45342,9 @@
                 <a:t> </a:t>
               </a:r>
               <a:r>
-                <a:rPr lang="en-GB" sz="900" dirty="0">
+                <a:rPr lang="en-GB" sz="900" b="1" dirty="0">
                   <a:solidFill>
-                    <a:schemeClr val="accent2"/>
+                    <a:schemeClr val="accent6"/>
                   </a:solidFill>
                   <a:latin typeface="Open Sans" panose="020B0606030504020204" pitchFamily="34" charset="0"/>
                   <a:ea typeface="Open Sans" panose="020B0606030504020204" pitchFamily="34" charset="0"/>
@@ -47733,17 +47744,6 @@
 </file>
 
 <file path=customXml/item2.xml><?xml version="1.0" encoding="utf-8"?>
-<p:properties xmlns:p="http://schemas.microsoft.com/office/2006/metadata/properties" xmlns:xsi="http://www.w3.org/2001/XMLSchema-instance" xmlns:pc="http://schemas.microsoft.com/office/infopath/2007/PartnerControls">
-  <documentManagement>
-    <lcf76f155ced4ddcb4097134ff3c332f xmlns="8a969d1d-647f-4e4c-97f9-a5143e71e435">
-      <Terms xmlns="http://schemas.microsoft.com/office/infopath/2007/PartnerControls"/>
-    </lcf76f155ced4ddcb4097134ff3c332f>
-    <TaxCatchAll xmlns="eb37a4e0-bf89-419d-8b31-963a97458fb1" xsi:nil="true"/>
-  </documentManagement>
-</p:properties>
-</file>
-
-<file path=customXml/item3.xml><?xml version="1.0" encoding="utf-8"?>
 <ct:contentTypeSchema xmlns:ct="http://schemas.microsoft.com/office/2006/metadata/contentType" xmlns:ma="http://schemas.microsoft.com/office/2006/metadata/properties/metaAttributes" ct:_="" ma:_="" ma:contentTypeName="Belge" ma:contentTypeID="0x010100FC2ADAF580B8A648AEA7FF4A5F3D65E6" ma:contentTypeVersion="11" ma:contentTypeDescription="Yeni belge oluşturun." ma:contentTypeScope="" ma:versionID="56f870f08e2d08b2b10344f12fd261be">
   <xsd:schema xmlns:xsd="http://www.w3.org/2001/XMLSchema" xmlns:xs="http://www.w3.org/2001/XMLSchema" xmlns:p="http://schemas.microsoft.com/office/2006/metadata/properties" xmlns:ns2="8a969d1d-647f-4e4c-97f9-a5143e71e435" xmlns:ns3="eb37a4e0-bf89-419d-8b31-963a97458fb1" targetNamespace="http://schemas.microsoft.com/office/2006/metadata/properties" ma:root="true" ma:fieldsID="699557ddf8cd53ad766f89e119cd6fad" ns2:_="" ns3:_="">
     <xsd:import namespace="8a969d1d-647f-4e4c-97f9-a5143e71e435"/>
@@ -47938,6 +47938,17 @@
 </ct:contentTypeSchema>
 </file>
 
+<file path=customXml/item3.xml><?xml version="1.0" encoding="utf-8"?>
+<p:properties xmlns:p="http://schemas.microsoft.com/office/2006/metadata/properties" xmlns:xsi="http://www.w3.org/2001/XMLSchema-instance" xmlns:pc="http://schemas.microsoft.com/office/infopath/2007/PartnerControls">
+  <documentManagement>
+    <lcf76f155ced4ddcb4097134ff3c332f xmlns="8a969d1d-647f-4e4c-97f9-a5143e71e435">
+      <Terms xmlns="http://schemas.microsoft.com/office/infopath/2007/PartnerControls"/>
+    </lcf76f155ced4ddcb4097134ff3c332f>
+    <TaxCatchAll xmlns="eb37a4e0-bf89-419d-8b31-963a97458fb1" xsi:nil="true"/>
+  </documentManagement>
+</p:properties>
+</file>
+
 <file path=customXml/itemProps1.xml><?xml version="1.0" encoding="utf-8"?>
 <ds:datastoreItem xmlns:ds="http://schemas.openxmlformats.org/officeDocument/2006/customXml" ds:itemID="{953B4D23-82FF-4812-9F4E-BB600331C634}">
   <ds:schemaRefs>
@@ -47947,24 +47958,6 @@
 </file>
 
 <file path=customXml/itemProps2.xml><?xml version="1.0" encoding="utf-8"?>
-<ds:datastoreItem xmlns:ds="http://schemas.openxmlformats.org/officeDocument/2006/customXml" ds:itemID="{8140E5F8-1399-4596-AA73-4BD79D26AFFD}">
-  <ds:schemaRefs>
-    <ds:schemaRef ds:uri="http://schemas.microsoft.com/office/2006/metadata/properties"/>
-    <ds:schemaRef ds:uri="http://www.w3.org/XML/1998/namespace"/>
-    <ds:schemaRef ds:uri="8e78c812-0be8-4f61-8186-a9387d596735"/>
-    <ds:schemaRef ds:uri="http://purl.org/dc/elements/1.1/"/>
-    <ds:schemaRef ds:uri="http://schemas.openxmlformats.org/package/2006/metadata/core-properties"/>
-    <ds:schemaRef ds:uri="http://schemas.microsoft.com/office/2006/documentManagement/types"/>
-    <ds:schemaRef ds:uri="http://purl.org/dc/dcmitype/"/>
-    <ds:schemaRef ds:uri="http://purl.org/dc/terms/"/>
-    <ds:schemaRef ds:uri="http://schemas.microsoft.com/office/infopath/2007/PartnerControls"/>
-    <ds:schemaRef ds:uri="8a969d1d-647f-4e4c-97f9-a5143e71e435"/>
-    <ds:schemaRef ds:uri="eb37a4e0-bf89-419d-8b31-963a97458fb1"/>
-  </ds:schemaRefs>
-</ds:datastoreItem>
-</file>
-
-<file path=customXml/itemProps3.xml><?xml version="1.0" encoding="utf-8"?>
 <ds:datastoreItem xmlns:ds="http://schemas.openxmlformats.org/officeDocument/2006/customXml" ds:itemID="{40976E10-D540-4F0D-B7ED-DE660C408BCB}">
   <ds:schemaRefs>
     <ds:schemaRef ds:uri="http://schemas.microsoft.com/office/2006/metadata/contentType"/>
@@ -47983,6 +47976,24 @@
 </ds:datastoreItem>
 </file>
 
+<file path=customXml/itemProps3.xml><?xml version="1.0" encoding="utf-8"?>
+<ds:datastoreItem xmlns:ds="http://schemas.openxmlformats.org/officeDocument/2006/customXml" ds:itemID="{8140E5F8-1399-4596-AA73-4BD79D26AFFD}">
+  <ds:schemaRefs>
+    <ds:schemaRef ds:uri="http://schemas.microsoft.com/office/2006/metadata/properties"/>
+    <ds:schemaRef ds:uri="http://www.w3.org/XML/1998/namespace"/>
+    <ds:schemaRef ds:uri="8e78c812-0be8-4f61-8186-a9387d596735"/>
+    <ds:schemaRef ds:uri="http://purl.org/dc/elements/1.1/"/>
+    <ds:schemaRef ds:uri="http://schemas.openxmlformats.org/package/2006/metadata/core-properties"/>
+    <ds:schemaRef ds:uri="http://schemas.microsoft.com/office/2006/documentManagement/types"/>
+    <ds:schemaRef ds:uri="http://purl.org/dc/dcmitype/"/>
+    <ds:schemaRef ds:uri="http://purl.org/dc/terms/"/>
+    <ds:schemaRef ds:uri="http://schemas.microsoft.com/office/infopath/2007/PartnerControls"/>
+    <ds:schemaRef ds:uri="8a969d1d-647f-4e4c-97f9-a5143e71e435"/>
+    <ds:schemaRef ds:uri="eb37a4e0-bf89-419d-8b31-963a97458fb1"/>
+  </ds:schemaRefs>
+</ds:datastoreItem>
+</file>
+
 <file path=docMetadata/LabelInfo.xml><?xml version="1.0" encoding="utf-8"?>
 <clbl:labelList xmlns:clbl="http://schemas.microsoft.com/office/2020/mipLabelMetadata">
   <clbl:label id="{2b5a89e7-01bf-42ed-9da1-669d82eec17a}" enabled="0" method="" siteId="{2b5a89e7-01bf-42ed-9da1-669d82eec17a}" removed="1"/>

--- a/client.pptx
+++ b/client.pptx
@@ -681,9 +681,9 @@
               <a:lstStyle/>
               <a:p>
                 <a:pPr>
-                  <a:defRPr sz="1200" b="0" i="0" u="none" strike="noStrike" kern="1200" baseline="0">
+                  <a:defRPr sz="1200" b="1" i="0" u="none" strike="noStrike" kern="1200" baseline="0">
                     <a:solidFill>
-                      <a:schemeClr val="bg2"/>
+                      <a:schemeClr val="accent6"/>
                     </a:solidFill>
                     <a:latin typeface="+mn-lt"/>
                     <a:ea typeface="+mn-ea"/>
@@ -45508,7 +45508,7 @@
           <p:nvPr>
             <p:extLst>
               <p:ext uri="{D42A27DB-BD31-4B8C-83A1-F6EECF244321}">
-                <p14:modId xmlns:p14="http://schemas.microsoft.com/office/powerpoint/2010/main" val="2010864674"/>
+                <p14:modId xmlns:p14="http://schemas.microsoft.com/office/powerpoint/2010/main" val="3081728319"/>
               </p:ext>
             </p:extLst>
           </p:nvPr>
@@ -47744,6 +47744,17 @@
 </file>
 
 <file path=customXml/item2.xml><?xml version="1.0" encoding="utf-8"?>
+<p:properties xmlns:p="http://schemas.microsoft.com/office/2006/metadata/properties" xmlns:xsi="http://www.w3.org/2001/XMLSchema-instance" xmlns:pc="http://schemas.microsoft.com/office/infopath/2007/PartnerControls">
+  <documentManagement>
+    <lcf76f155ced4ddcb4097134ff3c332f xmlns="8a969d1d-647f-4e4c-97f9-a5143e71e435">
+      <Terms xmlns="http://schemas.microsoft.com/office/infopath/2007/PartnerControls"/>
+    </lcf76f155ced4ddcb4097134ff3c332f>
+    <TaxCatchAll xmlns="eb37a4e0-bf89-419d-8b31-963a97458fb1" xsi:nil="true"/>
+  </documentManagement>
+</p:properties>
+</file>
+
+<file path=customXml/item3.xml><?xml version="1.0" encoding="utf-8"?>
 <ct:contentTypeSchema xmlns:ct="http://schemas.microsoft.com/office/2006/metadata/contentType" xmlns:ma="http://schemas.microsoft.com/office/2006/metadata/properties/metaAttributes" ct:_="" ma:_="" ma:contentTypeName="Belge" ma:contentTypeID="0x010100FC2ADAF580B8A648AEA7FF4A5F3D65E6" ma:contentTypeVersion="11" ma:contentTypeDescription="Yeni belge oluşturun." ma:contentTypeScope="" ma:versionID="56f870f08e2d08b2b10344f12fd261be">
   <xsd:schema xmlns:xsd="http://www.w3.org/2001/XMLSchema" xmlns:xs="http://www.w3.org/2001/XMLSchema" xmlns:p="http://schemas.microsoft.com/office/2006/metadata/properties" xmlns:ns2="8a969d1d-647f-4e4c-97f9-a5143e71e435" xmlns:ns3="eb37a4e0-bf89-419d-8b31-963a97458fb1" targetNamespace="http://schemas.microsoft.com/office/2006/metadata/properties" ma:root="true" ma:fieldsID="699557ddf8cd53ad766f89e119cd6fad" ns2:_="" ns3:_="">
     <xsd:import namespace="8a969d1d-647f-4e4c-97f9-a5143e71e435"/>
@@ -47938,17 +47949,6 @@
 </ct:contentTypeSchema>
 </file>
 
-<file path=customXml/item3.xml><?xml version="1.0" encoding="utf-8"?>
-<p:properties xmlns:p="http://schemas.microsoft.com/office/2006/metadata/properties" xmlns:xsi="http://www.w3.org/2001/XMLSchema-instance" xmlns:pc="http://schemas.microsoft.com/office/infopath/2007/PartnerControls">
-  <documentManagement>
-    <lcf76f155ced4ddcb4097134ff3c332f xmlns="8a969d1d-647f-4e4c-97f9-a5143e71e435">
-      <Terms xmlns="http://schemas.microsoft.com/office/infopath/2007/PartnerControls"/>
-    </lcf76f155ced4ddcb4097134ff3c332f>
-    <TaxCatchAll xmlns="eb37a4e0-bf89-419d-8b31-963a97458fb1" xsi:nil="true"/>
-  </documentManagement>
-</p:properties>
-</file>
-
 <file path=customXml/itemProps1.xml><?xml version="1.0" encoding="utf-8"?>
 <ds:datastoreItem xmlns:ds="http://schemas.openxmlformats.org/officeDocument/2006/customXml" ds:itemID="{953B4D23-82FF-4812-9F4E-BB600331C634}">
   <ds:schemaRefs>
@@ -47958,6 +47958,24 @@
 </file>
 
 <file path=customXml/itemProps2.xml><?xml version="1.0" encoding="utf-8"?>
+<ds:datastoreItem xmlns:ds="http://schemas.openxmlformats.org/officeDocument/2006/customXml" ds:itemID="{8140E5F8-1399-4596-AA73-4BD79D26AFFD}">
+  <ds:schemaRefs>
+    <ds:schemaRef ds:uri="http://schemas.microsoft.com/office/2006/metadata/properties"/>
+    <ds:schemaRef ds:uri="http://www.w3.org/XML/1998/namespace"/>
+    <ds:schemaRef ds:uri="8e78c812-0be8-4f61-8186-a9387d596735"/>
+    <ds:schemaRef ds:uri="http://purl.org/dc/elements/1.1/"/>
+    <ds:schemaRef ds:uri="http://schemas.openxmlformats.org/package/2006/metadata/core-properties"/>
+    <ds:schemaRef ds:uri="http://schemas.microsoft.com/office/2006/documentManagement/types"/>
+    <ds:schemaRef ds:uri="http://purl.org/dc/dcmitype/"/>
+    <ds:schemaRef ds:uri="http://purl.org/dc/terms/"/>
+    <ds:schemaRef ds:uri="http://schemas.microsoft.com/office/infopath/2007/PartnerControls"/>
+    <ds:schemaRef ds:uri="8a969d1d-647f-4e4c-97f9-a5143e71e435"/>
+    <ds:schemaRef ds:uri="eb37a4e0-bf89-419d-8b31-963a97458fb1"/>
+  </ds:schemaRefs>
+</ds:datastoreItem>
+</file>
+
+<file path=customXml/itemProps3.xml><?xml version="1.0" encoding="utf-8"?>
 <ds:datastoreItem xmlns:ds="http://schemas.openxmlformats.org/officeDocument/2006/customXml" ds:itemID="{40976E10-D540-4F0D-B7ED-DE660C408BCB}">
   <ds:schemaRefs>
     <ds:schemaRef ds:uri="http://schemas.microsoft.com/office/2006/metadata/contentType"/>
@@ -47976,24 +47994,6 @@
 </ds:datastoreItem>
 </file>
 
-<file path=customXml/itemProps3.xml><?xml version="1.0" encoding="utf-8"?>
-<ds:datastoreItem xmlns:ds="http://schemas.openxmlformats.org/officeDocument/2006/customXml" ds:itemID="{8140E5F8-1399-4596-AA73-4BD79D26AFFD}">
-  <ds:schemaRefs>
-    <ds:schemaRef ds:uri="http://schemas.microsoft.com/office/2006/metadata/properties"/>
-    <ds:schemaRef ds:uri="http://www.w3.org/XML/1998/namespace"/>
-    <ds:schemaRef ds:uri="8e78c812-0be8-4f61-8186-a9387d596735"/>
-    <ds:schemaRef ds:uri="http://purl.org/dc/elements/1.1/"/>
-    <ds:schemaRef ds:uri="http://schemas.openxmlformats.org/package/2006/metadata/core-properties"/>
-    <ds:schemaRef ds:uri="http://schemas.microsoft.com/office/2006/documentManagement/types"/>
-    <ds:schemaRef ds:uri="http://purl.org/dc/dcmitype/"/>
-    <ds:schemaRef ds:uri="http://purl.org/dc/terms/"/>
-    <ds:schemaRef ds:uri="http://schemas.microsoft.com/office/infopath/2007/PartnerControls"/>
-    <ds:schemaRef ds:uri="8a969d1d-647f-4e4c-97f9-a5143e71e435"/>
-    <ds:schemaRef ds:uri="eb37a4e0-bf89-419d-8b31-963a97458fb1"/>
-  </ds:schemaRefs>
-</ds:datastoreItem>
-</file>
-
 <file path=docMetadata/LabelInfo.xml><?xml version="1.0" encoding="utf-8"?>
 <clbl:labelList xmlns:clbl="http://schemas.microsoft.com/office/2020/mipLabelMetadata">
   <clbl:label id="{2b5a89e7-01bf-42ed-9da1-669d82eec17a}" enabled="0" method="" siteId="{2b5a89e7-01bf-42ed-9da1-669d82eec17a}" removed="1"/>

--- a/client.pptx
+++ b/client.pptx
@@ -41410,7 +41410,6 @@
             </a:bodyPr>
             <a:lstStyle/>
             <a:p>
-              <a:pPr algn="ctr"/>
               <a:r>
                 <a:rPr lang="en-GB" sz="2400" b="1" dirty="0">
                   <a:solidFill>
@@ -43298,7 +43297,6 @@
             </a:bodyPr>
             <a:lstStyle/>
             <a:p>
-              <a:pPr algn="ctr"/>
               <a:r>
                 <a:rPr lang="en-GB" sz="2400" b="1" dirty="0">
                   <a:solidFill>
@@ -45307,7 +45305,6 @@
             </a:bodyPr>
             <a:lstStyle/>
             <a:p>
-              <a:pPr algn="ctr"/>
               <a:r>
                 <a:rPr lang="en-GB" sz="2400" b="1" dirty="0">
                   <a:solidFill>
@@ -45331,7 +45328,7 @@
                 <a:t>valmspi</a:t>
               </a:r>
               <a:r>
-                <a:rPr lang="en-GB" sz="2400" b="1" dirty="0">
+                <a:rPr lang="tr-TR" sz="2400" b="1" dirty="0">
                   <a:solidFill>
                     <a:schemeClr val="accent6"/>
                   </a:solidFill>
@@ -47744,17 +47741,6 @@
 </file>
 
 <file path=customXml/item2.xml><?xml version="1.0" encoding="utf-8"?>
-<p:properties xmlns:p="http://schemas.microsoft.com/office/2006/metadata/properties" xmlns:xsi="http://www.w3.org/2001/XMLSchema-instance" xmlns:pc="http://schemas.microsoft.com/office/infopath/2007/PartnerControls">
-  <documentManagement>
-    <lcf76f155ced4ddcb4097134ff3c332f xmlns="8a969d1d-647f-4e4c-97f9-a5143e71e435">
-      <Terms xmlns="http://schemas.microsoft.com/office/infopath/2007/PartnerControls"/>
-    </lcf76f155ced4ddcb4097134ff3c332f>
-    <TaxCatchAll xmlns="eb37a4e0-bf89-419d-8b31-963a97458fb1" xsi:nil="true"/>
-  </documentManagement>
-</p:properties>
-</file>
-
-<file path=customXml/item3.xml><?xml version="1.0" encoding="utf-8"?>
 <ct:contentTypeSchema xmlns:ct="http://schemas.microsoft.com/office/2006/metadata/contentType" xmlns:ma="http://schemas.microsoft.com/office/2006/metadata/properties/metaAttributes" ct:_="" ma:_="" ma:contentTypeName="Belge" ma:contentTypeID="0x010100FC2ADAF580B8A648AEA7FF4A5F3D65E6" ma:contentTypeVersion="11" ma:contentTypeDescription="Yeni belge oluşturun." ma:contentTypeScope="" ma:versionID="56f870f08e2d08b2b10344f12fd261be">
   <xsd:schema xmlns:xsd="http://www.w3.org/2001/XMLSchema" xmlns:xs="http://www.w3.org/2001/XMLSchema" xmlns:p="http://schemas.microsoft.com/office/2006/metadata/properties" xmlns:ns2="8a969d1d-647f-4e4c-97f9-a5143e71e435" xmlns:ns3="eb37a4e0-bf89-419d-8b31-963a97458fb1" targetNamespace="http://schemas.microsoft.com/office/2006/metadata/properties" ma:root="true" ma:fieldsID="699557ddf8cd53ad766f89e119cd6fad" ns2:_="" ns3:_="">
     <xsd:import namespace="8a969d1d-647f-4e4c-97f9-a5143e71e435"/>
@@ -47949,6 +47935,17 @@
 </ct:contentTypeSchema>
 </file>
 
+<file path=customXml/item3.xml><?xml version="1.0" encoding="utf-8"?>
+<p:properties xmlns:p="http://schemas.microsoft.com/office/2006/metadata/properties" xmlns:xsi="http://www.w3.org/2001/XMLSchema-instance" xmlns:pc="http://schemas.microsoft.com/office/infopath/2007/PartnerControls">
+  <documentManagement>
+    <lcf76f155ced4ddcb4097134ff3c332f xmlns="8a969d1d-647f-4e4c-97f9-a5143e71e435">
+      <Terms xmlns="http://schemas.microsoft.com/office/infopath/2007/PartnerControls"/>
+    </lcf76f155ced4ddcb4097134ff3c332f>
+    <TaxCatchAll xmlns="eb37a4e0-bf89-419d-8b31-963a97458fb1" xsi:nil="true"/>
+  </documentManagement>
+</p:properties>
+</file>
+
 <file path=customXml/itemProps1.xml><?xml version="1.0" encoding="utf-8"?>
 <ds:datastoreItem xmlns:ds="http://schemas.openxmlformats.org/officeDocument/2006/customXml" ds:itemID="{953B4D23-82FF-4812-9F4E-BB600331C634}">
   <ds:schemaRefs>
@@ -47958,24 +47955,6 @@
 </file>
 
 <file path=customXml/itemProps2.xml><?xml version="1.0" encoding="utf-8"?>
-<ds:datastoreItem xmlns:ds="http://schemas.openxmlformats.org/officeDocument/2006/customXml" ds:itemID="{8140E5F8-1399-4596-AA73-4BD79D26AFFD}">
-  <ds:schemaRefs>
-    <ds:schemaRef ds:uri="http://schemas.microsoft.com/office/2006/metadata/properties"/>
-    <ds:schemaRef ds:uri="http://www.w3.org/XML/1998/namespace"/>
-    <ds:schemaRef ds:uri="8e78c812-0be8-4f61-8186-a9387d596735"/>
-    <ds:schemaRef ds:uri="http://purl.org/dc/elements/1.1/"/>
-    <ds:schemaRef ds:uri="http://schemas.openxmlformats.org/package/2006/metadata/core-properties"/>
-    <ds:schemaRef ds:uri="http://schemas.microsoft.com/office/2006/documentManagement/types"/>
-    <ds:schemaRef ds:uri="http://purl.org/dc/dcmitype/"/>
-    <ds:schemaRef ds:uri="http://purl.org/dc/terms/"/>
-    <ds:schemaRef ds:uri="http://schemas.microsoft.com/office/infopath/2007/PartnerControls"/>
-    <ds:schemaRef ds:uri="8a969d1d-647f-4e4c-97f9-a5143e71e435"/>
-    <ds:schemaRef ds:uri="eb37a4e0-bf89-419d-8b31-963a97458fb1"/>
-  </ds:schemaRefs>
-</ds:datastoreItem>
-</file>
-
-<file path=customXml/itemProps3.xml><?xml version="1.0" encoding="utf-8"?>
 <ds:datastoreItem xmlns:ds="http://schemas.openxmlformats.org/officeDocument/2006/customXml" ds:itemID="{40976E10-D540-4F0D-B7ED-DE660C408BCB}">
   <ds:schemaRefs>
     <ds:schemaRef ds:uri="http://schemas.microsoft.com/office/2006/metadata/contentType"/>
@@ -47994,6 +47973,24 @@
 </ds:datastoreItem>
 </file>
 
+<file path=customXml/itemProps3.xml><?xml version="1.0" encoding="utf-8"?>
+<ds:datastoreItem xmlns:ds="http://schemas.openxmlformats.org/officeDocument/2006/customXml" ds:itemID="{8140E5F8-1399-4596-AA73-4BD79D26AFFD}">
+  <ds:schemaRefs>
+    <ds:schemaRef ds:uri="http://schemas.microsoft.com/office/2006/metadata/properties"/>
+    <ds:schemaRef ds:uri="http://www.w3.org/XML/1998/namespace"/>
+    <ds:schemaRef ds:uri="8e78c812-0be8-4f61-8186-a9387d596735"/>
+    <ds:schemaRef ds:uri="http://purl.org/dc/elements/1.1/"/>
+    <ds:schemaRef ds:uri="http://schemas.openxmlformats.org/package/2006/metadata/core-properties"/>
+    <ds:schemaRef ds:uri="http://schemas.microsoft.com/office/2006/documentManagement/types"/>
+    <ds:schemaRef ds:uri="http://purl.org/dc/dcmitype/"/>
+    <ds:schemaRef ds:uri="http://purl.org/dc/terms/"/>
+    <ds:schemaRef ds:uri="http://schemas.microsoft.com/office/infopath/2007/PartnerControls"/>
+    <ds:schemaRef ds:uri="8a969d1d-647f-4e4c-97f9-a5143e71e435"/>
+    <ds:schemaRef ds:uri="eb37a4e0-bf89-419d-8b31-963a97458fb1"/>
+  </ds:schemaRefs>
+</ds:datastoreItem>
+</file>
+
 <file path=docMetadata/LabelInfo.xml><?xml version="1.0" encoding="utf-8"?>
 <clbl:labelList xmlns:clbl="http://schemas.microsoft.com/office/2020/mipLabelMetadata">
   <clbl:label id="{2b5a89e7-01bf-42ed-9da1-669d82eec17a}" enabled="0" method="" siteId="{2b5a89e7-01bf-42ed-9da1-669d82eec17a}" removed="1"/>

--- a/client.pptx
+++ b/client.pptx
@@ -39515,10 +39515,10 @@
         </p:nvGrpSpPr>
         <p:grpSpPr>
           <a:xfrm>
-            <a:off x="5155200" y="1508400"/>
-            <a:ext cx="1960575" cy="4157426"/>
-            <a:chOff x="711457" y="1552929"/>
-            <a:chExt cx="1960575" cy="4157426"/>
+            <a:off x="5161620" y="1508400"/>
+            <a:ext cx="1954155" cy="3992216"/>
+            <a:chOff x="717877" y="1552929"/>
+            <a:chExt cx="1954155" cy="3992216"/>
           </a:xfrm>
         </p:grpSpPr>
         <p:sp>
@@ -41396,8 +41396,8 @@
           </p:nvSpPr>
           <p:spPr>
             <a:xfrm>
-              <a:off x="711457" y="5110191"/>
-              <a:ext cx="1905083" cy="600164"/>
+              <a:off x="731282" y="5141952"/>
+              <a:ext cx="1905083" cy="369332"/>
             </a:xfrm>
             <a:prstGeom prst="rect">
               <a:avLst/>
@@ -41411,7 +41411,7 @@
             <a:lstStyle/>
             <a:p>
               <a:r>
-                <a:rPr lang="en-GB" sz="2400" b="1" dirty="0">
+                <a:rPr lang="en-GB" b="1" dirty="0">
                   <a:solidFill>
                     <a:schemeClr val="accent6"/>
                   </a:solidFill>
@@ -41422,7 +41422,7 @@
                 <a:t>£</a:t>
               </a:r>
               <a:r>
-                <a:rPr lang="tr-TR" sz="2400" b="1" dirty="0" err="1">
+                <a:rPr lang="tr-TR" b="1" dirty="0" err="1">
                   <a:solidFill>
                     <a:schemeClr val="accent6"/>
                   </a:solidFill>
@@ -41433,7 +41433,7 @@
                 <a:t>valfqmr</a:t>
               </a:r>
               <a:r>
-                <a:rPr lang="en-GB" sz="2400" b="1" dirty="0">
+                <a:rPr lang="en-GB" b="1" dirty="0">
                   <a:solidFill>
                     <a:schemeClr val="accent6"/>
                   </a:solidFill>
@@ -41472,10 +41472,10 @@
         </p:nvGrpSpPr>
         <p:grpSpPr>
           <a:xfrm>
-            <a:off x="7732800" y="1508400"/>
-            <a:ext cx="1957681" cy="4201867"/>
-            <a:chOff x="7305186" y="1508400"/>
-            <a:chExt cx="1957681" cy="4201867"/>
+            <a:off x="7743855" y="1508400"/>
+            <a:ext cx="1946626" cy="3991330"/>
+            <a:chOff x="7316241" y="1508400"/>
+            <a:chExt cx="1946626" cy="3991330"/>
           </a:xfrm>
         </p:grpSpPr>
         <p:grpSp>
@@ -43283,8 +43283,8 @@
           </p:nvSpPr>
           <p:spPr>
             <a:xfrm>
-              <a:off x="7305186" y="5110103"/>
-              <a:ext cx="1891272" cy="600164"/>
+              <a:off x="7340689" y="5111205"/>
+              <a:ext cx="1891272" cy="369332"/>
             </a:xfrm>
             <a:prstGeom prst="rect">
               <a:avLst/>
@@ -43298,7 +43298,7 @@
             <a:lstStyle/>
             <a:p>
               <a:r>
-                <a:rPr lang="en-GB" sz="2400" b="1" dirty="0">
+                <a:rPr lang="en-GB" b="1" dirty="0">
                   <a:solidFill>
                     <a:schemeClr val="accent6"/>
                   </a:solidFill>
@@ -43309,7 +43309,7 @@
                 <a:t>£</a:t>
               </a:r>
               <a:r>
-                <a:rPr lang="tr-TR" sz="2400" b="1" dirty="0" err="1">
+                <a:rPr lang="tr-TR" b="1" dirty="0" err="1">
                   <a:solidFill>
                     <a:schemeClr val="accent6"/>
                   </a:solidFill>
@@ -43320,7 +43320,7 @@
                 <a:t>valdcap</a:t>
               </a:r>
               <a:r>
-                <a:rPr lang="en-GB" sz="2400" b="1" dirty="0">
+                <a:rPr lang="en-GB" b="1" dirty="0">
                   <a:solidFill>
                     <a:schemeClr val="accent6"/>
                   </a:solidFill>
@@ -43536,9 +43536,9 @@
         <p:grpSpPr>
           <a:xfrm>
             <a:off x="2516400" y="1508400"/>
-            <a:ext cx="2094684" cy="4130066"/>
+            <a:ext cx="2094684" cy="3989816"/>
             <a:chOff x="2932830" y="1573844"/>
-            <a:chExt cx="2094684" cy="4130066"/>
+            <a:chExt cx="2094684" cy="3989816"/>
           </a:xfrm>
         </p:grpSpPr>
         <p:sp>
@@ -45291,8 +45291,8 @@
           </p:nvSpPr>
           <p:spPr>
             <a:xfrm>
-              <a:off x="3080009" y="5103746"/>
-              <a:ext cx="1892974" cy="600164"/>
+              <a:off x="3014751" y="5157583"/>
+              <a:ext cx="1892974" cy="369332"/>
             </a:xfrm>
             <a:prstGeom prst="rect">
               <a:avLst/>
@@ -45306,7 +45306,7 @@
             <a:lstStyle/>
             <a:p>
               <a:r>
-                <a:rPr lang="en-GB" sz="2400" b="1" dirty="0">
+                <a:rPr lang="en-GB" b="1" dirty="0">
                   <a:solidFill>
                     <a:schemeClr val="accent6"/>
                   </a:solidFill>
@@ -45317,7 +45317,7 @@
                 <a:t>£</a:t>
               </a:r>
               <a:r>
-                <a:rPr lang="tr-TR" sz="2400" b="1" dirty="0" err="1">
+                <a:rPr lang="tr-TR" b="1" dirty="0" err="1">
                   <a:solidFill>
                     <a:schemeClr val="accent6"/>
                   </a:solidFill>
@@ -45328,7 +45328,7 @@
                 <a:t>valmspi</a:t>
               </a:r>
               <a:r>
-                <a:rPr lang="tr-TR" sz="2400" b="1" dirty="0">
+                <a:rPr lang="tr-TR" b="1" dirty="0">
                   <a:solidFill>
                     <a:schemeClr val="accent6"/>
                   </a:solidFill>
@@ -47741,6 +47741,17 @@
 </file>
 
 <file path=customXml/item2.xml><?xml version="1.0" encoding="utf-8"?>
+<p:properties xmlns:p="http://schemas.microsoft.com/office/2006/metadata/properties" xmlns:xsi="http://www.w3.org/2001/XMLSchema-instance" xmlns:pc="http://schemas.microsoft.com/office/infopath/2007/PartnerControls">
+  <documentManagement>
+    <lcf76f155ced4ddcb4097134ff3c332f xmlns="8a969d1d-647f-4e4c-97f9-a5143e71e435">
+      <Terms xmlns="http://schemas.microsoft.com/office/infopath/2007/PartnerControls"/>
+    </lcf76f155ced4ddcb4097134ff3c332f>
+    <TaxCatchAll xmlns="eb37a4e0-bf89-419d-8b31-963a97458fb1" xsi:nil="true"/>
+  </documentManagement>
+</p:properties>
+</file>
+
+<file path=customXml/item3.xml><?xml version="1.0" encoding="utf-8"?>
 <ct:contentTypeSchema xmlns:ct="http://schemas.microsoft.com/office/2006/metadata/contentType" xmlns:ma="http://schemas.microsoft.com/office/2006/metadata/properties/metaAttributes" ct:_="" ma:_="" ma:contentTypeName="Belge" ma:contentTypeID="0x010100FC2ADAF580B8A648AEA7FF4A5F3D65E6" ma:contentTypeVersion="11" ma:contentTypeDescription="Yeni belge oluşturun." ma:contentTypeScope="" ma:versionID="56f870f08e2d08b2b10344f12fd261be">
   <xsd:schema xmlns:xsd="http://www.w3.org/2001/XMLSchema" xmlns:xs="http://www.w3.org/2001/XMLSchema" xmlns:p="http://schemas.microsoft.com/office/2006/metadata/properties" xmlns:ns2="8a969d1d-647f-4e4c-97f9-a5143e71e435" xmlns:ns3="eb37a4e0-bf89-419d-8b31-963a97458fb1" targetNamespace="http://schemas.microsoft.com/office/2006/metadata/properties" ma:root="true" ma:fieldsID="699557ddf8cd53ad766f89e119cd6fad" ns2:_="" ns3:_="">
     <xsd:import namespace="8a969d1d-647f-4e4c-97f9-a5143e71e435"/>
@@ -47935,17 +47946,6 @@
 </ct:contentTypeSchema>
 </file>
 
-<file path=customXml/item3.xml><?xml version="1.0" encoding="utf-8"?>
-<p:properties xmlns:p="http://schemas.microsoft.com/office/2006/metadata/properties" xmlns:xsi="http://www.w3.org/2001/XMLSchema-instance" xmlns:pc="http://schemas.microsoft.com/office/infopath/2007/PartnerControls">
-  <documentManagement>
-    <lcf76f155ced4ddcb4097134ff3c332f xmlns="8a969d1d-647f-4e4c-97f9-a5143e71e435">
-      <Terms xmlns="http://schemas.microsoft.com/office/infopath/2007/PartnerControls"/>
-    </lcf76f155ced4ddcb4097134ff3c332f>
-    <TaxCatchAll xmlns="eb37a4e0-bf89-419d-8b31-963a97458fb1" xsi:nil="true"/>
-  </documentManagement>
-</p:properties>
-</file>
-
 <file path=customXml/itemProps1.xml><?xml version="1.0" encoding="utf-8"?>
 <ds:datastoreItem xmlns:ds="http://schemas.openxmlformats.org/officeDocument/2006/customXml" ds:itemID="{953B4D23-82FF-4812-9F4E-BB600331C634}">
   <ds:schemaRefs>
@@ -47955,6 +47955,24 @@
 </file>
 
 <file path=customXml/itemProps2.xml><?xml version="1.0" encoding="utf-8"?>
+<ds:datastoreItem xmlns:ds="http://schemas.openxmlformats.org/officeDocument/2006/customXml" ds:itemID="{8140E5F8-1399-4596-AA73-4BD79D26AFFD}">
+  <ds:schemaRefs>
+    <ds:schemaRef ds:uri="http://schemas.microsoft.com/office/2006/metadata/properties"/>
+    <ds:schemaRef ds:uri="http://www.w3.org/XML/1998/namespace"/>
+    <ds:schemaRef ds:uri="8e78c812-0be8-4f61-8186-a9387d596735"/>
+    <ds:schemaRef ds:uri="http://purl.org/dc/elements/1.1/"/>
+    <ds:schemaRef ds:uri="http://schemas.openxmlformats.org/package/2006/metadata/core-properties"/>
+    <ds:schemaRef ds:uri="http://schemas.microsoft.com/office/2006/documentManagement/types"/>
+    <ds:schemaRef ds:uri="http://purl.org/dc/dcmitype/"/>
+    <ds:schemaRef ds:uri="http://purl.org/dc/terms/"/>
+    <ds:schemaRef ds:uri="http://schemas.microsoft.com/office/infopath/2007/PartnerControls"/>
+    <ds:schemaRef ds:uri="8a969d1d-647f-4e4c-97f9-a5143e71e435"/>
+    <ds:schemaRef ds:uri="eb37a4e0-bf89-419d-8b31-963a97458fb1"/>
+  </ds:schemaRefs>
+</ds:datastoreItem>
+</file>
+
+<file path=customXml/itemProps3.xml><?xml version="1.0" encoding="utf-8"?>
 <ds:datastoreItem xmlns:ds="http://schemas.openxmlformats.org/officeDocument/2006/customXml" ds:itemID="{40976E10-D540-4F0D-B7ED-DE660C408BCB}">
   <ds:schemaRefs>
     <ds:schemaRef ds:uri="http://schemas.microsoft.com/office/2006/metadata/contentType"/>
@@ -47973,24 +47991,6 @@
 </ds:datastoreItem>
 </file>
 
-<file path=customXml/itemProps3.xml><?xml version="1.0" encoding="utf-8"?>
-<ds:datastoreItem xmlns:ds="http://schemas.openxmlformats.org/officeDocument/2006/customXml" ds:itemID="{8140E5F8-1399-4596-AA73-4BD79D26AFFD}">
-  <ds:schemaRefs>
-    <ds:schemaRef ds:uri="http://schemas.microsoft.com/office/2006/metadata/properties"/>
-    <ds:schemaRef ds:uri="http://www.w3.org/XML/1998/namespace"/>
-    <ds:schemaRef ds:uri="8e78c812-0be8-4f61-8186-a9387d596735"/>
-    <ds:schemaRef ds:uri="http://purl.org/dc/elements/1.1/"/>
-    <ds:schemaRef ds:uri="http://schemas.openxmlformats.org/package/2006/metadata/core-properties"/>
-    <ds:schemaRef ds:uri="http://schemas.microsoft.com/office/2006/documentManagement/types"/>
-    <ds:schemaRef ds:uri="http://purl.org/dc/dcmitype/"/>
-    <ds:schemaRef ds:uri="http://purl.org/dc/terms/"/>
-    <ds:schemaRef ds:uri="http://schemas.microsoft.com/office/infopath/2007/PartnerControls"/>
-    <ds:schemaRef ds:uri="8a969d1d-647f-4e4c-97f9-a5143e71e435"/>
-    <ds:schemaRef ds:uri="eb37a4e0-bf89-419d-8b31-963a97458fb1"/>
-  </ds:schemaRefs>
-</ds:datastoreItem>
-</file>
-
 <file path=docMetadata/LabelInfo.xml><?xml version="1.0" encoding="utf-8"?>
 <clbl:labelList xmlns:clbl="http://schemas.microsoft.com/office/2020/mipLabelMetadata">
   <clbl:label id="{2b5a89e7-01bf-42ed-9da1-669d82eec17a}" enabled="0" method="" siteId="{2b5a89e7-01bf-42ed-9da1-669d82eec17a}" removed="1"/>

--- a/client.pptx
+++ b/client.pptx
@@ -41410,6 +41410,7 @@
             </a:bodyPr>
             <a:lstStyle/>
             <a:p>
+              <a:pPr algn="ctr"/>
               <a:r>
                 <a:rPr lang="en-GB" b="1" dirty="0">
                   <a:solidFill>
@@ -43297,6 +43298,7 @@
             </a:bodyPr>
             <a:lstStyle/>
             <a:p>
+              <a:pPr algn="ctr"/>
               <a:r>
                 <a:rPr lang="en-GB" b="1" dirty="0">
                   <a:solidFill>
@@ -45305,6 +45307,7 @@
             </a:bodyPr>
             <a:lstStyle/>
             <a:p>
+              <a:pPr algn="ctr"/>
               <a:r>
                 <a:rPr lang="en-GB" b="1" dirty="0">
                   <a:solidFill>
@@ -47741,17 +47744,6 @@
 </file>
 
 <file path=customXml/item2.xml><?xml version="1.0" encoding="utf-8"?>
-<p:properties xmlns:p="http://schemas.microsoft.com/office/2006/metadata/properties" xmlns:xsi="http://www.w3.org/2001/XMLSchema-instance" xmlns:pc="http://schemas.microsoft.com/office/infopath/2007/PartnerControls">
-  <documentManagement>
-    <lcf76f155ced4ddcb4097134ff3c332f xmlns="8a969d1d-647f-4e4c-97f9-a5143e71e435">
-      <Terms xmlns="http://schemas.microsoft.com/office/infopath/2007/PartnerControls"/>
-    </lcf76f155ced4ddcb4097134ff3c332f>
-    <TaxCatchAll xmlns="eb37a4e0-bf89-419d-8b31-963a97458fb1" xsi:nil="true"/>
-  </documentManagement>
-</p:properties>
-</file>
-
-<file path=customXml/item3.xml><?xml version="1.0" encoding="utf-8"?>
 <ct:contentTypeSchema xmlns:ct="http://schemas.microsoft.com/office/2006/metadata/contentType" xmlns:ma="http://schemas.microsoft.com/office/2006/metadata/properties/metaAttributes" ct:_="" ma:_="" ma:contentTypeName="Belge" ma:contentTypeID="0x010100FC2ADAF580B8A648AEA7FF4A5F3D65E6" ma:contentTypeVersion="11" ma:contentTypeDescription="Yeni belge oluşturun." ma:contentTypeScope="" ma:versionID="56f870f08e2d08b2b10344f12fd261be">
   <xsd:schema xmlns:xsd="http://www.w3.org/2001/XMLSchema" xmlns:xs="http://www.w3.org/2001/XMLSchema" xmlns:p="http://schemas.microsoft.com/office/2006/metadata/properties" xmlns:ns2="8a969d1d-647f-4e4c-97f9-a5143e71e435" xmlns:ns3="eb37a4e0-bf89-419d-8b31-963a97458fb1" targetNamespace="http://schemas.microsoft.com/office/2006/metadata/properties" ma:root="true" ma:fieldsID="699557ddf8cd53ad766f89e119cd6fad" ns2:_="" ns3:_="">
     <xsd:import namespace="8a969d1d-647f-4e4c-97f9-a5143e71e435"/>
@@ -47946,6 +47938,17 @@
 </ct:contentTypeSchema>
 </file>
 
+<file path=customXml/item3.xml><?xml version="1.0" encoding="utf-8"?>
+<p:properties xmlns:p="http://schemas.microsoft.com/office/2006/metadata/properties" xmlns:xsi="http://www.w3.org/2001/XMLSchema-instance" xmlns:pc="http://schemas.microsoft.com/office/infopath/2007/PartnerControls">
+  <documentManagement>
+    <lcf76f155ced4ddcb4097134ff3c332f xmlns="8a969d1d-647f-4e4c-97f9-a5143e71e435">
+      <Terms xmlns="http://schemas.microsoft.com/office/infopath/2007/PartnerControls"/>
+    </lcf76f155ced4ddcb4097134ff3c332f>
+    <TaxCatchAll xmlns="eb37a4e0-bf89-419d-8b31-963a97458fb1" xsi:nil="true"/>
+  </documentManagement>
+</p:properties>
+</file>
+
 <file path=customXml/itemProps1.xml><?xml version="1.0" encoding="utf-8"?>
 <ds:datastoreItem xmlns:ds="http://schemas.openxmlformats.org/officeDocument/2006/customXml" ds:itemID="{953B4D23-82FF-4812-9F4E-BB600331C634}">
   <ds:schemaRefs>
@@ -47955,24 +47958,6 @@
 </file>
 
 <file path=customXml/itemProps2.xml><?xml version="1.0" encoding="utf-8"?>
-<ds:datastoreItem xmlns:ds="http://schemas.openxmlformats.org/officeDocument/2006/customXml" ds:itemID="{8140E5F8-1399-4596-AA73-4BD79D26AFFD}">
-  <ds:schemaRefs>
-    <ds:schemaRef ds:uri="http://schemas.microsoft.com/office/2006/metadata/properties"/>
-    <ds:schemaRef ds:uri="http://www.w3.org/XML/1998/namespace"/>
-    <ds:schemaRef ds:uri="8e78c812-0be8-4f61-8186-a9387d596735"/>
-    <ds:schemaRef ds:uri="http://purl.org/dc/elements/1.1/"/>
-    <ds:schemaRef ds:uri="http://schemas.openxmlformats.org/package/2006/metadata/core-properties"/>
-    <ds:schemaRef ds:uri="http://schemas.microsoft.com/office/2006/documentManagement/types"/>
-    <ds:schemaRef ds:uri="http://purl.org/dc/dcmitype/"/>
-    <ds:schemaRef ds:uri="http://purl.org/dc/terms/"/>
-    <ds:schemaRef ds:uri="http://schemas.microsoft.com/office/infopath/2007/PartnerControls"/>
-    <ds:schemaRef ds:uri="8a969d1d-647f-4e4c-97f9-a5143e71e435"/>
-    <ds:schemaRef ds:uri="eb37a4e0-bf89-419d-8b31-963a97458fb1"/>
-  </ds:schemaRefs>
-</ds:datastoreItem>
-</file>
-
-<file path=customXml/itemProps3.xml><?xml version="1.0" encoding="utf-8"?>
 <ds:datastoreItem xmlns:ds="http://schemas.openxmlformats.org/officeDocument/2006/customXml" ds:itemID="{40976E10-D540-4F0D-B7ED-DE660C408BCB}">
   <ds:schemaRefs>
     <ds:schemaRef ds:uri="http://schemas.microsoft.com/office/2006/metadata/contentType"/>
@@ -47991,6 +47976,24 @@
 </ds:datastoreItem>
 </file>
 
+<file path=customXml/itemProps3.xml><?xml version="1.0" encoding="utf-8"?>
+<ds:datastoreItem xmlns:ds="http://schemas.openxmlformats.org/officeDocument/2006/customXml" ds:itemID="{8140E5F8-1399-4596-AA73-4BD79D26AFFD}">
+  <ds:schemaRefs>
+    <ds:schemaRef ds:uri="http://schemas.microsoft.com/office/2006/metadata/properties"/>
+    <ds:schemaRef ds:uri="http://www.w3.org/XML/1998/namespace"/>
+    <ds:schemaRef ds:uri="8e78c812-0be8-4f61-8186-a9387d596735"/>
+    <ds:schemaRef ds:uri="http://purl.org/dc/elements/1.1/"/>
+    <ds:schemaRef ds:uri="http://schemas.openxmlformats.org/package/2006/metadata/core-properties"/>
+    <ds:schemaRef ds:uri="http://schemas.microsoft.com/office/2006/documentManagement/types"/>
+    <ds:schemaRef ds:uri="http://purl.org/dc/dcmitype/"/>
+    <ds:schemaRef ds:uri="http://purl.org/dc/terms/"/>
+    <ds:schemaRef ds:uri="http://schemas.microsoft.com/office/infopath/2007/PartnerControls"/>
+    <ds:schemaRef ds:uri="8a969d1d-647f-4e4c-97f9-a5143e71e435"/>
+    <ds:schemaRef ds:uri="eb37a4e0-bf89-419d-8b31-963a97458fb1"/>
+  </ds:schemaRefs>
+</ds:datastoreItem>
+</file>
+
 <file path=docMetadata/LabelInfo.xml><?xml version="1.0" encoding="utf-8"?>
 <clbl:labelList xmlns:clbl="http://schemas.microsoft.com/office/2020/mipLabelMetadata">
   <clbl:label id="{2b5a89e7-01bf-42ed-9da1-669d82eec17a}" enabled="0" method="" siteId="{2b5a89e7-01bf-42ed-9da1-669d82eec17a}" removed="1"/>

--- a/client.pptx
+++ b/client.pptx
@@ -45356,6 +45356,144 @@
           </p:txBody>
         </p:sp>
       </p:grpSp>
+      <p:sp>
+        <p:nvSpPr>
+          <p:cNvPr id="6" name="TextBox 19">
+            <a:extLst>
+              <a:ext uri="{FF2B5EF4-FFF2-40B4-BE49-F238E27FC236}">
+                <a16:creationId xmlns:a16="http://schemas.microsoft.com/office/drawing/2014/main" id="{28412CB6-8F19-3737-5CD3-797DA027BDCD}"/>
+              </a:ext>
+            </a:extLst>
+          </p:cNvPr>
+          <p:cNvSpPr txBox="1"/>
+          <p:nvPr/>
+        </p:nvSpPr>
+        <p:spPr>
+          <a:xfrm>
+            <a:off x="664160" y="1024377"/>
+            <a:ext cx="10364338" cy="430887"/>
+          </a:xfrm>
+          <a:prstGeom prst="rect">
+            <a:avLst/>
+          </a:prstGeom>
+          <a:noFill/>
+        </p:spPr>
+        <p:txBody>
+          <a:bodyPr wrap="square" rtlCol="0">
+            <a:spAutoFit/>
+          </a:bodyPr>
+          <a:lstStyle>
+            <a:defPPr>
+              <a:defRPr lang="en-US"/>
+            </a:defPPr>
+            <a:lvl1pPr marL="0" algn="l" defTabSz="914400" rtl="0" eaLnBrk="1" latinLnBrk="0" hangingPunct="1">
+              <a:defRPr sz="1800" kern="1200">
+                <a:solidFill>
+                  <a:schemeClr val="tx1"/>
+                </a:solidFill>
+                <a:latin typeface="+mn-lt"/>
+                <a:ea typeface="+mn-ea"/>
+                <a:cs typeface="+mn-cs"/>
+              </a:defRPr>
+            </a:lvl1pPr>
+            <a:lvl2pPr marL="457200" algn="l" defTabSz="914400" rtl="0" eaLnBrk="1" latinLnBrk="0" hangingPunct="1">
+              <a:defRPr sz="1800" kern="1200">
+                <a:solidFill>
+                  <a:schemeClr val="tx1"/>
+                </a:solidFill>
+                <a:latin typeface="+mn-lt"/>
+                <a:ea typeface="+mn-ea"/>
+                <a:cs typeface="+mn-cs"/>
+              </a:defRPr>
+            </a:lvl2pPr>
+            <a:lvl3pPr marL="914400" algn="l" defTabSz="914400" rtl="0" eaLnBrk="1" latinLnBrk="0" hangingPunct="1">
+              <a:defRPr sz="1800" kern="1200">
+                <a:solidFill>
+                  <a:schemeClr val="tx1"/>
+                </a:solidFill>
+                <a:latin typeface="+mn-lt"/>
+                <a:ea typeface="+mn-ea"/>
+                <a:cs typeface="+mn-cs"/>
+              </a:defRPr>
+            </a:lvl3pPr>
+            <a:lvl4pPr marL="1371600" algn="l" defTabSz="914400" rtl="0" eaLnBrk="1" latinLnBrk="0" hangingPunct="1">
+              <a:defRPr sz="1800" kern="1200">
+                <a:solidFill>
+                  <a:schemeClr val="tx1"/>
+                </a:solidFill>
+                <a:latin typeface="+mn-lt"/>
+                <a:ea typeface="+mn-ea"/>
+                <a:cs typeface="+mn-cs"/>
+              </a:defRPr>
+            </a:lvl4pPr>
+            <a:lvl5pPr marL="1828800" algn="l" defTabSz="914400" rtl="0" eaLnBrk="1" latinLnBrk="0" hangingPunct="1">
+              <a:defRPr sz="1800" kern="1200">
+                <a:solidFill>
+                  <a:schemeClr val="tx1"/>
+                </a:solidFill>
+                <a:latin typeface="+mn-lt"/>
+                <a:ea typeface="+mn-ea"/>
+                <a:cs typeface="+mn-cs"/>
+              </a:defRPr>
+            </a:lvl5pPr>
+            <a:lvl6pPr marL="2286000" algn="l" defTabSz="914400" rtl="0" eaLnBrk="1" latinLnBrk="0" hangingPunct="1">
+              <a:defRPr sz="1800" kern="1200">
+                <a:solidFill>
+                  <a:schemeClr val="tx1"/>
+                </a:solidFill>
+                <a:latin typeface="+mn-lt"/>
+                <a:ea typeface="+mn-ea"/>
+                <a:cs typeface="+mn-cs"/>
+              </a:defRPr>
+            </a:lvl6pPr>
+            <a:lvl7pPr marL="2743200" algn="l" defTabSz="914400" rtl="0" eaLnBrk="1" latinLnBrk="0" hangingPunct="1">
+              <a:defRPr sz="1800" kern="1200">
+                <a:solidFill>
+                  <a:schemeClr val="tx1"/>
+                </a:solidFill>
+                <a:latin typeface="+mn-lt"/>
+                <a:ea typeface="+mn-ea"/>
+                <a:cs typeface="+mn-cs"/>
+              </a:defRPr>
+            </a:lvl7pPr>
+            <a:lvl8pPr marL="3200400" algn="l" defTabSz="914400" rtl="0" eaLnBrk="1" latinLnBrk="0" hangingPunct="1">
+              <a:defRPr sz="1800" kern="1200">
+                <a:solidFill>
+                  <a:schemeClr val="tx1"/>
+                </a:solidFill>
+                <a:latin typeface="+mn-lt"/>
+                <a:ea typeface="+mn-ea"/>
+                <a:cs typeface="+mn-cs"/>
+              </a:defRPr>
+            </a:lvl8pPr>
+            <a:lvl9pPr marL="3657600" algn="l" defTabSz="914400" rtl="0" eaLnBrk="1" latinLnBrk="0" hangingPunct="1">
+              <a:defRPr sz="1800" kern="1200">
+                <a:solidFill>
+                  <a:schemeClr val="tx1"/>
+                </a:solidFill>
+                <a:latin typeface="+mn-lt"/>
+                <a:ea typeface="+mn-ea"/>
+                <a:cs typeface="+mn-cs"/>
+              </a:defRPr>
+            </a:lvl9pPr>
+          </a:lstStyle>
+          <a:p>
+            <a:r>
+              <a:rPr lang="en-GB" sz="1100" dirty="0">
+                <a:solidFill>
+                  <a:schemeClr val="tx1">
+                    <a:lumMod val="50000"/>
+                    <a:lumOff val="50000"/>
+                  </a:schemeClr>
+                </a:solidFill>
+                <a:ea typeface="Open Sans" panose="020B0606030504020204" pitchFamily="34" charset="0"/>
+                <a:cs typeface="Open Sans" panose="020B0606030504020204" pitchFamily="34" charset="0"/>
+              </a:rPr>
+              <a:t>The total cost of your current processes are detailed below. For example, if it is taking your team five hours a week to produce business reports or manage queries, the below figures highlight the total current process cost to your business</a:t>
+            </a:r>
+          </a:p>
+        </p:txBody>
+      </p:sp>
     </p:spTree>
     <p:extLst>
       <p:ext uri="{BB962C8B-B14F-4D97-AF65-F5344CB8AC3E}">
@@ -47735,12 +47873,14 @@
 </file>
 
 <file path=customXml/item1.xml><?xml version="1.0" encoding="utf-8"?>
-<?mso-contentType ?>
-<FormTemplates xmlns="http://schemas.microsoft.com/sharepoint/v3/contenttype/forms">
-  <Display>DocumentLibraryForm</Display>
-  <Edit>DocumentLibraryForm</Edit>
-  <New>DocumentLibraryForm</New>
-</FormTemplates>
+<p:properties xmlns:p="http://schemas.microsoft.com/office/2006/metadata/properties" xmlns:xsi="http://www.w3.org/2001/XMLSchema-instance" xmlns:pc="http://schemas.microsoft.com/office/infopath/2007/PartnerControls">
+  <documentManagement>
+    <lcf76f155ced4ddcb4097134ff3c332f xmlns="8a969d1d-647f-4e4c-97f9-a5143e71e435">
+      <Terms xmlns="http://schemas.microsoft.com/office/infopath/2007/PartnerControls"/>
+    </lcf76f155ced4ddcb4097134ff3c332f>
+    <TaxCatchAll xmlns="eb37a4e0-bf89-419d-8b31-963a97458fb1" xsi:nil="true"/>
+  </documentManagement>
+</p:properties>
 </file>
 
 <file path=customXml/item2.xml><?xml version="1.0" encoding="utf-8"?>
@@ -47939,20 +48079,28 @@
 </file>
 
 <file path=customXml/item3.xml><?xml version="1.0" encoding="utf-8"?>
-<p:properties xmlns:p="http://schemas.microsoft.com/office/2006/metadata/properties" xmlns:xsi="http://www.w3.org/2001/XMLSchema-instance" xmlns:pc="http://schemas.microsoft.com/office/infopath/2007/PartnerControls">
-  <documentManagement>
-    <lcf76f155ced4ddcb4097134ff3c332f xmlns="8a969d1d-647f-4e4c-97f9-a5143e71e435">
-      <Terms xmlns="http://schemas.microsoft.com/office/infopath/2007/PartnerControls"/>
-    </lcf76f155ced4ddcb4097134ff3c332f>
-    <TaxCatchAll xmlns="eb37a4e0-bf89-419d-8b31-963a97458fb1" xsi:nil="true"/>
-  </documentManagement>
-</p:properties>
+<?mso-contentType ?>
+<FormTemplates xmlns="http://schemas.microsoft.com/sharepoint/v3/contenttype/forms">
+  <Display>DocumentLibraryForm</Display>
+  <Edit>DocumentLibraryForm</Edit>
+  <New>DocumentLibraryForm</New>
+</FormTemplates>
 </file>
 
 <file path=customXml/itemProps1.xml><?xml version="1.0" encoding="utf-8"?>
-<ds:datastoreItem xmlns:ds="http://schemas.openxmlformats.org/officeDocument/2006/customXml" ds:itemID="{953B4D23-82FF-4812-9F4E-BB600331C634}">
+<ds:datastoreItem xmlns:ds="http://schemas.openxmlformats.org/officeDocument/2006/customXml" ds:itemID="{8140E5F8-1399-4596-AA73-4BD79D26AFFD}">
   <ds:schemaRefs>
-    <ds:schemaRef ds:uri="http://schemas.microsoft.com/sharepoint/v3/contenttype/forms"/>
+    <ds:schemaRef ds:uri="http://schemas.microsoft.com/office/2006/metadata/properties"/>
+    <ds:schemaRef ds:uri="http://www.w3.org/XML/1998/namespace"/>
+    <ds:schemaRef ds:uri="8e78c812-0be8-4f61-8186-a9387d596735"/>
+    <ds:schemaRef ds:uri="http://purl.org/dc/elements/1.1/"/>
+    <ds:schemaRef ds:uri="http://schemas.openxmlformats.org/package/2006/metadata/core-properties"/>
+    <ds:schemaRef ds:uri="http://schemas.microsoft.com/office/2006/documentManagement/types"/>
+    <ds:schemaRef ds:uri="http://purl.org/dc/dcmitype/"/>
+    <ds:schemaRef ds:uri="http://purl.org/dc/terms/"/>
+    <ds:schemaRef ds:uri="http://schemas.microsoft.com/office/infopath/2007/PartnerControls"/>
+    <ds:schemaRef ds:uri="8a969d1d-647f-4e4c-97f9-a5143e71e435"/>
+    <ds:schemaRef ds:uri="eb37a4e0-bf89-419d-8b31-963a97458fb1"/>
   </ds:schemaRefs>
 </ds:datastoreItem>
 </file>
@@ -47977,19 +48125,9 @@
 </file>
 
 <file path=customXml/itemProps3.xml><?xml version="1.0" encoding="utf-8"?>
-<ds:datastoreItem xmlns:ds="http://schemas.openxmlformats.org/officeDocument/2006/customXml" ds:itemID="{8140E5F8-1399-4596-AA73-4BD79D26AFFD}">
+<ds:datastoreItem xmlns:ds="http://schemas.openxmlformats.org/officeDocument/2006/customXml" ds:itemID="{953B4D23-82FF-4812-9F4E-BB600331C634}">
   <ds:schemaRefs>
-    <ds:schemaRef ds:uri="http://schemas.microsoft.com/office/2006/metadata/properties"/>
-    <ds:schemaRef ds:uri="http://www.w3.org/XML/1998/namespace"/>
-    <ds:schemaRef ds:uri="8e78c812-0be8-4f61-8186-a9387d596735"/>
-    <ds:schemaRef ds:uri="http://purl.org/dc/elements/1.1/"/>
-    <ds:schemaRef ds:uri="http://schemas.openxmlformats.org/package/2006/metadata/core-properties"/>
-    <ds:schemaRef ds:uri="http://schemas.microsoft.com/office/2006/documentManagement/types"/>
-    <ds:schemaRef ds:uri="http://purl.org/dc/dcmitype/"/>
-    <ds:schemaRef ds:uri="http://purl.org/dc/terms/"/>
-    <ds:schemaRef ds:uri="http://schemas.microsoft.com/office/infopath/2007/PartnerControls"/>
-    <ds:schemaRef ds:uri="8a969d1d-647f-4e4c-97f9-a5143e71e435"/>
-    <ds:schemaRef ds:uri="eb37a4e0-bf89-419d-8b31-963a97458fb1"/>
+    <ds:schemaRef ds:uri="http://schemas.microsoft.com/sharepoint/v3/contenttype/forms"/>
   </ds:schemaRefs>
 </ds:datastoreItem>
 </file>

--- a/client.pptx
+++ b/client.pptx
@@ -1508,7 +1508,7 @@
           <a:p>
             <a:fld id="{22EE6207-6821-4DAB-B818-E4F4F6AB12F5}" type="datetimeFigureOut">
               <a:rPr lang="en-GB" smtClean="0"/>
-              <a:t>03/12/2024</a:t>
+              <a:t>04/12/2024</a:t>
             </a:fld>
             <a:endParaRPr lang="en-GB"/>
           </a:p>
@@ -1701,7 +1701,7 @@
           <a:p>
             <a:fld id="{5B936EE0-4F6D-274D-8902-95CDFEF84C8C}" type="datetimeFigureOut">
               <a:rPr lang="en-US" smtClean="0"/>
-              <a:t>12/3/2024</a:t>
+              <a:t>12/4/2024</a:t>
             </a:fld>
             <a:endParaRPr lang="en-US"/>
           </a:p>
@@ -2449,7 +2449,7 @@
           <a:p>
             <a:fld id="{98FAEBFC-AF3F-6E47-9766-48C2D7B36252}" type="datetime1">
               <a:rPr lang="en-GB" smtClean="0"/>
-              <a:t>03/12/2024</a:t>
+              <a:t>04/12/2024</a:t>
             </a:fld>
             <a:endParaRPr lang="en-GB"/>
           </a:p>
@@ -2764,7 +2764,7 @@
           <a:p>
             <a:fld id="{C7EFF3D0-6BED-D444-BEB4-872DDA21BA8D}" type="datetime1">
               <a:rPr lang="en-GB" smtClean="0"/>
-              <a:t>03/12/2024</a:t>
+              <a:t>04/12/2024</a:t>
             </a:fld>
             <a:endParaRPr lang="en-US"/>
           </a:p>
@@ -3882,7 +3882,7 @@
           <a:p>
             <a:fld id="{C7EFF3D0-6BED-D444-BEB4-872DDA21BA8D}" type="datetime1">
               <a:rPr lang="en-GB" smtClean="0"/>
-              <a:t>03/12/2024</a:t>
+              <a:t>04/12/2024</a:t>
             </a:fld>
             <a:endParaRPr lang="en-US"/>
           </a:p>
@@ -4349,7 +4349,7 @@
           <a:p>
             <a:fld id="{C7EFF3D0-6BED-D444-BEB4-872DDA21BA8D}" type="datetime1">
               <a:rPr lang="en-GB" smtClean="0"/>
-              <a:t>03/12/2024</a:t>
+              <a:t>04/12/2024</a:t>
             </a:fld>
             <a:endParaRPr lang="en-US"/>
           </a:p>
@@ -5000,7 +5000,7 @@
           <a:p>
             <a:fld id="{C7EFF3D0-6BED-D444-BEB4-872DDA21BA8D}" type="datetime1">
               <a:rPr lang="en-GB" smtClean="0"/>
-              <a:t>03/12/2024</a:t>
+              <a:t>04/12/2024</a:t>
             </a:fld>
             <a:endParaRPr lang="en-US"/>
           </a:p>
@@ -5411,7 +5411,7 @@
           <a:p>
             <a:fld id="{C7EFF3D0-6BED-D444-BEB4-872DDA21BA8D}" type="datetime1">
               <a:rPr lang="en-GB" smtClean="0"/>
-              <a:t>03/12/2024</a:t>
+              <a:t>04/12/2024</a:t>
             </a:fld>
             <a:endParaRPr lang="en-US"/>
           </a:p>
@@ -5912,7 +5912,7 @@
           <a:p>
             <a:fld id="{C7EFF3D0-6BED-D444-BEB4-872DDA21BA8D}" type="datetime1">
               <a:rPr lang="en-GB" smtClean="0"/>
-              <a:t>03/12/2024</a:t>
+              <a:t>04/12/2024</a:t>
             </a:fld>
             <a:endParaRPr lang="en-US"/>
           </a:p>
@@ -6642,7 +6642,7 @@
           <a:p>
             <a:fld id="{C7EFF3D0-6BED-D444-BEB4-872DDA21BA8D}" type="datetime1">
               <a:rPr lang="en-GB" smtClean="0"/>
-              <a:t>03/12/2024</a:t>
+              <a:t>04/12/2024</a:t>
             </a:fld>
             <a:endParaRPr lang="en-US"/>
           </a:p>
@@ -7468,7 +7468,7 @@
           <a:p>
             <a:fld id="{C7EFF3D0-6BED-D444-BEB4-872DDA21BA8D}" type="datetime1">
               <a:rPr lang="en-GB" smtClean="0"/>
-              <a:t>03/12/2024</a:t>
+              <a:t>04/12/2024</a:t>
             </a:fld>
             <a:endParaRPr lang="en-US"/>
           </a:p>
@@ -9491,7 +9491,7 @@
           <a:p>
             <a:fld id="{C7EFF3D0-6BED-D444-BEB4-872DDA21BA8D}" type="datetime1">
               <a:rPr lang="en-GB" smtClean="0"/>
-              <a:t>03/12/2024</a:t>
+              <a:t>04/12/2024</a:t>
             </a:fld>
             <a:endParaRPr lang="en-US"/>
           </a:p>
@@ -10117,7 +10117,7 @@
           <a:p>
             <a:fld id="{C7EFF3D0-6BED-D444-BEB4-872DDA21BA8D}" type="datetime1">
               <a:rPr lang="en-GB" smtClean="0"/>
-              <a:t>03/12/2024</a:t>
+              <a:t>04/12/2024</a:t>
             </a:fld>
             <a:endParaRPr lang="en-US"/>
           </a:p>
@@ -11090,7 +11090,7 @@
           <a:p>
             <a:fld id="{98FAEBFC-AF3F-6E47-9766-48C2D7B36252}" type="datetime1">
               <a:rPr lang="en-GB" smtClean="0"/>
-              <a:t>03/12/2024</a:t>
+              <a:t>04/12/2024</a:t>
             </a:fld>
             <a:endParaRPr lang="en-GB"/>
           </a:p>
@@ -11809,7 +11809,7 @@
           <a:p>
             <a:fld id="{C7EFF3D0-6BED-D444-BEB4-872DDA21BA8D}" type="datetime1">
               <a:rPr lang="en-GB" smtClean="0"/>
-              <a:t>03/12/2024</a:t>
+              <a:t>04/12/2024</a:t>
             </a:fld>
             <a:endParaRPr lang="en-US"/>
           </a:p>
@@ -12629,7 +12629,7 @@
           <a:p>
             <a:fld id="{C7EFF3D0-6BED-D444-BEB4-872DDA21BA8D}" type="datetime1">
               <a:rPr lang="en-GB" smtClean="0"/>
-              <a:t>03/12/2024</a:t>
+              <a:t>04/12/2024</a:t>
             </a:fld>
             <a:endParaRPr lang="en-US"/>
           </a:p>
@@ -13428,7 +13428,7 @@
           <a:p>
             <a:fld id="{C7EFF3D0-6BED-D444-BEB4-872DDA21BA8D}" type="datetime1">
               <a:rPr lang="en-GB" smtClean="0"/>
-              <a:t>03/12/2024</a:t>
+              <a:t>04/12/2024</a:t>
             </a:fld>
             <a:endParaRPr lang="en-US"/>
           </a:p>
@@ -14195,7 +14195,7 @@
           <a:p>
             <a:fld id="{C7EFF3D0-6BED-D444-BEB4-872DDA21BA8D}" type="datetime1">
               <a:rPr lang="en-GB" smtClean="0"/>
-              <a:t>03/12/2024</a:t>
+              <a:t>04/12/2024</a:t>
             </a:fld>
             <a:endParaRPr lang="en-US"/>
           </a:p>
@@ -14762,7 +14762,7 @@
           <a:p>
             <a:fld id="{C7EFF3D0-6BED-D444-BEB4-872DDA21BA8D}" type="datetime1">
               <a:rPr lang="en-GB" smtClean="0"/>
-              <a:t>03/12/2024</a:t>
+              <a:t>04/12/2024</a:t>
             </a:fld>
             <a:endParaRPr lang="en-US"/>
           </a:p>
@@ -15326,7 +15326,7 @@
           <a:p>
             <a:fld id="{C7EFF3D0-6BED-D444-BEB4-872DDA21BA8D}" type="datetime1">
               <a:rPr lang="en-GB" smtClean="0"/>
-              <a:t>03/12/2024</a:t>
+              <a:t>04/12/2024</a:t>
             </a:fld>
             <a:endParaRPr lang="en-US"/>
           </a:p>
@@ -15937,7 +15937,7 @@
           <a:p>
             <a:fld id="{C7EFF3D0-6BED-D444-BEB4-872DDA21BA8D}" type="datetime1">
               <a:rPr lang="en-GB" smtClean="0"/>
-              <a:t>03/12/2024</a:t>
+              <a:t>04/12/2024</a:t>
             </a:fld>
             <a:endParaRPr lang="en-US"/>
           </a:p>
@@ -16673,7 +16673,7 @@
           <a:p>
             <a:fld id="{C7EFF3D0-6BED-D444-BEB4-872DDA21BA8D}" type="datetime1">
               <a:rPr lang="en-GB" smtClean="0"/>
-              <a:t>03/12/2024</a:t>
+              <a:t>04/12/2024</a:t>
             </a:fld>
             <a:endParaRPr lang="en-US"/>
           </a:p>
@@ -17044,7 +17044,7 @@
           <a:p>
             <a:fld id="{C7EFF3D0-6BED-D444-BEB4-872DDA21BA8D}" type="datetime1">
               <a:rPr lang="en-GB" smtClean="0"/>
-              <a:t>03/12/2024</a:t>
+              <a:t>04/12/2024</a:t>
             </a:fld>
             <a:endParaRPr lang="en-US"/>
           </a:p>
@@ -17444,7 +17444,7 @@
           <a:p>
             <a:fld id="{C7EFF3D0-6BED-D444-BEB4-872DDA21BA8D}" type="datetime1">
               <a:rPr lang="en-GB" smtClean="0"/>
-              <a:t>03/12/2024</a:t>
+              <a:t>04/12/2024</a:t>
             </a:fld>
             <a:endParaRPr lang="en-US"/>
           </a:p>
@@ -18442,7 +18442,7 @@
           <a:p>
             <a:fld id="{98FAEBFC-AF3F-6E47-9766-48C2D7B36252}" type="datetime1">
               <a:rPr lang="en-GB" smtClean="0"/>
-              <a:t>03/12/2024</a:t>
+              <a:t>04/12/2024</a:t>
             </a:fld>
             <a:endParaRPr lang="en-GB"/>
           </a:p>
@@ -18996,7 +18996,7 @@
           <a:p>
             <a:fld id="{C7EFF3D0-6BED-D444-BEB4-872DDA21BA8D}" type="datetime1">
               <a:rPr lang="en-GB" smtClean="0"/>
-              <a:t>03/12/2024</a:t>
+              <a:t>04/12/2024</a:t>
             </a:fld>
             <a:endParaRPr lang="en-US"/>
           </a:p>
@@ -19738,7 +19738,7 @@
           <a:p>
             <a:fld id="{C7EFF3D0-6BED-D444-BEB4-872DDA21BA8D}" type="datetime1">
               <a:rPr lang="en-GB" smtClean="0"/>
-              <a:t>03/12/2024</a:t>
+              <a:t>04/12/2024</a:t>
             </a:fld>
             <a:endParaRPr lang="en-US"/>
           </a:p>
@@ -20681,7 +20681,7 @@
           <a:p>
             <a:fld id="{C7EFF3D0-6BED-D444-BEB4-872DDA21BA8D}" type="datetime1">
               <a:rPr lang="en-GB" smtClean="0"/>
-              <a:t>03/12/2024</a:t>
+              <a:t>04/12/2024</a:t>
             </a:fld>
             <a:endParaRPr lang="en-US"/>
           </a:p>
@@ -21237,7 +21237,7 @@
           <a:p>
             <a:fld id="{C7EFF3D0-6BED-D444-BEB4-872DDA21BA8D}" type="datetime1">
               <a:rPr lang="en-GB" smtClean="0"/>
-              <a:t>03/12/2024</a:t>
+              <a:t>04/12/2024</a:t>
             </a:fld>
             <a:endParaRPr lang="en-US"/>
           </a:p>
@@ -21787,7 +21787,7 @@
           <a:p>
             <a:fld id="{C7EFF3D0-6BED-D444-BEB4-872DDA21BA8D}" type="datetime1">
               <a:rPr lang="en-GB" smtClean="0"/>
-              <a:t>03/12/2024</a:t>
+              <a:t>04/12/2024</a:t>
             </a:fld>
             <a:endParaRPr lang="en-US"/>
           </a:p>
@@ -22572,7 +22572,7 @@
           <a:p>
             <a:fld id="{C7EFF3D0-6BED-D444-BEB4-872DDA21BA8D}" type="datetime1">
               <a:rPr lang="en-GB" smtClean="0"/>
-              <a:t>03/12/2024</a:t>
+              <a:t>04/12/2024</a:t>
             </a:fld>
             <a:endParaRPr lang="en-US"/>
           </a:p>
@@ -23336,7 +23336,7 @@
           <a:p>
             <a:fld id="{C7EFF3D0-6BED-D444-BEB4-872DDA21BA8D}" type="datetime1">
               <a:rPr lang="en-GB" smtClean="0"/>
-              <a:t>03/12/2024</a:t>
+              <a:t>04/12/2024</a:t>
             </a:fld>
             <a:endParaRPr lang="en-US"/>
           </a:p>
@@ -24052,7 +24052,7 @@
           <a:p>
             <a:fld id="{C7EFF3D0-6BED-D444-BEB4-872DDA21BA8D}" type="datetime1">
               <a:rPr lang="en-GB" smtClean="0"/>
-              <a:t>03/12/2024</a:t>
+              <a:t>04/12/2024</a:t>
             </a:fld>
             <a:endParaRPr lang="en-US"/>
           </a:p>
@@ -24451,7 +24451,7 @@
           <a:p>
             <a:fld id="{C7EFF3D0-6BED-D444-BEB4-872DDA21BA8D}" type="datetime1">
               <a:rPr lang="en-GB" smtClean="0"/>
-              <a:t>03/12/2024</a:t>
+              <a:t>04/12/2024</a:t>
             </a:fld>
             <a:endParaRPr lang="en-US"/>
           </a:p>
@@ -24763,7 +24763,7 @@
           <a:p>
             <a:fld id="{C7EFF3D0-6BED-D444-BEB4-872DDA21BA8D}" type="datetime1">
               <a:rPr lang="en-GB" smtClean="0"/>
-              <a:t>03/12/2024</a:t>
+              <a:t>04/12/2024</a:t>
             </a:fld>
             <a:endParaRPr lang="en-US"/>
           </a:p>
@@ -25233,7 +25233,7 @@
           <a:p>
             <a:fld id="{D3ECCBB8-735C-914B-8E67-7852CBBDF7EA}" type="datetime1">
               <a:rPr lang="en-GB" smtClean="0"/>
-              <a:t>03/12/2024</a:t>
+              <a:t>04/12/2024</a:t>
             </a:fld>
             <a:endParaRPr lang="en-GB"/>
           </a:p>
@@ -25919,7 +25919,7 @@
           <a:p>
             <a:fld id="{C7EFF3D0-6BED-D444-BEB4-872DDA21BA8D}" type="datetime1">
               <a:rPr lang="en-GB" smtClean="0"/>
-              <a:t>03/12/2024</a:t>
+              <a:t>04/12/2024</a:t>
             </a:fld>
             <a:endParaRPr lang="en-US"/>
           </a:p>
@@ -26192,7 +26192,7 @@
           <a:p>
             <a:fld id="{C7EFF3D0-6BED-D444-BEB4-872DDA21BA8D}" type="datetime1">
               <a:rPr lang="en-GB" smtClean="0"/>
-              <a:t>03/12/2024</a:t>
+              <a:t>04/12/2024</a:t>
             </a:fld>
             <a:endParaRPr lang="en-US"/>
           </a:p>
@@ -26457,7 +26457,7 @@
           <a:p>
             <a:fld id="{C7EFF3D0-6BED-D444-BEB4-872DDA21BA8D}" type="datetime1">
               <a:rPr lang="en-GB" smtClean="0"/>
-              <a:t>03/12/2024</a:t>
+              <a:t>04/12/2024</a:t>
             </a:fld>
             <a:endParaRPr lang="en-US"/>
           </a:p>
@@ -26849,7 +26849,7 @@
           <a:p>
             <a:fld id="{C7EFF3D0-6BED-D444-BEB4-872DDA21BA8D}" type="datetime1">
               <a:rPr lang="en-GB" smtClean="0"/>
-              <a:t>03/12/2024</a:t>
+              <a:t>04/12/2024</a:t>
             </a:fld>
             <a:endParaRPr lang="en-US"/>
           </a:p>
@@ -27241,7 +27241,7 @@
           <a:p>
             <a:fld id="{C7EFF3D0-6BED-D444-BEB4-872DDA21BA8D}" type="datetime1">
               <a:rPr lang="en-GB" smtClean="0"/>
-              <a:t>03/12/2024</a:t>
+              <a:t>04/12/2024</a:t>
             </a:fld>
             <a:endParaRPr lang="en-US"/>
           </a:p>
@@ -28122,7 +28122,7 @@
           <a:p>
             <a:fld id="{C7EFF3D0-6BED-D444-BEB4-872DDA21BA8D}" type="datetime1">
               <a:rPr lang="en-GB" smtClean="0"/>
-              <a:t>03/12/2024</a:t>
+              <a:t>04/12/2024</a:t>
             </a:fld>
             <a:endParaRPr lang="en-US"/>
           </a:p>
@@ -28283,7 +28283,7 @@
           <a:p>
             <a:fld id="{C7EFF3D0-6BED-D444-BEB4-872DDA21BA8D}" type="datetime1">
               <a:rPr lang="en-GB" smtClean="0"/>
-              <a:t>03/12/2024</a:t>
+              <a:t>04/12/2024</a:t>
             </a:fld>
             <a:endParaRPr lang="en-US"/>
           </a:p>
@@ -29040,7 +29040,7 @@
           <a:p>
             <a:fld id="{C7EFF3D0-6BED-D444-BEB4-872DDA21BA8D}" type="datetime1">
               <a:rPr lang="en-GB" smtClean="0"/>
-              <a:t>03/12/2024</a:t>
+              <a:t>04/12/2024</a:t>
             </a:fld>
             <a:endParaRPr lang="en-US"/>
           </a:p>
@@ -29326,7 +29326,7 @@
           <a:p>
             <a:fld id="{C7EFF3D0-6BED-D444-BEB4-872DDA21BA8D}" type="datetime1">
               <a:rPr lang="en-GB" smtClean="0"/>
-              <a:t>03/12/2024</a:t>
+              <a:t>04/12/2024</a:t>
             </a:fld>
             <a:endParaRPr lang="en-US"/>
           </a:p>
@@ -30092,7 +30092,7 @@
           <a:p>
             <a:fld id="{C7EFF3D0-6BED-D444-BEB4-872DDA21BA8D}" type="datetime1">
               <a:rPr lang="en-GB" smtClean="0"/>
-              <a:t>03/12/2024</a:t>
+              <a:t>04/12/2024</a:t>
             </a:fld>
             <a:endParaRPr lang="en-US"/>
           </a:p>
@@ -31015,7 +31015,7 @@
           <a:p>
             <a:fld id="{D3ECCBB8-735C-914B-8E67-7852CBBDF7EA}" type="datetime1">
               <a:rPr lang="en-GB" smtClean="0"/>
-              <a:t>03/12/2024</a:t>
+              <a:t>04/12/2024</a:t>
             </a:fld>
             <a:endParaRPr lang="en-GB"/>
           </a:p>
@@ -31783,7 +31783,7 @@
           <a:p>
             <a:fld id="{C7EFF3D0-6BED-D444-BEB4-872DDA21BA8D}" type="datetime1">
               <a:rPr lang="en-GB" smtClean="0"/>
-              <a:t>03/12/2024</a:t>
+              <a:t>04/12/2024</a:t>
             </a:fld>
             <a:endParaRPr lang="en-US"/>
           </a:p>
@@ -32937,7 +32937,7 @@
           <a:p>
             <a:fld id="{D3ECCBB8-735C-914B-8E67-7852CBBDF7EA}" type="datetime1">
               <a:rPr lang="en-GB" smtClean="0"/>
-              <a:t>03/12/2024</a:t>
+              <a:t>04/12/2024</a:t>
             </a:fld>
             <a:endParaRPr lang="en-GB"/>
           </a:p>
@@ -33883,7 +33883,7 @@
           <a:p>
             <a:fld id="{D3ECCBB8-735C-914B-8E67-7852CBBDF7EA}" type="datetime1">
               <a:rPr lang="en-GB" smtClean="0"/>
-              <a:t>03/12/2024</a:t>
+              <a:t>04/12/2024</a:t>
             </a:fld>
             <a:endParaRPr lang="en-GB"/>
           </a:p>
@@ -34594,7 +34594,7 @@
           <a:p>
             <a:fld id="{C7EFF3D0-6BED-D444-BEB4-872DDA21BA8D}" type="datetime1">
               <a:rPr lang="en-GB" smtClean="0"/>
-              <a:t>03/12/2024</a:t>
+              <a:t>04/12/2024</a:t>
             </a:fld>
             <a:endParaRPr lang="en-US"/>
           </a:p>
@@ -36598,7 +36598,7 @@
           <a:p>
             <a:fld id="{C7EFF3D0-6BED-D444-BEB4-872DDA21BA8D}" type="datetime1">
               <a:rPr lang="en-GB" smtClean="0"/>
-              <a:t>03/12/2024</a:t>
+              <a:t>04/12/2024</a:t>
             </a:fld>
             <a:endParaRPr lang="en-US"/>
           </a:p>
@@ -39703,7 +39703,7 @@
           <a:p>
             <a:fld id="{D63005AE-A14B-7B48-9AF5-01E333747121}" type="datetime1">
               <a:rPr lang="en-GB" smtClean="0"/>
-              <a:t>03/12/2024</a:t>
+              <a:t>04/12/2024</a:t>
             </a:fld>
             <a:endParaRPr lang="en-GB"/>
           </a:p>
@@ -40679,8 +40679,13 @@
           <a:p>
             <a:r>
               <a:rPr lang="en-US" dirty="0"/>
-              <a:t>Submission ID: XXXXXXXXXX</a:t>
-            </a:r>
+              <a:t>Submission ID: </a:t>
+            </a:r>
+            <a:r>
+              <a:rPr lang="tr-TR" dirty="0" err="1"/>
+              <a:t>valsubmissionid</a:t>
+            </a:r>
+            <a:endParaRPr lang="en-US" dirty="0"/>
           </a:p>
         </p:txBody>
       </p:sp>
@@ -46468,7 +46473,7 @@
           <p:nvPr>
             <p:extLst>
               <p:ext uri="{D42A27DB-BD31-4B8C-83A1-F6EECF244321}">
-                <p14:modId xmlns:p14="http://schemas.microsoft.com/office/powerpoint/2010/main" val="2991536935"/>
+                <p14:modId xmlns:p14="http://schemas.microsoft.com/office/powerpoint/2010/main" val="3503386420"/>
               </p:ext>
             </p:extLst>
           </p:nvPr>
@@ -46868,7 +46873,7 @@
                       <a:tailEnd type="none" w="med" len="med"/>
                     </a:lnB>
                     <a:solidFill>
-                      <a:srgbClr val="C00000"/>
+                      <a:srgbClr val="411111"/>
                     </a:solidFill>
                   </a:tcPr>
                 </a:tc>
@@ -47358,7 +47363,7 @@
           <p:nvPr>
             <p:extLst>
               <p:ext uri="{D42A27DB-BD31-4B8C-83A1-F6EECF244321}">
-                <p14:modId xmlns:p14="http://schemas.microsoft.com/office/powerpoint/2010/main" val="679736178"/>
+                <p14:modId xmlns:p14="http://schemas.microsoft.com/office/powerpoint/2010/main" val="2263860349"/>
               </p:ext>
             </p:extLst>
           </p:nvPr>
@@ -47749,7 +47754,7 @@
                       <a:tailEnd type="none" w="med" len="med"/>
                     </a:lnB>
                     <a:solidFill>
-                      <a:srgbClr val="FFC000"/>
+                      <a:srgbClr val="611111"/>
                     </a:solidFill>
                   </a:tcPr>
                 </a:tc>
@@ -48720,7 +48725,7 @@
                       <a:tailEnd type="none" w="med" len="med"/>
                     </a:lnB>
                     <a:solidFill>
-                      <a:srgbClr val="C00000"/>
+                      <a:srgbClr val="711111"/>
                     </a:solidFill>
                   </a:tcPr>
                 </a:tc>

--- a/client.pptx
+++ b/client.pptx
@@ -1508,7 +1508,7 @@
           <a:p>
             <a:fld id="{22EE6207-6821-4DAB-B818-E4F4F6AB12F5}" type="datetimeFigureOut">
               <a:rPr lang="en-GB" smtClean="0"/>
-              <a:t>04/12/2024</a:t>
+              <a:t>05/12/2024</a:t>
             </a:fld>
             <a:endParaRPr lang="en-GB"/>
           </a:p>
@@ -1701,7 +1701,7 @@
           <a:p>
             <a:fld id="{5B936EE0-4F6D-274D-8902-95CDFEF84C8C}" type="datetimeFigureOut">
               <a:rPr lang="en-US" smtClean="0"/>
-              <a:t>12/4/2024</a:t>
+              <a:t>12/5/2024</a:t>
             </a:fld>
             <a:endParaRPr lang="en-US"/>
           </a:p>
@@ -2449,7 +2449,7 @@
           <a:p>
             <a:fld id="{98FAEBFC-AF3F-6E47-9766-48C2D7B36252}" type="datetime1">
               <a:rPr lang="en-GB" smtClean="0"/>
-              <a:t>04/12/2024</a:t>
+              <a:t>05/12/2024</a:t>
             </a:fld>
             <a:endParaRPr lang="en-GB"/>
           </a:p>
@@ -2764,7 +2764,7 @@
           <a:p>
             <a:fld id="{C7EFF3D0-6BED-D444-BEB4-872DDA21BA8D}" type="datetime1">
               <a:rPr lang="en-GB" smtClean="0"/>
-              <a:t>04/12/2024</a:t>
+              <a:t>05/12/2024</a:t>
             </a:fld>
             <a:endParaRPr lang="en-US"/>
           </a:p>
@@ -3882,7 +3882,7 @@
           <a:p>
             <a:fld id="{C7EFF3D0-6BED-D444-BEB4-872DDA21BA8D}" type="datetime1">
               <a:rPr lang="en-GB" smtClean="0"/>
-              <a:t>04/12/2024</a:t>
+              <a:t>05/12/2024</a:t>
             </a:fld>
             <a:endParaRPr lang="en-US"/>
           </a:p>
@@ -4349,7 +4349,7 @@
           <a:p>
             <a:fld id="{C7EFF3D0-6BED-D444-BEB4-872DDA21BA8D}" type="datetime1">
               <a:rPr lang="en-GB" smtClean="0"/>
-              <a:t>04/12/2024</a:t>
+              <a:t>05/12/2024</a:t>
             </a:fld>
             <a:endParaRPr lang="en-US"/>
           </a:p>
@@ -5000,7 +5000,7 @@
           <a:p>
             <a:fld id="{C7EFF3D0-6BED-D444-BEB4-872DDA21BA8D}" type="datetime1">
               <a:rPr lang="en-GB" smtClean="0"/>
-              <a:t>04/12/2024</a:t>
+              <a:t>05/12/2024</a:t>
             </a:fld>
             <a:endParaRPr lang="en-US"/>
           </a:p>
@@ -5411,7 +5411,7 @@
           <a:p>
             <a:fld id="{C7EFF3D0-6BED-D444-BEB4-872DDA21BA8D}" type="datetime1">
               <a:rPr lang="en-GB" smtClean="0"/>
-              <a:t>04/12/2024</a:t>
+              <a:t>05/12/2024</a:t>
             </a:fld>
             <a:endParaRPr lang="en-US"/>
           </a:p>
@@ -5912,7 +5912,7 @@
           <a:p>
             <a:fld id="{C7EFF3D0-6BED-D444-BEB4-872DDA21BA8D}" type="datetime1">
               <a:rPr lang="en-GB" smtClean="0"/>
-              <a:t>04/12/2024</a:t>
+              <a:t>05/12/2024</a:t>
             </a:fld>
             <a:endParaRPr lang="en-US"/>
           </a:p>
@@ -6642,7 +6642,7 @@
           <a:p>
             <a:fld id="{C7EFF3D0-6BED-D444-BEB4-872DDA21BA8D}" type="datetime1">
               <a:rPr lang="en-GB" smtClean="0"/>
-              <a:t>04/12/2024</a:t>
+              <a:t>05/12/2024</a:t>
             </a:fld>
             <a:endParaRPr lang="en-US"/>
           </a:p>
@@ -7468,7 +7468,7 @@
           <a:p>
             <a:fld id="{C7EFF3D0-6BED-D444-BEB4-872DDA21BA8D}" type="datetime1">
               <a:rPr lang="en-GB" smtClean="0"/>
-              <a:t>04/12/2024</a:t>
+              <a:t>05/12/2024</a:t>
             </a:fld>
             <a:endParaRPr lang="en-US"/>
           </a:p>
@@ -9491,7 +9491,7 @@
           <a:p>
             <a:fld id="{C7EFF3D0-6BED-D444-BEB4-872DDA21BA8D}" type="datetime1">
               <a:rPr lang="en-GB" smtClean="0"/>
-              <a:t>04/12/2024</a:t>
+              <a:t>05/12/2024</a:t>
             </a:fld>
             <a:endParaRPr lang="en-US"/>
           </a:p>
@@ -10117,7 +10117,7 @@
           <a:p>
             <a:fld id="{C7EFF3D0-6BED-D444-BEB4-872DDA21BA8D}" type="datetime1">
               <a:rPr lang="en-GB" smtClean="0"/>
-              <a:t>04/12/2024</a:t>
+              <a:t>05/12/2024</a:t>
             </a:fld>
             <a:endParaRPr lang="en-US"/>
           </a:p>
@@ -11090,7 +11090,7 @@
           <a:p>
             <a:fld id="{98FAEBFC-AF3F-6E47-9766-48C2D7B36252}" type="datetime1">
               <a:rPr lang="en-GB" smtClean="0"/>
-              <a:t>04/12/2024</a:t>
+              <a:t>05/12/2024</a:t>
             </a:fld>
             <a:endParaRPr lang="en-GB"/>
           </a:p>
@@ -11809,7 +11809,7 @@
           <a:p>
             <a:fld id="{C7EFF3D0-6BED-D444-BEB4-872DDA21BA8D}" type="datetime1">
               <a:rPr lang="en-GB" smtClean="0"/>
-              <a:t>04/12/2024</a:t>
+              <a:t>05/12/2024</a:t>
             </a:fld>
             <a:endParaRPr lang="en-US"/>
           </a:p>
@@ -12629,7 +12629,7 @@
           <a:p>
             <a:fld id="{C7EFF3D0-6BED-D444-BEB4-872DDA21BA8D}" type="datetime1">
               <a:rPr lang="en-GB" smtClean="0"/>
-              <a:t>04/12/2024</a:t>
+              <a:t>05/12/2024</a:t>
             </a:fld>
             <a:endParaRPr lang="en-US"/>
           </a:p>
@@ -13428,7 +13428,7 @@
           <a:p>
             <a:fld id="{C7EFF3D0-6BED-D444-BEB4-872DDA21BA8D}" type="datetime1">
               <a:rPr lang="en-GB" smtClean="0"/>
-              <a:t>04/12/2024</a:t>
+              <a:t>05/12/2024</a:t>
             </a:fld>
             <a:endParaRPr lang="en-US"/>
           </a:p>
@@ -14195,7 +14195,7 @@
           <a:p>
             <a:fld id="{C7EFF3D0-6BED-D444-BEB4-872DDA21BA8D}" type="datetime1">
               <a:rPr lang="en-GB" smtClean="0"/>
-              <a:t>04/12/2024</a:t>
+              <a:t>05/12/2024</a:t>
             </a:fld>
             <a:endParaRPr lang="en-US"/>
           </a:p>
@@ -14762,7 +14762,7 @@
           <a:p>
             <a:fld id="{C7EFF3D0-6BED-D444-BEB4-872DDA21BA8D}" type="datetime1">
               <a:rPr lang="en-GB" smtClean="0"/>
-              <a:t>04/12/2024</a:t>
+              <a:t>05/12/2024</a:t>
             </a:fld>
             <a:endParaRPr lang="en-US"/>
           </a:p>
@@ -15326,7 +15326,7 @@
           <a:p>
             <a:fld id="{C7EFF3D0-6BED-D444-BEB4-872DDA21BA8D}" type="datetime1">
               <a:rPr lang="en-GB" smtClean="0"/>
-              <a:t>04/12/2024</a:t>
+              <a:t>05/12/2024</a:t>
             </a:fld>
             <a:endParaRPr lang="en-US"/>
           </a:p>
@@ -15937,7 +15937,7 @@
           <a:p>
             <a:fld id="{C7EFF3D0-6BED-D444-BEB4-872DDA21BA8D}" type="datetime1">
               <a:rPr lang="en-GB" smtClean="0"/>
-              <a:t>04/12/2024</a:t>
+              <a:t>05/12/2024</a:t>
             </a:fld>
             <a:endParaRPr lang="en-US"/>
           </a:p>
@@ -16673,7 +16673,7 @@
           <a:p>
             <a:fld id="{C7EFF3D0-6BED-D444-BEB4-872DDA21BA8D}" type="datetime1">
               <a:rPr lang="en-GB" smtClean="0"/>
-              <a:t>04/12/2024</a:t>
+              <a:t>05/12/2024</a:t>
             </a:fld>
             <a:endParaRPr lang="en-US"/>
           </a:p>
@@ -17044,7 +17044,7 @@
           <a:p>
             <a:fld id="{C7EFF3D0-6BED-D444-BEB4-872DDA21BA8D}" type="datetime1">
               <a:rPr lang="en-GB" smtClean="0"/>
-              <a:t>04/12/2024</a:t>
+              <a:t>05/12/2024</a:t>
             </a:fld>
             <a:endParaRPr lang="en-US"/>
           </a:p>
@@ -17444,7 +17444,7 @@
           <a:p>
             <a:fld id="{C7EFF3D0-6BED-D444-BEB4-872DDA21BA8D}" type="datetime1">
               <a:rPr lang="en-GB" smtClean="0"/>
-              <a:t>04/12/2024</a:t>
+              <a:t>05/12/2024</a:t>
             </a:fld>
             <a:endParaRPr lang="en-US"/>
           </a:p>
@@ -18442,7 +18442,7 @@
           <a:p>
             <a:fld id="{98FAEBFC-AF3F-6E47-9766-48C2D7B36252}" type="datetime1">
               <a:rPr lang="en-GB" smtClean="0"/>
-              <a:t>04/12/2024</a:t>
+              <a:t>05/12/2024</a:t>
             </a:fld>
             <a:endParaRPr lang="en-GB"/>
           </a:p>
@@ -18996,7 +18996,7 @@
           <a:p>
             <a:fld id="{C7EFF3D0-6BED-D444-BEB4-872DDA21BA8D}" type="datetime1">
               <a:rPr lang="en-GB" smtClean="0"/>
-              <a:t>04/12/2024</a:t>
+              <a:t>05/12/2024</a:t>
             </a:fld>
             <a:endParaRPr lang="en-US"/>
           </a:p>
@@ -19738,7 +19738,7 @@
           <a:p>
             <a:fld id="{C7EFF3D0-6BED-D444-BEB4-872DDA21BA8D}" type="datetime1">
               <a:rPr lang="en-GB" smtClean="0"/>
-              <a:t>04/12/2024</a:t>
+              <a:t>05/12/2024</a:t>
             </a:fld>
             <a:endParaRPr lang="en-US"/>
           </a:p>
@@ -20681,7 +20681,7 @@
           <a:p>
             <a:fld id="{C7EFF3D0-6BED-D444-BEB4-872DDA21BA8D}" type="datetime1">
               <a:rPr lang="en-GB" smtClean="0"/>
-              <a:t>04/12/2024</a:t>
+              <a:t>05/12/2024</a:t>
             </a:fld>
             <a:endParaRPr lang="en-US"/>
           </a:p>
@@ -21237,7 +21237,7 @@
           <a:p>
             <a:fld id="{C7EFF3D0-6BED-D444-BEB4-872DDA21BA8D}" type="datetime1">
               <a:rPr lang="en-GB" smtClean="0"/>
-              <a:t>04/12/2024</a:t>
+              <a:t>05/12/2024</a:t>
             </a:fld>
             <a:endParaRPr lang="en-US"/>
           </a:p>
@@ -21787,7 +21787,7 @@
           <a:p>
             <a:fld id="{C7EFF3D0-6BED-D444-BEB4-872DDA21BA8D}" type="datetime1">
               <a:rPr lang="en-GB" smtClean="0"/>
-              <a:t>04/12/2024</a:t>
+              <a:t>05/12/2024</a:t>
             </a:fld>
             <a:endParaRPr lang="en-US"/>
           </a:p>
@@ -22572,7 +22572,7 @@
           <a:p>
             <a:fld id="{C7EFF3D0-6BED-D444-BEB4-872DDA21BA8D}" type="datetime1">
               <a:rPr lang="en-GB" smtClean="0"/>
-              <a:t>04/12/2024</a:t>
+              <a:t>05/12/2024</a:t>
             </a:fld>
             <a:endParaRPr lang="en-US"/>
           </a:p>
@@ -23336,7 +23336,7 @@
           <a:p>
             <a:fld id="{C7EFF3D0-6BED-D444-BEB4-872DDA21BA8D}" type="datetime1">
               <a:rPr lang="en-GB" smtClean="0"/>
-              <a:t>04/12/2024</a:t>
+              <a:t>05/12/2024</a:t>
             </a:fld>
             <a:endParaRPr lang="en-US"/>
           </a:p>
@@ -24052,7 +24052,7 @@
           <a:p>
             <a:fld id="{C7EFF3D0-6BED-D444-BEB4-872DDA21BA8D}" type="datetime1">
               <a:rPr lang="en-GB" smtClean="0"/>
-              <a:t>04/12/2024</a:t>
+              <a:t>05/12/2024</a:t>
             </a:fld>
             <a:endParaRPr lang="en-US"/>
           </a:p>
@@ -24451,7 +24451,7 @@
           <a:p>
             <a:fld id="{C7EFF3D0-6BED-D444-BEB4-872DDA21BA8D}" type="datetime1">
               <a:rPr lang="en-GB" smtClean="0"/>
-              <a:t>04/12/2024</a:t>
+              <a:t>05/12/2024</a:t>
             </a:fld>
             <a:endParaRPr lang="en-US"/>
           </a:p>
@@ -24763,7 +24763,7 @@
           <a:p>
             <a:fld id="{C7EFF3D0-6BED-D444-BEB4-872DDA21BA8D}" type="datetime1">
               <a:rPr lang="en-GB" smtClean="0"/>
-              <a:t>04/12/2024</a:t>
+              <a:t>05/12/2024</a:t>
             </a:fld>
             <a:endParaRPr lang="en-US"/>
           </a:p>
@@ -25233,7 +25233,7 @@
           <a:p>
             <a:fld id="{D3ECCBB8-735C-914B-8E67-7852CBBDF7EA}" type="datetime1">
               <a:rPr lang="en-GB" smtClean="0"/>
-              <a:t>04/12/2024</a:t>
+              <a:t>05/12/2024</a:t>
             </a:fld>
             <a:endParaRPr lang="en-GB"/>
           </a:p>
@@ -25919,7 +25919,7 @@
           <a:p>
             <a:fld id="{C7EFF3D0-6BED-D444-BEB4-872DDA21BA8D}" type="datetime1">
               <a:rPr lang="en-GB" smtClean="0"/>
-              <a:t>04/12/2024</a:t>
+              <a:t>05/12/2024</a:t>
             </a:fld>
             <a:endParaRPr lang="en-US"/>
           </a:p>
@@ -26192,7 +26192,7 @@
           <a:p>
             <a:fld id="{C7EFF3D0-6BED-D444-BEB4-872DDA21BA8D}" type="datetime1">
               <a:rPr lang="en-GB" smtClean="0"/>
-              <a:t>04/12/2024</a:t>
+              <a:t>05/12/2024</a:t>
             </a:fld>
             <a:endParaRPr lang="en-US"/>
           </a:p>
@@ -26457,7 +26457,7 @@
           <a:p>
             <a:fld id="{C7EFF3D0-6BED-D444-BEB4-872DDA21BA8D}" type="datetime1">
               <a:rPr lang="en-GB" smtClean="0"/>
-              <a:t>04/12/2024</a:t>
+              <a:t>05/12/2024</a:t>
             </a:fld>
             <a:endParaRPr lang="en-US"/>
           </a:p>
@@ -26849,7 +26849,7 @@
           <a:p>
             <a:fld id="{C7EFF3D0-6BED-D444-BEB4-872DDA21BA8D}" type="datetime1">
               <a:rPr lang="en-GB" smtClean="0"/>
-              <a:t>04/12/2024</a:t>
+              <a:t>05/12/2024</a:t>
             </a:fld>
             <a:endParaRPr lang="en-US"/>
           </a:p>
@@ -27241,7 +27241,7 @@
           <a:p>
             <a:fld id="{C7EFF3D0-6BED-D444-BEB4-872DDA21BA8D}" type="datetime1">
               <a:rPr lang="en-GB" smtClean="0"/>
-              <a:t>04/12/2024</a:t>
+              <a:t>05/12/2024</a:t>
             </a:fld>
             <a:endParaRPr lang="en-US"/>
           </a:p>
@@ -28122,7 +28122,7 @@
           <a:p>
             <a:fld id="{C7EFF3D0-6BED-D444-BEB4-872DDA21BA8D}" type="datetime1">
               <a:rPr lang="en-GB" smtClean="0"/>
-              <a:t>04/12/2024</a:t>
+              <a:t>05/12/2024</a:t>
             </a:fld>
             <a:endParaRPr lang="en-US"/>
           </a:p>
@@ -28283,7 +28283,7 @@
           <a:p>
             <a:fld id="{C7EFF3D0-6BED-D444-BEB4-872DDA21BA8D}" type="datetime1">
               <a:rPr lang="en-GB" smtClean="0"/>
-              <a:t>04/12/2024</a:t>
+              <a:t>05/12/2024</a:t>
             </a:fld>
             <a:endParaRPr lang="en-US"/>
           </a:p>
@@ -29040,7 +29040,7 @@
           <a:p>
             <a:fld id="{C7EFF3D0-6BED-D444-BEB4-872DDA21BA8D}" type="datetime1">
               <a:rPr lang="en-GB" smtClean="0"/>
-              <a:t>04/12/2024</a:t>
+              <a:t>05/12/2024</a:t>
             </a:fld>
             <a:endParaRPr lang="en-US"/>
           </a:p>
@@ -29326,7 +29326,7 @@
           <a:p>
             <a:fld id="{C7EFF3D0-6BED-D444-BEB4-872DDA21BA8D}" type="datetime1">
               <a:rPr lang="en-GB" smtClean="0"/>
-              <a:t>04/12/2024</a:t>
+              <a:t>05/12/2024</a:t>
             </a:fld>
             <a:endParaRPr lang="en-US"/>
           </a:p>
@@ -30092,7 +30092,7 @@
           <a:p>
             <a:fld id="{C7EFF3D0-6BED-D444-BEB4-872DDA21BA8D}" type="datetime1">
               <a:rPr lang="en-GB" smtClean="0"/>
-              <a:t>04/12/2024</a:t>
+              <a:t>05/12/2024</a:t>
             </a:fld>
             <a:endParaRPr lang="en-US"/>
           </a:p>
@@ -31015,7 +31015,7 @@
           <a:p>
             <a:fld id="{D3ECCBB8-735C-914B-8E67-7852CBBDF7EA}" type="datetime1">
               <a:rPr lang="en-GB" smtClean="0"/>
-              <a:t>04/12/2024</a:t>
+              <a:t>05/12/2024</a:t>
             </a:fld>
             <a:endParaRPr lang="en-GB"/>
           </a:p>
@@ -31783,7 +31783,7 @@
           <a:p>
             <a:fld id="{C7EFF3D0-6BED-D444-BEB4-872DDA21BA8D}" type="datetime1">
               <a:rPr lang="en-GB" smtClean="0"/>
-              <a:t>04/12/2024</a:t>
+              <a:t>05/12/2024</a:t>
             </a:fld>
             <a:endParaRPr lang="en-US"/>
           </a:p>
@@ -32937,7 +32937,7 @@
           <a:p>
             <a:fld id="{D3ECCBB8-735C-914B-8E67-7852CBBDF7EA}" type="datetime1">
               <a:rPr lang="en-GB" smtClean="0"/>
-              <a:t>04/12/2024</a:t>
+              <a:t>05/12/2024</a:t>
             </a:fld>
             <a:endParaRPr lang="en-GB"/>
           </a:p>
@@ -33883,7 +33883,7 @@
           <a:p>
             <a:fld id="{D3ECCBB8-735C-914B-8E67-7852CBBDF7EA}" type="datetime1">
               <a:rPr lang="en-GB" smtClean="0"/>
-              <a:t>04/12/2024</a:t>
+              <a:t>05/12/2024</a:t>
             </a:fld>
             <a:endParaRPr lang="en-GB"/>
           </a:p>
@@ -34594,7 +34594,7 @@
           <a:p>
             <a:fld id="{C7EFF3D0-6BED-D444-BEB4-872DDA21BA8D}" type="datetime1">
               <a:rPr lang="en-GB" smtClean="0"/>
-              <a:t>04/12/2024</a:t>
+              <a:t>05/12/2024</a:t>
             </a:fld>
             <a:endParaRPr lang="en-US"/>
           </a:p>
@@ -36598,7 +36598,7 @@
           <a:p>
             <a:fld id="{C7EFF3D0-6BED-D444-BEB4-872DDA21BA8D}" type="datetime1">
               <a:rPr lang="en-GB" smtClean="0"/>
-              <a:t>04/12/2024</a:t>
+              <a:t>05/12/2024</a:t>
             </a:fld>
             <a:endParaRPr lang="en-US"/>
           </a:p>
@@ -39703,7 +39703,7 @@
           <a:p>
             <a:fld id="{D63005AE-A14B-7B48-9AF5-01E333747121}" type="datetime1">
               <a:rPr lang="en-GB" smtClean="0"/>
-              <a:t>04/12/2024</a:t>
+              <a:t>05/12/2024</a:t>
             </a:fld>
             <a:endParaRPr lang="en-GB"/>
           </a:p>
@@ -45741,6 +45741,284 @@
           </a:p>
         </p:txBody>
       </p:sp>
+      <p:sp>
+        <p:nvSpPr>
+          <p:cNvPr id="3" name="TextBox 6">
+            <a:extLst>
+              <a:ext uri="{FF2B5EF4-FFF2-40B4-BE49-F238E27FC236}">
+                <a16:creationId xmlns:a16="http://schemas.microsoft.com/office/drawing/2014/main" id="{A62529E8-F2A5-7E15-F8F5-9E78FA0C53C2}"/>
+              </a:ext>
+            </a:extLst>
+          </p:cNvPr>
+          <p:cNvSpPr txBox="1"/>
+          <p:nvPr/>
+        </p:nvSpPr>
+        <p:spPr>
+          <a:xfrm>
+            <a:off x="2069971" y="2834753"/>
+            <a:ext cx="2237726" cy="584775"/>
+          </a:xfrm>
+          <a:prstGeom prst="rect">
+            <a:avLst/>
+          </a:prstGeom>
+          <a:noFill/>
+        </p:spPr>
+        <p:txBody>
+          <a:bodyPr wrap="square" rtlCol="0">
+            <a:spAutoFit/>
+          </a:bodyPr>
+          <a:lstStyle>
+            <a:defPPr>
+              <a:defRPr lang="en-US"/>
+            </a:defPPr>
+            <a:lvl1pPr marL="0" algn="l" defTabSz="914400" rtl="0" eaLnBrk="1" latinLnBrk="0" hangingPunct="1">
+              <a:defRPr sz="1800" kern="1200">
+                <a:solidFill>
+                  <a:schemeClr val="tx1"/>
+                </a:solidFill>
+                <a:latin typeface="+mn-lt"/>
+                <a:ea typeface="+mn-ea"/>
+                <a:cs typeface="+mn-cs"/>
+              </a:defRPr>
+            </a:lvl1pPr>
+            <a:lvl2pPr marL="457200" algn="l" defTabSz="914400" rtl="0" eaLnBrk="1" latinLnBrk="0" hangingPunct="1">
+              <a:defRPr sz="1800" kern="1200">
+                <a:solidFill>
+                  <a:schemeClr val="tx1"/>
+                </a:solidFill>
+                <a:latin typeface="+mn-lt"/>
+                <a:ea typeface="+mn-ea"/>
+                <a:cs typeface="+mn-cs"/>
+              </a:defRPr>
+            </a:lvl2pPr>
+            <a:lvl3pPr marL="914400" algn="l" defTabSz="914400" rtl="0" eaLnBrk="1" latinLnBrk="0" hangingPunct="1">
+              <a:defRPr sz="1800" kern="1200">
+                <a:solidFill>
+                  <a:schemeClr val="tx1"/>
+                </a:solidFill>
+                <a:latin typeface="+mn-lt"/>
+                <a:ea typeface="+mn-ea"/>
+                <a:cs typeface="+mn-cs"/>
+              </a:defRPr>
+            </a:lvl3pPr>
+            <a:lvl4pPr marL="1371600" algn="l" defTabSz="914400" rtl="0" eaLnBrk="1" latinLnBrk="0" hangingPunct="1">
+              <a:defRPr sz="1800" kern="1200">
+                <a:solidFill>
+                  <a:schemeClr val="tx1"/>
+                </a:solidFill>
+                <a:latin typeface="+mn-lt"/>
+                <a:ea typeface="+mn-ea"/>
+                <a:cs typeface="+mn-cs"/>
+              </a:defRPr>
+            </a:lvl4pPr>
+            <a:lvl5pPr marL="1828800" algn="l" defTabSz="914400" rtl="0" eaLnBrk="1" latinLnBrk="0" hangingPunct="1">
+              <a:defRPr sz="1800" kern="1200">
+                <a:solidFill>
+                  <a:schemeClr val="tx1"/>
+                </a:solidFill>
+                <a:latin typeface="+mn-lt"/>
+                <a:ea typeface="+mn-ea"/>
+                <a:cs typeface="+mn-cs"/>
+              </a:defRPr>
+            </a:lvl5pPr>
+            <a:lvl6pPr marL="2286000" algn="l" defTabSz="914400" rtl="0" eaLnBrk="1" latinLnBrk="0" hangingPunct="1">
+              <a:defRPr sz="1800" kern="1200">
+                <a:solidFill>
+                  <a:schemeClr val="tx1"/>
+                </a:solidFill>
+                <a:latin typeface="+mn-lt"/>
+                <a:ea typeface="+mn-ea"/>
+                <a:cs typeface="+mn-cs"/>
+              </a:defRPr>
+            </a:lvl6pPr>
+            <a:lvl7pPr marL="2743200" algn="l" defTabSz="914400" rtl="0" eaLnBrk="1" latinLnBrk="0" hangingPunct="1">
+              <a:defRPr sz="1800" kern="1200">
+                <a:solidFill>
+                  <a:schemeClr val="tx1"/>
+                </a:solidFill>
+                <a:latin typeface="+mn-lt"/>
+                <a:ea typeface="+mn-ea"/>
+                <a:cs typeface="+mn-cs"/>
+              </a:defRPr>
+            </a:lvl7pPr>
+            <a:lvl8pPr marL="3200400" algn="l" defTabSz="914400" rtl="0" eaLnBrk="1" latinLnBrk="0" hangingPunct="1">
+              <a:defRPr sz="1800" kern="1200">
+                <a:solidFill>
+                  <a:schemeClr val="tx1"/>
+                </a:solidFill>
+                <a:latin typeface="+mn-lt"/>
+                <a:ea typeface="+mn-ea"/>
+                <a:cs typeface="+mn-cs"/>
+              </a:defRPr>
+            </a:lvl8pPr>
+            <a:lvl9pPr marL="3657600" algn="l" defTabSz="914400" rtl="0" eaLnBrk="1" latinLnBrk="0" hangingPunct="1">
+              <a:defRPr sz="1800" kern="1200">
+                <a:solidFill>
+                  <a:schemeClr val="tx1"/>
+                </a:solidFill>
+                <a:latin typeface="+mn-lt"/>
+                <a:ea typeface="+mn-ea"/>
+                <a:cs typeface="+mn-cs"/>
+              </a:defRPr>
+            </a:lvl9pPr>
+          </a:lstStyle>
+          <a:p>
+            <a:pPr algn="ctr"/>
+            <a:r>
+              <a:rPr lang="en-GB" sz="3200" dirty="0">
+                <a:solidFill>
+                  <a:schemeClr val="tx1">
+                    <a:lumMod val="50000"/>
+                    <a:lumOff val="50000"/>
+                  </a:schemeClr>
+                </a:solidFill>
+                <a:ea typeface="Open Sans" panose="020B0606030504020204" pitchFamily="34" charset="0"/>
+                <a:cs typeface="Open Sans" panose="020B0606030504020204" pitchFamily="34" charset="0"/>
+              </a:rPr>
+              <a:t>Save</a:t>
+            </a:r>
+          </a:p>
+        </p:txBody>
+      </p:sp>
+      <p:sp>
+        <p:nvSpPr>
+          <p:cNvPr id="5" name="TextBox 5">
+            <a:extLst>
+              <a:ext uri="{FF2B5EF4-FFF2-40B4-BE49-F238E27FC236}">
+                <a16:creationId xmlns:a16="http://schemas.microsoft.com/office/drawing/2014/main" id="{26E61D86-49A8-A259-5AB1-3B322E1D96A1}"/>
+              </a:ext>
+            </a:extLst>
+          </p:cNvPr>
+          <p:cNvSpPr txBox="1"/>
+          <p:nvPr/>
+        </p:nvSpPr>
+        <p:spPr>
+          <a:xfrm>
+            <a:off x="2069971" y="3891999"/>
+            <a:ext cx="2237726" cy="261610"/>
+          </a:xfrm>
+          <a:prstGeom prst="rect">
+            <a:avLst/>
+          </a:prstGeom>
+          <a:noFill/>
+        </p:spPr>
+        <p:txBody>
+          <a:bodyPr wrap="square" rtlCol="0">
+            <a:spAutoFit/>
+          </a:bodyPr>
+          <a:lstStyle>
+            <a:defPPr>
+              <a:defRPr lang="en-US"/>
+            </a:defPPr>
+            <a:lvl1pPr marL="0" algn="l" defTabSz="914400" rtl="0" eaLnBrk="1" latinLnBrk="0" hangingPunct="1">
+              <a:defRPr sz="1800" kern="1200">
+                <a:solidFill>
+                  <a:schemeClr val="tx1"/>
+                </a:solidFill>
+                <a:latin typeface="+mn-lt"/>
+                <a:ea typeface="+mn-ea"/>
+                <a:cs typeface="+mn-cs"/>
+              </a:defRPr>
+            </a:lvl1pPr>
+            <a:lvl2pPr marL="457200" algn="l" defTabSz="914400" rtl="0" eaLnBrk="1" latinLnBrk="0" hangingPunct="1">
+              <a:defRPr sz="1800" kern="1200">
+                <a:solidFill>
+                  <a:schemeClr val="tx1"/>
+                </a:solidFill>
+                <a:latin typeface="+mn-lt"/>
+                <a:ea typeface="+mn-ea"/>
+                <a:cs typeface="+mn-cs"/>
+              </a:defRPr>
+            </a:lvl2pPr>
+            <a:lvl3pPr marL="914400" algn="l" defTabSz="914400" rtl="0" eaLnBrk="1" latinLnBrk="0" hangingPunct="1">
+              <a:defRPr sz="1800" kern="1200">
+                <a:solidFill>
+                  <a:schemeClr val="tx1"/>
+                </a:solidFill>
+                <a:latin typeface="+mn-lt"/>
+                <a:ea typeface="+mn-ea"/>
+                <a:cs typeface="+mn-cs"/>
+              </a:defRPr>
+            </a:lvl3pPr>
+            <a:lvl4pPr marL="1371600" algn="l" defTabSz="914400" rtl="0" eaLnBrk="1" latinLnBrk="0" hangingPunct="1">
+              <a:defRPr sz="1800" kern="1200">
+                <a:solidFill>
+                  <a:schemeClr val="tx1"/>
+                </a:solidFill>
+                <a:latin typeface="+mn-lt"/>
+                <a:ea typeface="+mn-ea"/>
+                <a:cs typeface="+mn-cs"/>
+              </a:defRPr>
+            </a:lvl4pPr>
+            <a:lvl5pPr marL="1828800" algn="l" defTabSz="914400" rtl="0" eaLnBrk="1" latinLnBrk="0" hangingPunct="1">
+              <a:defRPr sz="1800" kern="1200">
+                <a:solidFill>
+                  <a:schemeClr val="tx1"/>
+                </a:solidFill>
+                <a:latin typeface="+mn-lt"/>
+                <a:ea typeface="+mn-ea"/>
+                <a:cs typeface="+mn-cs"/>
+              </a:defRPr>
+            </a:lvl5pPr>
+            <a:lvl6pPr marL="2286000" algn="l" defTabSz="914400" rtl="0" eaLnBrk="1" latinLnBrk="0" hangingPunct="1">
+              <a:defRPr sz="1800" kern="1200">
+                <a:solidFill>
+                  <a:schemeClr val="tx1"/>
+                </a:solidFill>
+                <a:latin typeface="+mn-lt"/>
+                <a:ea typeface="+mn-ea"/>
+                <a:cs typeface="+mn-cs"/>
+              </a:defRPr>
+            </a:lvl6pPr>
+            <a:lvl7pPr marL="2743200" algn="l" defTabSz="914400" rtl="0" eaLnBrk="1" latinLnBrk="0" hangingPunct="1">
+              <a:defRPr sz="1800" kern="1200">
+                <a:solidFill>
+                  <a:schemeClr val="tx1"/>
+                </a:solidFill>
+                <a:latin typeface="+mn-lt"/>
+                <a:ea typeface="+mn-ea"/>
+                <a:cs typeface="+mn-cs"/>
+              </a:defRPr>
+            </a:lvl7pPr>
+            <a:lvl8pPr marL="3200400" algn="l" defTabSz="914400" rtl="0" eaLnBrk="1" latinLnBrk="0" hangingPunct="1">
+              <a:defRPr sz="1800" kern="1200">
+                <a:solidFill>
+                  <a:schemeClr val="tx1"/>
+                </a:solidFill>
+                <a:latin typeface="+mn-lt"/>
+                <a:ea typeface="+mn-ea"/>
+                <a:cs typeface="+mn-cs"/>
+              </a:defRPr>
+            </a:lvl8pPr>
+            <a:lvl9pPr marL="3657600" algn="l" defTabSz="914400" rtl="0" eaLnBrk="1" latinLnBrk="0" hangingPunct="1">
+              <a:defRPr sz="1800" kern="1200">
+                <a:solidFill>
+                  <a:schemeClr val="tx1"/>
+                </a:solidFill>
+                <a:latin typeface="+mn-lt"/>
+                <a:ea typeface="+mn-ea"/>
+                <a:cs typeface="+mn-cs"/>
+              </a:defRPr>
+            </a:lvl9pPr>
+          </a:lstStyle>
+          <a:p>
+            <a:pPr algn="ctr"/>
+            <a:r>
+              <a:rPr lang="en-GB" sz="1100" dirty="0">
+                <a:solidFill>
+                  <a:schemeClr val="tx1">
+                    <a:lumMod val="50000"/>
+                    <a:lumOff val="50000"/>
+                  </a:schemeClr>
+                </a:solidFill>
+                <a:ea typeface="Open Sans" panose="020B0606030504020204" pitchFamily="34" charset="0"/>
+                <a:cs typeface="Open Sans" panose="020B0606030504020204" pitchFamily="34" charset="0"/>
+              </a:rPr>
+              <a:t>every year</a:t>
+            </a:r>
+          </a:p>
+        </p:txBody>
+      </p:sp>
     </p:spTree>
     <p:extLst>
       <p:ext uri="{BB962C8B-B14F-4D97-AF65-F5344CB8AC3E}">
@@ -46473,7 +46751,7 @@
           <p:nvPr>
             <p:extLst>
               <p:ext uri="{D42A27DB-BD31-4B8C-83A1-F6EECF244321}">
-                <p14:modId xmlns:p14="http://schemas.microsoft.com/office/powerpoint/2010/main" val="3503386420"/>
+                <p14:modId xmlns:p14="http://schemas.microsoft.com/office/powerpoint/2010/main" val="3383693424"/>
               </p:ext>
             </p:extLst>
           </p:nvPr>
@@ -47272,7 +47550,7 @@
                           <a:effectLst/>
                           <a:latin typeface="Open Sans" panose="020B0606030504020204" pitchFamily="34" charset="0"/>
                         </a:rPr>
-                        <a:t>                                             £</a:t>
+                        <a:t>                                             </a:t>
                       </a:r>
                       <a:r>
                         <a:rPr lang="tr-TR" sz="800" b="0" i="0" u="none" strike="noStrike" dirty="0">
@@ -47363,7 +47641,7 @@
           <p:nvPr>
             <p:extLst>
               <p:ext uri="{D42A27DB-BD31-4B8C-83A1-F6EECF244321}">
-                <p14:modId xmlns:p14="http://schemas.microsoft.com/office/powerpoint/2010/main" val="2263860349"/>
+                <p14:modId xmlns:p14="http://schemas.microsoft.com/office/powerpoint/2010/main" val="232700609"/>
               </p:ext>
             </p:extLst>
           </p:nvPr>
@@ -48288,16 +48566,6 @@
                         <a:t>                                             </a:t>
                       </a:r>
                       <a:r>
-                        <a:rPr lang="en-GB" sz="800" b="0" i="0" u="none" strike="noStrike" dirty="0">
-                          <a:solidFill>
-                            <a:srgbClr val="0000FF"/>
-                          </a:solidFill>
-                          <a:effectLst/>
-                          <a:latin typeface="Open Sans" panose="020B0606030504020204" pitchFamily="34" charset="0"/>
-                        </a:rPr>
-                        <a:t>£</a:t>
-                      </a:r>
-                      <a:r>
                         <a:rPr lang="tr-TR" sz="800" b="0" i="0" u="none" strike="noStrike" dirty="0">
                           <a:solidFill>
                             <a:srgbClr val="0000FF"/>
@@ -49104,17 +49372,17 @@
                     <a:p>
                       <a:pPr algn="r" fontAlgn="b"/>
                       <a:r>
-                        <a:rPr lang="en-GB" sz="800" b="0" i="0" u="none" strike="noStrike" dirty="0">
+                        <a:rPr lang="en-GB" sz="800" b="0" i="0" u="none" strike="noStrike">
                           <a:solidFill>
                             <a:srgbClr val="0000FF"/>
                           </a:solidFill>
                           <a:effectLst/>
                           <a:latin typeface="Open Sans" panose="020B0606030504020204" pitchFamily="34" charset="0"/>
                         </a:rPr>
-                        <a:t>                                            £</a:t>
+                        <a:t>                                            </a:t>
                       </a:r>
                       <a:r>
-                        <a:rPr lang="tr-TR" sz="800" b="0" i="0" u="none" strike="noStrike" dirty="0">
+                        <a:rPr lang="tr-TR" sz="800" b="0" i="0" u="none" strike="noStrike">
                           <a:solidFill>
                             <a:srgbClr val="0000FF"/>
                           </a:solidFill>
@@ -50546,12 +50814,14 @@
 </file>
 
 <file path=customXml/item1.xml><?xml version="1.0" encoding="utf-8"?>
-<?mso-contentType ?>
-<FormTemplates xmlns="http://schemas.microsoft.com/sharepoint/v3/contenttype/forms">
-  <Display>DocumentLibraryForm</Display>
-  <Edit>DocumentLibraryForm</Edit>
-  <New>DocumentLibraryForm</New>
-</FormTemplates>
+<p:properties xmlns:p="http://schemas.microsoft.com/office/2006/metadata/properties" xmlns:xsi="http://www.w3.org/2001/XMLSchema-instance" xmlns:pc="http://schemas.microsoft.com/office/infopath/2007/PartnerControls">
+  <documentManagement>
+    <lcf76f155ced4ddcb4097134ff3c332f xmlns="8a969d1d-647f-4e4c-97f9-a5143e71e435">
+      <Terms xmlns="http://schemas.microsoft.com/office/infopath/2007/PartnerControls"/>
+    </lcf76f155ced4ddcb4097134ff3c332f>
+    <TaxCatchAll xmlns="eb37a4e0-bf89-419d-8b31-963a97458fb1" xsi:nil="true"/>
+  </documentManagement>
+</p:properties>
 </file>
 
 <file path=customXml/item2.xml><?xml version="1.0" encoding="utf-8"?>
@@ -50750,20 +51020,28 @@
 </file>
 
 <file path=customXml/item3.xml><?xml version="1.0" encoding="utf-8"?>
-<p:properties xmlns:p="http://schemas.microsoft.com/office/2006/metadata/properties" xmlns:xsi="http://www.w3.org/2001/XMLSchema-instance" xmlns:pc="http://schemas.microsoft.com/office/infopath/2007/PartnerControls">
-  <documentManagement>
-    <lcf76f155ced4ddcb4097134ff3c332f xmlns="8a969d1d-647f-4e4c-97f9-a5143e71e435">
-      <Terms xmlns="http://schemas.microsoft.com/office/infopath/2007/PartnerControls"/>
-    </lcf76f155ced4ddcb4097134ff3c332f>
-    <TaxCatchAll xmlns="eb37a4e0-bf89-419d-8b31-963a97458fb1" xsi:nil="true"/>
-  </documentManagement>
-</p:properties>
+<?mso-contentType ?>
+<FormTemplates xmlns="http://schemas.microsoft.com/sharepoint/v3/contenttype/forms">
+  <Display>DocumentLibraryForm</Display>
+  <Edit>DocumentLibraryForm</Edit>
+  <New>DocumentLibraryForm</New>
+</FormTemplates>
 </file>
 
 <file path=customXml/itemProps1.xml><?xml version="1.0" encoding="utf-8"?>
-<ds:datastoreItem xmlns:ds="http://schemas.openxmlformats.org/officeDocument/2006/customXml" ds:itemID="{953B4D23-82FF-4812-9F4E-BB600331C634}">
+<ds:datastoreItem xmlns:ds="http://schemas.openxmlformats.org/officeDocument/2006/customXml" ds:itemID="{8140E5F8-1399-4596-AA73-4BD79D26AFFD}">
   <ds:schemaRefs>
-    <ds:schemaRef ds:uri="http://schemas.microsoft.com/sharepoint/v3/contenttype/forms"/>
+    <ds:schemaRef ds:uri="http://schemas.microsoft.com/office/2006/metadata/properties"/>
+    <ds:schemaRef ds:uri="http://www.w3.org/XML/1998/namespace"/>
+    <ds:schemaRef ds:uri="8e78c812-0be8-4f61-8186-a9387d596735"/>
+    <ds:schemaRef ds:uri="http://purl.org/dc/elements/1.1/"/>
+    <ds:schemaRef ds:uri="http://schemas.openxmlformats.org/package/2006/metadata/core-properties"/>
+    <ds:schemaRef ds:uri="http://schemas.microsoft.com/office/2006/documentManagement/types"/>
+    <ds:schemaRef ds:uri="http://purl.org/dc/dcmitype/"/>
+    <ds:schemaRef ds:uri="http://purl.org/dc/terms/"/>
+    <ds:schemaRef ds:uri="http://schemas.microsoft.com/office/infopath/2007/PartnerControls"/>
+    <ds:schemaRef ds:uri="8a969d1d-647f-4e4c-97f9-a5143e71e435"/>
+    <ds:schemaRef ds:uri="eb37a4e0-bf89-419d-8b31-963a97458fb1"/>
   </ds:schemaRefs>
 </ds:datastoreItem>
 </file>
@@ -50788,19 +51066,9 @@
 </file>
 
 <file path=customXml/itemProps3.xml><?xml version="1.0" encoding="utf-8"?>
-<ds:datastoreItem xmlns:ds="http://schemas.openxmlformats.org/officeDocument/2006/customXml" ds:itemID="{8140E5F8-1399-4596-AA73-4BD79D26AFFD}">
+<ds:datastoreItem xmlns:ds="http://schemas.openxmlformats.org/officeDocument/2006/customXml" ds:itemID="{953B4D23-82FF-4812-9F4E-BB600331C634}">
   <ds:schemaRefs>
-    <ds:schemaRef ds:uri="http://schemas.microsoft.com/office/2006/metadata/properties"/>
-    <ds:schemaRef ds:uri="http://www.w3.org/XML/1998/namespace"/>
-    <ds:schemaRef ds:uri="8e78c812-0be8-4f61-8186-a9387d596735"/>
-    <ds:schemaRef ds:uri="http://purl.org/dc/elements/1.1/"/>
-    <ds:schemaRef ds:uri="http://schemas.openxmlformats.org/package/2006/metadata/core-properties"/>
-    <ds:schemaRef ds:uri="http://schemas.microsoft.com/office/2006/documentManagement/types"/>
-    <ds:schemaRef ds:uri="http://purl.org/dc/dcmitype/"/>
-    <ds:schemaRef ds:uri="http://purl.org/dc/terms/"/>
-    <ds:schemaRef ds:uri="http://schemas.microsoft.com/office/infopath/2007/PartnerControls"/>
-    <ds:schemaRef ds:uri="8a969d1d-647f-4e4c-97f9-a5143e71e435"/>
-    <ds:schemaRef ds:uri="eb37a4e0-bf89-419d-8b31-963a97458fb1"/>
+    <ds:schemaRef ds:uri="http://schemas.microsoft.com/sharepoint/v3/contenttype/forms"/>
   </ds:schemaRefs>
 </ds:datastoreItem>
 </file>

--- a/client.pptx
+++ b/client.pptx
@@ -1508,7 +1508,7 @@
           <a:p>
             <a:fld id="{22EE6207-6821-4DAB-B818-E4F4F6AB12F5}" type="datetimeFigureOut">
               <a:rPr lang="en-GB" smtClean="0"/>
-              <a:t>05/12/2024</a:t>
+              <a:t>03/01/2025</a:t>
             </a:fld>
             <a:endParaRPr lang="en-GB"/>
           </a:p>
@@ -1701,7 +1701,7 @@
           <a:p>
             <a:fld id="{5B936EE0-4F6D-274D-8902-95CDFEF84C8C}" type="datetimeFigureOut">
               <a:rPr lang="en-US" smtClean="0"/>
-              <a:t>12/5/2024</a:t>
+              <a:t>1/3/2025</a:t>
             </a:fld>
             <a:endParaRPr lang="en-US"/>
           </a:p>
@@ -2449,7 +2449,7 @@
           <a:p>
             <a:fld id="{98FAEBFC-AF3F-6E47-9766-48C2D7B36252}" type="datetime1">
               <a:rPr lang="en-GB" smtClean="0"/>
-              <a:t>05/12/2024</a:t>
+              <a:t>03/01/2025</a:t>
             </a:fld>
             <a:endParaRPr lang="en-GB"/>
           </a:p>
@@ -2764,7 +2764,7 @@
           <a:p>
             <a:fld id="{C7EFF3D0-6BED-D444-BEB4-872DDA21BA8D}" type="datetime1">
               <a:rPr lang="en-GB" smtClean="0"/>
-              <a:t>05/12/2024</a:t>
+              <a:t>03/01/2025</a:t>
             </a:fld>
             <a:endParaRPr lang="en-US"/>
           </a:p>
@@ -3882,7 +3882,7 @@
           <a:p>
             <a:fld id="{C7EFF3D0-6BED-D444-BEB4-872DDA21BA8D}" type="datetime1">
               <a:rPr lang="en-GB" smtClean="0"/>
-              <a:t>05/12/2024</a:t>
+              <a:t>03/01/2025</a:t>
             </a:fld>
             <a:endParaRPr lang="en-US"/>
           </a:p>
@@ -4349,7 +4349,7 @@
           <a:p>
             <a:fld id="{C7EFF3D0-6BED-D444-BEB4-872DDA21BA8D}" type="datetime1">
               <a:rPr lang="en-GB" smtClean="0"/>
-              <a:t>05/12/2024</a:t>
+              <a:t>03/01/2025</a:t>
             </a:fld>
             <a:endParaRPr lang="en-US"/>
           </a:p>
@@ -5000,7 +5000,7 @@
           <a:p>
             <a:fld id="{C7EFF3D0-6BED-D444-BEB4-872DDA21BA8D}" type="datetime1">
               <a:rPr lang="en-GB" smtClean="0"/>
-              <a:t>05/12/2024</a:t>
+              <a:t>03/01/2025</a:t>
             </a:fld>
             <a:endParaRPr lang="en-US"/>
           </a:p>
@@ -5411,7 +5411,7 @@
           <a:p>
             <a:fld id="{C7EFF3D0-6BED-D444-BEB4-872DDA21BA8D}" type="datetime1">
               <a:rPr lang="en-GB" smtClean="0"/>
-              <a:t>05/12/2024</a:t>
+              <a:t>03/01/2025</a:t>
             </a:fld>
             <a:endParaRPr lang="en-US"/>
           </a:p>
@@ -5912,7 +5912,7 @@
           <a:p>
             <a:fld id="{C7EFF3D0-6BED-D444-BEB4-872DDA21BA8D}" type="datetime1">
               <a:rPr lang="en-GB" smtClean="0"/>
-              <a:t>05/12/2024</a:t>
+              <a:t>03/01/2025</a:t>
             </a:fld>
             <a:endParaRPr lang="en-US"/>
           </a:p>
@@ -6642,7 +6642,7 @@
           <a:p>
             <a:fld id="{C7EFF3D0-6BED-D444-BEB4-872DDA21BA8D}" type="datetime1">
               <a:rPr lang="en-GB" smtClean="0"/>
-              <a:t>05/12/2024</a:t>
+              <a:t>03/01/2025</a:t>
             </a:fld>
             <a:endParaRPr lang="en-US"/>
           </a:p>
@@ -7468,7 +7468,7 @@
           <a:p>
             <a:fld id="{C7EFF3D0-6BED-D444-BEB4-872DDA21BA8D}" type="datetime1">
               <a:rPr lang="en-GB" smtClean="0"/>
-              <a:t>05/12/2024</a:t>
+              <a:t>03/01/2025</a:t>
             </a:fld>
             <a:endParaRPr lang="en-US"/>
           </a:p>
@@ -9491,7 +9491,7 @@
           <a:p>
             <a:fld id="{C7EFF3D0-6BED-D444-BEB4-872DDA21BA8D}" type="datetime1">
               <a:rPr lang="en-GB" smtClean="0"/>
-              <a:t>05/12/2024</a:t>
+              <a:t>03/01/2025</a:t>
             </a:fld>
             <a:endParaRPr lang="en-US"/>
           </a:p>
@@ -10117,7 +10117,7 @@
           <a:p>
             <a:fld id="{C7EFF3D0-6BED-D444-BEB4-872DDA21BA8D}" type="datetime1">
               <a:rPr lang="en-GB" smtClean="0"/>
-              <a:t>05/12/2024</a:t>
+              <a:t>03/01/2025</a:t>
             </a:fld>
             <a:endParaRPr lang="en-US"/>
           </a:p>
@@ -11090,7 +11090,7 @@
           <a:p>
             <a:fld id="{98FAEBFC-AF3F-6E47-9766-48C2D7B36252}" type="datetime1">
               <a:rPr lang="en-GB" smtClean="0"/>
-              <a:t>05/12/2024</a:t>
+              <a:t>03/01/2025</a:t>
             </a:fld>
             <a:endParaRPr lang="en-GB"/>
           </a:p>
@@ -11809,7 +11809,7 @@
           <a:p>
             <a:fld id="{C7EFF3D0-6BED-D444-BEB4-872DDA21BA8D}" type="datetime1">
               <a:rPr lang="en-GB" smtClean="0"/>
-              <a:t>05/12/2024</a:t>
+              <a:t>03/01/2025</a:t>
             </a:fld>
             <a:endParaRPr lang="en-US"/>
           </a:p>
@@ -12629,7 +12629,7 @@
           <a:p>
             <a:fld id="{C7EFF3D0-6BED-D444-BEB4-872DDA21BA8D}" type="datetime1">
               <a:rPr lang="en-GB" smtClean="0"/>
-              <a:t>05/12/2024</a:t>
+              <a:t>03/01/2025</a:t>
             </a:fld>
             <a:endParaRPr lang="en-US"/>
           </a:p>
@@ -13428,7 +13428,7 @@
           <a:p>
             <a:fld id="{C7EFF3D0-6BED-D444-BEB4-872DDA21BA8D}" type="datetime1">
               <a:rPr lang="en-GB" smtClean="0"/>
-              <a:t>05/12/2024</a:t>
+              <a:t>03/01/2025</a:t>
             </a:fld>
             <a:endParaRPr lang="en-US"/>
           </a:p>
@@ -14195,7 +14195,7 @@
           <a:p>
             <a:fld id="{C7EFF3D0-6BED-D444-BEB4-872DDA21BA8D}" type="datetime1">
               <a:rPr lang="en-GB" smtClean="0"/>
-              <a:t>05/12/2024</a:t>
+              <a:t>03/01/2025</a:t>
             </a:fld>
             <a:endParaRPr lang="en-US"/>
           </a:p>
@@ -14762,7 +14762,7 @@
           <a:p>
             <a:fld id="{C7EFF3D0-6BED-D444-BEB4-872DDA21BA8D}" type="datetime1">
               <a:rPr lang="en-GB" smtClean="0"/>
-              <a:t>05/12/2024</a:t>
+              <a:t>03/01/2025</a:t>
             </a:fld>
             <a:endParaRPr lang="en-US"/>
           </a:p>
@@ -15326,7 +15326,7 @@
           <a:p>
             <a:fld id="{C7EFF3D0-6BED-D444-BEB4-872DDA21BA8D}" type="datetime1">
               <a:rPr lang="en-GB" smtClean="0"/>
-              <a:t>05/12/2024</a:t>
+              <a:t>03/01/2025</a:t>
             </a:fld>
             <a:endParaRPr lang="en-US"/>
           </a:p>
@@ -15937,7 +15937,7 @@
           <a:p>
             <a:fld id="{C7EFF3D0-6BED-D444-BEB4-872DDA21BA8D}" type="datetime1">
               <a:rPr lang="en-GB" smtClean="0"/>
-              <a:t>05/12/2024</a:t>
+              <a:t>03/01/2025</a:t>
             </a:fld>
             <a:endParaRPr lang="en-US"/>
           </a:p>
@@ -16673,7 +16673,7 @@
           <a:p>
             <a:fld id="{C7EFF3D0-6BED-D444-BEB4-872DDA21BA8D}" type="datetime1">
               <a:rPr lang="en-GB" smtClean="0"/>
-              <a:t>05/12/2024</a:t>
+              <a:t>03/01/2025</a:t>
             </a:fld>
             <a:endParaRPr lang="en-US"/>
           </a:p>
@@ -17044,7 +17044,7 @@
           <a:p>
             <a:fld id="{C7EFF3D0-6BED-D444-BEB4-872DDA21BA8D}" type="datetime1">
               <a:rPr lang="en-GB" smtClean="0"/>
-              <a:t>05/12/2024</a:t>
+              <a:t>03/01/2025</a:t>
             </a:fld>
             <a:endParaRPr lang="en-US"/>
           </a:p>
@@ -17444,7 +17444,7 @@
           <a:p>
             <a:fld id="{C7EFF3D0-6BED-D444-BEB4-872DDA21BA8D}" type="datetime1">
               <a:rPr lang="en-GB" smtClean="0"/>
-              <a:t>05/12/2024</a:t>
+              <a:t>03/01/2025</a:t>
             </a:fld>
             <a:endParaRPr lang="en-US"/>
           </a:p>
@@ -18442,7 +18442,7 @@
           <a:p>
             <a:fld id="{98FAEBFC-AF3F-6E47-9766-48C2D7B36252}" type="datetime1">
               <a:rPr lang="en-GB" smtClean="0"/>
-              <a:t>05/12/2024</a:t>
+              <a:t>03/01/2025</a:t>
             </a:fld>
             <a:endParaRPr lang="en-GB"/>
           </a:p>
@@ -18996,7 +18996,7 @@
           <a:p>
             <a:fld id="{C7EFF3D0-6BED-D444-BEB4-872DDA21BA8D}" type="datetime1">
               <a:rPr lang="en-GB" smtClean="0"/>
-              <a:t>05/12/2024</a:t>
+              <a:t>03/01/2025</a:t>
             </a:fld>
             <a:endParaRPr lang="en-US"/>
           </a:p>
@@ -19738,7 +19738,7 @@
           <a:p>
             <a:fld id="{C7EFF3D0-6BED-D444-BEB4-872DDA21BA8D}" type="datetime1">
               <a:rPr lang="en-GB" smtClean="0"/>
-              <a:t>05/12/2024</a:t>
+              <a:t>03/01/2025</a:t>
             </a:fld>
             <a:endParaRPr lang="en-US"/>
           </a:p>
@@ -20681,7 +20681,7 @@
           <a:p>
             <a:fld id="{C7EFF3D0-6BED-D444-BEB4-872DDA21BA8D}" type="datetime1">
               <a:rPr lang="en-GB" smtClean="0"/>
-              <a:t>05/12/2024</a:t>
+              <a:t>03/01/2025</a:t>
             </a:fld>
             <a:endParaRPr lang="en-US"/>
           </a:p>
@@ -21237,7 +21237,7 @@
           <a:p>
             <a:fld id="{C7EFF3D0-6BED-D444-BEB4-872DDA21BA8D}" type="datetime1">
               <a:rPr lang="en-GB" smtClean="0"/>
-              <a:t>05/12/2024</a:t>
+              <a:t>03/01/2025</a:t>
             </a:fld>
             <a:endParaRPr lang="en-US"/>
           </a:p>
@@ -21787,7 +21787,7 @@
           <a:p>
             <a:fld id="{C7EFF3D0-6BED-D444-BEB4-872DDA21BA8D}" type="datetime1">
               <a:rPr lang="en-GB" smtClean="0"/>
-              <a:t>05/12/2024</a:t>
+              <a:t>03/01/2025</a:t>
             </a:fld>
             <a:endParaRPr lang="en-US"/>
           </a:p>
@@ -22572,7 +22572,7 @@
           <a:p>
             <a:fld id="{C7EFF3D0-6BED-D444-BEB4-872DDA21BA8D}" type="datetime1">
               <a:rPr lang="en-GB" smtClean="0"/>
-              <a:t>05/12/2024</a:t>
+              <a:t>03/01/2025</a:t>
             </a:fld>
             <a:endParaRPr lang="en-US"/>
           </a:p>
@@ -23336,7 +23336,7 @@
           <a:p>
             <a:fld id="{C7EFF3D0-6BED-D444-BEB4-872DDA21BA8D}" type="datetime1">
               <a:rPr lang="en-GB" smtClean="0"/>
-              <a:t>05/12/2024</a:t>
+              <a:t>03/01/2025</a:t>
             </a:fld>
             <a:endParaRPr lang="en-US"/>
           </a:p>
@@ -24052,7 +24052,7 @@
           <a:p>
             <a:fld id="{C7EFF3D0-6BED-D444-BEB4-872DDA21BA8D}" type="datetime1">
               <a:rPr lang="en-GB" smtClean="0"/>
-              <a:t>05/12/2024</a:t>
+              <a:t>03/01/2025</a:t>
             </a:fld>
             <a:endParaRPr lang="en-US"/>
           </a:p>
@@ -24451,7 +24451,7 @@
           <a:p>
             <a:fld id="{C7EFF3D0-6BED-D444-BEB4-872DDA21BA8D}" type="datetime1">
               <a:rPr lang="en-GB" smtClean="0"/>
-              <a:t>05/12/2024</a:t>
+              <a:t>03/01/2025</a:t>
             </a:fld>
             <a:endParaRPr lang="en-US"/>
           </a:p>
@@ -24763,7 +24763,7 @@
           <a:p>
             <a:fld id="{C7EFF3D0-6BED-D444-BEB4-872DDA21BA8D}" type="datetime1">
               <a:rPr lang="en-GB" smtClean="0"/>
-              <a:t>05/12/2024</a:t>
+              <a:t>03/01/2025</a:t>
             </a:fld>
             <a:endParaRPr lang="en-US"/>
           </a:p>
@@ -25233,7 +25233,7 @@
           <a:p>
             <a:fld id="{D3ECCBB8-735C-914B-8E67-7852CBBDF7EA}" type="datetime1">
               <a:rPr lang="en-GB" smtClean="0"/>
-              <a:t>05/12/2024</a:t>
+              <a:t>03/01/2025</a:t>
             </a:fld>
             <a:endParaRPr lang="en-GB"/>
           </a:p>
@@ -25919,7 +25919,7 @@
           <a:p>
             <a:fld id="{C7EFF3D0-6BED-D444-BEB4-872DDA21BA8D}" type="datetime1">
               <a:rPr lang="en-GB" smtClean="0"/>
-              <a:t>05/12/2024</a:t>
+              <a:t>03/01/2025</a:t>
             </a:fld>
             <a:endParaRPr lang="en-US"/>
           </a:p>
@@ -26192,7 +26192,7 @@
           <a:p>
             <a:fld id="{C7EFF3D0-6BED-D444-BEB4-872DDA21BA8D}" type="datetime1">
               <a:rPr lang="en-GB" smtClean="0"/>
-              <a:t>05/12/2024</a:t>
+              <a:t>03/01/2025</a:t>
             </a:fld>
             <a:endParaRPr lang="en-US"/>
           </a:p>
@@ -26457,7 +26457,7 @@
           <a:p>
             <a:fld id="{C7EFF3D0-6BED-D444-BEB4-872DDA21BA8D}" type="datetime1">
               <a:rPr lang="en-GB" smtClean="0"/>
-              <a:t>05/12/2024</a:t>
+              <a:t>03/01/2025</a:t>
             </a:fld>
             <a:endParaRPr lang="en-US"/>
           </a:p>
@@ -26849,7 +26849,7 @@
           <a:p>
             <a:fld id="{C7EFF3D0-6BED-D444-BEB4-872DDA21BA8D}" type="datetime1">
               <a:rPr lang="en-GB" smtClean="0"/>
-              <a:t>05/12/2024</a:t>
+              <a:t>03/01/2025</a:t>
             </a:fld>
             <a:endParaRPr lang="en-US"/>
           </a:p>
@@ -27241,7 +27241,7 @@
           <a:p>
             <a:fld id="{C7EFF3D0-6BED-D444-BEB4-872DDA21BA8D}" type="datetime1">
               <a:rPr lang="en-GB" smtClean="0"/>
-              <a:t>05/12/2024</a:t>
+              <a:t>03/01/2025</a:t>
             </a:fld>
             <a:endParaRPr lang="en-US"/>
           </a:p>
@@ -28122,7 +28122,7 @@
           <a:p>
             <a:fld id="{C7EFF3D0-6BED-D444-BEB4-872DDA21BA8D}" type="datetime1">
               <a:rPr lang="en-GB" smtClean="0"/>
-              <a:t>05/12/2024</a:t>
+              <a:t>03/01/2025</a:t>
             </a:fld>
             <a:endParaRPr lang="en-US"/>
           </a:p>
@@ -28283,7 +28283,7 @@
           <a:p>
             <a:fld id="{C7EFF3D0-6BED-D444-BEB4-872DDA21BA8D}" type="datetime1">
               <a:rPr lang="en-GB" smtClean="0"/>
-              <a:t>05/12/2024</a:t>
+              <a:t>03/01/2025</a:t>
             </a:fld>
             <a:endParaRPr lang="en-US"/>
           </a:p>
@@ -29040,7 +29040,7 @@
           <a:p>
             <a:fld id="{C7EFF3D0-6BED-D444-BEB4-872DDA21BA8D}" type="datetime1">
               <a:rPr lang="en-GB" smtClean="0"/>
-              <a:t>05/12/2024</a:t>
+              <a:t>03/01/2025</a:t>
             </a:fld>
             <a:endParaRPr lang="en-US"/>
           </a:p>
@@ -29326,7 +29326,7 @@
           <a:p>
             <a:fld id="{C7EFF3D0-6BED-D444-BEB4-872DDA21BA8D}" type="datetime1">
               <a:rPr lang="en-GB" smtClean="0"/>
-              <a:t>05/12/2024</a:t>
+              <a:t>03/01/2025</a:t>
             </a:fld>
             <a:endParaRPr lang="en-US"/>
           </a:p>
@@ -30092,7 +30092,7 @@
           <a:p>
             <a:fld id="{C7EFF3D0-6BED-D444-BEB4-872DDA21BA8D}" type="datetime1">
               <a:rPr lang="en-GB" smtClean="0"/>
-              <a:t>05/12/2024</a:t>
+              <a:t>03/01/2025</a:t>
             </a:fld>
             <a:endParaRPr lang="en-US"/>
           </a:p>
@@ -31015,7 +31015,7 @@
           <a:p>
             <a:fld id="{D3ECCBB8-735C-914B-8E67-7852CBBDF7EA}" type="datetime1">
               <a:rPr lang="en-GB" smtClean="0"/>
-              <a:t>05/12/2024</a:t>
+              <a:t>03/01/2025</a:t>
             </a:fld>
             <a:endParaRPr lang="en-GB"/>
           </a:p>
@@ -31783,7 +31783,7 @@
           <a:p>
             <a:fld id="{C7EFF3D0-6BED-D444-BEB4-872DDA21BA8D}" type="datetime1">
               <a:rPr lang="en-GB" smtClean="0"/>
-              <a:t>05/12/2024</a:t>
+              <a:t>03/01/2025</a:t>
             </a:fld>
             <a:endParaRPr lang="en-US"/>
           </a:p>
@@ -32937,7 +32937,7 @@
           <a:p>
             <a:fld id="{D3ECCBB8-735C-914B-8E67-7852CBBDF7EA}" type="datetime1">
               <a:rPr lang="en-GB" smtClean="0"/>
-              <a:t>05/12/2024</a:t>
+              <a:t>03/01/2025</a:t>
             </a:fld>
             <a:endParaRPr lang="en-GB"/>
           </a:p>
@@ -33883,7 +33883,7 @@
           <a:p>
             <a:fld id="{D3ECCBB8-735C-914B-8E67-7852CBBDF7EA}" type="datetime1">
               <a:rPr lang="en-GB" smtClean="0"/>
-              <a:t>05/12/2024</a:t>
+              <a:t>03/01/2025</a:t>
             </a:fld>
             <a:endParaRPr lang="en-GB"/>
           </a:p>
@@ -34594,7 +34594,7 @@
           <a:p>
             <a:fld id="{C7EFF3D0-6BED-D444-BEB4-872DDA21BA8D}" type="datetime1">
               <a:rPr lang="en-GB" smtClean="0"/>
-              <a:t>05/12/2024</a:t>
+              <a:t>03/01/2025</a:t>
             </a:fld>
             <a:endParaRPr lang="en-US"/>
           </a:p>
@@ -36598,7 +36598,7 @@
           <a:p>
             <a:fld id="{C7EFF3D0-6BED-D444-BEB4-872DDA21BA8D}" type="datetime1">
               <a:rPr lang="en-GB" smtClean="0"/>
-              <a:t>05/12/2024</a:t>
+              <a:t>03/01/2025</a:t>
             </a:fld>
             <a:endParaRPr lang="en-US"/>
           </a:p>
@@ -39703,7 +39703,7 @@
           <a:p>
             <a:fld id="{D63005AE-A14B-7B48-9AF5-01E333747121}" type="datetime1">
               <a:rPr lang="en-GB" smtClean="0"/>
-              <a:t>05/12/2024</a:t>
+              <a:t>03/01/2025</a:t>
             </a:fld>
             <a:endParaRPr lang="en-GB"/>
           </a:p>
@@ -42154,6 +42154,62 @@
         </p:grpSpPr>
         <p:sp>
           <p:nvSpPr>
+            <p:cNvPr id="57" name="Rectangle: Rounded Corners 56">
+              <a:extLst>
+                <a:ext uri="{FF2B5EF4-FFF2-40B4-BE49-F238E27FC236}">
+                  <a16:creationId xmlns:a16="http://schemas.microsoft.com/office/drawing/2014/main" id="{374261D7-47BE-80C9-627F-3124A46B03B6}"/>
+                </a:ext>
+              </a:extLst>
+            </p:cNvPr>
+            <p:cNvSpPr/>
+            <p:nvPr/>
+          </p:nvSpPr>
+          <p:spPr>
+            <a:xfrm>
+              <a:off x="718267" y="4999173"/>
+              <a:ext cx="1953764" cy="545972"/>
+            </a:xfrm>
+            <a:prstGeom prst="roundRect">
+              <a:avLst/>
+            </a:prstGeom>
+            <a:solidFill>
+              <a:schemeClr val="accent1">
+                <a:alpha val="26000"/>
+              </a:schemeClr>
+            </a:solidFill>
+            <a:ln>
+              <a:solidFill>
+                <a:srgbClr val="FCDCC5"/>
+              </a:solidFill>
+            </a:ln>
+          </p:spPr>
+          <p:style>
+            <a:lnRef idx="2">
+              <a:schemeClr val="accent1">
+                <a:shade val="50000"/>
+              </a:schemeClr>
+            </a:lnRef>
+            <a:fillRef idx="1">
+              <a:schemeClr val="accent1"/>
+            </a:fillRef>
+            <a:effectRef idx="0">
+              <a:schemeClr val="accent1"/>
+            </a:effectRef>
+            <a:fontRef idx="minor">
+              <a:schemeClr val="lt1"/>
+            </a:fontRef>
+          </p:style>
+          <p:txBody>
+            <a:bodyPr rtlCol="0" anchor="ctr"/>
+            <a:lstStyle/>
+            <a:p>
+              <a:pPr algn="ctr"/>
+              <a:endParaRPr lang="en-GB"/>
+            </a:p>
+          </p:txBody>
+        </p:sp>
+        <p:sp>
+          <p:nvSpPr>
             <p:cNvPr id="45" name="Off-page Connector 9">
               <a:extLst>
                 <a:ext uri="{FF2B5EF4-FFF2-40B4-BE49-F238E27FC236}">
@@ -42665,62 +42721,6 @@
         </p:sp>
         <p:sp>
           <p:nvSpPr>
-            <p:cNvPr id="57" name="Rectangle: Rounded Corners 56">
-              <a:extLst>
-                <a:ext uri="{FF2B5EF4-FFF2-40B4-BE49-F238E27FC236}">
-                  <a16:creationId xmlns:a16="http://schemas.microsoft.com/office/drawing/2014/main" id="{374261D7-47BE-80C9-627F-3124A46B03B6}"/>
-                </a:ext>
-              </a:extLst>
-            </p:cNvPr>
-            <p:cNvSpPr/>
-            <p:nvPr/>
-          </p:nvSpPr>
-          <p:spPr>
-            <a:xfrm>
-              <a:off x="718267" y="4999173"/>
-              <a:ext cx="1953764" cy="545972"/>
-            </a:xfrm>
-            <a:prstGeom prst="roundRect">
-              <a:avLst/>
-            </a:prstGeom>
-            <a:solidFill>
-              <a:schemeClr val="accent1">
-                <a:alpha val="26000"/>
-              </a:schemeClr>
-            </a:solidFill>
-            <a:ln>
-              <a:solidFill>
-                <a:schemeClr val="accent1"/>
-              </a:solidFill>
-            </a:ln>
-          </p:spPr>
-          <p:style>
-            <a:lnRef idx="2">
-              <a:schemeClr val="accent1">
-                <a:shade val="50000"/>
-              </a:schemeClr>
-            </a:lnRef>
-            <a:fillRef idx="1">
-              <a:schemeClr val="accent1"/>
-            </a:fillRef>
-            <a:effectRef idx="0">
-              <a:schemeClr val="accent1"/>
-            </a:effectRef>
-            <a:fontRef idx="minor">
-              <a:schemeClr val="lt1"/>
-            </a:fontRef>
-          </p:style>
-          <p:txBody>
-            <a:bodyPr rtlCol="0" anchor="ctr"/>
-            <a:lstStyle/>
-            <a:p>
-              <a:pPr algn="ctr"/>
-              <a:endParaRPr lang="en-GB"/>
-            </a:p>
-          </p:txBody>
-        </p:sp>
-        <p:sp>
-          <p:nvSpPr>
             <p:cNvPr id="63" name="TextBox 62">
               <a:extLst>
                 <a:ext uri="{FF2B5EF4-FFF2-40B4-BE49-F238E27FC236}">
@@ -42789,7 +42789,9 @@
             <a:prstGeom prst="rect">
               <a:avLst/>
             </a:prstGeom>
-            <a:noFill/>
+            <a:solidFill>
+              <a:srgbClr val="FCDCC5"/>
+            </a:solidFill>
           </p:spPr>
           <p:txBody>
             <a:bodyPr wrap="square" rtlCol="0">
@@ -42913,7 +42915,7 @@
               </a:solidFill>
               <a:ln>
                 <a:solidFill>
-                  <a:schemeClr val="accent1"/>
+                  <a:srgbClr val="FDE3C5"/>
                 </a:solidFill>
               </a:ln>
             </p:spPr>
@@ -42938,7 +42940,7 @@
               <a:lstStyle/>
               <a:p>
                 <a:pPr algn="ctr"/>
-                <a:endParaRPr lang="en-GB"/>
+                <a:endParaRPr lang="en-GB" dirty="0"/>
               </a:p>
             </p:txBody>
           </p:sp>
@@ -43434,6 +43436,11 @@
               <a:avLst/>
             </a:prstGeom>
             <a:noFill/>
+            <a:ln>
+              <a:solidFill>
+                <a:srgbClr val="FDE3C5"/>
+              </a:solidFill>
+            </a:ln>
           </p:spPr>
           <p:txBody>
             <a:bodyPr wrap="square" rtlCol="0">
@@ -43808,7 +43815,7 @@
             </a:solidFill>
             <a:ln>
               <a:solidFill>
-                <a:schemeClr val="accent1"/>
+                <a:srgbClr val="FDE3C5"/>
               </a:solidFill>
             </a:ln>
           </p:spPr>
@@ -43833,7 +43840,7 @@
             <a:lstStyle/>
             <a:p>
               <a:pPr algn="ctr"/>
-              <a:endParaRPr lang="en-GB"/>
+              <a:endParaRPr lang="en-GB" dirty="0"/>
             </a:p>
           </p:txBody>
         </p:sp>
@@ -50814,17 +50821,6 @@
 </file>
 
 <file path=customXml/item1.xml><?xml version="1.0" encoding="utf-8"?>
-<p:properties xmlns:p="http://schemas.microsoft.com/office/2006/metadata/properties" xmlns:xsi="http://www.w3.org/2001/XMLSchema-instance" xmlns:pc="http://schemas.microsoft.com/office/infopath/2007/PartnerControls">
-  <documentManagement>
-    <lcf76f155ced4ddcb4097134ff3c332f xmlns="8a969d1d-647f-4e4c-97f9-a5143e71e435">
-      <Terms xmlns="http://schemas.microsoft.com/office/infopath/2007/PartnerControls"/>
-    </lcf76f155ced4ddcb4097134ff3c332f>
-    <TaxCatchAll xmlns="eb37a4e0-bf89-419d-8b31-963a97458fb1" xsi:nil="true"/>
-  </documentManagement>
-</p:properties>
-</file>
-
-<file path=customXml/item2.xml><?xml version="1.0" encoding="utf-8"?>
 <ct:contentTypeSchema xmlns:ct="http://schemas.microsoft.com/office/2006/metadata/contentType" xmlns:ma="http://schemas.microsoft.com/office/2006/metadata/properties/metaAttributes" ct:_="" ma:_="" ma:contentTypeName="Belge" ma:contentTypeID="0x010100FC2ADAF580B8A648AEA7FF4A5F3D65E6" ma:contentTypeVersion="11" ma:contentTypeDescription="Yeni belge oluşturun." ma:contentTypeScope="" ma:versionID="56f870f08e2d08b2b10344f12fd261be">
   <xsd:schema xmlns:xsd="http://www.w3.org/2001/XMLSchema" xmlns:xs="http://www.w3.org/2001/XMLSchema" xmlns:p="http://schemas.microsoft.com/office/2006/metadata/properties" xmlns:ns2="8a969d1d-647f-4e4c-97f9-a5143e71e435" xmlns:ns3="eb37a4e0-bf89-419d-8b31-963a97458fb1" targetNamespace="http://schemas.microsoft.com/office/2006/metadata/properties" ma:root="true" ma:fieldsID="699557ddf8cd53ad766f89e119cd6fad" ns2:_="" ns3:_="">
     <xsd:import namespace="8a969d1d-647f-4e4c-97f9-a5143e71e435"/>
@@ -51019,6 +51015,17 @@
 </ct:contentTypeSchema>
 </file>
 
+<file path=customXml/item2.xml><?xml version="1.0" encoding="utf-8"?>
+<p:properties xmlns:p="http://schemas.microsoft.com/office/2006/metadata/properties" xmlns:xsi="http://www.w3.org/2001/XMLSchema-instance" xmlns:pc="http://schemas.microsoft.com/office/infopath/2007/PartnerControls">
+  <documentManagement>
+    <lcf76f155ced4ddcb4097134ff3c332f xmlns="8a969d1d-647f-4e4c-97f9-a5143e71e435">
+      <Terms xmlns="http://schemas.microsoft.com/office/infopath/2007/PartnerControls"/>
+    </lcf76f155ced4ddcb4097134ff3c332f>
+    <TaxCatchAll xmlns="eb37a4e0-bf89-419d-8b31-963a97458fb1" xsi:nil="true"/>
+  </documentManagement>
+</p:properties>
+</file>
+
 <file path=customXml/item3.xml><?xml version="1.0" encoding="utf-8"?>
 <?mso-contentType ?>
 <FormTemplates xmlns="http://schemas.microsoft.com/sharepoint/v3/contenttype/forms">
@@ -51029,24 +51036,6 @@
 </file>
 
 <file path=customXml/itemProps1.xml><?xml version="1.0" encoding="utf-8"?>
-<ds:datastoreItem xmlns:ds="http://schemas.openxmlformats.org/officeDocument/2006/customXml" ds:itemID="{8140E5F8-1399-4596-AA73-4BD79D26AFFD}">
-  <ds:schemaRefs>
-    <ds:schemaRef ds:uri="http://schemas.microsoft.com/office/2006/metadata/properties"/>
-    <ds:schemaRef ds:uri="http://www.w3.org/XML/1998/namespace"/>
-    <ds:schemaRef ds:uri="8e78c812-0be8-4f61-8186-a9387d596735"/>
-    <ds:schemaRef ds:uri="http://purl.org/dc/elements/1.1/"/>
-    <ds:schemaRef ds:uri="http://schemas.openxmlformats.org/package/2006/metadata/core-properties"/>
-    <ds:schemaRef ds:uri="http://schemas.microsoft.com/office/2006/documentManagement/types"/>
-    <ds:schemaRef ds:uri="http://purl.org/dc/dcmitype/"/>
-    <ds:schemaRef ds:uri="http://purl.org/dc/terms/"/>
-    <ds:schemaRef ds:uri="http://schemas.microsoft.com/office/infopath/2007/PartnerControls"/>
-    <ds:schemaRef ds:uri="8a969d1d-647f-4e4c-97f9-a5143e71e435"/>
-    <ds:schemaRef ds:uri="eb37a4e0-bf89-419d-8b31-963a97458fb1"/>
-  </ds:schemaRefs>
-</ds:datastoreItem>
-</file>
-
-<file path=customXml/itemProps2.xml><?xml version="1.0" encoding="utf-8"?>
 <ds:datastoreItem xmlns:ds="http://schemas.openxmlformats.org/officeDocument/2006/customXml" ds:itemID="{40976E10-D540-4F0D-B7ED-DE660C408BCB}">
   <ds:schemaRefs>
     <ds:schemaRef ds:uri="http://schemas.microsoft.com/office/2006/metadata/contentType"/>
@@ -51065,6 +51054,24 @@
 </ds:datastoreItem>
 </file>
 
+<file path=customXml/itemProps2.xml><?xml version="1.0" encoding="utf-8"?>
+<ds:datastoreItem xmlns:ds="http://schemas.openxmlformats.org/officeDocument/2006/customXml" ds:itemID="{8140E5F8-1399-4596-AA73-4BD79D26AFFD}">
+  <ds:schemaRefs>
+    <ds:schemaRef ds:uri="http://schemas.microsoft.com/office/2006/metadata/properties"/>
+    <ds:schemaRef ds:uri="http://www.w3.org/XML/1998/namespace"/>
+    <ds:schemaRef ds:uri="8e78c812-0be8-4f61-8186-a9387d596735"/>
+    <ds:schemaRef ds:uri="http://purl.org/dc/elements/1.1/"/>
+    <ds:schemaRef ds:uri="http://schemas.openxmlformats.org/package/2006/metadata/core-properties"/>
+    <ds:schemaRef ds:uri="http://schemas.microsoft.com/office/2006/documentManagement/types"/>
+    <ds:schemaRef ds:uri="http://purl.org/dc/dcmitype/"/>
+    <ds:schemaRef ds:uri="http://purl.org/dc/terms/"/>
+    <ds:schemaRef ds:uri="http://schemas.microsoft.com/office/infopath/2007/PartnerControls"/>
+    <ds:schemaRef ds:uri="8a969d1d-647f-4e4c-97f9-a5143e71e435"/>
+    <ds:schemaRef ds:uri="eb37a4e0-bf89-419d-8b31-963a97458fb1"/>
+  </ds:schemaRefs>
+</ds:datastoreItem>
+</file>
+
 <file path=customXml/itemProps3.xml><?xml version="1.0" encoding="utf-8"?>
 <ds:datastoreItem xmlns:ds="http://schemas.openxmlformats.org/officeDocument/2006/customXml" ds:itemID="{953B4D23-82FF-4812-9F4E-BB600331C634}">
   <ds:schemaRefs>
